--- a/MEMO.pptx
+++ b/MEMO.pptx
@@ -5,16 +5,22 @@
     <p:sldMasterId id="2147483648" r:id="rId1"/>
   </p:sldMasterIdLst>
   <p:sldIdLst>
-    <p:sldId id="256" r:id="rId2"/>
-    <p:sldId id="257" r:id="rId3"/>
-    <p:sldId id="258" r:id="rId4"/>
-    <p:sldId id="259" r:id="rId5"/>
-    <p:sldId id="260" r:id="rId6"/>
-    <p:sldId id="261" r:id="rId7"/>
-    <p:sldId id="262" r:id="rId8"/>
-    <p:sldId id="263" r:id="rId9"/>
-    <p:sldId id="264" r:id="rId10"/>
-    <p:sldId id="265" r:id="rId11"/>
+    <p:sldId id="266" r:id="rId2"/>
+    <p:sldId id="267" r:id="rId3"/>
+    <p:sldId id="272" r:id="rId4"/>
+    <p:sldId id="257" r:id="rId5"/>
+    <p:sldId id="258" r:id="rId6"/>
+    <p:sldId id="259" r:id="rId7"/>
+    <p:sldId id="260" r:id="rId8"/>
+    <p:sldId id="261" r:id="rId9"/>
+    <p:sldId id="262" r:id="rId10"/>
+    <p:sldId id="263" r:id="rId11"/>
+    <p:sldId id="264" r:id="rId12"/>
+    <p:sldId id="265" r:id="rId13"/>
+    <p:sldId id="268" r:id="rId14"/>
+    <p:sldId id="269" r:id="rId15"/>
+    <p:sldId id="270" r:id="rId16"/>
+    <p:sldId id="271" r:id="rId17"/>
   </p:sldIdLst>
   <p:sldSz cx="12192000" cy="6858000"/>
   <p:notesSz cx="6858000" cy="9144000"/>
@@ -124,9 +130,7 @@
 <file path=ppt/revisionInfo.xml><?xml version="1.0" encoding="utf-8"?>
 <p1510:revInfo xmlns:a="http://schemas.openxmlformats.org/drawingml/2006/main" xmlns:r="http://schemas.openxmlformats.org/officeDocument/2006/relationships" xmlns:p1510="http://schemas.microsoft.com/office/powerpoint/2015/10/main">
   <p1510:revLst>
-    <p1510:client id="{4673E838-11EA-4A55-8BBF-B3A4662F01CE}" v="4" dt="2024-01-13T14:33:22.479"/>
-    <p1510:client id="{51E1AACE-B3FE-42F7-8D91-AA55385465B2}" v="6" dt="2024-01-13T07:38:37.019"/>
-    <p1510:client id="{F358CAFC-881D-4067-A9EB-64A6D4B19767}" v="1" dt="2024-01-12T17:27:39.521"/>
+    <p1510:client id="{4673E838-11EA-4A55-8BBF-B3A4662F01CE}" v="12" dt="2024-06-05T15:45:19.449"/>
   </p1510:revLst>
 </p1510:revInfo>
 </file>
@@ -175,11 +179,80 @@
   </pc:docChgLst>
   <pc:docChgLst>
     <pc:chgData name="witaya chaison" userId="aafc0013979b2c41" providerId="LiveId" clId="{4673E838-11EA-4A55-8BBF-B3A4662F01CE}"/>
-    <pc:docChg chg="custSel addSld modSld">
-      <pc:chgData name="witaya chaison" userId="aafc0013979b2c41" providerId="LiveId" clId="{4673E838-11EA-4A55-8BBF-B3A4662F01CE}" dt="2024-01-13T14:34:04.593" v="281" actId="478"/>
+    <pc:docChg chg="custSel addSld delSld modSld">
+      <pc:chgData name="witaya chaison" userId="aafc0013979b2c41" providerId="LiveId" clId="{4673E838-11EA-4A55-8BBF-B3A4662F01CE}" dt="2024-06-05T16:11:58.379" v="564" actId="20577"/>
       <pc:docMkLst>
         <pc:docMk/>
       </pc:docMkLst>
+      <pc:sldChg chg="del">
+        <pc:chgData name="witaya chaison" userId="aafc0013979b2c41" providerId="LiveId" clId="{4673E838-11EA-4A55-8BBF-B3A4662F01CE}" dt="2024-06-05T14:27:44.917" v="345" actId="47"/>
+        <pc:sldMkLst>
+          <pc:docMk/>
+          <pc:sldMk cId="2169243720" sldId="256"/>
+        </pc:sldMkLst>
+      </pc:sldChg>
+      <pc:sldChg chg="addSp modSp mod">
+        <pc:chgData name="witaya chaison" userId="aafc0013979b2c41" providerId="LiveId" clId="{4673E838-11EA-4A55-8BBF-B3A4662F01CE}" dt="2024-06-05T15:45:25.754" v="559" actId="20577"/>
+        <pc:sldMkLst>
+          <pc:docMk/>
+          <pc:sldMk cId="108872571" sldId="257"/>
+        </pc:sldMkLst>
+        <pc:spChg chg="add mod">
+          <ac:chgData name="witaya chaison" userId="aafc0013979b2c41" providerId="LiveId" clId="{4673E838-11EA-4A55-8BBF-B3A4662F01CE}" dt="2024-06-05T15:45:03.788" v="549" actId="20577"/>
+          <ac:spMkLst>
+            <pc:docMk/>
+            <pc:sldMk cId="108872571" sldId="257"/>
+            <ac:spMk id="2" creationId="{533CC0A0-5C67-765B-FDBE-8EAF9318F6CD}"/>
+          </ac:spMkLst>
+        </pc:spChg>
+        <pc:spChg chg="add mod">
+          <ac:chgData name="witaya chaison" userId="aafc0013979b2c41" providerId="LiveId" clId="{4673E838-11EA-4A55-8BBF-B3A4662F01CE}" dt="2024-06-05T15:45:25.754" v="559" actId="20577"/>
+          <ac:spMkLst>
+            <pc:docMk/>
+            <pc:sldMk cId="108872571" sldId="257"/>
+            <ac:spMk id="3" creationId="{142E8E1C-A639-4D15-A863-681E692728FA}"/>
+          </ac:spMkLst>
+        </pc:spChg>
+        <pc:picChg chg="mod">
+          <ac:chgData name="witaya chaison" userId="aafc0013979b2c41" providerId="LiveId" clId="{4673E838-11EA-4A55-8BBF-B3A4662F01CE}" dt="2024-06-05T15:44:03.454" v="536" actId="1076"/>
+          <ac:picMkLst>
+            <pc:docMk/>
+            <pc:sldMk cId="108872571" sldId="257"/>
+            <ac:picMk id="5" creationId="{05735720-0D45-EA25-4646-E811EB103866}"/>
+          </ac:picMkLst>
+        </pc:picChg>
+        <pc:picChg chg="mod">
+          <ac:chgData name="witaya chaison" userId="aafc0013979b2c41" providerId="LiveId" clId="{4673E838-11EA-4A55-8BBF-B3A4662F01CE}" dt="2024-06-05T15:44:05.528" v="537" actId="1076"/>
+          <ac:picMkLst>
+            <pc:docMk/>
+            <pc:sldMk cId="108872571" sldId="257"/>
+            <ac:picMk id="7" creationId="{4D5A783D-FC38-5DE0-CC45-999DFF825FA5}"/>
+          </ac:picMkLst>
+        </pc:picChg>
+        <pc:picChg chg="mod">
+          <ac:chgData name="witaya chaison" userId="aafc0013979b2c41" providerId="LiveId" clId="{4673E838-11EA-4A55-8BBF-B3A4662F01CE}" dt="2024-06-05T15:44:08.117" v="538" actId="1076"/>
+          <ac:picMkLst>
+            <pc:docMk/>
+            <pc:sldMk cId="108872571" sldId="257"/>
+            <ac:picMk id="13" creationId="{5FF1B981-7D1E-9AAD-E1CD-C738401BF337}"/>
+          </ac:picMkLst>
+        </pc:picChg>
+      </pc:sldChg>
+      <pc:sldChg chg="modSp mod">
+        <pc:chgData name="witaya chaison" userId="aafc0013979b2c41" providerId="LiveId" clId="{4673E838-11EA-4A55-8BBF-B3A4662F01CE}" dt="2024-06-05T14:28:09.860" v="349" actId="14100"/>
+        <pc:sldMkLst>
+          <pc:docMk/>
+          <pc:sldMk cId="2975294771" sldId="258"/>
+        </pc:sldMkLst>
+        <pc:spChg chg="mod">
+          <ac:chgData name="witaya chaison" userId="aafc0013979b2c41" providerId="LiveId" clId="{4673E838-11EA-4A55-8BBF-B3A4662F01CE}" dt="2024-06-05T14:28:09.860" v="349" actId="14100"/>
+          <ac:spMkLst>
+            <pc:docMk/>
+            <pc:sldMk cId="2975294771" sldId="258"/>
+            <ac:spMk id="4" creationId="{135AE14A-F405-25EE-3725-EB25A77DFEA1}"/>
+          </ac:spMkLst>
+        </pc:spChg>
+      </pc:sldChg>
       <pc:sldChg chg="modSp mod">
         <pc:chgData name="witaya chaison" userId="aafc0013979b2c41" providerId="LiveId" clId="{4673E838-11EA-4A55-8BBF-B3A4662F01CE}" dt="2024-01-13T08:07:00.168" v="34" actId="20577"/>
         <pc:sldMkLst>
@@ -334,6 +407,111 @@
           <pc:docMk/>
           <pc:sldMk cId="1788844401" sldId="265"/>
         </pc:sldMkLst>
+      </pc:sldChg>
+      <pc:sldChg chg="addSp modSp add mod">
+        <pc:chgData name="witaya chaison" userId="aafc0013979b2c41" providerId="LiveId" clId="{4673E838-11EA-4A55-8BBF-B3A4662F01CE}" dt="2024-06-05T14:27:54.895" v="347" actId="20577"/>
+        <pc:sldMkLst>
+          <pc:docMk/>
+          <pc:sldMk cId="679270536" sldId="266"/>
+        </pc:sldMkLst>
+        <pc:spChg chg="mod">
+          <ac:chgData name="witaya chaison" userId="aafc0013979b2c41" providerId="LiveId" clId="{4673E838-11EA-4A55-8BBF-B3A4662F01CE}" dt="2024-06-05T14:27:54.895" v="347" actId="20577"/>
+          <ac:spMkLst>
+            <pc:docMk/>
+            <pc:sldMk cId="679270536" sldId="266"/>
+            <ac:spMk id="4" creationId="{5EF6C24C-476F-490E-0332-CADF9298296E}"/>
+          </ac:spMkLst>
+        </pc:spChg>
+        <pc:picChg chg="add mod">
+          <ac:chgData name="witaya chaison" userId="aafc0013979b2c41" providerId="LiveId" clId="{4673E838-11EA-4A55-8BBF-B3A4662F01CE}" dt="2024-06-05T14:23:44.775" v="342" actId="1076"/>
+          <ac:picMkLst>
+            <pc:docMk/>
+            <pc:sldMk cId="679270536" sldId="266"/>
+            <ac:picMk id="3" creationId="{EB87CF8A-6E50-1662-C523-27440E06A46C}"/>
+          </ac:picMkLst>
+        </pc:picChg>
+      </pc:sldChg>
+      <pc:sldChg chg="addSp delSp modSp new mod">
+        <pc:chgData name="witaya chaison" userId="aafc0013979b2c41" providerId="LiveId" clId="{4673E838-11EA-4A55-8BBF-B3A4662F01CE}" dt="2024-06-05T14:38:50.372" v="355" actId="1076"/>
+        <pc:sldMkLst>
+          <pc:docMk/>
+          <pc:sldMk cId="944538427" sldId="267"/>
+        </pc:sldMkLst>
+        <pc:spChg chg="del">
+          <ac:chgData name="witaya chaison" userId="aafc0013979b2c41" providerId="LiveId" clId="{4673E838-11EA-4A55-8BBF-B3A4662F01CE}" dt="2024-06-05T14:38:43.896" v="351" actId="478"/>
+          <ac:spMkLst>
+            <pc:docMk/>
+            <pc:sldMk cId="944538427" sldId="267"/>
+            <ac:spMk id="2" creationId="{58AC0DB5-5A18-085C-F42C-242B4A656024}"/>
+          </ac:spMkLst>
+        </pc:spChg>
+        <pc:spChg chg="del">
+          <ac:chgData name="witaya chaison" userId="aafc0013979b2c41" providerId="LiveId" clId="{4673E838-11EA-4A55-8BBF-B3A4662F01CE}" dt="2024-06-05T14:38:45.023" v="352" actId="478"/>
+          <ac:spMkLst>
+            <pc:docMk/>
+            <pc:sldMk cId="944538427" sldId="267"/>
+            <ac:spMk id="3" creationId="{8F0D0D25-2C1B-1427-2313-B9B88E33046A}"/>
+          </ac:spMkLst>
+        </pc:spChg>
+        <pc:picChg chg="add mod">
+          <ac:chgData name="witaya chaison" userId="aafc0013979b2c41" providerId="LiveId" clId="{4673E838-11EA-4A55-8BBF-B3A4662F01CE}" dt="2024-06-05T14:38:50.372" v="355" actId="1076"/>
+          <ac:picMkLst>
+            <pc:docMk/>
+            <pc:sldMk cId="944538427" sldId="267"/>
+            <ac:picMk id="5" creationId="{11B62282-1402-B26A-D558-F23B8541CF3A}"/>
+          </ac:picMkLst>
+        </pc:picChg>
+      </pc:sldChg>
+      <pc:sldChg chg="add">
+        <pc:chgData name="witaya chaison" userId="aafc0013979b2c41" providerId="LiveId" clId="{4673E838-11EA-4A55-8BBF-B3A4662F01CE}" dt="2024-06-05T14:39:12.008" v="356"/>
+        <pc:sldMkLst>
+          <pc:docMk/>
+          <pc:sldMk cId="2869427877" sldId="268"/>
+        </pc:sldMkLst>
+      </pc:sldChg>
+      <pc:sldChg chg="add">
+        <pc:chgData name="witaya chaison" userId="aafc0013979b2c41" providerId="LiveId" clId="{4673E838-11EA-4A55-8BBF-B3A4662F01CE}" dt="2024-06-05T14:39:13.605" v="357"/>
+        <pc:sldMkLst>
+          <pc:docMk/>
+          <pc:sldMk cId="1805123889" sldId="269"/>
+        </pc:sldMkLst>
+      </pc:sldChg>
+      <pc:sldChg chg="add">
+        <pc:chgData name="witaya chaison" userId="aafc0013979b2c41" providerId="LiveId" clId="{4673E838-11EA-4A55-8BBF-B3A4662F01CE}" dt="2024-06-05T14:39:15.019" v="358"/>
+        <pc:sldMkLst>
+          <pc:docMk/>
+          <pc:sldMk cId="513142751" sldId="270"/>
+        </pc:sldMkLst>
+      </pc:sldChg>
+      <pc:sldChg chg="add">
+        <pc:chgData name="witaya chaison" userId="aafc0013979b2c41" providerId="LiveId" clId="{4673E838-11EA-4A55-8BBF-B3A4662F01CE}" dt="2024-06-05T14:39:16.602" v="359"/>
+        <pc:sldMkLst>
+          <pc:docMk/>
+          <pc:sldMk cId="2082009683" sldId="271"/>
+        </pc:sldMkLst>
+      </pc:sldChg>
+      <pc:sldChg chg="delSp modSp new mod">
+        <pc:chgData name="witaya chaison" userId="aafc0013979b2c41" providerId="LiveId" clId="{4673E838-11EA-4A55-8BBF-B3A4662F01CE}" dt="2024-06-05T16:11:58.379" v="564" actId="20577"/>
+        <pc:sldMkLst>
+          <pc:docMk/>
+          <pc:sldMk cId="914219326" sldId="272"/>
+        </pc:sldMkLst>
+        <pc:spChg chg="mod">
+          <ac:chgData name="witaya chaison" userId="aafc0013979b2c41" providerId="LiveId" clId="{4673E838-11EA-4A55-8BBF-B3A4662F01CE}" dt="2024-06-05T16:11:58.379" v="564" actId="20577"/>
+          <ac:spMkLst>
+            <pc:docMk/>
+            <pc:sldMk cId="914219326" sldId="272"/>
+            <ac:spMk id="2" creationId="{33F0E730-CCBA-F168-A08D-AC8F8344BE84}"/>
+          </ac:spMkLst>
+        </pc:spChg>
+        <pc:spChg chg="del">
+          <ac:chgData name="witaya chaison" userId="aafc0013979b2c41" providerId="LiveId" clId="{4673E838-11EA-4A55-8BBF-B3A4662F01CE}" dt="2024-06-05T14:59:38.369" v="361" actId="478"/>
+          <ac:spMkLst>
+            <pc:docMk/>
+            <pc:sldMk cId="914219326" sldId="272"/>
+            <ac:spMk id="3" creationId="{2F8B6279-C1B0-32D0-5D8D-5C2307BE56CF}"/>
+          </ac:spMkLst>
+        </pc:spChg>
       </pc:sldChg>
     </pc:docChg>
   </pc:docChgLst>
@@ -839,7 +1017,7 @@
           <a:p>
             <a:fld id="{FF19641E-D5CE-4B13-8E10-D4C1496D4EDE}" type="datetimeFigureOut">
               <a:rPr lang="en-US" smtClean="0"/>
-              <a:t>1/13/2024</a:t>
+              <a:t>6/5/2024</a:t>
             </a:fld>
             <a:endParaRPr lang="en-US"/>
           </a:p>
@@ -1037,7 +1215,7 @@
           <a:p>
             <a:fld id="{FF19641E-D5CE-4B13-8E10-D4C1496D4EDE}" type="datetimeFigureOut">
               <a:rPr lang="en-US" smtClean="0"/>
-              <a:t>1/13/2024</a:t>
+              <a:t>6/5/2024</a:t>
             </a:fld>
             <a:endParaRPr lang="en-US"/>
           </a:p>
@@ -1245,7 +1423,7 @@
           <a:p>
             <a:fld id="{FF19641E-D5CE-4B13-8E10-D4C1496D4EDE}" type="datetimeFigureOut">
               <a:rPr lang="en-US" smtClean="0"/>
-              <a:t>1/13/2024</a:t>
+              <a:t>6/5/2024</a:t>
             </a:fld>
             <a:endParaRPr lang="en-US"/>
           </a:p>
@@ -1443,7 +1621,7 @@
           <a:p>
             <a:fld id="{FF19641E-D5CE-4B13-8E10-D4C1496D4EDE}" type="datetimeFigureOut">
               <a:rPr lang="en-US" smtClean="0"/>
-              <a:t>1/13/2024</a:t>
+              <a:t>6/5/2024</a:t>
             </a:fld>
             <a:endParaRPr lang="en-US"/>
           </a:p>
@@ -1718,7 +1896,7 @@
           <a:p>
             <a:fld id="{FF19641E-D5CE-4B13-8E10-D4C1496D4EDE}" type="datetimeFigureOut">
               <a:rPr lang="en-US" smtClean="0"/>
-              <a:t>1/13/2024</a:t>
+              <a:t>6/5/2024</a:t>
             </a:fld>
             <a:endParaRPr lang="en-US"/>
           </a:p>
@@ -1983,7 +2161,7 @@
           <a:p>
             <a:fld id="{FF19641E-D5CE-4B13-8E10-D4C1496D4EDE}" type="datetimeFigureOut">
               <a:rPr lang="en-US" smtClean="0"/>
-              <a:t>1/13/2024</a:t>
+              <a:t>6/5/2024</a:t>
             </a:fld>
             <a:endParaRPr lang="en-US"/>
           </a:p>
@@ -2395,7 +2573,7 @@
           <a:p>
             <a:fld id="{FF19641E-D5CE-4B13-8E10-D4C1496D4EDE}" type="datetimeFigureOut">
               <a:rPr lang="en-US" smtClean="0"/>
-              <a:t>1/13/2024</a:t>
+              <a:t>6/5/2024</a:t>
             </a:fld>
             <a:endParaRPr lang="en-US"/>
           </a:p>
@@ -2536,7 +2714,7 @@
           <a:p>
             <a:fld id="{FF19641E-D5CE-4B13-8E10-D4C1496D4EDE}" type="datetimeFigureOut">
               <a:rPr lang="en-US" smtClean="0"/>
-              <a:t>1/13/2024</a:t>
+              <a:t>6/5/2024</a:t>
             </a:fld>
             <a:endParaRPr lang="en-US"/>
           </a:p>
@@ -2649,7 +2827,7 @@
           <a:p>
             <a:fld id="{FF19641E-D5CE-4B13-8E10-D4C1496D4EDE}" type="datetimeFigureOut">
               <a:rPr lang="en-US" smtClean="0"/>
-              <a:t>1/13/2024</a:t>
+              <a:t>6/5/2024</a:t>
             </a:fld>
             <a:endParaRPr lang="en-US"/>
           </a:p>
@@ -2960,7 +3138,7 @@
           <a:p>
             <a:fld id="{FF19641E-D5CE-4B13-8E10-D4C1496D4EDE}" type="datetimeFigureOut">
               <a:rPr lang="en-US" smtClean="0"/>
-              <a:t>1/13/2024</a:t>
+              <a:t>6/5/2024</a:t>
             </a:fld>
             <a:endParaRPr lang="en-US"/>
           </a:p>
@@ -3248,7 +3426,7 @@
           <a:p>
             <a:fld id="{FF19641E-D5CE-4B13-8E10-D4C1496D4EDE}" type="datetimeFigureOut">
               <a:rPr lang="en-US" smtClean="0"/>
-              <a:t>1/13/2024</a:t>
+              <a:t>6/5/2024</a:t>
             </a:fld>
             <a:endParaRPr lang="en-US"/>
           </a:p>
@@ -3489,7 +3667,7 @@
           <a:p>
             <a:fld id="{FF19641E-D5CE-4B13-8E10-D4C1496D4EDE}" type="datetimeFigureOut">
               <a:rPr lang="en-US" smtClean="0"/>
-              <a:t>1/13/2024</a:t>
+              <a:t>6/5/2024</a:t>
             </a:fld>
             <a:endParaRPr lang="en-US"/>
           </a:p>
@@ -3920,8 +4098,8 @@
         </p:nvSpPr>
         <p:spPr>
           <a:xfrm>
-            <a:off x="256597" y="305994"/>
-            <a:ext cx="10969690" cy="4801314"/>
+            <a:off x="256596" y="305994"/>
+            <a:ext cx="11731187" cy="4632037"/>
           </a:xfrm>
           <a:prstGeom prst="rect">
             <a:avLst/>
@@ -3942,15 +4120,208 @@
           <a:p>
             <a:r>
               <a:rPr lang="en-US" dirty="0"/>
-              <a:t>C:\Users\Lenovo\OneDrive\GitHub 2024&gt;python -m </a:t>
+              <a:t>1.Pip install </a:t>
             </a:r>
             <a:r>
               <a:rPr lang="en-US" dirty="0" err="1"/>
               <a:t>virtualenv</a:t>
             </a:r>
+            <a:endParaRPr lang="en-US" dirty="0"/>
+          </a:p>
+          <a:p>
+            <a:r>
+              <a:rPr lang="en-US" dirty="0"/>
+              <a:t>2.C:\Users\Lenovo\OneDrive\GitHub 2024&gt;</a:t>
+            </a:r>
+            <a:r>
+              <a:rPr lang="en-US" sz="2400" b="1" dirty="0"/>
+              <a:t>python -m </a:t>
+            </a:r>
+            <a:r>
+              <a:rPr lang="en-US" sz="2400" b="1" dirty="0" err="1"/>
+              <a:t>virtualenv</a:t>
+            </a:r>
+            <a:r>
+              <a:rPr lang="en-US" sz="2400" b="1" dirty="0"/>
+              <a:t> </a:t>
+            </a:r>
+            <a:r>
+              <a:rPr lang="en-US" sz="2400" b="1" dirty="0" err="1">
+                <a:highlight>
+                  <a:srgbClr val="FFFF00"/>
+                </a:highlight>
+              </a:rPr>
+              <a:t>venv</a:t>
+            </a:r>
+            <a:r>
+              <a:rPr lang="en-US" sz="2400" b="1" dirty="0">
+                <a:highlight>
+                  <a:srgbClr val="FFFF00"/>
+                </a:highlight>
+              </a:rPr>
+              <a:t> </a:t>
+            </a:r>
+            <a:r>
+              <a:rPr lang="en-US" sz="2400" b="1" dirty="0"/>
+              <a:t> </a:t>
+            </a:r>
+            <a:r>
+              <a:rPr lang="en-US" dirty="0"/>
+              <a:t>or python –m </a:t>
+            </a:r>
+            <a:r>
+              <a:rPr lang="en-US" dirty="0" err="1"/>
+              <a:t>venv</a:t>
+            </a:r>
             <a:r>
               <a:rPr lang="en-US" dirty="0"/>
               <a:t> </a:t>
+            </a:r>
+            <a:r>
+              <a:rPr lang="en-US" dirty="0" err="1">
+                <a:highlight>
+                  <a:srgbClr val="FFFF00"/>
+                </a:highlight>
+              </a:rPr>
+              <a:t>myname</a:t>
+            </a:r>
+            <a:endParaRPr lang="en-US" dirty="0">
+              <a:highlight>
+                <a:srgbClr val="FFFF00"/>
+              </a:highlight>
+            </a:endParaRPr>
+          </a:p>
+          <a:p>
+            <a:endParaRPr lang="en-US" dirty="0"/>
+          </a:p>
+          <a:p>
+            <a:r>
+              <a:rPr lang="en-US" sz="1100" dirty="0"/>
+              <a:t>created virtual environment CPython3.10.1.final.0-64 in 12014ms</a:t>
+            </a:r>
+          </a:p>
+          <a:p>
+            <a:r>
+              <a:rPr lang="en-US" sz="1100" dirty="0"/>
+              <a:t> creator CPython3Windows(</a:t>
+            </a:r>
+            <a:r>
+              <a:rPr lang="en-US" sz="1100" dirty="0" err="1"/>
+              <a:t>dest</a:t>
+            </a:r>
+            <a:r>
+              <a:rPr lang="en-US" sz="1100" dirty="0"/>
+              <a:t>=C:\Users\Lenovo\OneDrive\GitHub 2024\</a:t>
+            </a:r>
+            <a:r>
+              <a:rPr lang="en-US" sz="1100" dirty="0" err="1"/>
+              <a:t>venv</a:t>
+            </a:r>
+            <a:r>
+              <a:rPr lang="en-US" sz="1100" dirty="0"/>
+              <a:t>, clear=False, </a:t>
+            </a:r>
+            <a:r>
+              <a:rPr lang="en-US" sz="1100" dirty="0" err="1"/>
+              <a:t>no_vcs_ignore</a:t>
+            </a:r>
+            <a:r>
+              <a:rPr lang="en-US" sz="1100" dirty="0"/>
+              <a:t>=False, global=False)</a:t>
+            </a:r>
+          </a:p>
+          <a:p>
+            <a:r>
+              <a:rPr lang="en-US" sz="1100" dirty="0"/>
+              <a:t>  seeder </a:t>
+            </a:r>
+            <a:r>
+              <a:rPr lang="en-US" sz="1100" dirty="0" err="1"/>
+              <a:t>FromAppData</a:t>
+            </a:r>
+            <a:r>
+              <a:rPr lang="en-US" sz="1100" dirty="0"/>
+              <a:t>(download=False, pip=bundle, </a:t>
+            </a:r>
+            <a:r>
+              <a:rPr lang="en-US" sz="1100" dirty="0" err="1"/>
+              <a:t>setuptools</a:t>
+            </a:r>
+            <a:r>
+              <a:rPr lang="en-US" sz="1100" dirty="0"/>
+              <a:t>=bundle, wheel=bundle, via=copy, </a:t>
+            </a:r>
+            <a:r>
+              <a:rPr lang="en-US" sz="1100" dirty="0" err="1"/>
+              <a:t>app_data_dir</a:t>
+            </a:r>
+            <a:r>
+              <a:rPr lang="en-US" sz="1100" dirty="0"/>
+              <a:t>=C:\Users\Lenovo\</a:t>
+            </a:r>
+            <a:r>
+              <a:rPr lang="en-US" sz="1100" dirty="0" err="1"/>
+              <a:t>AppData</a:t>
+            </a:r>
+            <a:r>
+              <a:rPr lang="en-US" sz="1100" dirty="0"/>
+              <a:t>\Local\</a:t>
+            </a:r>
+            <a:r>
+              <a:rPr lang="en-US" sz="1100" dirty="0" err="1"/>
+              <a:t>pypa</a:t>
+            </a:r>
+            <a:r>
+              <a:rPr lang="en-US" sz="1100" dirty="0"/>
+              <a:t>\</a:t>
+            </a:r>
+            <a:r>
+              <a:rPr lang="en-US" sz="1100" dirty="0" err="1"/>
+              <a:t>virtualenv</a:t>
+            </a:r>
+            <a:r>
+              <a:rPr lang="en-US" sz="1100" dirty="0"/>
+              <a:t>)</a:t>
+            </a:r>
+          </a:p>
+          <a:p>
+            <a:r>
+              <a:rPr lang="en-US" sz="1100" dirty="0"/>
+              <a:t>   added seed packages: pip==23.2.1, </a:t>
+            </a:r>
+            <a:r>
+              <a:rPr lang="en-US" sz="1100" dirty="0" err="1"/>
+              <a:t>setuptools</a:t>
+            </a:r>
+            <a:r>
+              <a:rPr lang="en-US" sz="1100" dirty="0"/>
+              <a:t>==68.1.2, wheel==0.41.2</a:t>
+            </a:r>
+          </a:p>
+          <a:p>
+            <a:r>
+              <a:rPr lang="en-US" sz="1100" dirty="0"/>
+              <a:t>  activators BashActivator,BatchActivator,FishActivator,NushellActivator,PowerShellActivator,PythonActivator</a:t>
+            </a:r>
+          </a:p>
+          <a:p>
+            <a:endParaRPr lang="en-US" dirty="0"/>
+          </a:p>
+          <a:p>
+            <a:endParaRPr lang="en-US" dirty="0"/>
+          </a:p>
+          <a:p>
+            <a:r>
+              <a:rPr lang="en-US" dirty="0"/>
+              <a:t>3.C:\Users\Lenovo\OneDrive\GitHub 2024</a:t>
+            </a:r>
+            <a:r>
+              <a:rPr lang="en-US" dirty="0">
+                <a:highlight>
+                  <a:srgbClr val="FFFF00"/>
+                </a:highlight>
+              </a:rPr>
+              <a:t>&gt;.\</a:t>
             </a:r>
             <a:r>
               <a:rPr lang="en-US" dirty="0" err="1">
@@ -3966,28 +4337,10 @@
                   <a:srgbClr val="FFFF00"/>
                 </a:highlight>
               </a:rPr>
-              <a:t> </a:t>
-            </a:r>
-            <a:r>
-              <a:rPr lang="en-US" dirty="0"/>
-              <a:t> or python –m </a:t>
-            </a:r>
-            <a:r>
-              <a:rPr lang="en-US" dirty="0" err="1"/>
-              <a:t>venv</a:t>
-            </a:r>
-            <a:r>
-              <a:rPr lang="en-US" dirty="0"/>
-              <a:t> </a:t>
-            </a:r>
-            <a:r>
-              <a:rPr lang="en-US" dirty="0" err="1">
-                <a:highlight>
-                  <a:srgbClr val="FFFF00"/>
-                </a:highlight>
-              </a:rPr>
-              <a:t>myname</a:t>
-            </a:r>
+              <a:t>\scripts\activate    or .\name virtual environment \Scripts\activate</a:t>
+            </a:r>
+          </a:p>
+          <a:p>
             <a:endParaRPr lang="en-US" dirty="0">
               <a:highlight>
                 <a:srgbClr val="FFFF00"/>
@@ -3995,26 +4348,9 @@
             </a:endParaRPr>
           </a:p>
           <a:p>
-            <a:endParaRPr lang="en-US" dirty="0"/>
-          </a:p>
-          <a:p>
             <a:r>
               <a:rPr lang="en-US" dirty="0"/>
-              <a:t>created virtual environment CPython3.10.1.final.0-64 in 12014ms</a:t>
-            </a:r>
-          </a:p>
-          <a:p>
-            <a:r>
-              <a:rPr lang="en-US" dirty="0"/>
-              <a:t>  creator CPython3Windows(</a:t>
-            </a:r>
-            <a:r>
-              <a:rPr lang="en-US" dirty="0" err="1"/>
-              <a:t>dest</a:t>
-            </a:r>
-            <a:r>
-              <a:rPr lang="en-US" dirty="0"/>
-              <a:t>=C:\Users\Lenovo\OneDrive\GitHub 2024\</a:t>
+              <a:t>4.(</a:t>
             </a:r>
             <a:r>
               <a:rPr lang="en-US" dirty="0" err="1"/>
@@ -4022,300 +4358,35 @@
             </a:r>
             <a:r>
               <a:rPr lang="en-US" dirty="0"/>
-              <a:t>, clear=False, </a:t>
-            </a:r>
-            <a:r>
-              <a:rPr lang="en-US" dirty="0" err="1"/>
-              <a:t>no_vcs_ignore</a:t>
-            </a:r>
-            <a:r>
-              <a:rPr lang="en-US" dirty="0"/>
-              <a:t>=False, global=False)</a:t>
-            </a:r>
-          </a:p>
-          <a:p>
-            <a:r>
-              <a:rPr lang="en-US" dirty="0"/>
-              <a:t>  seeder </a:t>
-            </a:r>
-            <a:r>
-              <a:rPr lang="en-US" dirty="0" err="1"/>
-              <a:t>FromAppData</a:t>
-            </a:r>
-            <a:r>
-              <a:rPr lang="en-US" dirty="0"/>
-              <a:t>(download=False, pip=bundle, </a:t>
-            </a:r>
-            <a:r>
-              <a:rPr lang="en-US" dirty="0" err="1"/>
-              <a:t>setuptools</a:t>
-            </a:r>
-            <a:r>
-              <a:rPr lang="en-US" dirty="0"/>
-              <a:t>=bundle, wheel=bundle, via=copy, </a:t>
-            </a:r>
-            <a:r>
-              <a:rPr lang="en-US" dirty="0" err="1"/>
-              <a:t>app_data_dir</a:t>
-            </a:r>
-            <a:r>
-              <a:rPr lang="en-US" dirty="0"/>
-              <a:t>=C:\Users\Lenovo\</a:t>
-            </a:r>
-            <a:r>
-              <a:rPr lang="en-US" dirty="0" err="1"/>
-              <a:t>AppData</a:t>
-            </a:r>
-            <a:r>
-              <a:rPr lang="en-US" dirty="0"/>
-              <a:t>\Local\</a:t>
-            </a:r>
-            <a:r>
-              <a:rPr lang="en-US" dirty="0" err="1"/>
-              <a:t>pypa</a:t>
-            </a:r>
-            <a:r>
-              <a:rPr lang="en-US" dirty="0"/>
-              <a:t>\</a:t>
-            </a:r>
-            <a:r>
-              <a:rPr lang="en-US" dirty="0" err="1"/>
-              <a:t>virtualenv</a:t>
-            </a:r>
-            <a:r>
-              <a:rPr lang="en-US" dirty="0"/>
-              <a:t>)</a:t>
-            </a:r>
-          </a:p>
-          <a:p>
-            <a:r>
-              <a:rPr lang="en-US" dirty="0"/>
-              <a:t>    added seed packages: pip==23.2.1, </a:t>
-            </a:r>
-            <a:r>
-              <a:rPr lang="en-US" dirty="0" err="1"/>
-              <a:t>setuptools</a:t>
-            </a:r>
-            <a:r>
-              <a:rPr lang="en-US" dirty="0"/>
-              <a:t>==68.1.2, wheel==0.41.2</a:t>
-            </a:r>
-          </a:p>
-          <a:p>
-            <a:r>
-              <a:rPr lang="en-US" dirty="0"/>
-              <a:t>  activators BashActivator,BatchActivator,FishActivator,NushellActivator,PowerShellActivator,PythonActivator</a:t>
+              <a:t>) C:\Users\Lenovo\OneDrive\GitHub 2024&gt;</a:t>
             </a:r>
           </a:p>
           <a:p>
             <a:endParaRPr lang="en-US" dirty="0"/>
           </a:p>
           <a:p>
+            <a:r>
+              <a:rPr lang="en-US" dirty="0">
+                <a:hlinkClick r:id="rId2"/>
+              </a:rPr>
+              <a:t>https://www.youtube.com/watch?v=rRVWQCpZ_CI&amp;t=3208s</a:t>
+            </a:r>
             <a:endParaRPr lang="en-US" dirty="0"/>
           </a:p>
           <a:p>
-            <a:r>
-              <a:rPr lang="en-US" dirty="0"/>
-              <a:t>C:\Users\Lenovo\OneDrive\GitHub 2024</a:t>
-            </a:r>
-            <a:r>
-              <a:rPr lang="en-US" dirty="0">
-                <a:highlight>
-                  <a:srgbClr val="FFFF00"/>
-                </a:highlight>
-              </a:rPr>
-              <a:t>&gt;.\</a:t>
-            </a:r>
-            <a:r>
-              <a:rPr lang="en-US" dirty="0" err="1">
-                <a:highlight>
-                  <a:srgbClr val="FFFF00"/>
-                </a:highlight>
-              </a:rPr>
-              <a:t>venv</a:t>
-            </a:r>
-            <a:r>
-              <a:rPr lang="en-US" dirty="0">
-                <a:highlight>
-                  <a:srgbClr val="FFFF00"/>
-                </a:highlight>
-              </a:rPr>
-              <a:t>\scripts\activate    or .\</a:t>
-            </a:r>
-            <a:r>
-              <a:rPr lang="en-US" dirty="0" err="1">
-                <a:highlight>
-                  <a:srgbClr val="FFFF00"/>
-                </a:highlight>
-              </a:rPr>
-              <a:t>namevirtual</a:t>
-            </a:r>
-            <a:r>
-              <a:rPr lang="en-US" dirty="0">
-                <a:highlight>
-                  <a:srgbClr val="FFFF00"/>
-                </a:highlight>
-              </a:rPr>
-              <a:t> environment \Scripts\activate</a:t>
-            </a:r>
-          </a:p>
-          <a:p>
-            <a:r>
-              <a:rPr lang="en-US" dirty="0"/>
-              <a:t>(</a:t>
-            </a:r>
-            <a:r>
-              <a:rPr lang="en-US" dirty="0" err="1"/>
-              <a:t>venv</a:t>
-            </a:r>
-            <a:r>
-              <a:rPr lang="en-US" dirty="0"/>
-              <a:t>) C:\Users\Lenovo\OneDrive\GitHub 2024&gt;</a:t>
-            </a:r>
-          </a:p>
-          <a:p>
             <a:endParaRPr lang="en-US" dirty="0"/>
           </a:p>
           <a:p>
             <a:endParaRPr lang="en-US" dirty="0"/>
           </a:p>
-          <a:p>
-            <a:endParaRPr lang="en-US" dirty="0"/>
-          </a:p>
-        </p:txBody>
-      </p:sp>
-    </p:spTree>
-    <p:extLst>
-      <p:ext uri="{BB962C8B-B14F-4D97-AF65-F5344CB8AC3E}">
-        <p14:creationId xmlns:p14="http://schemas.microsoft.com/office/powerpoint/2010/main" val="2169243720"/>
-      </p:ext>
-    </p:extLst>
-  </p:cSld>
-  <p:clrMapOvr>
-    <a:masterClrMapping/>
-  </p:clrMapOvr>
-</p:sld>
-</file>
-
-<file path=ppt/slides/slide10.xml><?xml version="1.0" encoding="utf-8"?>
-<p:sld xmlns:a="http://schemas.openxmlformats.org/drawingml/2006/main" xmlns:r="http://schemas.openxmlformats.org/officeDocument/2006/relationships" xmlns:p="http://schemas.openxmlformats.org/presentationml/2006/main">
-  <p:cSld>
-    <p:spTree>
-      <p:nvGrpSpPr>
-        <p:cNvPr id="1" name=""/>
-        <p:cNvGrpSpPr/>
-        <p:nvPr/>
-      </p:nvGrpSpPr>
-      <p:grpSpPr>
-        <a:xfrm>
-          <a:off x="0" y="0"/>
-          <a:ext cx="0" cy="0"/>
-          <a:chOff x="0" y="0"/>
-          <a:chExt cx="0" cy="0"/>
-        </a:xfrm>
-      </p:grpSpPr>
-      <p:sp>
-        <p:nvSpPr>
-          <p:cNvPr id="2" name="TextBox 1">
-            <a:extLst>
-              <a:ext uri="{FF2B5EF4-FFF2-40B4-BE49-F238E27FC236}">
-                <a16:creationId xmlns:a16="http://schemas.microsoft.com/office/drawing/2014/main" id="{DD7CFE07-4E68-CBF7-C10C-D045039F26AE}"/>
-              </a:ext>
-            </a:extLst>
-          </p:cNvPr>
-          <p:cNvSpPr txBox="1"/>
-          <p:nvPr/>
-        </p:nvSpPr>
-        <p:spPr>
-          <a:xfrm>
-            <a:off x="402336" y="594360"/>
-            <a:ext cx="1290738" cy="369332"/>
-          </a:xfrm>
-          <a:prstGeom prst="rect">
-            <a:avLst/>
-          </a:prstGeom>
-          <a:noFill/>
-        </p:spPr>
-        <p:txBody>
-          <a:bodyPr wrap="none" rtlCol="0">
-            <a:spAutoFit/>
-          </a:bodyPr>
-          <a:lstStyle/>
-          <a:p>
-            <a:r>
-              <a:rPr lang="th-TH" dirty="0"/>
-              <a:t>การใช้งานรูปภาพ</a:t>
-            </a:r>
-            <a:endParaRPr lang="en-US" dirty="0"/>
-          </a:p>
-        </p:txBody>
-      </p:sp>
-    </p:spTree>
-    <p:extLst>
-      <p:ext uri="{BB962C8B-B14F-4D97-AF65-F5344CB8AC3E}">
-        <p14:creationId xmlns:p14="http://schemas.microsoft.com/office/powerpoint/2010/main" val="1788844401"/>
-      </p:ext>
-    </p:extLst>
-  </p:cSld>
-  <p:clrMapOvr>
-    <a:masterClrMapping/>
-  </p:clrMapOvr>
-</p:sld>
-</file>
-
-<file path=ppt/slides/slide2.xml><?xml version="1.0" encoding="utf-8"?>
-<p:sld xmlns:a="http://schemas.openxmlformats.org/drawingml/2006/main" xmlns:r="http://schemas.openxmlformats.org/officeDocument/2006/relationships" xmlns:p="http://schemas.openxmlformats.org/presentationml/2006/main">
-  <p:cSld>
-    <p:spTree>
-      <p:nvGrpSpPr>
-        <p:cNvPr id="1" name=""/>
-        <p:cNvGrpSpPr/>
-        <p:nvPr/>
-      </p:nvGrpSpPr>
-      <p:grpSpPr>
-        <a:xfrm>
-          <a:off x="0" y="0"/>
-          <a:ext cx="0" cy="0"/>
-          <a:chOff x="0" y="0"/>
-          <a:chExt cx="0" cy="0"/>
-        </a:xfrm>
-      </p:grpSpPr>
+        </p:txBody>
+      </p:sp>
       <p:pic>
         <p:nvPicPr>
-          <p:cNvPr id="5" name="Picture 4">
-            <a:extLst>
-              <a:ext uri="{FF2B5EF4-FFF2-40B4-BE49-F238E27FC236}">
-                <a16:creationId xmlns:a16="http://schemas.microsoft.com/office/drawing/2014/main" id="{05735720-0D45-EA25-4646-E811EB103866}"/>
-              </a:ext>
-            </a:extLst>
-          </p:cNvPr>
-          <p:cNvPicPr>
-            <a:picLocks noChangeAspect="1"/>
-          </p:cNvPicPr>
-          <p:nvPr/>
-        </p:nvPicPr>
-        <p:blipFill>
-          <a:blip r:embed="rId2"/>
-          <a:stretch>
-            <a:fillRect/>
-          </a:stretch>
-        </p:blipFill>
-        <p:spPr>
-          <a:xfrm>
-            <a:off x="274320" y="303114"/>
-            <a:ext cx="11036808" cy="4349819"/>
-          </a:xfrm>
-          <a:prstGeom prst="rect">
-            <a:avLst/>
-          </a:prstGeom>
-        </p:spPr>
-      </p:pic>
-      <p:pic>
-        <p:nvPicPr>
-          <p:cNvPr id="7" name="Picture 6">
-            <a:extLst>
-              <a:ext uri="{FF2B5EF4-FFF2-40B4-BE49-F238E27FC236}">
-                <a16:creationId xmlns:a16="http://schemas.microsoft.com/office/drawing/2014/main" id="{4D5A783D-FC38-5DE0-CC45-999DFF825FA5}"/>
+          <p:cNvPr id="3" name="Picture 2">
+            <a:extLst>
+              <a:ext uri="{FF2B5EF4-FFF2-40B4-BE49-F238E27FC236}">
+                <a16:creationId xmlns:a16="http://schemas.microsoft.com/office/drawing/2014/main" id="{EB87CF8A-6E50-1662-C523-27440E06A46C}"/>
               </a:ext>
             </a:extLst>
           </p:cNvPr>
@@ -4332,169 +4403,8 @@
         </p:blipFill>
         <p:spPr>
           <a:xfrm>
-            <a:off x="4889724" y="3350358"/>
-            <a:ext cx="6512844" cy="3041297"/>
-          </a:xfrm>
-          <a:prstGeom prst="rect">
-            <a:avLst/>
-          </a:prstGeom>
-        </p:spPr>
-      </p:pic>
-      <p:sp>
-        <p:nvSpPr>
-          <p:cNvPr id="8" name="Oval 7">
-            <a:extLst>
-              <a:ext uri="{FF2B5EF4-FFF2-40B4-BE49-F238E27FC236}">
-                <a16:creationId xmlns:a16="http://schemas.microsoft.com/office/drawing/2014/main" id="{E3C0003D-4BB2-C608-CB21-D3CFBA95DF8D}"/>
-              </a:ext>
-            </a:extLst>
-          </p:cNvPr>
-          <p:cNvSpPr/>
-          <p:nvPr/>
-        </p:nvSpPr>
-        <p:spPr>
-          <a:xfrm>
-            <a:off x="9509760" y="3941064"/>
-            <a:ext cx="1179576" cy="393192"/>
-          </a:xfrm>
-          <a:prstGeom prst="ellipse">
-            <a:avLst/>
-          </a:prstGeom>
-          <a:noFill/>
-        </p:spPr>
-        <p:style>
-          <a:lnRef idx="2">
-            <a:schemeClr val="accent1">
-              <a:shade val="15000"/>
-            </a:schemeClr>
-          </a:lnRef>
-          <a:fillRef idx="1">
-            <a:schemeClr val="accent1"/>
-          </a:fillRef>
-          <a:effectRef idx="0">
-            <a:schemeClr val="accent1"/>
-          </a:effectRef>
-          <a:fontRef idx="minor">
-            <a:schemeClr val="lt1"/>
-          </a:fontRef>
-        </p:style>
-        <p:txBody>
-          <a:bodyPr rtlCol="0" anchor="ctr"/>
-          <a:lstStyle/>
-          <a:p>
-            <a:pPr algn="ctr"/>
-            <a:endParaRPr lang="en-US"/>
-          </a:p>
-        </p:txBody>
-      </p:sp>
-      <p:cxnSp>
-        <p:nvCxnSpPr>
-          <p:cNvPr id="10" name="Straight Arrow Connector 9">
-            <a:extLst>
-              <a:ext uri="{FF2B5EF4-FFF2-40B4-BE49-F238E27FC236}">
-                <a16:creationId xmlns:a16="http://schemas.microsoft.com/office/drawing/2014/main" id="{C67F1B11-A265-E11F-C632-5E9E8A2A3F44}"/>
-              </a:ext>
-            </a:extLst>
-          </p:cNvPr>
-          <p:cNvCxnSpPr/>
-          <p:nvPr/>
-        </p:nvCxnSpPr>
-        <p:spPr>
-          <a:xfrm flipH="1">
-            <a:off x="8046720" y="4334256"/>
-            <a:ext cx="1563624" cy="768096"/>
-          </a:xfrm>
-          <a:prstGeom prst="straightConnector1">
-            <a:avLst/>
-          </a:prstGeom>
-          <a:ln>
-            <a:tailEnd type="triangle"/>
-          </a:ln>
-        </p:spPr>
-        <p:style>
-          <a:lnRef idx="1">
-            <a:schemeClr val="accent1"/>
-          </a:lnRef>
-          <a:fillRef idx="0">
-            <a:schemeClr val="accent1"/>
-          </a:fillRef>
-          <a:effectRef idx="0">
-            <a:schemeClr val="accent1"/>
-          </a:effectRef>
-          <a:fontRef idx="minor">
-            <a:schemeClr val="tx1"/>
-          </a:fontRef>
-        </p:style>
-      </p:cxnSp>
-      <p:sp>
-        <p:nvSpPr>
-          <p:cNvPr id="11" name="TextBox 10">
-            <a:extLst>
-              <a:ext uri="{FF2B5EF4-FFF2-40B4-BE49-F238E27FC236}">
-                <a16:creationId xmlns:a16="http://schemas.microsoft.com/office/drawing/2014/main" id="{41F2E458-D816-7247-B05B-09F38EA01439}"/>
-              </a:ext>
-            </a:extLst>
-          </p:cNvPr>
-          <p:cNvSpPr txBox="1"/>
-          <p:nvPr/>
-        </p:nvSpPr>
-        <p:spPr>
-          <a:xfrm>
-            <a:off x="1086292" y="6206989"/>
-            <a:ext cx="2991460" cy="369332"/>
-          </a:xfrm>
-          <a:prstGeom prst="rect">
-            <a:avLst/>
-          </a:prstGeom>
-          <a:noFill/>
-        </p:spPr>
-        <p:txBody>
-          <a:bodyPr wrap="none" rtlCol="0">
-            <a:spAutoFit/>
-          </a:bodyPr>
-          <a:lstStyle/>
-          <a:p>
-            <a:r>
-              <a:rPr lang="en-US" dirty="0"/>
-              <a:t>The page for sent request </a:t>
-            </a:r>
-            <a:r>
-              <a:rPr lang="en-US" dirty="0">
-                <a:sym typeface="Wingdings" panose="05000000000000000000" pitchFamily="2" charset="2"/>
-              </a:rPr>
-              <a:t> </a:t>
-            </a:r>
-            <a:r>
-              <a:rPr lang="en-US" dirty="0"/>
-              <a:t> </a:t>
-            </a:r>
-          </a:p>
-        </p:txBody>
-      </p:sp>
-      <p:pic>
-        <p:nvPicPr>
-          <p:cNvPr id="13" name="Picture 12">
-            <a:extLst>
-              <a:ext uri="{FF2B5EF4-FFF2-40B4-BE49-F238E27FC236}">
-                <a16:creationId xmlns:a16="http://schemas.microsoft.com/office/drawing/2014/main" id="{5FF1B981-7D1E-9AAD-E1CD-C738401BF337}"/>
-              </a:ext>
-            </a:extLst>
-          </p:cNvPr>
-          <p:cNvPicPr>
-            <a:picLocks noChangeAspect="1"/>
-          </p:cNvPicPr>
-          <p:nvPr/>
-        </p:nvPicPr>
-        <p:blipFill>
-          <a:blip r:embed="rId4"/>
-          <a:stretch>
-            <a:fillRect/>
-          </a:stretch>
-        </p:blipFill>
-        <p:spPr>
-          <a:xfrm>
-            <a:off x="8205210" y="5580532"/>
-            <a:ext cx="2810267" cy="1034708"/>
+            <a:off x="822157" y="4535424"/>
+            <a:ext cx="8773749" cy="1828800"/>
           </a:xfrm>
           <a:prstGeom prst="rect">
             <a:avLst/>
@@ -4504,7 +4414,7 @@
     </p:spTree>
     <p:extLst>
       <p:ext uri="{BB962C8B-B14F-4D97-AF65-F5344CB8AC3E}">
-        <p14:creationId xmlns:p14="http://schemas.microsoft.com/office/powerpoint/2010/main" val="108872571"/>
+        <p14:creationId xmlns:p14="http://schemas.microsoft.com/office/powerpoint/2010/main" val="679270536"/>
       </p:ext>
     </p:extLst>
   </p:cSld>
@@ -4514,1112 +4424,7 @@
 </p:sld>
 </file>
 
-<file path=ppt/slides/slide3.xml><?xml version="1.0" encoding="utf-8"?>
-<p:sld xmlns:a="http://schemas.openxmlformats.org/drawingml/2006/main" xmlns:r="http://schemas.openxmlformats.org/officeDocument/2006/relationships" xmlns:p="http://schemas.openxmlformats.org/presentationml/2006/main">
-  <p:cSld>
-    <p:spTree>
-      <p:nvGrpSpPr>
-        <p:cNvPr id="1" name=""/>
-        <p:cNvGrpSpPr/>
-        <p:nvPr/>
-      </p:nvGrpSpPr>
-      <p:grpSpPr>
-        <a:xfrm>
-          <a:off x="0" y="0"/>
-          <a:ext cx="0" cy="0"/>
-          <a:chOff x="0" y="0"/>
-          <a:chExt cx="0" cy="0"/>
-        </a:xfrm>
-      </p:grpSpPr>
-      <p:sp>
-        <p:nvSpPr>
-          <p:cNvPr id="4" name="TextBox 3">
-            <a:extLst>
-              <a:ext uri="{FF2B5EF4-FFF2-40B4-BE49-F238E27FC236}">
-                <a16:creationId xmlns:a16="http://schemas.microsoft.com/office/drawing/2014/main" id="{135AE14A-F405-25EE-3725-EB25A77DFEA1}"/>
-              </a:ext>
-            </a:extLst>
-          </p:cNvPr>
-          <p:cNvSpPr txBox="1"/>
-          <p:nvPr/>
-        </p:nvSpPr>
-        <p:spPr>
-          <a:xfrm>
-            <a:off x="758952" y="521208"/>
-            <a:ext cx="6907981" cy="2031325"/>
-          </a:xfrm>
-          <a:prstGeom prst="rect">
-            <a:avLst/>
-          </a:prstGeom>
-          <a:noFill/>
-        </p:spPr>
-        <p:txBody>
-          <a:bodyPr wrap="none" rtlCol="0">
-            <a:spAutoFit/>
-          </a:bodyPr>
-          <a:lstStyle/>
-          <a:p>
-            <a:r>
-              <a:rPr lang="en-US" dirty="0">
-                <a:hlinkClick r:id="rId2"/>
-              </a:rPr>
-              <a:t>https://getbootstrap.com/docs/5.3/examples/pricing/</a:t>
-            </a:r>
-            <a:r>
-              <a:rPr lang="en-US" dirty="0"/>
-              <a:t>       </a:t>
-            </a:r>
-            <a:r>
-              <a:rPr lang="th-TH" dirty="0"/>
-              <a:t>ตัวอย่างหน้า </a:t>
-            </a:r>
-            <a:r>
-              <a:rPr lang="en-US" dirty="0"/>
-              <a:t>Web</a:t>
-            </a:r>
-          </a:p>
-          <a:p>
-            <a:endParaRPr lang="en-US" dirty="0"/>
-          </a:p>
-          <a:p>
-            <a:r>
-              <a:rPr lang="th-TH" dirty="0"/>
-              <a:t>เอามาใส่หน้า </a:t>
-            </a:r>
-            <a:r>
-              <a:rPr lang="en-US" dirty="0"/>
-              <a:t>html   template/home  =</a:t>
-            </a:r>
-            <a:r>
-              <a:rPr lang="en-US" dirty="0">
-                <a:sym typeface="Wingdings" panose="05000000000000000000" pitchFamily="2" charset="2"/>
-              </a:rPr>
-              <a:t> Home.html</a:t>
-            </a:r>
-          </a:p>
-          <a:p>
-            <a:r>
-              <a:rPr lang="th-TH" dirty="0">
-                <a:sym typeface="Wingdings" panose="05000000000000000000" pitchFamily="2" charset="2"/>
-              </a:rPr>
-              <a:t>แก้ </a:t>
-            </a:r>
-            <a:r>
-              <a:rPr lang="en-US" dirty="0">
-                <a:sym typeface="Wingdings" panose="05000000000000000000" pitchFamily="2" charset="2"/>
-              </a:rPr>
-              <a:t>views </a:t>
-            </a:r>
-            <a:r>
-              <a:rPr lang="th-TH" dirty="0">
-                <a:sym typeface="Wingdings" panose="05000000000000000000" pitchFamily="2" charset="2"/>
-              </a:rPr>
-              <a:t> เป็น </a:t>
-            </a:r>
-            <a:r>
-              <a:rPr lang="en-US" dirty="0">
-                <a:sym typeface="Wingdings" panose="05000000000000000000" pitchFamily="2" charset="2"/>
-              </a:rPr>
-              <a:t> render  </a:t>
-            </a:r>
-          </a:p>
-          <a:p>
-            <a:r>
-              <a:rPr lang="th-TH" dirty="0">
-                <a:sym typeface="Wingdings" panose="05000000000000000000" pitchFamily="2" charset="2"/>
-              </a:rPr>
-              <a:t>แจ้ง </a:t>
-            </a:r>
-            <a:r>
-              <a:rPr lang="en-US" dirty="0">
-                <a:sym typeface="Wingdings" panose="05000000000000000000" pitchFamily="2" charset="2"/>
-              </a:rPr>
-              <a:t>project </a:t>
-            </a:r>
-            <a:r>
-              <a:rPr lang="th-TH" dirty="0">
-                <a:sym typeface="Wingdings" panose="05000000000000000000" pitchFamily="2" charset="2"/>
-              </a:rPr>
-              <a:t>ว่ามี </a:t>
-            </a:r>
-            <a:r>
-              <a:rPr lang="en-US" dirty="0">
-                <a:sym typeface="Wingdings" panose="05000000000000000000" pitchFamily="2" charset="2"/>
-              </a:rPr>
-              <a:t>template</a:t>
-            </a:r>
-            <a:endParaRPr lang="en-US" dirty="0"/>
-          </a:p>
-          <a:p>
-            <a:endParaRPr lang="en-US" dirty="0"/>
-          </a:p>
-          <a:p>
-            <a:endParaRPr lang="en-US" dirty="0"/>
-          </a:p>
-        </p:txBody>
-      </p:sp>
-      <p:pic>
-        <p:nvPicPr>
-          <p:cNvPr id="3" name="Picture 2">
-            <a:extLst>
-              <a:ext uri="{FF2B5EF4-FFF2-40B4-BE49-F238E27FC236}">
-                <a16:creationId xmlns:a16="http://schemas.microsoft.com/office/drawing/2014/main" id="{79393B4A-3783-2D75-6497-12C1EA6B3B69}"/>
-              </a:ext>
-            </a:extLst>
-          </p:cNvPr>
-          <p:cNvPicPr>
-            <a:picLocks noChangeAspect="1"/>
-          </p:cNvPicPr>
-          <p:nvPr/>
-        </p:nvPicPr>
-        <p:blipFill>
-          <a:blip r:embed="rId3"/>
-          <a:stretch>
-            <a:fillRect/>
-          </a:stretch>
-        </p:blipFill>
-        <p:spPr>
-          <a:xfrm>
-            <a:off x="311193" y="2078668"/>
-            <a:ext cx="5998168" cy="2005102"/>
-          </a:xfrm>
-          <a:prstGeom prst="rect">
-            <a:avLst/>
-          </a:prstGeom>
-        </p:spPr>
-      </p:pic>
-      <p:pic>
-        <p:nvPicPr>
-          <p:cNvPr id="6" name="Picture 5">
-            <a:extLst>
-              <a:ext uri="{FF2B5EF4-FFF2-40B4-BE49-F238E27FC236}">
-                <a16:creationId xmlns:a16="http://schemas.microsoft.com/office/drawing/2014/main" id="{1C123965-032B-43A9-8FCE-8A6A84F5992E}"/>
-              </a:ext>
-            </a:extLst>
-          </p:cNvPr>
-          <p:cNvPicPr>
-            <a:picLocks noChangeAspect="1"/>
-          </p:cNvPicPr>
-          <p:nvPr/>
-        </p:nvPicPr>
-        <p:blipFill>
-          <a:blip r:embed="rId4"/>
-          <a:stretch>
-            <a:fillRect/>
-          </a:stretch>
-        </p:blipFill>
-        <p:spPr>
-          <a:xfrm>
-            <a:off x="194424" y="4415532"/>
-            <a:ext cx="7049484" cy="1848108"/>
-          </a:xfrm>
-          <a:prstGeom prst="rect">
-            <a:avLst/>
-          </a:prstGeom>
-        </p:spPr>
-      </p:pic>
-      <p:pic>
-        <p:nvPicPr>
-          <p:cNvPr id="8" name="Picture 7">
-            <a:extLst>
-              <a:ext uri="{FF2B5EF4-FFF2-40B4-BE49-F238E27FC236}">
-                <a16:creationId xmlns:a16="http://schemas.microsoft.com/office/drawing/2014/main" id="{974B6E83-EEB9-458E-8821-8880710AA922}"/>
-              </a:ext>
-            </a:extLst>
-          </p:cNvPr>
-          <p:cNvPicPr>
-            <a:picLocks noChangeAspect="1"/>
-          </p:cNvPicPr>
-          <p:nvPr/>
-        </p:nvPicPr>
-        <p:blipFill>
-          <a:blip r:embed="rId5"/>
-          <a:stretch>
-            <a:fillRect/>
-          </a:stretch>
-        </p:blipFill>
-        <p:spPr>
-          <a:xfrm>
-            <a:off x="6757120" y="2000051"/>
-            <a:ext cx="3038899" cy="1428949"/>
-          </a:xfrm>
-          <a:prstGeom prst="rect">
-            <a:avLst/>
-          </a:prstGeom>
-        </p:spPr>
-      </p:pic>
-      <p:pic>
-        <p:nvPicPr>
-          <p:cNvPr id="10" name="Picture 9">
-            <a:extLst>
-              <a:ext uri="{FF2B5EF4-FFF2-40B4-BE49-F238E27FC236}">
-                <a16:creationId xmlns:a16="http://schemas.microsoft.com/office/drawing/2014/main" id="{DEE12936-732E-6392-65A2-652D0EE26726}"/>
-              </a:ext>
-            </a:extLst>
-          </p:cNvPr>
-          <p:cNvPicPr>
-            <a:picLocks noChangeAspect="1"/>
-          </p:cNvPicPr>
-          <p:nvPr/>
-        </p:nvPicPr>
-        <p:blipFill>
-          <a:blip r:embed="rId6"/>
-          <a:stretch>
-            <a:fillRect/>
-          </a:stretch>
-        </p:blipFill>
-        <p:spPr>
-          <a:xfrm>
-            <a:off x="7666933" y="3894324"/>
-            <a:ext cx="3823252" cy="2442468"/>
-          </a:xfrm>
-          <a:prstGeom prst="rect">
-            <a:avLst/>
-          </a:prstGeom>
-        </p:spPr>
-      </p:pic>
-    </p:spTree>
-    <p:extLst>
-      <p:ext uri="{BB962C8B-B14F-4D97-AF65-F5344CB8AC3E}">
-        <p14:creationId xmlns:p14="http://schemas.microsoft.com/office/powerpoint/2010/main" val="2975294771"/>
-      </p:ext>
-    </p:extLst>
-  </p:cSld>
-  <p:clrMapOvr>
-    <a:masterClrMapping/>
-  </p:clrMapOvr>
-</p:sld>
-</file>
-
-<file path=ppt/slides/slide4.xml><?xml version="1.0" encoding="utf-8"?>
-<p:sld xmlns:a="http://schemas.openxmlformats.org/drawingml/2006/main" xmlns:r="http://schemas.openxmlformats.org/officeDocument/2006/relationships" xmlns:p="http://schemas.openxmlformats.org/presentationml/2006/main">
-  <p:cSld>
-    <p:spTree>
-      <p:nvGrpSpPr>
-        <p:cNvPr id="1" name=""/>
-        <p:cNvGrpSpPr/>
-        <p:nvPr/>
-      </p:nvGrpSpPr>
-      <p:grpSpPr>
-        <a:xfrm>
-          <a:off x="0" y="0"/>
-          <a:ext cx="0" cy="0"/>
-          <a:chOff x="0" y="0"/>
-          <a:chExt cx="0" cy="0"/>
-        </a:xfrm>
-      </p:grpSpPr>
-      <p:pic>
-        <p:nvPicPr>
-          <p:cNvPr id="5" name="Picture 4">
-            <a:extLst>
-              <a:ext uri="{FF2B5EF4-FFF2-40B4-BE49-F238E27FC236}">
-                <a16:creationId xmlns:a16="http://schemas.microsoft.com/office/drawing/2014/main" id="{BEABA06A-1817-CA62-C939-B2E3FE0AE87D}"/>
-              </a:ext>
-            </a:extLst>
-          </p:cNvPr>
-          <p:cNvPicPr>
-            <a:picLocks noChangeAspect="1"/>
-          </p:cNvPicPr>
-          <p:nvPr/>
-        </p:nvPicPr>
-        <p:blipFill>
-          <a:blip r:embed="rId2"/>
-          <a:stretch>
-            <a:fillRect/>
-          </a:stretch>
-        </p:blipFill>
-        <p:spPr>
-          <a:xfrm>
-            <a:off x="365754" y="132890"/>
-            <a:ext cx="7452366" cy="3296110"/>
-          </a:xfrm>
-          <a:prstGeom prst="rect">
-            <a:avLst/>
-          </a:prstGeom>
-        </p:spPr>
-      </p:pic>
-      <p:pic>
-        <p:nvPicPr>
-          <p:cNvPr id="7" name="Picture 6">
-            <a:extLst>
-              <a:ext uri="{FF2B5EF4-FFF2-40B4-BE49-F238E27FC236}">
-                <a16:creationId xmlns:a16="http://schemas.microsoft.com/office/drawing/2014/main" id="{9E4A6ED4-FE75-D0A5-36AF-4C714A7F17F1}"/>
-              </a:ext>
-            </a:extLst>
-          </p:cNvPr>
-          <p:cNvPicPr>
-            <a:picLocks noChangeAspect="1"/>
-          </p:cNvPicPr>
-          <p:nvPr/>
-        </p:nvPicPr>
-        <p:blipFill>
-          <a:blip r:embed="rId3"/>
-          <a:stretch>
-            <a:fillRect/>
-          </a:stretch>
-        </p:blipFill>
-        <p:spPr>
-          <a:xfrm>
-            <a:off x="4672583" y="3032577"/>
-            <a:ext cx="6754863" cy="2155528"/>
-          </a:xfrm>
-          <a:prstGeom prst="rect">
-            <a:avLst/>
-          </a:prstGeom>
-        </p:spPr>
-      </p:pic>
-      <p:cxnSp>
-        <p:nvCxnSpPr>
-          <p:cNvPr id="9" name="Straight Arrow Connector 8">
-            <a:extLst>
-              <a:ext uri="{FF2B5EF4-FFF2-40B4-BE49-F238E27FC236}">
-                <a16:creationId xmlns:a16="http://schemas.microsoft.com/office/drawing/2014/main" id="{693FD6D4-7BE8-E30E-545A-C2424E45671F}"/>
-              </a:ext>
-            </a:extLst>
-          </p:cNvPr>
-          <p:cNvCxnSpPr/>
-          <p:nvPr/>
-        </p:nvCxnSpPr>
-        <p:spPr>
-          <a:xfrm>
-            <a:off x="1499616" y="2029968"/>
-            <a:ext cx="2788920" cy="1005840"/>
-          </a:xfrm>
-          <a:prstGeom prst="straightConnector1">
-            <a:avLst/>
-          </a:prstGeom>
-          <a:ln>
-            <a:tailEnd type="triangle"/>
-          </a:ln>
-        </p:spPr>
-        <p:style>
-          <a:lnRef idx="1">
-            <a:schemeClr val="accent1"/>
-          </a:lnRef>
-          <a:fillRef idx="0">
-            <a:schemeClr val="accent1"/>
-          </a:fillRef>
-          <a:effectRef idx="0">
-            <a:schemeClr val="accent1"/>
-          </a:effectRef>
-          <a:fontRef idx="minor">
-            <a:schemeClr val="tx1"/>
-          </a:fontRef>
-        </p:style>
-      </p:cxnSp>
-      <p:sp>
-        <p:nvSpPr>
-          <p:cNvPr id="10" name="TextBox 9">
-            <a:extLst>
-              <a:ext uri="{FF2B5EF4-FFF2-40B4-BE49-F238E27FC236}">
-                <a16:creationId xmlns:a16="http://schemas.microsoft.com/office/drawing/2014/main" id="{3476742A-CE8C-D14D-734C-4398FF82B72E}"/>
-              </a:ext>
-            </a:extLst>
-          </p:cNvPr>
-          <p:cNvSpPr txBox="1"/>
-          <p:nvPr/>
-        </p:nvSpPr>
-        <p:spPr>
-          <a:xfrm>
-            <a:off x="3493008" y="5907024"/>
-            <a:ext cx="3390800" cy="369332"/>
-          </a:xfrm>
-          <a:prstGeom prst="rect">
-            <a:avLst/>
-          </a:prstGeom>
-          <a:noFill/>
-        </p:spPr>
-        <p:txBody>
-          <a:bodyPr wrap="none" rtlCol="0">
-            <a:spAutoFit/>
-          </a:bodyPr>
-          <a:lstStyle/>
-          <a:p>
-            <a:r>
-              <a:rPr lang="en-US" dirty="0"/>
-              <a:t>Change from 6 to 4 </a:t>
-            </a:r>
-            <a:r>
-              <a:rPr lang="th-TH" dirty="0"/>
-              <a:t>เป็น </a:t>
-            </a:r>
-            <a:r>
-              <a:rPr lang="en-US" dirty="0"/>
-              <a:t>3 </a:t>
-            </a:r>
-            <a:r>
-              <a:rPr lang="th-TH" dirty="0"/>
-              <a:t>ช่องอยู่ด้วยกัน</a:t>
-            </a:r>
-            <a:endParaRPr lang="en-US" dirty="0"/>
-          </a:p>
-        </p:txBody>
-      </p:sp>
-    </p:spTree>
-    <p:extLst>
-      <p:ext uri="{BB962C8B-B14F-4D97-AF65-F5344CB8AC3E}">
-        <p14:creationId xmlns:p14="http://schemas.microsoft.com/office/powerpoint/2010/main" val="176034305"/>
-      </p:ext>
-    </p:extLst>
-  </p:cSld>
-  <p:clrMapOvr>
-    <a:masterClrMapping/>
-  </p:clrMapOvr>
-</p:sld>
-</file>
-
-<file path=ppt/slides/slide5.xml><?xml version="1.0" encoding="utf-8"?>
-<p:sld xmlns:a="http://schemas.openxmlformats.org/drawingml/2006/main" xmlns:r="http://schemas.openxmlformats.org/officeDocument/2006/relationships" xmlns:p="http://schemas.openxmlformats.org/presentationml/2006/main">
-  <p:cSld>
-    <p:spTree>
-      <p:nvGrpSpPr>
-        <p:cNvPr id="1" name=""/>
-        <p:cNvGrpSpPr/>
-        <p:nvPr/>
-      </p:nvGrpSpPr>
-      <p:grpSpPr>
-        <a:xfrm>
-          <a:off x="0" y="0"/>
-          <a:ext cx="0" cy="0"/>
-          <a:chOff x="0" y="0"/>
-          <a:chExt cx="0" cy="0"/>
-        </a:xfrm>
-      </p:grpSpPr>
-      <p:pic>
-        <p:nvPicPr>
-          <p:cNvPr id="3" name="Picture 2">
-            <a:extLst>
-              <a:ext uri="{FF2B5EF4-FFF2-40B4-BE49-F238E27FC236}">
-                <a16:creationId xmlns:a16="http://schemas.microsoft.com/office/drawing/2014/main" id="{947A38C8-AB33-3762-9C68-87F93FA09BFA}"/>
-              </a:ext>
-            </a:extLst>
-          </p:cNvPr>
-          <p:cNvPicPr>
-            <a:picLocks noChangeAspect="1"/>
-          </p:cNvPicPr>
-          <p:nvPr/>
-        </p:nvPicPr>
-        <p:blipFill>
-          <a:blip r:embed="rId2"/>
-          <a:stretch>
-            <a:fillRect/>
-          </a:stretch>
-        </p:blipFill>
-        <p:spPr>
-          <a:xfrm>
-            <a:off x="838231" y="352346"/>
-            <a:ext cx="5010849" cy="1124107"/>
-          </a:xfrm>
-          <a:prstGeom prst="rect">
-            <a:avLst/>
-          </a:prstGeom>
-        </p:spPr>
-      </p:pic>
-      <p:pic>
-        <p:nvPicPr>
-          <p:cNvPr id="5" name="Picture 4">
-            <a:extLst>
-              <a:ext uri="{FF2B5EF4-FFF2-40B4-BE49-F238E27FC236}">
-                <a16:creationId xmlns:a16="http://schemas.microsoft.com/office/drawing/2014/main" id="{71E8C18B-FB7A-E7C3-CE23-BEC70E242D52}"/>
-              </a:ext>
-            </a:extLst>
-          </p:cNvPr>
-          <p:cNvPicPr>
-            <a:picLocks noChangeAspect="1"/>
-          </p:cNvPicPr>
-          <p:nvPr/>
-        </p:nvPicPr>
-        <p:blipFill>
-          <a:blip r:embed="rId3"/>
-          <a:stretch>
-            <a:fillRect/>
-          </a:stretch>
-        </p:blipFill>
-        <p:spPr>
-          <a:xfrm>
-            <a:off x="838231" y="1476453"/>
-            <a:ext cx="10698068" cy="3000794"/>
-          </a:xfrm>
-          <a:prstGeom prst="rect">
-            <a:avLst/>
-          </a:prstGeom>
-        </p:spPr>
-      </p:pic>
-    </p:spTree>
-    <p:extLst>
-      <p:ext uri="{BB962C8B-B14F-4D97-AF65-F5344CB8AC3E}">
-        <p14:creationId xmlns:p14="http://schemas.microsoft.com/office/powerpoint/2010/main" val="1486535379"/>
-      </p:ext>
-    </p:extLst>
-  </p:cSld>
-  <p:clrMapOvr>
-    <a:masterClrMapping/>
-  </p:clrMapOvr>
-</p:sld>
-</file>
-
-<file path=ppt/slides/slide6.xml><?xml version="1.0" encoding="utf-8"?>
-<p:sld xmlns:a="http://schemas.openxmlformats.org/drawingml/2006/main" xmlns:r="http://schemas.openxmlformats.org/officeDocument/2006/relationships" xmlns:p="http://schemas.openxmlformats.org/presentationml/2006/main">
-  <p:cSld>
-    <p:spTree>
-      <p:nvGrpSpPr>
-        <p:cNvPr id="1" name=""/>
-        <p:cNvGrpSpPr/>
-        <p:nvPr/>
-      </p:nvGrpSpPr>
-      <p:grpSpPr>
-        <a:xfrm>
-          <a:off x="0" y="0"/>
-          <a:ext cx="0" cy="0"/>
-          <a:chOff x="0" y="0"/>
-          <a:chExt cx="0" cy="0"/>
-        </a:xfrm>
-      </p:grpSpPr>
-      <p:sp>
-        <p:nvSpPr>
-          <p:cNvPr id="2" name="TextBox 1">
-            <a:extLst>
-              <a:ext uri="{FF2B5EF4-FFF2-40B4-BE49-F238E27FC236}">
-                <a16:creationId xmlns:a16="http://schemas.microsoft.com/office/drawing/2014/main" id="{735589B2-FBEE-FEAB-473F-ABC55DE543F3}"/>
-              </a:ext>
-            </a:extLst>
-          </p:cNvPr>
-          <p:cNvSpPr txBox="1"/>
-          <p:nvPr/>
-        </p:nvSpPr>
-        <p:spPr>
-          <a:xfrm>
-            <a:off x="320040" y="393192"/>
-            <a:ext cx="6011069" cy="923330"/>
-          </a:xfrm>
-          <a:prstGeom prst="rect">
-            <a:avLst/>
-          </a:prstGeom>
-          <a:noFill/>
-        </p:spPr>
-        <p:txBody>
-          <a:bodyPr wrap="none" rtlCol="0">
-            <a:spAutoFit/>
-          </a:bodyPr>
-          <a:lstStyle/>
-          <a:p>
-            <a:r>
-              <a:rPr lang="th-TH" dirty="0"/>
-              <a:t>การใช่งาน </a:t>
-            </a:r>
-            <a:r>
-              <a:rPr lang="en-US" dirty="0" err="1"/>
-              <a:t>Ngrok</a:t>
-            </a:r>
-            <a:r>
-              <a:rPr lang="en-US" dirty="0"/>
-              <a:t>  forwards with </a:t>
-            </a:r>
-            <a:r>
-              <a:rPr lang="en-US" dirty="0" err="1"/>
-              <a:t>Ngrok</a:t>
-            </a:r>
-            <a:r>
-              <a:rPr lang="en-US" dirty="0"/>
-              <a:t> use our computer is server</a:t>
-            </a:r>
-          </a:p>
-          <a:p>
-            <a:r>
-              <a:rPr lang="en-US" dirty="0"/>
-              <a:t>  </a:t>
-            </a:r>
-            <a:r>
-              <a:rPr lang="en-US" dirty="0" err="1"/>
-              <a:t>ngrok</a:t>
-            </a:r>
-            <a:r>
-              <a:rPr lang="en-US" dirty="0"/>
-              <a:t> http 8000 </a:t>
-            </a:r>
-          </a:p>
-          <a:p>
-            <a:endParaRPr lang="en-US" dirty="0"/>
-          </a:p>
-        </p:txBody>
-      </p:sp>
-    </p:spTree>
-    <p:extLst>
-      <p:ext uri="{BB962C8B-B14F-4D97-AF65-F5344CB8AC3E}">
-        <p14:creationId xmlns:p14="http://schemas.microsoft.com/office/powerpoint/2010/main" val="2401643237"/>
-      </p:ext>
-    </p:extLst>
-  </p:cSld>
-  <p:clrMapOvr>
-    <a:masterClrMapping/>
-  </p:clrMapOvr>
-</p:sld>
-</file>
-
-<file path=ppt/slides/slide7.xml><?xml version="1.0" encoding="utf-8"?>
-<p:sld xmlns:a="http://schemas.openxmlformats.org/drawingml/2006/main" xmlns:r="http://schemas.openxmlformats.org/officeDocument/2006/relationships" xmlns:p="http://schemas.openxmlformats.org/presentationml/2006/main">
-  <p:cSld>
-    <p:spTree>
-      <p:nvGrpSpPr>
-        <p:cNvPr id="1" name=""/>
-        <p:cNvGrpSpPr/>
-        <p:nvPr/>
-      </p:nvGrpSpPr>
-      <p:grpSpPr>
-        <a:xfrm>
-          <a:off x="0" y="0"/>
-          <a:ext cx="0" cy="0"/>
-          <a:chOff x="0" y="0"/>
-          <a:chExt cx="0" cy="0"/>
-        </a:xfrm>
-      </p:grpSpPr>
-      <p:sp>
-        <p:nvSpPr>
-          <p:cNvPr id="2" name="TextBox 1">
-            <a:extLst>
-              <a:ext uri="{FF2B5EF4-FFF2-40B4-BE49-F238E27FC236}">
-                <a16:creationId xmlns:a16="http://schemas.microsoft.com/office/drawing/2014/main" id="{DD7CFE07-4E68-CBF7-C10C-D045039F26AE}"/>
-              </a:ext>
-            </a:extLst>
-          </p:cNvPr>
-          <p:cNvSpPr txBox="1"/>
-          <p:nvPr/>
-        </p:nvSpPr>
-        <p:spPr>
-          <a:xfrm>
-            <a:off x="402336" y="594360"/>
-            <a:ext cx="1290738" cy="369332"/>
-          </a:xfrm>
-          <a:prstGeom prst="rect">
-            <a:avLst/>
-          </a:prstGeom>
-          <a:noFill/>
-        </p:spPr>
-        <p:txBody>
-          <a:bodyPr wrap="none" rtlCol="0">
-            <a:spAutoFit/>
-          </a:bodyPr>
-          <a:lstStyle/>
-          <a:p>
-            <a:r>
-              <a:rPr lang="th-TH" dirty="0"/>
-              <a:t>การใช้งานรูปภาพ</a:t>
-            </a:r>
-            <a:endParaRPr lang="en-US" dirty="0"/>
-          </a:p>
-        </p:txBody>
-      </p:sp>
-      <p:sp>
-        <p:nvSpPr>
-          <p:cNvPr id="3" name="TextBox 2">
-            <a:extLst>
-              <a:ext uri="{FF2B5EF4-FFF2-40B4-BE49-F238E27FC236}">
-                <a16:creationId xmlns:a16="http://schemas.microsoft.com/office/drawing/2014/main" id="{BAC4F7C0-05DE-A3DC-26E5-D90FB73449AF}"/>
-              </a:ext>
-            </a:extLst>
-          </p:cNvPr>
-          <p:cNvSpPr txBox="1"/>
-          <p:nvPr/>
-        </p:nvSpPr>
-        <p:spPr>
-          <a:xfrm>
-            <a:off x="402336" y="1088136"/>
-            <a:ext cx="8460971" cy="1908215"/>
-          </a:xfrm>
-          <a:prstGeom prst="rect">
-            <a:avLst/>
-          </a:prstGeom>
-          <a:noFill/>
-        </p:spPr>
-        <p:txBody>
-          <a:bodyPr wrap="none" rtlCol="0">
-            <a:spAutoFit/>
-          </a:bodyPr>
-          <a:lstStyle/>
-          <a:p>
-            <a:r>
-              <a:rPr lang="en-US" sz="2000" b="1" dirty="0">
-                <a:solidFill>
-                  <a:srgbClr val="FF0000"/>
-                </a:solidFill>
-                <a:cs typeface="+mj-cs"/>
-              </a:rPr>
-              <a:t>-</a:t>
-            </a:r>
-            <a:r>
-              <a:rPr lang="th-TH" sz="2000" b="1" dirty="0">
-                <a:solidFill>
-                  <a:srgbClr val="FF0000"/>
-                </a:solidFill>
-                <a:cs typeface="+mj-cs"/>
-              </a:rPr>
-              <a:t>      มี </a:t>
-            </a:r>
-            <a:r>
-              <a:rPr lang="en-US" sz="2000" b="1" dirty="0">
-                <a:solidFill>
-                  <a:srgbClr val="FF0000"/>
-                </a:solidFill>
-                <a:cs typeface="+mj-cs"/>
-              </a:rPr>
-              <a:t>static URL </a:t>
-            </a:r>
-            <a:r>
-              <a:rPr lang="th-TH" sz="2000" b="1" dirty="0">
-                <a:solidFill>
-                  <a:srgbClr val="FF0000"/>
-                </a:solidFill>
-                <a:cs typeface="+mj-cs"/>
-              </a:rPr>
-              <a:t>ไหม</a:t>
-            </a:r>
-          </a:p>
-          <a:p>
-            <a:r>
-              <a:rPr lang="en-US" sz="2000" b="1" dirty="0">
-                <a:solidFill>
-                  <a:srgbClr val="FF0000"/>
-                </a:solidFill>
-                <a:cs typeface="+mj-cs"/>
-              </a:rPr>
-              <a:t>-</a:t>
-            </a:r>
-            <a:r>
-              <a:rPr lang="en-US" sz="2000" b="1" dirty="0">
-                <a:solidFill>
-                  <a:srgbClr val="FF0000"/>
-                </a:solidFill>
-                <a:effectLst/>
-                <a:latin typeface="Fira Code Retina" panose="020F0502020204030204" pitchFamily="49" charset="0"/>
-                <a:cs typeface="+mj-cs"/>
-              </a:rPr>
-              <a:t> '</a:t>
-            </a:r>
-            <a:r>
-              <a:rPr lang="en-US" sz="2000" b="1" dirty="0" err="1">
-                <a:solidFill>
-                  <a:srgbClr val="FF0000"/>
-                </a:solidFill>
-                <a:effectLst/>
-                <a:latin typeface="Fira Code Retina" panose="020F0502020204030204" pitchFamily="49" charset="0"/>
-                <a:cs typeface="+mj-cs"/>
-              </a:rPr>
-              <a:t>django.contrib.staticfiles</a:t>
-            </a:r>
-            <a:r>
-              <a:rPr lang="en-US" sz="2000" b="1" dirty="0">
-                <a:solidFill>
-                  <a:srgbClr val="FF0000"/>
-                </a:solidFill>
-                <a:effectLst/>
-                <a:latin typeface="Fira Code Retina" panose="020F0502020204030204" pitchFamily="49" charset="0"/>
-                <a:cs typeface="+mj-cs"/>
-              </a:rPr>
-              <a:t>’</a:t>
-            </a:r>
-            <a:r>
-              <a:rPr lang="en-US" sz="2000" b="1" dirty="0">
-                <a:solidFill>
-                  <a:srgbClr val="FF0000"/>
-                </a:solidFill>
-                <a:latin typeface="Fira Code Retina" panose="020F0502020204030204" pitchFamily="49" charset="0"/>
-                <a:cs typeface="+mj-cs"/>
-              </a:rPr>
-              <a:t> </a:t>
-            </a:r>
-            <a:r>
-              <a:rPr lang="th-TH" sz="2000" b="1" dirty="0">
-                <a:solidFill>
-                  <a:srgbClr val="FF0000"/>
-                </a:solidFill>
-                <a:latin typeface="Fira Code Retina" panose="020F0502020204030204" pitchFamily="49" charset="0"/>
-                <a:cs typeface="+mj-cs"/>
-              </a:rPr>
-              <a:t>ไหม</a:t>
-            </a:r>
-          </a:p>
-          <a:p>
-            <a:r>
-              <a:rPr lang="en-US" sz="2000" b="1" dirty="0">
-                <a:solidFill>
-                  <a:srgbClr val="FF0000"/>
-                </a:solidFill>
-                <a:latin typeface="Fira Code Retina" panose="020F0502020204030204" pitchFamily="49" charset="0"/>
-                <a:cs typeface="+mj-cs"/>
-              </a:rPr>
-              <a:t>- use { % load static % }</a:t>
-            </a:r>
-          </a:p>
-          <a:p>
-            <a:r>
-              <a:rPr lang="en-US" sz="2000" b="1" dirty="0">
-                <a:solidFill>
-                  <a:srgbClr val="FF0000"/>
-                </a:solidFill>
-                <a:effectLst/>
-                <a:latin typeface="Fira Code Retina" panose="020F0502020204030204" pitchFamily="49" charset="0"/>
-                <a:cs typeface="+mj-cs"/>
-              </a:rPr>
-              <a:t>- </a:t>
-            </a:r>
-            <a:r>
-              <a:rPr lang="th-TH" sz="2000" b="1" dirty="0">
-                <a:solidFill>
-                  <a:srgbClr val="FF0000"/>
-                </a:solidFill>
-                <a:effectLst/>
-                <a:latin typeface="Fira Code Retina" panose="020F0502020204030204" pitchFamily="49" charset="0"/>
-                <a:cs typeface="+mj-cs"/>
-              </a:rPr>
-              <a:t>สร้า</a:t>
-            </a:r>
-            <a:r>
-              <a:rPr lang="th-TH" sz="2000" b="1" dirty="0">
-                <a:solidFill>
-                  <a:srgbClr val="FF0000"/>
-                </a:solidFill>
-                <a:latin typeface="Fira Code Retina" panose="020F0502020204030204" pitchFamily="49" charset="0"/>
-                <a:cs typeface="+mj-cs"/>
-              </a:rPr>
-              <a:t>ง </a:t>
-            </a:r>
-            <a:r>
-              <a:rPr lang="en-US" sz="2000" b="1" dirty="0">
-                <a:solidFill>
-                  <a:srgbClr val="FF0000"/>
-                </a:solidFill>
-                <a:latin typeface="Fira Code Retina" panose="020F0502020204030204" pitchFamily="49" charset="0"/>
-                <a:cs typeface="+mj-cs"/>
-              </a:rPr>
-              <a:t>Folder static  </a:t>
-            </a:r>
-            <a:r>
-              <a:rPr lang="th-TH" sz="2000" b="1" dirty="0">
-                <a:solidFill>
-                  <a:srgbClr val="FF0000"/>
-                </a:solidFill>
-                <a:latin typeface="Fira Code Retina" panose="020F0502020204030204" pitchFamily="49" charset="0"/>
-                <a:cs typeface="+mj-cs"/>
-              </a:rPr>
-              <a:t>ใน </a:t>
-            </a:r>
-            <a:r>
-              <a:rPr lang="en-US" sz="2000" b="1" dirty="0">
-                <a:solidFill>
-                  <a:srgbClr val="FF0000"/>
-                </a:solidFill>
-                <a:latin typeface="Fira Code Retina" panose="020F0502020204030204" pitchFamily="49" charset="0"/>
-                <a:cs typeface="+mj-cs"/>
-              </a:rPr>
-              <a:t>app </a:t>
-            </a:r>
-            <a:r>
-              <a:rPr lang="th-TH" sz="2000" b="1" dirty="0">
-                <a:solidFill>
-                  <a:srgbClr val="FF0000"/>
-                </a:solidFill>
-                <a:latin typeface="Fira Code Retina" panose="020F0502020204030204" pitchFamily="49" charset="0"/>
-                <a:cs typeface="+mj-cs"/>
-              </a:rPr>
-              <a:t>หรือข้างนอก</a:t>
-            </a:r>
-            <a:r>
-              <a:rPr lang="en-US" sz="2000" b="1" dirty="0">
-                <a:solidFill>
-                  <a:srgbClr val="FF0000"/>
-                </a:solidFill>
-                <a:latin typeface="Fira Code Retina" panose="020F0502020204030204" pitchFamily="49" charset="0"/>
-                <a:cs typeface="+mj-cs"/>
-              </a:rPr>
-              <a:t>   static/image/logo.png</a:t>
-            </a:r>
-            <a:endParaRPr lang="th-TH" sz="2000" b="1" dirty="0">
-              <a:solidFill>
-                <a:srgbClr val="FF0000"/>
-              </a:solidFill>
-              <a:latin typeface="Fira Code Retina" panose="020F0502020204030204" pitchFamily="49" charset="0"/>
-              <a:cs typeface="+mj-cs"/>
-            </a:endParaRPr>
-          </a:p>
-          <a:p>
-            <a:endParaRPr lang="en-US" sz="2000" b="1" dirty="0">
-              <a:solidFill>
-                <a:srgbClr val="FF0000"/>
-              </a:solidFill>
-              <a:effectLst/>
-              <a:latin typeface="Fira Code Retina" panose="020F0502020204030204" pitchFamily="49" charset="0"/>
-              <a:cs typeface="+mj-cs"/>
-            </a:endParaRPr>
-          </a:p>
-          <a:p>
-            <a:endParaRPr lang="en-US" dirty="0"/>
-          </a:p>
-        </p:txBody>
-      </p:sp>
-      <p:pic>
-        <p:nvPicPr>
-          <p:cNvPr id="5" name="Picture 4">
-            <a:extLst>
-              <a:ext uri="{FF2B5EF4-FFF2-40B4-BE49-F238E27FC236}">
-                <a16:creationId xmlns:a16="http://schemas.microsoft.com/office/drawing/2014/main" id="{1210F65D-598E-58F1-5041-0A0E8A1A29B1}"/>
-              </a:ext>
-            </a:extLst>
-          </p:cNvPr>
-          <p:cNvPicPr>
-            <a:picLocks noChangeAspect="1"/>
-          </p:cNvPicPr>
-          <p:nvPr/>
-        </p:nvPicPr>
-        <p:blipFill>
-          <a:blip r:embed="rId2"/>
-          <a:stretch>
-            <a:fillRect/>
-          </a:stretch>
-        </p:blipFill>
-        <p:spPr>
-          <a:xfrm>
-            <a:off x="616720" y="2480780"/>
-            <a:ext cx="4429743" cy="1457528"/>
-          </a:xfrm>
-          <a:prstGeom prst="rect">
-            <a:avLst/>
-          </a:prstGeom>
-        </p:spPr>
-      </p:pic>
-      <p:pic>
-        <p:nvPicPr>
-          <p:cNvPr id="7" name="Picture 6">
-            <a:extLst>
-              <a:ext uri="{FF2B5EF4-FFF2-40B4-BE49-F238E27FC236}">
-                <a16:creationId xmlns:a16="http://schemas.microsoft.com/office/drawing/2014/main" id="{A26D3A36-3935-10CB-8F30-EB2DD2C9831A}"/>
-              </a:ext>
-            </a:extLst>
-          </p:cNvPr>
-          <p:cNvPicPr>
-            <a:picLocks noChangeAspect="1"/>
-          </p:cNvPicPr>
-          <p:nvPr/>
-        </p:nvPicPr>
-        <p:blipFill>
-          <a:blip r:embed="rId3"/>
-          <a:stretch>
-            <a:fillRect/>
-          </a:stretch>
-        </p:blipFill>
-        <p:spPr>
-          <a:xfrm>
-            <a:off x="8364459" y="499389"/>
-            <a:ext cx="3324051" cy="1664390"/>
-          </a:xfrm>
-          <a:prstGeom prst="rect">
-            <a:avLst/>
-          </a:prstGeom>
-        </p:spPr>
-      </p:pic>
-      <p:pic>
-        <p:nvPicPr>
-          <p:cNvPr id="9" name="Picture 8">
-            <a:extLst>
-              <a:ext uri="{FF2B5EF4-FFF2-40B4-BE49-F238E27FC236}">
-                <a16:creationId xmlns:a16="http://schemas.microsoft.com/office/drawing/2014/main" id="{563057E3-96C8-38D1-2C2D-E1D8234EFC35}"/>
-              </a:ext>
-            </a:extLst>
-          </p:cNvPr>
-          <p:cNvPicPr>
-            <a:picLocks noChangeAspect="1"/>
-          </p:cNvPicPr>
-          <p:nvPr/>
-        </p:nvPicPr>
-        <p:blipFill>
-          <a:blip r:embed="rId4"/>
-          <a:stretch>
-            <a:fillRect/>
-          </a:stretch>
-        </p:blipFill>
-        <p:spPr>
-          <a:xfrm>
-            <a:off x="256033" y="4315842"/>
-            <a:ext cx="5477256" cy="1975883"/>
-          </a:xfrm>
-          <a:prstGeom prst="rect">
-            <a:avLst/>
-          </a:prstGeom>
-        </p:spPr>
-      </p:pic>
-      <p:pic>
-        <p:nvPicPr>
-          <p:cNvPr id="11" name="Picture 10">
-            <a:extLst>
-              <a:ext uri="{FF2B5EF4-FFF2-40B4-BE49-F238E27FC236}">
-                <a16:creationId xmlns:a16="http://schemas.microsoft.com/office/drawing/2014/main" id="{02985491-05B1-8FE4-1E1E-9CF7D65A64AB}"/>
-              </a:ext>
-            </a:extLst>
-          </p:cNvPr>
-          <p:cNvPicPr>
-            <a:picLocks noChangeAspect="1"/>
-          </p:cNvPicPr>
-          <p:nvPr/>
-        </p:nvPicPr>
-        <p:blipFill>
-          <a:blip r:embed="rId5"/>
-          <a:stretch>
-            <a:fillRect/>
-          </a:stretch>
-        </p:blipFill>
-        <p:spPr>
-          <a:xfrm>
-            <a:off x="7278403" y="2411796"/>
-            <a:ext cx="3712685" cy="1975883"/>
-          </a:xfrm>
-          <a:prstGeom prst="rect">
-            <a:avLst/>
-          </a:prstGeom>
-        </p:spPr>
-      </p:pic>
-      <p:pic>
-        <p:nvPicPr>
-          <p:cNvPr id="13" name="Picture 12">
-            <a:extLst>
-              <a:ext uri="{FF2B5EF4-FFF2-40B4-BE49-F238E27FC236}">
-                <a16:creationId xmlns:a16="http://schemas.microsoft.com/office/drawing/2014/main" id="{FC01D95D-5E3C-B4C1-EFD9-449FE99202EA}"/>
-              </a:ext>
-            </a:extLst>
-          </p:cNvPr>
-          <p:cNvPicPr>
-            <a:picLocks noChangeAspect="1"/>
-          </p:cNvPicPr>
-          <p:nvPr/>
-        </p:nvPicPr>
-        <p:blipFill>
-          <a:blip r:embed="rId6"/>
-          <a:stretch>
-            <a:fillRect/>
-          </a:stretch>
-        </p:blipFill>
-        <p:spPr>
-          <a:xfrm>
-            <a:off x="7345680" y="4610461"/>
-            <a:ext cx="3712685" cy="1386644"/>
-          </a:xfrm>
-          <a:prstGeom prst="rect">
-            <a:avLst/>
-          </a:prstGeom>
-        </p:spPr>
-      </p:pic>
-    </p:spTree>
-    <p:extLst>
-      <p:ext uri="{BB962C8B-B14F-4D97-AF65-F5344CB8AC3E}">
-        <p14:creationId xmlns:p14="http://schemas.microsoft.com/office/powerpoint/2010/main" val="2410297165"/>
-      </p:ext>
-    </p:extLst>
-  </p:cSld>
-  <p:clrMapOvr>
-    <a:masterClrMapping/>
-  </p:clrMapOvr>
-</p:sld>
-</file>
-
-<file path=ppt/slides/slide8.xml><?xml version="1.0" encoding="utf-8"?>
+<file path=ppt/slides/slide10.xml><?xml version="1.0" encoding="utf-8"?>
 <p:sld xmlns:a="http://schemas.openxmlformats.org/drawingml/2006/main" xmlns:r="http://schemas.openxmlformats.org/officeDocument/2006/relationships" xmlns:p="http://schemas.openxmlformats.org/presentationml/2006/main">
   <p:cSld>
     <p:spTree>
@@ -5862,6 +4667,1587 @@
 </p:sld>
 </file>
 
+<file path=ppt/slides/slide11.xml><?xml version="1.0" encoding="utf-8"?>
+<p:sld xmlns:a="http://schemas.openxmlformats.org/drawingml/2006/main" xmlns:r="http://schemas.openxmlformats.org/officeDocument/2006/relationships" xmlns:p="http://schemas.openxmlformats.org/presentationml/2006/main">
+  <p:cSld>
+    <p:spTree>
+      <p:nvGrpSpPr>
+        <p:cNvPr id="1" name=""/>
+        <p:cNvGrpSpPr/>
+        <p:nvPr/>
+      </p:nvGrpSpPr>
+      <p:grpSpPr>
+        <a:xfrm>
+          <a:off x="0" y="0"/>
+          <a:ext cx="0" cy="0"/>
+          <a:chOff x="0" y="0"/>
+          <a:chExt cx="0" cy="0"/>
+        </a:xfrm>
+      </p:grpSpPr>
+      <p:sp>
+        <p:nvSpPr>
+          <p:cNvPr id="2" name="Title 1">
+            <a:extLst>
+              <a:ext uri="{FF2B5EF4-FFF2-40B4-BE49-F238E27FC236}">
+                <a16:creationId xmlns:a16="http://schemas.microsoft.com/office/drawing/2014/main" id="{00C106E7-4AB3-A835-7493-9A87EB6AFD0D}"/>
+              </a:ext>
+            </a:extLst>
+          </p:cNvPr>
+          <p:cNvSpPr>
+            <a:spLocks noGrp="1"/>
+          </p:cNvSpPr>
+          <p:nvPr>
+            <p:ph type="title"/>
+          </p:nvPr>
+        </p:nvSpPr>
+        <p:spPr/>
+        <p:txBody>
+          <a:bodyPr/>
+          <a:lstStyle/>
+          <a:p>
+            <a:endParaRPr lang="en-US" dirty="0"/>
+          </a:p>
+        </p:txBody>
+      </p:sp>
+    </p:spTree>
+    <p:extLst>
+      <p:ext uri="{BB962C8B-B14F-4D97-AF65-F5344CB8AC3E}">
+        <p14:creationId xmlns:p14="http://schemas.microsoft.com/office/powerpoint/2010/main" val="4279994729"/>
+      </p:ext>
+    </p:extLst>
+  </p:cSld>
+  <p:clrMapOvr>
+    <a:masterClrMapping/>
+  </p:clrMapOvr>
+</p:sld>
+</file>
+
+<file path=ppt/slides/slide12.xml><?xml version="1.0" encoding="utf-8"?>
+<p:sld xmlns:a="http://schemas.openxmlformats.org/drawingml/2006/main" xmlns:r="http://schemas.openxmlformats.org/officeDocument/2006/relationships" xmlns:p="http://schemas.openxmlformats.org/presentationml/2006/main">
+  <p:cSld>
+    <p:spTree>
+      <p:nvGrpSpPr>
+        <p:cNvPr id="1" name=""/>
+        <p:cNvGrpSpPr/>
+        <p:nvPr/>
+      </p:nvGrpSpPr>
+      <p:grpSpPr>
+        <a:xfrm>
+          <a:off x="0" y="0"/>
+          <a:ext cx="0" cy="0"/>
+          <a:chOff x="0" y="0"/>
+          <a:chExt cx="0" cy="0"/>
+        </a:xfrm>
+      </p:grpSpPr>
+      <p:sp>
+        <p:nvSpPr>
+          <p:cNvPr id="2" name="TextBox 1">
+            <a:extLst>
+              <a:ext uri="{FF2B5EF4-FFF2-40B4-BE49-F238E27FC236}">
+                <a16:creationId xmlns:a16="http://schemas.microsoft.com/office/drawing/2014/main" id="{DD7CFE07-4E68-CBF7-C10C-D045039F26AE}"/>
+              </a:ext>
+            </a:extLst>
+          </p:cNvPr>
+          <p:cNvSpPr txBox="1"/>
+          <p:nvPr/>
+        </p:nvSpPr>
+        <p:spPr>
+          <a:xfrm>
+            <a:off x="402336" y="594360"/>
+            <a:ext cx="1290738" cy="369332"/>
+          </a:xfrm>
+          <a:prstGeom prst="rect">
+            <a:avLst/>
+          </a:prstGeom>
+          <a:noFill/>
+        </p:spPr>
+        <p:txBody>
+          <a:bodyPr wrap="none" rtlCol="0">
+            <a:spAutoFit/>
+          </a:bodyPr>
+          <a:lstStyle/>
+          <a:p>
+            <a:r>
+              <a:rPr lang="th-TH" dirty="0"/>
+              <a:t>การใช้งานรูปภาพ</a:t>
+            </a:r>
+            <a:endParaRPr lang="en-US" dirty="0"/>
+          </a:p>
+        </p:txBody>
+      </p:sp>
+    </p:spTree>
+    <p:extLst>
+      <p:ext uri="{BB962C8B-B14F-4D97-AF65-F5344CB8AC3E}">
+        <p14:creationId xmlns:p14="http://schemas.microsoft.com/office/powerpoint/2010/main" val="1788844401"/>
+      </p:ext>
+    </p:extLst>
+  </p:cSld>
+  <p:clrMapOvr>
+    <a:masterClrMapping/>
+  </p:clrMapOvr>
+</p:sld>
+</file>
+
+<file path=ppt/slides/slide13.xml><?xml version="1.0" encoding="utf-8"?>
+<p:sld xmlns:a="http://schemas.openxmlformats.org/drawingml/2006/main" xmlns:r="http://schemas.openxmlformats.org/officeDocument/2006/relationships" xmlns:p="http://schemas.openxmlformats.org/presentationml/2006/main">
+  <p:cSld>
+    <p:spTree>
+      <p:nvGrpSpPr>
+        <p:cNvPr id="1" name=""/>
+        <p:cNvGrpSpPr/>
+        <p:nvPr/>
+      </p:nvGrpSpPr>
+      <p:grpSpPr>
+        <a:xfrm>
+          <a:off x="0" y="0"/>
+          <a:ext cx="0" cy="0"/>
+          <a:chOff x="0" y="0"/>
+          <a:chExt cx="0" cy="0"/>
+        </a:xfrm>
+      </p:grpSpPr>
+      <p:sp>
+        <p:nvSpPr>
+          <p:cNvPr id="2" name="TextBox 1">
+            <a:extLst>
+              <a:ext uri="{FF2B5EF4-FFF2-40B4-BE49-F238E27FC236}">
+                <a16:creationId xmlns:a16="http://schemas.microsoft.com/office/drawing/2014/main" id="{DD7CFE07-4E68-CBF7-C10C-D045039F26AE}"/>
+              </a:ext>
+            </a:extLst>
+          </p:cNvPr>
+          <p:cNvSpPr txBox="1"/>
+          <p:nvPr/>
+        </p:nvSpPr>
+        <p:spPr>
+          <a:xfrm>
+            <a:off x="402336" y="594360"/>
+            <a:ext cx="1290738" cy="369332"/>
+          </a:xfrm>
+          <a:prstGeom prst="rect">
+            <a:avLst/>
+          </a:prstGeom>
+          <a:noFill/>
+        </p:spPr>
+        <p:txBody>
+          <a:bodyPr wrap="none" rtlCol="0">
+            <a:spAutoFit/>
+          </a:bodyPr>
+          <a:lstStyle/>
+          <a:p>
+            <a:r>
+              <a:rPr lang="th-TH" dirty="0"/>
+              <a:t>การใช้งานรูปภาพ</a:t>
+            </a:r>
+            <a:endParaRPr lang="en-US" dirty="0"/>
+          </a:p>
+        </p:txBody>
+      </p:sp>
+    </p:spTree>
+    <p:extLst>
+      <p:ext uri="{BB962C8B-B14F-4D97-AF65-F5344CB8AC3E}">
+        <p14:creationId xmlns:p14="http://schemas.microsoft.com/office/powerpoint/2010/main" val="2869427877"/>
+      </p:ext>
+    </p:extLst>
+  </p:cSld>
+  <p:clrMapOvr>
+    <a:masterClrMapping/>
+  </p:clrMapOvr>
+</p:sld>
+</file>
+
+<file path=ppt/slides/slide14.xml><?xml version="1.0" encoding="utf-8"?>
+<p:sld xmlns:a="http://schemas.openxmlformats.org/drawingml/2006/main" xmlns:r="http://schemas.openxmlformats.org/officeDocument/2006/relationships" xmlns:p="http://schemas.openxmlformats.org/presentationml/2006/main">
+  <p:cSld>
+    <p:spTree>
+      <p:nvGrpSpPr>
+        <p:cNvPr id="1" name=""/>
+        <p:cNvGrpSpPr/>
+        <p:nvPr/>
+      </p:nvGrpSpPr>
+      <p:grpSpPr>
+        <a:xfrm>
+          <a:off x="0" y="0"/>
+          <a:ext cx="0" cy="0"/>
+          <a:chOff x="0" y="0"/>
+          <a:chExt cx="0" cy="0"/>
+        </a:xfrm>
+      </p:grpSpPr>
+      <p:sp>
+        <p:nvSpPr>
+          <p:cNvPr id="2" name="TextBox 1">
+            <a:extLst>
+              <a:ext uri="{FF2B5EF4-FFF2-40B4-BE49-F238E27FC236}">
+                <a16:creationId xmlns:a16="http://schemas.microsoft.com/office/drawing/2014/main" id="{DD7CFE07-4E68-CBF7-C10C-D045039F26AE}"/>
+              </a:ext>
+            </a:extLst>
+          </p:cNvPr>
+          <p:cNvSpPr txBox="1"/>
+          <p:nvPr/>
+        </p:nvSpPr>
+        <p:spPr>
+          <a:xfrm>
+            <a:off x="402336" y="594360"/>
+            <a:ext cx="1290738" cy="369332"/>
+          </a:xfrm>
+          <a:prstGeom prst="rect">
+            <a:avLst/>
+          </a:prstGeom>
+          <a:noFill/>
+        </p:spPr>
+        <p:txBody>
+          <a:bodyPr wrap="none" rtlCol="0">
+            <a:spAutoFit/>
+          </a:bodyPr>
+          <a:lstStyle/>
+          <a:p>
+            <a:r>
+              <a:rPr lang="th-TH" dirty="0"/>
+              <a:t>การใช้งานรูปภาพ</a:t>
+            </a:r>
+            <a:endParaRPr lang="en-US" dirty="0"/>
+          </a:p>
+        </p:txBody>
+      </p:sp>
+    </p:spTree>
+    <p:extLst>
+      <p:ext uri="{BB962C8B-B14F-4D97-AF65-F5344CB8AC3E}">
+        <p14:creationId xmlns:p14="http://schemas.microsoft.com/office/powerpoint/2010/main" val="1805123889"/>
+      </p:ext>
+    </p:extLst>
+  </p:cSld>
+  <p:clrMapOvr>
+    <a:masterClrMapping/>
+  </p:clrMapOvr>
+</p:sld>
+</file>
+
+<file path=ppt/slides/slide15.xml><?xml version="1.0" encoding="utf-8"?>
+<p:sld xmlns:a="http://schemas.openxmlformats.org/drawingml/2006/main" xmlns:r="http://schemas.openxmlformats.org/officeDocument/2006/relationships" xmlns:p="http://schemas.openxmlformats.org/presentationml/2006/main">
+  <p:cSld>
+    <p:spTree>
+      <p:nvGrpSpPr>
+        <p:cNvPr id="1" name=""/>
+        <p:cNvGrpSpPr/>
+        <p:nvPr/>
+      </p:nvGrpSpPr>
+      <p:grpSpPr>
+        <a:xfrm>
+          <a:off x="0" y="0"/>
+          <a:ext cx="0" cy="0"/>
+          <a:chOff x="0" y="0"/>
+          <a:chExt cx="0" cy="0"/>
+        </a:xfrm>
+      </p:grpSpPr>
+      <p:sp>
+        <p:nvSpPr>
+          <p:cNvPr id="2" name="TextBox 1">
+            <a:extLst>
+              <a:ext uri="{FF2B5EF4-FFF2-40B4-BE49-F238E27FC236}">
+                <a16:creationId xmlns:a16="http://schemas.microsoft.com/office/drawing/2014/main" id="{DD7CFE07-4E68-CBF7-C10C-D045039F26AE}"/>
+              </a:ext>
+            </a:extLst>
+          </p:cNvPr>
+          <p:cNvSpPr txBox="1"/>
+          <p:nvPr/>
+        </p:nvSpPr>
+        <p:spPr>
+          <a:xfrm>
+            <a:off x="402336" y="594360"/>
+            <a:ext cx="1290738" cy="369332"/>
+          </a:xfrm>
+          <a:prstGeom prst="rect">
+            <a:avLst/>
+          </a:prstGeom>
+          <a:noFill/>
+        </p:spPr>
+        <p:txBody>
+          <a:bodyPr wrap="none" rtlCol="0">
+            <a:spAutoFit/>
+          </a:bodyPr>
+          <a:lstStyle/>
+          <a:p>
+            <a:r>
+              <a:rPr lang="th-TH" dirty="0"/>
+              <a:t>การใช้งานรูปภาพ</a:t>
+            </a:r>
+            <a:endParaRPr lang="en-US" dirty="0"/>
+          </a:p>
+        </p:txBody>
+      </p:sp>
+    </p:spTree>
+    <p:extLst>
+      <p:ext uri="{BB962C8B-B14F-4D97-AF65-F5344CB8AC3E}">
+        <p14:creationId xmlns:p14="http://schemas.microsoft.com/office/powerpoint/2010/main" val="513142751"/>
+      </p:ext>
+    </p:extLst>
+  </p:cSld>
+  <p:clrMapOvr>
+    <a:masterClrMapping/>
+  </p:clrMapOvr>
+</p:sld>
+</file>
+
+<file path=ppt/slides/slide16.xml><?xml version="1.0" encoding="utf-8"?>
+<p:sld xmlns:a="http://schemas.openxmlformats.org/drawingml/2006/main" xmlns:r="http://schemas.openxmlformats.org/officeDocument/2006/relationships" xmlns:p="http://schemas.openxmlformats.org/presentationml/2006/main">
+  <p:cSld>
+    <p:spTree>
+      <p:nvGrpSpPr>
+        <p:cNvPr id="1" name=""/>
+        <p:cNvGrpSpPr/>
+        <p:nvPr/>
+      </p:nvGrpSpPr>
+      <p:grpSpPr>
+        <a:xfrm>
+          <a:off x="0" y="0"/>
+          <a:ext cx="0" cy="0"/>
+          <a:chOff x="0" y="0"/>
+          <a:chExt cx="0" cy="0"/>
+        </a:xfrm>
+      </p:grpSpPr>
+      <p:sp>
+        <p:nvSpPr>
+          <p:cNvPr id="2" name="TextBox 1">
+            <a:extLst>
+              <a:ext uri="{FF2B5EF4-FFF2-40B4-BE49-F238E27FC236}">
+                <a16:creationId xmlns:a16="http://schemas.microsoft.com/office/drawing/2014/main" id="{DD7CFE07-4E68-CBF7-C10C-D045039F26AE}"/>
+              </a:ext>
+            </a:extLst>
+          </p:cNvPr>
+          <p:cNvSpPr txBox="1"/>
+          <p:nvPr/>
+        </p:nvSpPr>
+        <p:spPr>
+          <a:xfrm>
+            <a:off x="402336" y="594360"/>
+            <a:ext cx="1290738" cy="369332"/>
+          </a:xfrm>
+          <a:prstGeom prst="rect">
+            <a:avLst/>
+          </a:prstGeom>
+          <a:noFill/>
+        </p:spPr>
+        <p:txBody>
+          <a:bodyPr wrap="none" rtlCol="0">
+            <a:spAutoFit/>
+          </a:bodyPr>
+          <a:lstStyle/>
+          <a:p>
+            <a:r>
+              <a:rPr lang="th-TH" dirty="0"/>
+              <a:t>การใช้งานรูปภาพ</a:t>
+            </a:r>
+            <a:endParaRPr lang="en-US" dirty="0"/>
+          </a:p>
+        </p:txBody>
+      </p:sp>
+    </p:spTree>
+    <p:extLst>
+      <p:ext uri="{BB962C8B-B14F-4D97-AF65-F5344CB8AC3E}">
+        <p14:creationId xmlns:p14="http://schemas.microsoft.com/office/powerpoint/2010/main" val="2082009683"/>
+      </p:ext>
+    </p:extLst>
+  </p:cSld>
+  <p:clrMapOvr>
+    <a:masterClrMapping/>
+  </p:clrMapOvr>
+</p:sld>
+</file>
+
+<file path=ppt/slides/slide2.xml><?xml version="1.0" encoding="utf-8"?>
+<p:sld xmlns:a="http://schemas.openxmlformats.org/drawingml/2006/main" xmlns:r="http://schemas.openxmlformats.org/officeDocument/2006/relationships" xmlns:p="http://schemas.openxmlformats.org/presentationml/2006/main">
+  <p:cSld>
+    <p:spTree>
+      <p:nvGrpSpPr>
+        <p:cNvPr id="1" name=""/>
+        <p:cNvGrpSpPr/>
+        <p:nvPr/>
+      </p:nvGrpSpPr>
+      <p:grpSpPr>
+        <a:xfrm>
+          <a:off x="0" y="0"/>
+          <a:ext cx="0" cy="0"/>
+          <a:chOff x="0" y="0"/>
+          <a:chExt cx="0" cy="0"/>
+        </a:xfrm>
+      </p:grpSpPr>
+      <p:pic>
+        <p:nvPicPr>
+          <p:cNvPr id="5" name="Picture 4">
+            <a:extLst>
+              <a:ext uri="{FF2B5EF4-FFF2-40B4-BE49-F238E27FC236}">
+                <a16:creationId xmlns:a16="http://schemas.microsoft.com/office/drawing/2014/main" id="{11B62282-1402-B26A-D558-F23B8541CF3A}"/>
+              </a:ext>
+            </a:extLst>
+          </p:cNvPr>
+          <p:cNvPicPr>
+            <a:picLocks noChangeAspect="1"/>
+          </p:cNvPicPr>
+          <p:nvPr/>
+        </p:nvPicPr>
+        <p:blipFill>
+          <a:blip r:embed="rId2"/>
+          <a:stretch>
+            <a:fillRect/>
+          </a:stretch>
+        </p:blipFill>
+        <p:spPr>
+          <a:xfrm>
+            <a:off x="1151771" y="557784"/>
+            <a:ext cx="9376394" cy="6025896"/>
+          </a:xfrm>
+          <a:prstGeom prst="rect">
+            <a:avLst/>
+          </a:prstGeom>
+        </p:spPr>
+      </p:pic>
+    </p:spTree>
+    <p:extLst>
+      <p:ext uri="{BB962C8B-B14F-4D97-AF65-F5344CB8AC3E}">
+        <p14:creationId xmlns:p14="http://schemas.microsoft.com/office/powerpoint/2010/main" val="944538427"/>
+      </p:ext>
+    </p:extLst>
+  </p:cSld>
+  <p:clrMapOvr>
+    <a:masterClrMapping/>
+  </p:clrMapOvr>
+</p:sld>
+</file>
+
+<file path=ppt/slides/slide3.xml><?xml version="1.0" encoding="utf-8"?>
+<p:sld xmlns:a="http://schemas.openxmlformats.org/drawingml/2006/main" xmlns:r="http://schemas.openxmlformats.org/officeDocument/2006/relationships" xmlns:p="http://schemas.openxmlformats.org/presentationml/2006/main">
+  <p:cSld>
+    <p:spTree>
+      <p:nvGrpSpPr>
+        <p:cNvPr id="1" name=""/>
+        <p:cNvGrpSpPr/>
+        <p:nvPr/>
+      </p:nvGrpSpPr>
+      <p:grpSpPr>
+        <a:xfrm>
+          <a:off x="0" y="0"/>
+          <a:ext cx="0" cy="0"/>
+          <a:chOff x="0" y="0"/>
+          <a:chExt cx="0" cy="0"/>
+        </a:xfrm>
+      </p:grpSpPr>
+      <p:sp>
+        <p:nvSpPr>
+          <p:cNvPr id="2" name="Title 1">
+            <a:extLst>
+              <a:ext uri="{FF2B5EF4-FFF2-40B4-BE49-F238E27FC236}">
+                <a16:creationId xmlns:a16="http://schemas.microsoft.com/office/drawing/2014/main" id="{33F0E730-CCBA-F168-A08D-AC8F8344BE84}"/>
+              </a:ext>
+            </a:extLst>
+          </p:cNvPr>
+          <p:cNvSpPr>
+            <a:spLocks noGrp="1"/>
+          </p:cNvSpPr>
+          <p:nvPr>
+            <p:ph type="title"/>
+          </p:nvPr>
+        </p:nvSpPr>
+        <p:spPr>
+          <a:xfrm>
+            <a:off x="911352" y="1636777"/>
+            <a:ext cx="10515600" cy="1480376"/>
+          </a:xfrm>
+        </p:spPr>
+        <p:txBody>
+          <a:bodyPr>
+            <a:normAutofit fontScale="90000"/>
+          </a:bodyPr>
+          <a:lstStyle/>
+          <a:p>
+            <a:pPr marL="457200" indent="-457200">
+              <a:buFont typeface="Arial" panose="020B0604020202020204" pitchFamily="34" charset="0"/>
+              <a:buChar char="•"/>
+            </a:pPr>
+            <a:r>
+              <a:rPr lang="en-US" sz="2800" dirty="0"/>
+              <a:t>Django-admin start project  </a:t>
+            </a:r>
+            <a:r>
+              <a:rPr lang="en-US" sz="2800" dirty="0">
+                <a:highlight>
+                  <a:srgbClr val="FFFF00"/>
+                </a:highlight>
+              </a:rPr>
+              <a:t>who-is Witaya</a:t>
+            </a:r>
+            <a:br>
+              <a:rPr lang="en-US" sz="2800" dirty="0">
+                <a:highlight>
+                  <a:srgbClr val="FFFF00"/>
+                </a:highlight>
+              </a:rPr>
+            </a:br>
+            <a:r>
+              <a:rPr lang="en-US" sz="2800" dirty="0"/>
+              <a:t>Django-admin start app </a:t>
+            </a:r>
+            <a:r>
+              <a:rPr lang="en-US" sz="2800" dirty="0">
+                <a:highlight>
+                  <a:srgbClr val="FFFF00"/>
+                </a:highlight>
+              </a:rPr>
+              <a:t>Home</a:t>
+            </a:r>
+            <a:br>
+              <a:rPr lang="en-US" sz="2800" dirty="0">
+                <a:highlight>
+                  <a:srgbClr val="FFFF00"/>
+                </a:highlight>
+              </a:rPr>
+            </a:br>
+            <a:r>
+              <a:rPr lang="en-US" sz="2800" dirty="0">
+                <a:highlight>
+                  <a:srgbClr val="FFFF00"/>
+                </a:highlight>
+              </a:rPr>
+              <a:t>python manage.py migrate</a:t>
+            </a:r>
+            <a:br>
+              <a:rPr lang="en-US" sz="2800" dirty="0">
+                <a:highlight>
+                  <a:srgbClr val="FFFF00"/>
+                </a:highlight>
+              </a:rPr>
+            </a:br>
+            <a:r>
+              <a:rPr lang="en-US" sz="2800" dirty="0">
+                <a:highlight>
+                  <a:srgbClr val="FFFF00"/>
+                </a:highlight>
+              </a:rPr>
+              <a:t>python manage.py create super user</a:t>
+            </a:r>
+            <a:br>
+              <a:rPr lang="en-US" sz="2800" dirty="0">
+                <a:highlight>
+                  <a:srgbClr val="FFFF00"/>
+                </a:highlight>
+              </a:rPr>
+            </a:br>
+            <a:r>
+              <a:rPr lang="en-US" sz="2800" dirty="0">
+                <a:highlight>
+                  <a:srgbClr val="FFFF00"/>
+                </a:highlight>
+              </a:rPr>
+              <a:t>MTV</a:t>
+            </a:r>
+            <a:br>
+              <a:rPr lang="en-US" sz="2800" dirty="0">
+                <a:highlight>
+                  <a:srgbClr val="FFFF00"/>
+                </a:highlight>
+              </a:rPr>
+            </a:br>
+            <a:br>
+              <a:rPr lang="en-US" sz="2800" dirty="0">
+                <a:highlight>
+                  <a:srgbClr val="FFFF00"/>
+                </a:highlight>
+              </a:rPr>
+            </a:br>
+            <a:br>
+              <a:rPr lang="en-US" sz="2800" dirty="0">
+                <a:highlight>
+                  <a:srgbClr val="FFFF00"/>
+                </a:highlight>
+              </a:rPr>
+            </a:br>
+            <a:br>
+              <a:rPr lang="en-US" sz="2800" dirty="0">
+                <a:highlight>
+                  <a:srgbClr val="FFFF00"/>
+                </a:highlight>
+              </a:rPr>
+            </a:br>
+            <a:br>
+              <a:rPr lang="en-US" sz="2800" dirty="0"/>
+            </a:br>
+            <a:endParaRPr lang="en-US" sz="2800" dirty="0"/>
+          </a:p>
+        </p:txBody>
+      </p:sp>
+    </p:spTree>
+    <p:extLst>
+      <p:ext uri="{BB962C8B-B14F-4D97-AF65-F5344CB8AC3E}">
+        <p14:creationId xmlns:p14="http://schemas.microsoft.com/office/powerpoint/2010/main" val="914219326"/>
+      </p:ext>
+    </p:extLst>
+  </p:cSld>
+  <p:clrMapOvr>
+    <a:masterClrMapping/>
+  </p:clrMapOvr>
+</p:sld>
+</file>
+
+<file path=ppt/slides/slide4.xml><?xml version="1.0" encoding="utf-8"?>
+<p:sld xmlns:a="http://schemas.openxmlformats.org/drawingml/2006/main" xmlns:r="http://schemas.openxmlformats.org/officeDocument/2006/relationships" xmlns:p="http://schemas.openxmlformats.org/presentationml/2006/main">
+  <p:cSld>
+    <p:spTree>
+      <p:nvGrpSpPr>
+        <p:cNvPr id="1" name=""/>
+        <p:cNvGrpSpPr/>
+        <p:nvPr/>
+      </p:nvGrpSpPr>
+      <p:grpSpPr>
+        <a:xfrm>
+          <a:off x="0" y="0"/>
+          <a:ext cx="0" cy="0"/>
+          <a:chOff x="0" y="0"/>
+          <a:chExt cx="0" cy="0"/>
+        </a:xfrm>
+      </p:grpSpPr>
+      <p:pic>
+        <p:nvPicPr>
+          <p:cNvPr id="5" name="Picture 4">
+            <a:extLst>
+              <a:ext uri="{FF2B5EF4-FFF2-40B4-BE49-F238E27FC236}">
+                <a16:creationId xmlns:a16="http://schemas.microsoft.com/office/drawing/2014/main" id="{05735720-0D45-EA25-4646-E811EB103866}"/>
+              </a:ext>
+            </a:extLst>
+          </p:cNvPr>
+          <p:cNvPicPr>
+            <a:picLocks noChangeAspect="1"/>
+          </p:cNvPicPr>
+          <p:nvPr/>
+        </p:nvPicPr>
+        <p:blipFill>
+          <a:blip r:embed="rId2"/>
+          <a:stretch>
+            <a:fillRect/>
+          </a:stretch>
+        </p:blipFill>
+        <p:spPr>
+          <a:xfrm>
+            <a:off x="128016" y="-21281"/>
+            <a:ext cx="11036808" cy="4349819"/>
+          </a:xfrm>
+          <a:prstGeom prst="rect">
+            <a:avLst/>
+          </a:prstGeom>
+        </p:spPr>
+      </p:pic>
+      <p:pic>
+        <p:nvPicPr>
+          <p:cNvPr id="7" name="Picture 6">
+            <a:extLst>
+              <a:ext uri="{FF2B5EF4-FFF2-40B4-BE49-F238E27FC236}">
+                <a16:creationId xmlns:a16="http://schemas.microsoft.com/office/drawing/2014/main" id="{4D5A783D-FC38-5DE0-CC45-999DFF825FA5}"/>
+              </a:ext>
+            </a:extLst>
+          </p:cNvPr>
+          <p:cNvPicPr>
+            <a:picLocks noChangeAspect="1"/>
+          </p:cNvPicPr>
+          <p:nvPr/>
+        </p:nvPicPr>
+        <p:blipFill>
+          <a:blip r:embed="rId3"/>
+          <a:stretch>
+            <a:fillRect/>
+          </a:stretch>
+        </p:blipFill>
+        <p:spPr>
+          <a:xfrm>
+            <a:off x="4857828" y="3535024"/>
+            <a:ext cx="6512844" cy="3041297"/>
+          </a:xfrm>
+          <a:prstGeom prst="rect">
+            <a:avLst/>
+          </a:prstGeom>
+        </p:spPr>
+      </p:pic>
+      <p:sp>
+        <p:nvSpPr>
+          <p:cNvPr id="8" name="Oval 7">
+            <a:extLst>
+              <a:ext uri="{FF2B5EF4-FFF2-40B4-BE49-F238E27FC236}">
+                <a16:creationId xmlns:a16="http://schemas.microsoft.com/office/drawing/2014/main" id="{E3C0003D-4BB2-C608-CB21-D3CFBA95DF8D}"/>
+              </a:ext>
+            </a:extLst>
+          </p:cNvPr>
+          <p:cNvSpPr/>
+          <p:nvPr/>
+        </p:nvSpPr>
+        <p:spPr>
+          <a:xfrm>
+            <a:off x="9509760" y="3941064"/>
+            <a:ext cx="1179576" cy="393192"/>
+          </a:xfrm>
+          <a:prstGeom prst="ellipse">
+            <a:avLst/>
+          </a:prstGeom>
+          <a:noFill/>
+        </p:spPr>
+        <p:style>
+          <a:lnRef idx="2">
+            <a:schemeClr val="accent1">
+              <a:shade val="15000"/>
+            </a:schemeClr>
+          </a:lnRef>
+          <a:fillRef idx="1">
+            <a:schemeClr val="accent1"/>
+          </a:fillRef>
+          <a:effectRef idx="0">
+            <a:schemeClr val="accent1"/>
+          </a:effectRef>
+          <a:fontRef idx="minor">
+            <a:schemeClr val="lt1"/>
+          </a:fontRef>
+        </p:style>
+        <p:txBody>
+          <a:bodyPr rtlCol="0" anchor="ctr"/>
+          <a:lstStyle/>
+          <a:p>
+            <a:pPr algn="ctr"/>
+            <a:endParaRPr lang="en-US"/>
+          </a:p>
+        </p:txBody>
+      </p:sp>
+      <p:cxnSp>
+        <p:nvCxnSpPr>
+          <p:cNvPr id="10" name="Straight Arrow Connector 9">
+            <a:extLst>
+              <a:ext uri="{FF2B5EF4-FFF2-40B4-BE49-F238E27FC236}">
+                <a16:creationId xmlns:a16="http://schemas.microsoft.com/office/drawing/2014/main" id="{C67F1B11-A265-E11F-C632-5E9E8A2A3F44}"/>
+              </a:ext>
+            </a:extLst>
+          </p:cNvPr>
+          <p:cNvCxnSpPr/>
+          <p:nvPr/>
+        </p:nvCxnSpPr>
+        <p:spPr>
+          <a:xfrm flipH="1">
+            <a:off x="8046720" y="4334256"/>
+            <a:ext cx="1563624" cy="768096"/>
+          </a:xfrm>
+          <a:prstGeom prst="straightConnector1">
+            <a:avLst/>
+          </a:prstGeom>
+          <a:ln>
+            <a:tailEnd type="triangle"/>
+          </a:ln>
+        </p:spPr>
+        <p:style>
+          <a:lnRef idx="1">
+            <a:schemeClr val="accent1"/>
+          </a:lnRef>
+          <a:fillRef idx="0">
+            <a:schemeClr val="accent1"/>
+          </a:fillRef>
+          <a:effectRef idx="0">
+            <a:schemeClr val="accent1"/>
+          </a:effectRef>
+          <a:fontRef idx="minor">
+            <a:schemeClr val="tx1"/>
+          </a:fontRef>
+        </p:style>
+      </p:cxnSp>
+      <p:sp>
+        <p:nvSpPr>
+          <p:cNvPr id="11" name="TextBox 10">
+            <a:extLst>
+              <a:ext uri="{FF2B5EF4-FFF2-40B4-BE49-F238E27FC236}">
+                <a16:creationId xmlns:a16="http://schemas.microsoft.com/office/drawing/2014/main" id="{41F2E458-D816-7247-B05B-09F38EA01439}"/>
+              </a:ext>
+            </a:extLst>
+          </p:cNvPr>
+          <p:cNvSpPr txBox="1"/>
+          <p:nvPr/>
+        </p:nvSpPr>
+        <p:spPr>
+          <a:xfrm>
+            <a:off x="1086292" y="6206989"/>
+            <a:ext cx="2991460" cy="369332"/>
+          </a:xfrm>
+          <a:prstGeom prst="rect">
+            <a:avLst/>
+          </a:prstGeom>
+          <a:noFill/>
+        </p:spPr>
+        <p:txBody>
+          <a:bodyPr wrap="none" rtlCol="0">
+            <a:spAutoFit/>
+          </a:bodyPr>
+          <a:lstStyle/>
+          <a:p>
+            <a:r>
+              <a:rPr lang="en-US" dirty="0"/>
+              <a:t>The page for sent request </a:t>
+            </a:r>
+            <a:r>
+              <a:rPr lang="en-US" dirty="0">
+                <a:sym typeface="Wingdings" panose="05000000000000000000" pitchFamily="2" charset="2"/>
+              </a:rPr>
+              <a:t> </a:t>
+            </a:r>
+            <a:r>
+              <a:rPr lang="en-US" dirty="0"/>
+              <a:t> </a:t>
+            </a:r>
+          </a:p>
+        </p:txBody>
+      </p:sp>
+      <p:pic>
+        <p:nvPicPr>
+          <p:cNvPr id="13" name="Picture 12">
+            <a:extLst>
+              <a:ext uri="{FF2B5EF4-FFF2-40B4-BE49-F238E27FC236}">
+                <a16:creationId xmlns:a16="http://schemas.microsoft.com/office/drawing/2014/main" id="{5FF1B981-7D1E-9AAD-E1CD-C738401BF337}"/>
+              </a:ext>
+            </a:extLst>
+          </p:cNvPr>
+          <p:cNvPicPr>
+            <a:picLocks noChangeAspect="1"/>
+          </p:cNvPicPr>
+          <p:nvPr/>
+        </p:nvPicPr>
+        <p:blipFill>
+          <a:blip r:embed="rId4"/>
+          <a:stretch>
+            <a:fillRect/>
+          </a:stretch>
+        </p:blipFill>
+        <p:spPr>
+          <a:xfrm>
+            <a:off x="8354557" y="5689635"/>
+            <a:ext cx="2810267" cy="1034708"/>
+          </a:xfrm>
+          <a:prstGeom prst="rect">
+            <a:avLst/>
+          </a:prstGeom>
+        </p:spPr>
+      </p:pic>
+      <p:sp>
+        <p:nvSpPr>
+          <p:cNvPr id="2" name="TextBox 1">
+            <a:extLst>
+              <a:ext uri="{FF2B5EF4-FFF2-40B4-BE49-F238E27FC236}">
+                <a16:creationId xmlns:a16="http://schemas.microsoft.com/office/drawing/2014/main" id="{533CC0A0-5C67-765B-FDBE-8EAF9318F6CD}"/>
+              </a:ext>
+            </a:extLst>
+          </p:cNvPr>
+          <p:cNvSpPr txBox="1"/>
+          <p:nvPr/>
+        </p:nvSpPr>
+        <p:spPr>
+          <a:xfrm>
+            <a:off x="8017130" y="3410282"/>
+            <a:ext cx="846194" cy="369332"/>
+          </a:xfrm>
+          <a:prstGeom prst="rect">
+            <a:avLst/>
+          </a:prstGeom>
+          <a:noFill/>
+        </p:spPr>
+        <p:txBody>
+          <a:bodyPr wrap="none" rtlCol="0">
+            <a:spAutoFit/>
+          </a:bodyPr>
+          <a:lstStyle/>
+          <a:p>
+            <a:r>
+              <a:rPr lang="en-US" dirty="0"/>
+              <a:t>Project</a:t>
+            </a:r>
+          </a:p>
+        </p:txBody>
+      </p:sp>
+      <p:sp>
+        <p:nvSpPr>
+          <p:cNvPr id="3" name="TextBox 2">
+            <a:extLst>
+              <a:ext uri="{FF2B5EF4-FFF2-40B4-BE49-F238E27FC236}">
+                <a16:creationId xmlns:a16="http://schemas.microsoft.com/office/drawing/2014/main" id="{142E8E1C-A639-4D15-A863-681E692728FA}"/>
+              </a:ext>
+            </a:extLst>
+          </p:cNvPr>
+          <p:cNvSpPr txBox="1"/>
+          <p:nvPr/>
+        </p:nvSpPr>
+        <p:spPr>
+          <a:xfrm>
+            <a:off x="1188720" y="3779614"/>
+            <a:ext cx="1157689" cy="369332"/>
+          </a:xfrm>
+          <a:prstGeom prst="rect">
+            <a:avLst/>
+          </a:prstGeom>
+          <a:noFill/>
+        </p:spPr>
+        <p:txBody>
+          <a:bodyPr wrap="none" rtlCol="0">
+            <a:spAutoFit/>
+          </a:bodyPr>
+          <a:lstStyle/>
+          <a:p>
+            <a:r>
+              <a:rPr lang="en-US" dirty="0"/>
+              <a:t>App home</a:t>
+            </a:r>
+          </a:p>
+        </p:txBody>
+      </p:sp>
+    </p:spTree>
+    <p:extLst>
+      <p:ext uri="{BB962C8B-B14F-4D97-AF65-F5344CB8AC3E}">
+        <p14:creationId xmlns:p14="http://schemas.microsoft.com/office/powerpoint/2010/main" val="108872571"/>
+      </p:ext>
+    </p:extLst>
+  </p:cSld>
+  <p:clrMapOvr>
+    <a:masterClrMapping/>
+  </p:clrMapOvr>
+</p:sld>
+</file>
+
+<file path=ppt/slides/slide5.xml><?xml version="1.0" encoding="utf-8"?>
+<p:sld xmlns:a="http://schemas.openxmlformats.org/drawingml/2006/main" xmlns:r="http://schemas.openxmlformats.org/officeDocument/2006/relationships" xmlns:p="http://schemas.openxmlformats.org/presentationml/2006/main">
+  <p:cSld>
+    <p:spTree>
+      <p:nvGrpSpPr>
+        <p:cNvPr id="1" name=""/>
+        <p:cNvGrpSpPr/>
+        <p:nvPr/>
+      </p:nvGrpSpPr>
+      <p:grpSpPr>
+        <a:xfrm>
+          <a:off x="0" y="0"/>
+          <a:ext cx="0" cy="0"/>
+          <a:chOff x="0" y="0"/>
+          <a:chExt cx="0" cy="0"/>
+        </a:xfrm>
+      </p:grpSpPr>
+      <p:sp>
+        <p:nvSpPr>
+          <p:cNvPr id="4" name="TextBox 3">
+            <a:extLst>
+              <a:ext uri="{FF2B5EF4-FFF2-40B4-BE49-F238E27FC236}">
+                <a16:creationId xmlns:a16="http://schemas.microsoft.com/office/drawing/2014/main" id="{135AE14A-F405-25EE-3725-EB25A77DFEA1}"/>
+              </a:ext>
+            </a:extLst>
+          </p:cNvPr>
+          <p:cNvSpPr txBox="1"/>
+          <p:nvPr/>
+        </p:nvSpPr>
+        <p:spPr>
+          <a:xfrm>
+            <a:off x="265175" y="237744"/>
+            <a:ext cx="10561321" cy="2031325"/>
+          </a:xfrm>
+          <a:prstGeom prst="rect">
+            <a:avLst/>
+          </a:prstGeom>
+          <a:noFill/>
+        </p:spPr>
+        <p:txBody>
+          <a:bodyPr wrap="square" rtlCol="0">
+            <a:spAutoFit/>
+          </a:bodyPr>
+          <a:lstStyle/>
+          <a:p>
+            <a:r>
+              <a:rPr lang="en-US" dirty="0">
+                <a:hlinkClick r:id="rId2"/>
+              </a:rPr>
+              <a:t>https://getbootstrap.com/docs/5.3/examples/pricing/</a:t>
+            </a:r>
+            <a:r>
+              <a:rPr lang="en-US" dirty="0"/>
+              <a:t>       </a:t>
+            </a:r>
+            <a:r>
+              <a:rPr lang="th-TH" dirty="0"/>
+              <a:t>ตัวอย่างหน้า </a:t>
+            </a:r>
+            <a:r>
+              <a:rPr lang="en-US" dirty="0"/>
+              <a:t>Web</a:t>
+            </a:r>
+          </a:p>
+          <a:p>
+            <a:endParaRPr lang="en-US" dirty="0"/>
+          </a:p>
+          <a:p>
+            <a:r>
+              <a:rPr lang="th-TH" dirty="0"/>
+              <a:t>เอามาใส่หน้า </a:t>
+            </a:r>
+            <a:r>
+              <a:rPr lang="en-US" dirty="0"/>
+              <a:t>html   template/home  =</a:t>
+            </a:r>
+            <a:r>
+              <a:rPr lang="en-US" dirty="0">
+                <a:sym typeface="Wingdings" panose="05000000000000000000" pitchFamily="2" charset="2"/>
+              </a:rPr>
+              <a:t> Home.html</a:t>
+            </a:r>
+          </a:p>
+          <a:p>
+            <a:r>
+              <a:rPr lang="th-TH" dirty="0">
+                <a:sym typeface="Wingdings" panose="05000000000000000000" pitchFamily="2" charset="2"/>
+              </a:rPr>
+              <a:t>แก้ </a:t>
+            </a:r>
+            <a:r>
+              <a:rPr lang="en-US" dirty="0">
+                <a:sym typeface="Wingdings" panose="05000000000000000000" pitchFamily="2" charset="2"/>
+              </a:rPr>
+              <a:t>views </a:t>
+            </a:r>
+            <a:r>
+              <a:rPr lang="th-TH" dirty="0">
+                <a:sym typeface="Wingdings" panose="05000000000000000000" pitchFamily="2" charset="2"/>
+              </a:rPr>
+              <a:t> เป็น </a:t>
+            </a:r>
+            <a:r>
+              <a:rPr lang="en-US" dirty="0">
+                <a:sym typeface="Wingdings" panose="05000000000000000000" pitchFamily="2" charset="2"/>
+              </a:rPr>
+              <a:t> render  </a:t>
+            </a:r>
+          </a:p>
+          <a:p>
+            <a:r>
+              <a:rPr lang="th-TH" dirty="0">
+                <a:sym typeface="Wingdings" panose="05000000000000000000" pitchFamily="2" charset="2"/>
+              </a:rPr>
+              <a:t>แจ้ง </a:t>
+            </a:r>
+            <a:r>
+              <a:rPr lang="en-US" dirty="0">
+                <a:sym typeface="Wingdings" panose="05000000000000000000" pitchFamily="2" charset="2"/>
+              </a:rPr>
+              <a:t>project </a:t>
+            </a:r>
+            <a:r>
+              <a:rPr lang="th-TH" dirty="0">
+                <a:sym typeface="Wingdings" panose="05000000000000000000" pitchFamily="2" charset="2"/>
+              </a:rPr>
+              <a:t>ว่ามี </a:t>
+            </a:r>
+            <a:r>
+              <a:rPr lang="en-US" dirty="0">
+                <a:sym typeface="Wingdings" panose="05000000000000000000" pitchFamily="2" charset="2"/>
+              </a:rPr>
+              <a:t>template</a:t>
+            </a:r>
+            <a:endParaRPr lang="en-US" dirty="0"/>
+          </a:p>
+          <a:p>
+            <a:endParaRPr lang="en-US" dirty="0"/>
+          </a:p>
+          <a:p>
+            <a:endParaRPr lang="en-US" dirty="0"/>
+          </a:p>
+        </p:txBody>
+      </p:sp>
+      <p:pic>
+        <p:nvPicPr>
+          <p:cNvPr id="3" name="Picture 2">
+            <a:extLst>
+              <a:ext uri="{FF2B5EF4-FFF2-40B4-BE49-F238E27FC236}">
+                <a16:creationId xmlns:a16="http://schemas.microsoft.com/office/drawing/2014/main" id="{79393B4A-3783-2D75-6497-12C1EA6B3B69}"/>
+              </a:ext>
+            </a:extLst>
+          </p:cNvPr>
+          <p:cNvPicPr>
+            <a:picLocks noChangeAspect="1"/>
+          </p:cNvPicPr>
+          <p:nvPr/>
+        </p:nvPicPr>
+        <p:blipFill>
+          <a:blip r:embed="rId3"/>
+          <a:stretch>
+            <a:fillRect/>
+          </a:stretch>
+        </p:blipFill>
+        <p:spPr>
+          <a:xfrm>
+            <a:off x="311193" y="2078668"/>
+            <a:ext cx="5998168" cy="2005102"/>
+          </a:xfrm>
+          <a:prstGeom prst="rect">
+            <a:avLst/>
+          </a:prstGeom>
+        </p:spPr>
+      </p:pic>
+      <p:pic>
+        <p:nvPicPr>
+          <p:cNvPr id="6" name="Picture 5">
+            <a:extLst>
+              <a:ext uri="{FF2B5EF4-FFF2-40B4-BE49-F238E27FC236}">
+                <a16:creationId xmlns:a16="http://schemas.microsoft.com/office/drawing/2014/main" id="{1C123965-032B-43A9-8FCE-8A6A84F5992E}"/>
+              </a:ext>
+            </a:extLst>
+          </p:cNvPr>
+          <p:cNvPicPr>
+            <a:picLocks noChangeAspect="1"/>
+          </p:cNvPicPr>
+          <p:nvPr/>
+        </p:nvPicPr>
+        <p:blipFill>
+          <a:blip r:embed="rId4"/>
+          <a:stretch>
+            <a:fillRect/>
+          </a:stretch>
+        </p:blipFill>
+        <p:spPr>
+          <a:xfrm>
+            <a:off x="194424" y="4415532"/>
+            <a:ext cx="7049484" cy="1848108"/>
+          </a:xfrm>
+          <a:prstGeom prst="rect">
+            <a:avLst/>
+          </a:prstGeom>
+        </p:spPr>
+      </p:pic>
+      <p:pic>
+        <p:nvPicPr>
+          <p:cNvPr id="8" name="Picture 7">
+            <a:extLst>
+              <a:ext uri="{FF2B5EF4-FFF2-40B4-BE49-F238E27FC236}">
+                <a16:creationId xmlns:a16="http://schemas.microsoft.com/office/drawing/2014/main" id="{974B6E83-EEB9-458E-8821-8880710AA922}"/>
+              </a:ext>
+            </a:extLst>
+          </p:cNvPr>
+          <p:cNvPicPr>
+            <a:picLocks noChangeAspect="1"/>
+          </p:cNvPicPr>
+          <p:nvPr/>
+        </p:nvPicPr>
+        <p:blipFill>
+          <a:blip r:embed="rId5"/>
+          <a:stretch>
+            <a:fillRect/>
+          </a:stretch>
+        </p:blipFill>
+        <p:spPr>
+          <a:xfrm>
+            <a:off x="6757120" y="2000051"/>
+            <a:ext cx="3038899" cy="1428949"/>
+          </a:xfrm>
+          <a:prstGeom prst="rect">
+            <a:avLst/>
+          </a:prstGeom>
+        </p:spPr>
+      </p:pic>
+      <p:pic>
+        <p:nvPicPr>
+          <p:cNvPr id="10" name="Picture 9">
+            <a:extLst>
+              <a:ext uri="{FF2B5EF4-FFF2-40B4-BE49-F238E27FC236}">
+                <a16:creationId xmlns:a16="http://schemas.microsoft.com/office/drawing/2014/main" id="{DEE12936-732E-6392-65A2-652D0EE26726}"/>
+              </a:ext>
+            </a:extLst>
+          </p:cNvPr>
+          <p:cNvPicPr>
+            <a:picLocks noChangeAspect="1"/>
+          </p:cNvPicPr>
+          <p:nvPr/>
+        </p:nvPicPr>
+        <p:blipFill>
+          <a:blip r:embed="rId6"/>
+          <a:stretch>
+            <a:fillRect/>
+          </a:stretch>
+        </p:blipFill>
+        <p:spPr>
+          <a:xfrm>
+            <a:off x="7666933" y="3894324"/>
+            <a:ext cx="3823252" cy="2442468"/>
+          </a:xfrm>
+          <a:prstGeom prst="rect">
+            <a:avLst/>
+          </a:prstGeom>
+        </p:spPr>
+      </p:pic>
+    </p:spTree>
+    <p:extLst>
+      <p:ext uri="{BB962C8B-B14F-4D97-AF65-F5344CB8AC3E}">
+        <p14:creationId xmlns:p14="http://schemas.microsoft.com/office/powerpoint/2010/main" val="2975294771"/>
+      </p:ext>
+    </p:extLst>
+  </p:cSld>
+  <p:clrMapOvr>
+    <a:masterClrMapping/>
+  </p:clrMapOvr>
+</p:sld>
+</file>
+
+<file path=ppt/slides/slide6.xml><?xml version="1.0" encoding="utf-8"?>
+<p:sld xmlns:a="http://schemas.openxmlformats.org/drawingml/2006/main" xmlns:r="http://schemas.openxmlformats.org/officeDocument/2006/relationships" xmlns:p="http://schemas.openxmlformats.org/presentationml/2006/main">
+  <p:cSld>
+    <p:spTree>
+      <p:nvGrpSpPr>
+        <p:cNvPr id="1" name=""/>
+        <p:cNvGrpSpPr/>
+        <p:nvPr/>
+      </p:nvGrpSpPr>
+      <p:grpSpPr>
+        <a:xfrm>
+          <a:off x="0" y="0"/>
+          <a:ext cx="0" cy="0"/>
+          <a:chOff x="0" y="0"/>
+          <a:chExt cx="0" cy="0"/>
+        </a:xfrm>
+      </p:grpSpPr>
+      <p:pic>
+        <p:nvPicPr>
+          <p:cNvPr id="5" name="Picture 4">
+            <a:extLst>
+              <a:ext uri="{FF2B5EF4-FFF2-40B4-BE49-F238E27FC236}">
+                <a16:creationId xmlns:a16="http://schemas.microsoft.com/office/drawing/2014/main" id="{BEABA06A-1817-CA62-C939-B2E3FE0AE87D}"/>
+              </a:ext>
+            </a:extLst>
+          </p:cNvPr>
+          <p:cNvPicPr>
+            <a:picLocks noChangeAspect="1"/>
+          </p:cNvPicPr>
+          <p:nvPr/>
+        </p:nvPicPr>
+        <p:blipFill>
+          <a:blip r:embed="rId2"/>
+          <a:stretch>
+            <a:fillRect/>
+          </a:stretch>
+        </p:blipFill>
+        <p:spPr>
+          <a:xfrm>
+            <a:off x="365754" y="132890"/>
+            <a:ext cx="7452366" cy="3296110"/>
+          </a:xfrm>
+          <a:prstGeom prst="rect">
+            <a:avLst/>
+          </a:prstGeom>
+        </p:spPr>
+      </p:pic>
+      <p:pic>
+        <p:nvPicPr>
+          <p:cNvPr id="7" name="Picture 6">
+            <a:extLst>
+              <a:ext uri="{FF2B5EF4-FFF2-40B4-BE49-F238E27FC236}">
+                <a16:creationId xmlns:a16="http://schemas.microsoft.com/office/drawing/2014/main" id="{9E4A6ED4-FE75-D0A5-36AF-4C714A7F17F1}"/>
+              </a:ext>
+            </a:extLst>
+          </p:cNvPr>
+          <p:cNvPicPr>
+            <a:picLocks noChangeAspect="1"/>
+          </p:cNvPicPr>
+          <p:nvPr/>
+        </p:nvPicPr>
+        <p:blipFill>
+          <a:blip r:embed="rId3"/>
+          <a:stretch>
+            <a:fillRect/>
+          </a:stretch>
+        </p:blipFill>
+        <p:spPr>
+          <a:xfrm>
+            <a:off x="4672583" y="3032577"/>
+            <a:ext cx="6754863" cy="2155528"/>
+          </a:xfrm>
+          <a:prstGeom prst="rect">
+            <a:avLst/>
+          </a:prstGeom>
+        </p:spPr>
+      </p:pic>
+      <p:cxnSp>
+        <p:nvCxnSpPr>
+          <p:cNvPr id="9" name="Straight Arrow Connector 8">
+            <a:extLst>
+              <a:ext uri="{FF2B5EF4-FFF2-40B4-BE49-F238E27FC236}">
+                <a16:creationId xmlns:a16="http://schemas.microsoft.com/office/drawing/2014/main" id="{693FD6D4-7BE8-E30E-545A-C2424E45671F}"/>
+              </a:ext>
+            </a:extLst>
+          </p:cNvPr>
+          <p:cNvCxnSpPr/>
+          <p:nvPr/>
+        </p:nvCxnSpPr>
+        <p:spPr>
+          <a:xfrm>
+            <a:off x="1499616" y="2029968"/>
+            <a:ext cx="2788920" cy="1005840"/>
+          </a:xfrm>
+          <a:prstGeom prst="straightConnector1">
+            <a:avLst/>
+          </a:prstGeom>
+          <a:ln>
+            <a:tailEnd type="triangle"/>
+          </a:ln>
+        </p:spPr>
+        <p:style>
+          <a:lnRef idx="1">
+            <a:schemeClr val="accent1"/>
+          </a:lnRef>
+          <a:fillRef idx="0">
+            <a:schemeClr val="accent1"/>
+          </a:fillRef>
+          <a:effectRef idx="0">
+            <a:schemeClr val="accent1"/>
+          </a:effectRef>
+          <a:fontRef idx="minor">
+            <a:schemeClr val="tx1"/>
+          </a:fontRef>
+        </p:style>
+      </p:cxnSp>
+      <p:sp>
+        <p:nvSpPr>
+          <p:cNvPr id="10" name="TextBox 9">
+            <a:extLst>
+              <a:ext uri="{FF2B5EF4-FFF2-40B4-BE49-F238E27FC236}">
+                <a16:creationId xmlns:a16="http://schemas.microsoft.com/office/drawing/2014/main" id="{3476742A-CE8C-D14D-734C-4398FF82B72E}"/>
+              </a:ext>
+            </a:extLst>
+          </p:cNvPr>
+          <p:cNvSpPr txBox="1"/>
+          <p:nvPr/>
+        </p:nvSpPr>
+        <p:spPr>
+          <a:xfrm>
+            <a:off x="3493008" y="5907024"/>
+            <a:ext cx="3390800" cy="369332"/>
+          </a:xfrm>
+          <a:prstGeom prst="rect">
+            <a:avLst/>
+          </a:prstGeom>
+          <a:noFill/>
+        </p:spPr>
+        <p:txBody>
+          <a:bodyPr wrap="none" rtlCol="0">
+            <a:spAutoFit/>
+          </a:bodyPr>
+          <a:lstStyle/>
+          <a:p>
+            <a:r>
+              <a:rPr lang="en-US" dirty="0"/>
+              <a:t>Change from 6 to 4 </a:t>
+            </a:r>
+            <a:r>
+              <a:rPr lang="th-TH" dirty="0"/>
+              <a:t>เป็น </a:t>
+            </a:r>
+            <a:r>
+              <a:rPr lang="en-US" dirty="0"/>
+              <a:t>3 </a:t>
+            </a:r>
+            <a:r>
+              <a:rPr lang="th-TH" dirty="0"/>
+              <a:t>ช่องอยู่ด้วยกัน</a:t>
+            </a:r>
+            <a:endParaRPr lang="en-US" dirty="0"/>
+          </a:p>
+        </p:txBody>
+      </p:sp>
+    </p:spTree>
+    <p:extLst>
+      <p:ext uri="{BB962C8B-B14F-4D97-AF65-F5344CB8AC3E}">
+        <p14:creationId xmlns:p14="http://schemas.microsoft.com/office/powerpoint/2010/main" val="176034305"/>
+      </p:ext>
+    </p:extLst>
+  </p:cSld>
+  <p:clrMapOvr>
+    <a:masterClrMapping/>
+  </p:clrMapOvr>
+</p:sld>
+</file>
+
+<file path=ppt/slides/slide7.xml><?xml version="1.0" encoding="utf-8"?>
+<p:sld xmlns:a="http://schemas.openxmlformats.org/drawingml/2006/main" xmlns:r="http://schemas.openxmlformats.org/officeDocument/2006/relationships" xmlns:p="http://schemas.openxmlformats.org/presentationml/2006/main">
+  <p:cSld>
+    <p:spTree>
+      <p:nvGrpSpPr>
+        <p:cNvPr id="1" name=""/>
+        <p:cNvGrpSpPr/>
+        <p:nvPr/>
+      </p:nvGrpSpPr>
+      <p:grpSpPr>
+        <a:xfrm>
+          <a:off x="0" y="0"/>
+          <a:ext cx="0" cy="0"/>
+          <a:chOff x="0" y="0"/>
+          <a:chExt cx="0" cy="0"/>
+        </a:xfrm>
+      </p:grpSpPr>
+      <p:pic>
+        <p:nvPicPr>
+          <p:cNvPr id="3" name="Picture 2">
+            <a:extLst>
+              <a:ext uri="{FF2B5EF4-FFF2-40B4-BE49-F238E27FC236}">
+                <a16:creationId xmlns:a16="http://schemas.microsoft.com/office/drawing/2014/main" id="{947A38C8-AB33-3762-9C68-87F93FA09BFA}"/>
+              </a:ext>
+            </a:extLst>
+          </p:cNvPr>
+          <p:cNvPicPr>
+            <a:picLocks noChangeAspect="1"/>
+          </p:cNvPicPr>
+          <p:nvPr/>
+        </p:nvPicPr>
+        <p:blipFill>
+          <a:blip r:embed="rId2"/>
+          <a:stretch>
+            <a:fillRect/>
+          </a:stretch>
+        </p:blipFill>
+        <p:spPr>
+          <a:xfrm>
+            <a:off x="838231" y="352346"/>
+            <a:ext cx="5010849" cy="1124107"/>
+          </a:xfrm>
+          <a:prstGeom prst="rect">
+            <a:avLst/>
+          </a:prstGeom>
+        </p:spPr>
+      </p:pic>
+      <p:pic>
+        <p:nvPicPr>
+          <p:cNvPr id="5" name="Picture 4">
+            <a:extLst>
+              <a:ext uri="{FF2B5EF4-FFF2-40B4-BE49-F238E27FC236}">
+                <a16:creationId xmlns:a16="http://schemas.microsoft.com/office/drawing/2014/main" id="{71E8C18B-FB7A-E7C3-CE23-BEC70E242D52}"/>
+              </a:ext>
+            </a:extLst>
+          </p:cNvPr>
+          <p:cNvPicPr>
+            <a:picLocks noChangeAspect="1"/>
+          </p:cNvPicPr>
+          <p:nvPr/>
+        </p:nvPicPr>
+        <p:blipFill>
+          <a:blip r:embed="rId3"/>
+          <a:stretch>
+            <a:fillRect/>
+          </a:stretch>
+        </p:blipFill>
+        <p:spPr>
+          <a:xfrm>
+            <a:off x="838231" y="1476453"/>
+            <a:ext cx="10698068" cy="3000794"/>
+          </a:xfrm>
+          <a:prstGeom prst="rect">
+            <a:avLst/>
+          </a:prstGeom>
+        </p:spPr>
+      </p:pic>
+    </p:spTree>
+    <p:extLst>
+      <p:ext uri="{BB962C8B-B14F-4D97-AF65-F5344CB8AC3E}">
+        <p14:creationId xmlns:p14="http://schemas.microsoft.com/office/powerpoint/2010/main" val="1486535379"/>
+      </p:ext>
+    </p:extLst>
+  </p:cSld>
+  <p:clrMapOvr>
+    <a:masterClrMapping/>
+  </p:clrMapOvr>
+</p:sld>
+</file>
+
+<file path=ppt/slides/slide8.xml><?xml version="1.0" encoding="utf-8"?>
+<p:sld xmlns:a="http://schemas.openxmlformats.org/drawingml/2006/main" xmlns:r="http://schemas.openxmlformats.org/officeDocument/2006/relationships" xmlns:p="http://schemas.openxmlformats.org/presentationml/2006/main">
+  <p:cSld>
+    <p:spTree>
+      <p:nvGrpSpPr>
+        <p:cNvPr id="1" name=""/>
+        <p:cNvGrpSpPr/>
+        <p:nvPr/>
+      </p:nvGrpSpPr>
+      <p:grpSpPr>
+        <a:xfrm>
+          <a:off x="0" y="0"/>
+          <a:ext cx="0" cy="0"/>
+          <a:chOff x="0" y="0"/>
+          <a:chExt cx="0" cy="0"/>
+        </a:xfrm>
+      </p:grpSpPr>
+      <p:sp>
+        <p:nvSpPr>
+          <p:cNvPr id="2" name="TextBox 1">
+            <a:extLst>
+              <a:ext uri="{FF2B5EF4-FFF2-40B4-BE49-F238E27FC236}">
+                <a16:creationId xmlns:a16="http://schemas.microsoft.com/office/drawing/2014/main" id="{735589B2-FBEE-FEAB-473F-ABC55DE543F3}"/>
+              </a:ext>
+            </a:extLst>
+          </p:cNvPr>
+          <p:cNvSpPr txBox="1"/>
+          <p:nvPr/>
+        </p:nvSpPr>
+        <p:spPr>
+          <a:xfrm>
+            <a:off x="320040" y="393192"/>
+            <a:ext cx="6011069" cy="923330"/>
+          </a:xfrm>
+          <a:prstGeom prst="rect">
+            <a:avLst/>
+          </a:prstGeom>
+          <a:noFill/>
+        </p:spPr>
+        <p:txBody>
+          <a:bodyPr wrap="none" rtlCol="0">
+            <a:spAutoFit/>
+          </a:bodyPr>
+          <a:lstStyle/>
+          <a:p>
+            <a:r>
+              <a:rPr lang="th-TH" dirty="0"/>
+              <a:t>การใช่งาน </a:t>
+            </a:r>
+            <a:r>
+              <a:rPr lang="en-US" dirty="0" err="1"/>
+              <a:t>Ngrok</a:t>
+            </a:r>
+            <a:r>
+              <a:rPr lang="en-US" dirty="0"/>
+              <a:t>  forwards with </a:t>
+            </a:r>
+            <a:r>
+              <a:rPr lang="en-US" dirty="0" err="1"/>
+              <a:t>Ngrok</a:t>
+            </a:r>
+            <a:r>
+              <a:rPr lang="en-US" dirty="0"/>
+              <a:t> use our computer is server</a:t>
+            </a:r>
+          </a:p>
+          <a:p>
+            <a:r>
+              <a:rPr lang="en-US" dirty="0"/>
+              <a:t>  </a:t>
+            </a:r>
+            <a:r>
+              <a:rPr lang="en-US" dirty="0" err="1"/>
+              <a:t>ngrok</a:t>
+            </a:r>
+            <a:r>
+              <a:rPr lang="en-US" dirty="0"/>
+              <a:t> http 8000 </a:t>
+            </a:r>
+          </a:p>
+          <a:p>
+            <a:endParaRPr lang="en-US" dirty="0"/>
+          </a:p>
+        </p:txBody>
+      </p:sp>
+    </p:spTree>
+    <p:extLst>
+      <p:ext uri="{BB962C8B-B14F-4D97-AF65-F5344CB8AC3E}">
+        <p14:creationId xmlns:p14="http://schemas.microsoft.com/office/powerpoint/2010/main" val="2401643237"/>
+      </p:ext>
+    </p:extLst>
+  </p:cSld>
+  <p:clrMapOvr>
+    <a:masterClrMapping/>
+  </p:clrMapOvr>
+</p:sld>
+</file>
+
 <file path=ppt/slides/slide9.xml><?xml version="1.0" encoding="utf-8"?>
 <p:sld xmlns:a="http://schemas.openxmlformats.org/drawingml/2006/main" xmlns:r="http://schemas.openxmlformats.org/officeDocument/2006/relationships" xmlns:p="http://schemas.openxmlformats.org/presentationml/2006/main">
   <p:cSld>
@@ -5881,33 +6267,441 @@
       </p:grpSpPr>
       <p:sp>
         <p:nvSpPr>
-          <p:cNvPr id="2" name="Title 1">
-            <a:extLst>
-              <a:ext uri="{FF2B5EF4-FFF2-40B4-BE49-F238E27FC236}">
-                <a16:creationId xmlns:a16="http://schemas.microsoft.com/office/drawing/2014/main" id="{00C106E7-4AB3-A835-7493-9A87EB6AFD0D}"/>
-              </a:ext>
-            </a:extLst>
-          </p:cNvPr>
-          <p:cNvSpPr>
-            <a:spLocks noGrp="1"/>
-          </p:cNvSpPr>
-          <p:nvPr>
-            <p:ph type="title"/>
-          </p:nvPr>
-        </p:nvSpPr>
-        <p:spPr/>
-        <p:txBody>
-          <a:bodyPr/>
+          <p:cNvPr id="2" name="TextBox 1">
+            <a:extLst>
+              <a:ext uri="{FF2B5EF4-FFF2-40B4-BE49-F238E27FC236}">
+                <a16:creationId xmlns:a16="http://schemas.microsoft.com/office/drawing/2014/main" id="{DD7CFE07-4E68-CBF7-C10C-D045039F26AE}"/>
+              </a:ext>
+            </a:extLst>
+          </p:cNvPr>
+          <p:cNvSpPr txBox="1"/>
+          <p:nvPr/>
+        </p:nvSpPr>
+        <p:spPr>
+          <a:xfrm>
+            <a:off x="402336" y="594360"/>
+            <a:ext cx="1290738" cy="369332"/>
+          </a:xfrm>
+          <a:prstGeom prst="rect">
+            <a:avLst/>
+          </a:prstGeom>
+          <a:noFill/>
+        </p:spPr>
+        <p:txBody>
+          <a:bodyPr wrap="none" rtlCol="0">
+            <a:spAutoFit/>
+          </a:bodyPr>
           <a:lstStyle/>
           <a:p>
+            <a:r>
+              <a:rPr lang="th-TH" dirty="0"/>
+              <a:t>การใช้งานรูปภาพ</a:t>
+            </a:r>
             <a:endParaRPr lang="en-US" dirty="0"/>
           </a:p>
         </p:txBody>
       </p:sp>
+      <p:sp>
+        <p:nvSpPr>
+          <p:cNvPr id="3" name="TextBox 2">
+            <a:extLst>
+              <a:ext uri="{FF2B5EF4-FFF2-40B4-BE49-F238E27FC236}">
+                <a16:creationId xmlns:a16="http://schemas.microsoft.com/office/drawing/2014/main" id="{BAC4F7C0-05DE-A3DC-26E5-D90FB73449AF}"/>
+              </a:ext>
+            </a:extLst>
+          </p:cNvPr>
+          <p:cNvSpPr txBox="1"/>
+          <p:nvPr/>
+        </p:nvSpPr>
+        <p:spPr>
+          <a:xfrm>
+            <a:off x="402336" y="1088136"/>
+            <a:ext cx="8460971" cy="1908215"/>
+          </a:xfrm>
+          <a:prstGeom prst="rect">
+            <a:avLst/>
+          </a:prstGeom>
+          <a:noFill/>
+        </p:spPr>
+        <p:txBody>
+          <a:bodyPr wrap="none" rtlCol="0">
+            <a:spAutoFit/>
+          </a:bodyPr>
+          <a:lstStyle/>
+          <a:p>
+            <a:r>
+              <a:rPr lang="en-US" sz="2000" b="1" dirty="0">
+                <a:solidFill>
+                  <a:srgbClr val="FF0000"/>
+                </a:solidFill>
+                <a:cs typeface="+mj-cs"/>
+              </a:rPr>
+              <a:t>-</a:t>
+            </a:r>
+            <a:r>
+              <a:rPr lang="th-TH" sz="2000" b="1" dirty="0">
+                <a:solidFill>
+                  <a:srgbClr val="FF0000"/>
+                </a:solidFill>
+                <a:cs typeface="+mj-cs"/>
+              </a:rPr>
+              <a:t>      มี </a:t>
+            </a:r>
+            <a:r>
+              <a:rPr lang="en-US" sz="2000" b="1" dirty="0">
+                <a:solidFill>
+                  <a:srgbClr val="FF0000"/>
+                </a:solidFill>
+                <a:cs typeface="+mj-cs"/>
+              </a:rPr>
+              <a:t>static URL </a:t>
+            </a:r>
+            <a:r>
+              <a:rPr lang="th-TH" sz="2000" b="1" dirty="0">
+                <a:solidFill>
+                  <a:srgbClr val="FF0000"/>
+                </a:solidFill>
+                <a:cs typeface="+mj-cs"/>
+              </a:rPr>
+              <a:t>ไหม</a:t>
+            </a:r>
+          </a:p>
+          <a:p>
+            <a:r>
+              <a:rPr lang="en-US" sz="2000" b="1" dirty="0">
+                <a:solidFill>
+                  <a:srgbClr val="FF0000"/>
+                </a:solidFill>
+                <a:cs typeface="+mj-cs"/>
+              </a:rPr>
+              <a:t>-</a:t>
+            </a:r>
+            <a:r>
+              <a:rPr lang="en-US" sz="2000" b="1" dirty="0">
+                <a:solidFill>
+                  <a:srgbClr val="FF0000"/>
+                </a:solidFill>
+                <a:effectLst/>
+                <a:latin typeface="Fira Code Retina" panose="020F0502020204030204" pitchFamily="49" charset="0"/>
+                <a:cs typeface="+mj-cs"/>
+              </a:rPr>
+              <a:t> '</a:t>
+            </a:r>
+            <a:r>
+              <a:rPr lang="en-US" sz="2000" b="1" dirty="0" err="1">
+                <a:solidFill>
+                  <a:srgbClr val="FF0000"/>
+                </a:solidFill>
+                <a:effectLst/>
+                <a:latin typeface="Fira Code Retina" panose="020F0502020204030204" pitchFamily="49" charset="0"/>
+                <a:cs typeface="+mj-cs"/>
+              </a:rPr>
+              <a:t>django.contrib.staticfiles</a:t>
+            </a:r>
+            <a:r>
+              <a:rPr lang="en-US" sz="2000" b="1" dirty="0">
+                <a:solidFill>
+                  <a:srgbClr val="FF0000"/>
+                </a:solidFill>
+                <a:effectLst/>
+                <a:latin typeface="Fira Code Retina" panose="020F0502020204030204" pitchFamily="49" charset="0"/>
+                <a:cs typeface="+mj-cs"/>
+              </a:rPr>
+              <a:t>’</a:t>
+            </a:r>
+            <a:r>
+              <a:rPr lang="en-US" sz="2000" b="1" dirty="0">
+                <a:solidFill>
+                  <a:srgbClr val="FF0000"/>
+                </a:solidFill>
+                <a:latin typeface="Fira Code Retina" panose="020F0502020204030204" pitchFamily="49" charset="0"/>
+                <a:cs typeface="+mj-cs"/>
+              </a:rPr>
+              <a:t> </a:t>
+            </a:r>
+            <a:r>
+              <a:rPr lang="th-TH" sz="2000" b="1" dirty="0">
+                <a:solidFill>
+                  <a:srgbClr val="FF0000"/>
+                </a:solidFill>
+                <a:latin typeface="Fira Code Retina" panose="020F0502020204030204" pitchFamily="49" charset="0"/>
+                <a:cs typeface="+mj-cs"/>
+              </a:rPr>
+              <a:t>ไหม</a:t>
+            </a:r>
+          </a:p>
+          <a:p>
+            <a:r>
+              <a:rPr lang="en-US" sz="2000" b="1" dirty="0">
+                <a:solidFill>
+                  <a:srgbClr val="FF0000"/>
+                </a:solidFill>
+                <a:latin typeface="Fira Code Retina" panose="020F0502020204030204" pitchFamily="49" charset="0"/>
+                <a:cs typeface="+mj-cs"/>
+              </a:rPr>
+              <a:t>- use { % load static % }</a:t>
+            </a:r>
+          </a:p>
+          <a:p>
+            <a:r>
+              <a:rPr lang="en-US" sz="2000" b="1" dirty="0">
+                <a:solidFill>
+                  <a:srgbClr val="FF0000"/>
+                </a:solidFill>
+                <a:effectLst/>
+                <a:latin typeface="Fira Code Retina" panose="020F0502020204030204" pitchFamily="49" charset="0"/>
+                <a:cs typeface="+mj-cs"/>
+              </a:rPr>
+              <a:t>- </a:t>
+            </a:r>
+            <a:r>
+              <a:rPr lang="th-TH" sz="2000" b="1" dirty="0">
+                <a:solidFill>
+                  <a:srgbClr val="FF0000"/>
+                </a:solidFill>
+                <a:effectLst/>
+                <a:latin typeface="Fira Code Retina" panose="020F0502020204030204" pitchFamily="49" charset="0"/>
+                <a:cs typeface="+mj-cs"/>
+              </a:rPr>
+              <a:t>สร้า</a:t>
+            </a:r>
+            <a:r>
+              <a:rPr lang="th-TH" sz="2000" b="1" dirty="0">
+                <a:solidFill>
+                  <a:srgbClr val="FF0000"/>
+                </a:solidFill>
+                <a:latin typeface="Fira Code Retina" panose="020F0502020204030204" pitchFamily="49" charset="0"/>
+                <a:cs typeface="+mj-cs"/>
+              </a:rPr>
+              <a:t>ง </a:t>
+            </a:r>
+            <a:r>
+              <a:rPr lang="en-US" sz="2000" b="1" dirty="0">
+                <a:solidFill>
+                  <a:srgbClr val="FF0000"/>
+                </a:solidFill>
+                <a:latin typeface="Fira Code Retina" panose="020F0502020204030204" pitchFamily="49" charset="0"/>
+                <a:cs typeface="+mj-cs"/>
+              </a:rPr>
+              <a:t>Folder static  </a:t>
+            </a:r>
+            <a:r>
+              <a:rPr lang="th-TH" sz="2000" b="1" dirty="0">
+                <a:solidFill>
+                  <a:srgbClr val="FF0000"/>
+                </a:solidFill>
+                <a:latin typeface="Fira Code Retina" panose="020F0502020204030204" pitchFamily="49" charset="0"/>
+                <a:cs typeface="+mj-cs"/>
+              </a:rPr>
+              <a:t>ใน </a:t>
+            </a:r>
+            <a:r>
+              <a:rPr lang="en-US" sz="2000" b="1" dirty="0">
+                <a:solidFill>
+                  <a:srgbClr val="FF0000"/>
+                </a:solidFill>
+                <a:latin typeface="Fira Code Retina" panose="020F0502020204030204" pitchFamily="49" charset="0"/>
+                <a:cs typeface="+mj-cs"/>
+              </a:rPr>
+              <a:t>app </a:t>
+            </a:r>
+            <a:r>
+              <a:rPr lang="th-TH" sz="2000" b="1" dirty="0">
+                <a:solidFill>
+                  <a:srgbClr val="FF0000"/>
+                </a:solidFill>
+                <a:latin typeface="Fira Code Retina" panose="020F0502020204030204" pitchFamily="49" charset="0"/>
+                <a:cs typeface="+mj-cs"/>
+              </a:rPr>
+              <a:t>หรือข้างนอก</a:t>
+            </a:r>
+            <a:r>
+              <a:rPr lang="en-US" sz="2000" b="1" dirty="0">
+                <a:solidFill>
+                  <a:srgbClr val="FF0000"/>
+                </a:solidFill>
+                <a:latin typeface="Fira Code Retina" panose="020F0502020204030204" pitchFamily="49" charset="0"/>
+                <a:cs typeface="+mj-cs"/>
+              </a:rPr>
+              <a:t>   static/image/logo.png</a:t>
+            </a:r>
+            <a:endParaRPr lang="th-TH" sz="2000" b="1" dirty="0">
+              <a:solidFill>
+                <a:srgbClr val="FF0000"/>
+              </a:solidFill>
+              <a:latin typeface="Fira Code Retina" panose="020F0502020204030204" pitchFamily="49" charset="0"/>
+              <a:cs typeface="+mj-cs"/>
+            </a:endParaRPr>
+          </a:p>
+          <a:p>
+            <a:endParaRPr lang="en-US" sz="2000" b="1" dirty="0">
+              <a:solidFill>
+                <a:srgbClr val="FF0000"/>
+              </a:solidFill>
+              <a:effectLst/>
+              <a:latin typeface="Fira Code Retina" panose="020F0502020204030204" pitchFamily="49" charset="0"/>
+              <a:cs typeface="+mj-cs"/>
+            </a:endParaRPr>
+          </a:p>
+          <a:p>
+            <a:endParaRPr lang="en-US" dirty="0"/>
+          </a:p>
+        </p:txBody>
+      </p:sp>
+      <p:pic>
+        <p:nvPicPr>
+          <p:cNvPr id="5" name="Picture 4">
+            <a:extLst>
+              <a:ext uri="{FF2B5EF4-FFF2-40B4-BE49-F238E27FC236}">
+                <a16:creationId xmlns:a16="http://schemas.microsoft.com/office/drawing/2014/main" id="{1210F65D-598E-58F1-5041-0A0E8A1A29B1}"/>
+              </a:ext>
+            </a:extLst>
+          </p:cNvPr>
+          <p:cNvPicPr>
+            <a:picLocks noChangeAspect="1"/>
+          </p:cNvPicPr>
+          <p:nvPr/>
+        </p:nvPicPr>
+        <p:blipFill>
+          <a:blip r:embed="rId2"/>
+          <a:stretch>
+            <a:fillRect/>
+          </a:stretch>
+        </p:blipFill>
+        <p:spPr>
+          <a:xfrm>
+            <a:off x="616720" y="2480780"/>
+            <a:ext cx="4429743" cy="1457528"/>
+          </a:xfrm>
+          <a:prstGeom prst="rect">
+            <a:avLst/>
+          </a:prstGeom>
+        </p:spPr>
+      </p:pic>
+      <p:pic>
+        <p:nvPicPr>
+          <p:cNvPr id="7" name="Picture 6">
+            <a:extLst>
+              <a:ext uri="{FF2B5EF4-FFF2-40B4-BE49-F238E27FC236}">
+                <a16:creationId xmlns:a16="http://schemas.microsoft.com/office/drawing/2014/main" id="{A26D3A36-3935-10CB-8F30-EB2DD2C9831A}"/>
+              </a:ext>
+            </a:extLst>
+          </p:cNvPr>
+          <p:cNvPicPr>
+            <a:picLocks noChangeAspect="1"/>
+          </p:cNvPicPr>
+          <p:nvPr/>
+        </p:nvPicPr>
+        <p:blipFill>
+          <a:blip r:embed="rId3"/>
+          <a:stretch>
+            <a:fillRect/>
+          </a:stretch>
+        </p:blipFill>
+        <p:spPr>
+          <a:xfrm>
+            <a:off x="8364459" y="499389"/>
+            <a:ext cx="3324051" cy="1664390"/>
+          </a:xfrm>
+          <a:prstGeom prst="rect">
+            <a:avLst/>
+          </a:prstGeom>
+        </p:spPr>
+      </p:pic>
+      <p:pic>
+        <p:nvPicPr>
+          <p:cNvPr id="9" name="Picture 8">
+            <a:extLst>
+              <a:ext uri="{FF2B5EF4-FFF2-40B4-BE49-F238E27FC236}">
+                <a16:creationId xmlns:a16="http://schemas.microsoft.com/office/drawing/2014/main" id="{563057E3-96C8-38D1-2C2D-E1D8234EFC35}"/>
+              </a:ext>
+            </a:extLst>
+          </p:cNvPr>
+          <p:cNvPicPr>
+            <a:picLocks noChangeAspect="1"/>
+          </p:cNvPicPr>
+          <p:nvPr/>
+        </p:nvPicPr>
+        <p:blipFill>
+          <a:blip r:embed="rId4"/>
+          <a:stretch>
+            <a:fillRect/>
+          </a:stretch>
+        </p:blipFill>
+        <p:spPr>
+          <a:xfrm>
+            <a:off x="256033" y="4315842"/>
+            <a:ext cx="5477256" cy="1975883"/>
+          </a:xfrm>
+          <a:prstGeom prst="rect">
+            <a:avLst/>
+          </a:prstGeom>
+        </p:spPr>
+      </p:pic>
+      <p:pic>
+        <p:nvPicPr>
+          <p:cNvPr id="11" name="Picture 10">
+            <a:extLst>
+              <a:ext uri="{FF2B5EF4-FFF2-40B4-BE49-F238E27FC236}">
+                <a16:creationId xmlns:a16="http://schemas.microsoft.com/office/drawing/2014/main" id="{02985491-05B1-8FE4-1E1E-9CF7D65A64AB}"/>
+              </a:ext>
+            </a:extLst>
+          </p:cNvPr>
+          <p:cNvPicPr>
+            <a:picLocks noChangeAspect="1"/>
+          </p:cNvPicPr>
+          <p:nvPr/>
+        </p:nvPicPr>
+        <p:blipFill>
+          <a:blip r:embed="rId5"/>
+          <a:stretch>
+            <a:fillRect/>
+          </a:stretch>
+        </p:blipFill>
+        <p:spPr>
+          <a:xfrm>
+            <a:off x="7278403" y="2411796"/>
+            <a:ext cx="3712685" cy="1975883"/>
+          </a:xfrm>
+          <a:prstGeom prst="rect">
+            <a:avLst/>
+          </a:prstGeom>
+        </p:spPr>
+      </p:pic>
+      <p:pic>
+        <p:nvPicPr>
+          <p:cNvPr id="13" name="Picture 12">
+            <a:extLst>
+              <a:ext uri="{FF2B5EF4-FFF2-40B4-BE49-F238E27FC236}">
+                <a16:creationId xmlns:a16="http://schemas.microsoft.com/office/drawing/2014/main" id="{FC01D95D-5E3C-B4C1-EFD9-449FE99202EA}"/>
+              </a:ext>
+            </a:extLst>
+          </p:cNvPr>
+          <p:cNvPicPr>
+            <a:picLocks noChangeAspect="1"/>
+          </p:cNvPicPr>
+          <p:nvPr/>
+        </p:nvPicPr>
+        <p:blipFill>
+          <a:blip r:embed="rId6"/>
+          <a:stretch>
+            <a:fillRect/>
+          </a:stretch>
+        </p:blipFill>
+        <p:spPr>
+          <a:xfrm>
+            <a:off x="7345680" y="4610461"/>
+            <a:ext cx="3712685" cy="1386644"/>
+          </a:xfrm>
+          <a:prstGeom prst="rect">
+            <a:avLst/>
+          </a:prstGeom>
+        </p:spPr>
+      </p:pic>
     </p:spTree>
     <p:extLst>
       <p:ext uri="{BB962C8B-B14F-4D97-AF65-F5344CB8AC3E}">
-        <p14:creationId xmlns:p14="http://schemas.microsoft.com/office/powerpoint/2010/main" val="4279994729"/>
+        <p14:creationId xmlns:p14="http://schemas.microsoft.com/office/powerpoint/2010/main" val="2410297165"/>
       </p:ext>
     </p:extLst>
   </p:cSld>

--- a/MEMO.pptx
+++ b/MEMO.pptx
@@ -8,19 +8,20 @@
     <p:sldId id="266" r:id="rId2"/>
     <p:sldId id="267" r:id="rId3"/>
     <p:sldId id="272" r:id="rId4"/>
-    <p:sldId id="257" r:id="rId5"/>
-    <p:sldId id="258" r:id="rId6"/>
-    <p:sldId id="259" r:id="rId7"/>
-    <p:sldId id="260" r:id="rId8"/>
-    <p:sldId id="261" r:id="rId9"/>
-    <p:sldId id="262" r:id="rId10"/>
-    <p:sldId id="263" r:id="rId11"/>
-    <p:sldId id="264" r:id="rId12"/>
-    <p:sldId id="265" r:id="rId13"/>
-    <p:sldId id="268" r:id="rId14"/>
-    <p:sldId id="269" r:id="rId15"/>
-    <p:sldId id="270" r:id="rId16"/>
-    <p:sldId id="271" r:id="rId17"/>
+    <p:sldId id="273" r:id="rId5"/>
+    <p:sldId id="257" r:id="rId6"/>
+    <p:sldId id="258" r:id="rId7"/>
+    <p:sldId id="259" r:id="rId8"/>
+    <p:sldId id="260" r:id="rId9"/>
+    <p:sldId id="261" r:id="rId10"/>
+    <p:sldId id="262" r:id="rId11"/>
+    <p:sldId id="263" r:id="rId12"/>
+    <p:sldId id="264" r:id="rId13"/>
+    <p:sldId id="265" r:id="rId14"/>
+    <p:sldId id="268" r:id="rId15"/>
+    <p:sldId id="269" r:id="rId16"/>
+    <p:sldId id="270" r:id="rId17"/>
+    <p:sldId id="271" r:id="rId18"/>
   </p:sldIdLst>
   <p:sldSz cx="12192000" cy="6858000"/>
   <p:notesSz cx="6858000" cy="9144000"/>
@@ -180,7 +181,7 @@
   <pc:docChgLst>
     <pc:chgData name="witaya chaison" userId="aafc0013979b2c41" providerId="LiveId" clId="{4673E838-11EA-4A55-8BBF-B3A4662F01CE}"/>
     <pc:docChg chg="custSel addSld delSld modSld">
-      <pc:chgData name="witaya chaison" userId="aafc0013979b2c41" providerId="LiveId" clId="{4673E838-11EA-4A55-8BBF-B3A4662F01CE}" dt="2024-06-05T16:11:58.379" v="564" actId="20577"/>
+      <pc:chgData name="witaya chaison" userId="aafc0013979b2c41" providerId="LiveId" clId="{4673E838-11EA-4A55-8BBF-B3A4662F01CE}" dt="2024-06-05T16:37:07.479" v="581" actId="1076"/>
       <pc:docMkLst>
         <pc:docMk/>
       </pc:docMkLst>
@@ -191,8 +192,8 @@
           <pc:sldMk cId="2169243720" sldId="256"/>
         </pc:sldMkLst>
       </pc:sldChg>
-      <pc:sldChg chg="addSp modSp mod">
-        <pc:chgData name="witaya chaison" userId="aafc0013979b2c41" providerId="LiveId" clId="{4673E838-11EA-4A55-8BBF-B3A4662F01CE}" dt="2024-06-05T15:45:25.754" v="559" actId="20577"/>
+      <pc:sldChg chg="addSp delSp modSp mod">
+        <pc:chgData name="witaya chaison" userId="aafc0013979b2c41" providerId="LiveId" clId="{4673E838-11EA-4A55-8BBF-B3A4662F01CE}" dt="2024-06-05T16:37:07.479" v="581" actId="1076"/>
         <pc:sldMkLst>
           <pc:docMk/>
           <pc:sldMk cId="108872571" sldId="257"/>
@@ -213,6 +214,30 @@
             <ac:spMk id="3" creationId="{142E8E1C-A639-4D15-A863-681E692728FA}"/>
           </ac:spMkLst>
         </pc:spChg>
+        <pc:spChg chg="add del">
+          <ac:chgData name="witaya chaison" userId="aafc0013979b2c41" providerId="LiveId" clId="{4673E838-11EA-4A55-8BBF-B3A4662F01CE}" dt="2024-06-05T16:36:45.744" v="574" actId="478"/>
+          <ac:spMkLst>
+            <pc:docMk/>
+            <pc:sldMk cId="108872571" sldId="257"/>
+            <ac:spMk id="6" creationId="{9F037934-8A00-1952-763A-60179458D2B8}"/>
+          </ac:spMkLst>
+        </pc:spChg>
+        <pc:spChg chg="mod">
+          <ac:chgData name="witaya chaison" userId="aafc0013979b2c41" providerId="LiveId" clId="{4673E838-11EA-4A55-8BBF-B3A4662F01CE}" dt="2024-06-05T16:27:32.239" v="571" actId="1076"/>
+          <ac:spMkLst>
+            <pc:docMk/>
+            <pc:sldMk cId="108872571" sldId="257"/>
+            <ac:spMk id="8" creationId="{E3C0003D-4BB2-C608-CB21-D3CFBA95DF8D}"/>
+          </ac:spMkLst>
+        </pc:spChg>
+        <pc:spChg chg="del">
+          <ac:chgData name="witaya chaison" userId="aafc0013979b2c41" providerId="LiveId" clId="{4673E838-11EA-4A55-8BBF-B3A4662F01CE}" dt="2024-06-05T16:37:01.131" v="578" actId="478"/>
+          <ac:spMkLst>
+            <pc:docMk/>
+            <pc:sldMk cId="108872571" sldId="257"/>
+            <ac:spMk id="11" creationId="{41F2E458-D816-7247-B05B-09F38EA01439}"/>
+          </ac:spMkLst>
+        </pc:spChg>
         <pc:picChg chg="mod">
           <ac:chgData name="witaya chaison" userId="aafc0013979b2c41" providerId="LiveId" clId="{4673E838-11EA-4A55-8BBF-B3A4662F01CE}" dt="2024-06-05T15:44:03.454" v="536" actId="1076"/>
           <ac:picMkLst>
@@ -230,13 +255,21 @@
           </ac:picMkLst>
         </pc:picChg>
         <pc:picChg chg="mod">
-          <ac:chgData name="witaya chaison" userId="aafc0013979b2c41" providerId="LiveId" clId="{4673E838-11EA-4A55-8BBF-B3A4662F01CE}" dt="2024-06-05T15:44:08.117" v="538" actId="1076"/>
+          <ac:chgData name="witaya chaison" userId="aafc0013979b2c41" providerId="LiveId" clId="{4673E838-11EA-4A55-8BBF-B3A4662F01CE}" dt="2024-06-05T16:37:07.479" v="581" actId="1076"/>
           <ac:picMkLst>
             <pc:docMk/>
             <pc:sldMk cId="108872571" sldId="257"/>
             <ac:picMk id="13" creationId="{5FF1B981-7D1E-9AAD-E1CD-C738401BF337}"/>
           </ac:picMkLst>
         </pc:picChg>
+        <pc:cxnChg chg="mod">
+          <ac:chgData name="witaya chaison" userId="aafc0013979b2c41" providerId="LiveId" clId="{4673E838-11EA-4A55-8BBF-B3A4662F01CE}" dt="2024-06-05T16:27:39.279" v="572" actId="14100"/>
+          <ac:cxnSpMkLst>
+            <pc:docMk/>
+            <pc:sldMk cId="108872571" sldId="257"/>
+            <ac:cxnSpMk id="10" creationId="{C67F1B11-A265-E11F-C632-5E9E8A2A3F44}"/>
+          </ac:cxnSpMkLst>
+        </pc:cxnChg>
       </pc:sldChg>
       <pc:sldChg chg="modSp mod">
         <pc:chgData name="witaya chaison" userId="aafc0013979b2c41" providerId="LiveId" clId="{4673E838-11EA-4A55-8BBF-B3A4662F01CE}" dt="2024-06-05T14:28:09.860" v="349" actId="14100"/>
@@ -512,6 +545,37 @@
             <ac:spMk id="3" creationId="{2F8B6279-C1B0-32D0-5D8D-5C2307BE56CF}"/>
           </ac:spMkLst>
         </pc:spChg>
+      </pc:sldChg>
+      <pc:sldChg chg="addSp delSp modSp new mod">
+        <pc:chgData name="witaya chaison" userId="aafc0013979b2c41" providerId="LiveId" clId="{4673E838-11EA-4A55-8BBF-B3A4662F01CE}" dt="2024-06-05T16:26:21.161" v="570" actId="1076"/>
+        <pc:sldMkLst>
+          <pc:docMk/>
+          <pc:sldMk cId="110880525" sldId="273"/>
+        </pc:sldMkLst>
+        <pc:spChg chg="del">
+          <ac:chgData name="witaya chaison" userId="aafc0013979b2c41" providerId="LiveId" clId="{4673E838-11EA-4A55-8BBF-B3A4662F01CE}" dt="2024-06-05T16:25:39.298" v="566" actId="478"/>
+          <ac:spMkLst>
+            <pc:docMk/>
+            <pc:sldMk cId="110880525" sldId="273"/>
+            <ac:spMk id="2" creationId="{46ECE933-A6C6-3B43-FEBB-7867BAF01A04}"/>
+          </ac:spMkLst>
+        </pc:spChg>
+        <pc:spChg chg="del">
+          <ac:chgData name="witaya chaison" userId="aafc0013979b2c41" providerId="LiveId" clId="{4673E838-11EA-4A55-8BBF-B3A4662F01CE}" dt="2024-06-05T16:25:40.635" v="567" actId="478"/>
+          <ac:spMkLst>
+            <pc:docMk/>
+            <pc:sldMk cId="110880525" sldId="273"/>
+            <ac:spMk id="3" creationId="{2A23CE37-31D6-D9B3-3D3B-172D3EF34C88}"/>
+          </ac:spMkLst>
+        </pc:spChg>
+        <pc:picChg chg="add mod">
+          <ac:chgData name="witaya chaison" userId="aafc0013979b2c41" providerId="LiveId" clId="{4673E838-11EA-4A55-8BBF-B3A4662F01CE}" dt="2024-06-05T16:26:21.161" v="570" actId="1076"/>
+          <ac:picMkLst>
+            <pc:docMk/>
+            <pc:sldMk cId="110880525" sldId="273"/>
+            <ac:picMk id="5" creationId="{7E3679AB-A7EA-1EB3-B9FC-C89A4EB3384D}"/>
+          </ac:picMkLst>
+        </pc:picChg>
       </pc:sldChg>
     </pc:docChg>
   </pc:docChgLst>
@@ -4441,6 +4505,469 @@
           <a:chExt cx="0" cy="0"/>
         </a:xfrm>
       </p:grpSpPr>
+      <p:sp>
+        <p:nvSpPr>
+          <p:cNvPr id="2" name="TextBox 1">
+            <a:extLst>
+              <a:ext uri="{FF2B5EF4-FFF2-40B4-BE49-F238E27FC236}">
+                <a16:creationId xmlns:a16="http://schemas.microsoft.com/office/drawing/2014/main" id="{DD7CFE07-4E68-CBF7-C10C-D045039F26AE}"/>
+              </a:ext>
+            </a:extLst>
+          </p:cNvPr>
+          <p:cNvSpPr txBox="1"/>
+          <p:nvPr/>
+        </p:nvSpPr>
+        <p:spPr>
+          <a:xfrm>
+            <a:off x="402336" y="594360"/>
+            <a:ext cx="1290738" cy="369332"/>
+          </a:xfrm>
+          <a:prstGeom prst="rect">
+            <a:avLst/>
+          </a:prstGeom>
+          <a:noFill/>
+        </p:spPr>
+        <p:txBody>
+          <a:bodyPr wrap="none" rtlCol="0">
+            <a:spAutoFit/>
+          </a:bodyPr>
+          <a:lstStyle/>
+          <a:p>
+            <a:r>
+              <a:rPr lang="th-TH" dirty="0"/>
+              <a:t>การใช้งานรูปภาพ</a:t>
+            </a:r>
+            <a:endParaRPr lang="en-US" dirty="0"/>
+          </a:p>
+        </p:txBody>
+      </p:sp>
+      <p:sp>
+        <p:nvSpPr>
+          <p:cNvPr id="3" name="TextBox 2">
+            <a:extLst>
+              <a:ext uri="{FF2B5EF4-FFF2-40B4-BE49-F238E27FC236}">
+                <a16:creationId xmlns:a16="http://schemas.microsoft.com/office/drawing/2014/main" id="{BAC4F7C0-05DE-A3DC-26E5-D90FB73449AF}"/>
+              </a:ext>
+            </a:extLst>
+          </p:cNvPr>
+          <p:cNvSpPr txBox="1"/>
+          <p:nvPr/>
+        </p:nvSpPr>
+        <p:spPr>
+          <a:xfrm>
+            <a:off x="402336" y="1088136"/>
+            <a:ext cx="8460971" cy="1908215"/>
+          </a:xfrm>
+          <a:prstGeom prst="rect">
+            <a:avLst/>
+          </a:prstGeom>
+          <a:noFill/>
+        </p:spPr>
+        <p:txBody>
+          <a:bodyPr wrap="none" rtlCol="0">
+            <a:spAutoFit/>
+          </a:bodyPr>
+          <a:lstStyle/>
+          <a:p>
+            <a:r>
+              <a:rPr lang="en-US" sz="2000" b="1" dirty="0">
+                <a:solidFill>
+                  <a:srgbClr val="FF0000"/>
+                </a:solidFill>
+                <a:cs typeface="+mj-cs"/>
+              </a:rPr>
+              <a:t>-</a:t>
+            </a:r>
+            <a:r>
+              <a:rPr lang="th-TH" sz="2000" b="1" dirty="0">
+                <a:solidFill>
+                  <a:srgbClr val="FF0000"/>
+                </a:solidFill>
+                <a:cs typeface="+mj-cs"/>
+              </a:rPr>
+              <a:t>      มี </a:t>
+            </a:r>
+            <a:r>
+              <a:rPr lang="en-US" sz="2000" b="1" dirty="0">
+                <a:solidFill>
+                  <a:srgbClr val="FF0000"/>
+                </a:solidFill>
+                <a:cs typeface="+mj-cs"/>
+              </a:rPr>
+              <a:t>static URL </a:t>
+            </a:r>
+            <a:r>
+              <a:rPr lang="th-TH" sz="2000" b="1" dirty="0">
+                <a:solidFill>
+                  <a:srgbClr val="FF0000"/>
+                </a:solidFill>
+                <a:cs typeface="+mj-cs"/>
+              </a:rPr>
+              <a:t>ไหม</a:t>
+            </a:r>
+          </a:p>
+          <a:p>
+            <a:r>
+              <a:rPr lang="en-US" sz="2000" b="1" dirty="0">
+                <a:solidFill>
+                  <a:srgbClr val="FF0000"/>
+                </a:solidFill>
+                <a:cs typeface="+mj-cs"/>
+              </a:rPr>
+              <a:t>-</a:t>
+            </a:r>
+            <a:r>
+              <a:rPr lang="en-US" sz="2000" b="1" dirty="0">
+                <a:solidFill>
+                  <a:srgbClr val="FF0000"/>
+                </a:solidFill>
+                <a:effectLst/>
+                <a:latin typeface="Fira Code Retina" panose="020F0502020204030204" pitchFamily="49" charset="0"/>
+                <a:cs typeface="+mj-cs"/>
+              </a:rPr>
+              <a:t> '</a:t>
+            </a:r>
+            <a:r>
+              <a:rPr lang="en-US" sz="2000" b="1" dirty="0" err="1">
+                <a:solidFill>
+                  <a:srgbClr val="FF0000"/>
+                </a:solidFill>
+                <a:effectLst/>
+                <a:latin typeface="Fira Code Retina" panose="020F0502020204030204" pitchFamily="49" charset="0"/>
+                <a:cs typeface="+mj-cs"/>
+              </a:rPr>
+              <a:t>django.contrib.staticfiles</a:t>
+            </a:r>
+            <a:r>
+              <a:rPr lang="en-US" sz="2000" b="1" dirty="0">
+                <a:solidFill>
+                  <a:srgbClr val="FF0000"/>
+                </a:solidFill>
+                <a:effectLst/>
+                <a:latin typeface="Fira Code Retina" panose="020F0502020204030204" pitchFamily="49" charset="0"/>
+                <a:cs typeface="+mj-cs"/>
+              </a:rPr>
+              <a:t>’</a:t>
+            </a:r>
+            <a:r>
+              <a:rPr lang="en-US" sz="2000" b="1" dirty="0">
+                <a:solidFill>
+                  <a:srgbClr val="FF0000"/>
+                </a:solidFill>
+                <a:latin typeface="Fira Code Retina" panose="020F0502020204030204" pitchFamily="49" charset="0"/>
+                <a:cs typeface="+mj-cs"/>
+              </a:rPr>
+              <a:t> </a:t>
+            </a:r>
+            <a:r>
+              <a:rPr lang="th-TH" sz="2000" b="1" dirty="0">
+                <a:solidFill>
+                  <a:srgbClr val="FF0000"/>
+                </a:solidFill>
+                <a:latin typeface="Fira Code Retina" panose="020F0502020204030204" pitchFamily="49" charset="0"/>
+                <a:cs typeface="+mj-cs"/>
+              </a:rPr>
+              <a:t>ไหม</a:t>
+            </a:r>
+          </a:p>
+          <a:p>
+            <a:r>
+              <a:rPr lang="en-US" sz="2000" b="1" dirty="0">
+                <a:solidFill>
+                  <a:srgbClr val="FF0000"/>
+                </a:solidFill>
+                <a:latin typeface="Fira Code Retina" panose="020F0502020204030204" pitchFamily="49" charset="0"/>
+                <a:cs typeface="+mj-cs"/>
+              </a:rPr>
+              <a:t>- use { % load static % }</a:t>
+            </a:r>
+          </a:p>
+          <a:p>
+            <a:r>
+              <a:rPr lang="en-US" sz="2000" b="1" dirty="0">
+                <a:solidFill>
+                  <a:srgbClr val="FF0000"/>
+                </a:solidFill>
+                <a:effectLst/>
+                <a:latin typeface="Fira Code Retina" panose="020F0502020204030204" pitchFamily="49" charset="0"/>
+                <a:cs typeface="+mj-cs"/>
+              </a:rPr>
+              <a:t>- </a:t>
+            </a:r>
+            <a:r>
+              <a:rPr lang="th-TH" sz="2000" b="1" dirty="0">
+                <a:solidFill>
+                  <a:srgbClr val="FF0000"/>
+                </a:solidFill>
+                <a:effectLst/>
+                <a:latin typeface="Fira Code Retina" panose="020F0502020204030204" pitchFamily="49" charset="0"/>
+                <a:cs typeface="+mj-cs"/>
+              </a:rPr>
+              <a:t>สร้า</a:t>
+            </a:r>
+            <a:r>
+              <a:rPr lang="th-TH" sz="2000" b="1" dirty="0">
+                <a:solidFill>
+                  <a:srgbClr val="FF0000"/>
+                </a:solidFill>
+                <a:latin typeface="Fira Code Retina" panose="020F0502020204030204" pitchFamily="49" charset="0"/>
+                <a:cs typeface="+mj-cs"/>
+              </a:rPr>
+              <a:t>ง </a:t>
+            </a:r>
+            <a:r>
+              <a:rPr lang="en-US" sz="2000" b="1" dirty="0">
+                <a:solidFill>
+                  <a:srgbClr val="FF0000"/>
+                </a:solidFill>
+                <a:latin typeface="Fira Code Retina" panose="020F0502020204030204" pitchFamily="49" charset="0"/>
+                <a:cs typeface="+mj-cs"/>
+              </a:rPr>
+              <a:t>Folder static  </a:t>
+            </a:r>
+            <a:r>
+              <a:rPr lang="th-TH" sz="2000" b="1" dirty="0">
+                <a:solidFill>
+                  <a:srgbClr val="FF0000"/>
+                </a:solidFill>
+                <a:latin typeface="Fira Code Retina" panose="020F0502020204030204" pitchFamily="49" charset="0"/>
+                <a:cs typeface="+mj-cs"/>
+              </a:rPr>
+              <a:t>ใน </a:t>
+            </a:r>
+            <a:r>
+              <a:rPr lang="en-US" sz="2000" b="1" dirty="0">
+                <a:solidFill>
+                  <a:srgbClr val="FF0000"/>
+                </a:solidFill>
+                <a:latin typeface="Fira Code Retina" panose="020F0502020204030204" pitchFamily="49" charset="0"/>
+                <a:cs typeface="+mj-cs"/>
+              </a:rPr>
+              <a:t>app </a:t>
+            </a:r>
+            <a:r>
+              <a:rPr lang="th-TH" sz="2000" b="1" dirty="0">
+                <a:solidFill>
+                  <a:srgbClr val="FF0000"/>
+                </a:solidFill>
+                <a:latin typeface="Fira Code Retina" panose="020F0502020204030204" pitchFamily="49" charset="0"/>
+                <a:cs typeface="+mj-cs"/>
+              </a:rPr>
+              <a:t>หรือข้างนอก</a:t>
+            </a:r>
+            <a:r>
+              <a:rPr lang="en-US" sz="2000" b="1" dirty="0">
+                <a:solidFill>
+                  <a:srgbClr val="FF0000"/>
+                </a:solidFill>
+                <a:latin typeface="Fira Code Retina" panose="020F0502020204030204" pitchFamily="49" charset="0"/>
+                <a:cs typeface="+mj-cs"/>
+              </a:rPr>
+              <a:t>   static/image/logo.png</a:t>
+            </a:r>
+            <a:endParaRPr lang="th-TH" sz="2000" b="1" dirty="0">
+              <a:solidFill>
+                <a:srgbClr val="FF0000"/>
+              </a:solidFill>
+              <a:latin typeface="Fira Code Retina" panose="020F0502020204030204" pitchFamily="49" charset="0"/>
+              <a:cs typeface="+mj-cs"/>
+            </a:endParaRPr>
+          </a:p>
+          <a:p>
+            <a:endParaRPr lang="en-US" sz="2000" b="1" dirty="0">
+              <a:solidFill>
+                <a:srgbClr val="FF0000"/>
+              </a:solidFill>
+              <a:effectLst/>
+              <a:latin typeface="Fira Code Retina" panose="020F0502020204030204" pitchFamily="49" charset="0"/>
+              <a:cs typeface="+mj-cs"/>
+            </a:endParaRPr>
+          </a:p>
+          <a:p>
+            <a:endParaRPr lang="en-US" dirty="0"/>
+          </a:p>
+        </p:txBody>
+      </p:sp>
+      <p:pic>
+        <p:nvPicPr>
+          <p:cNvPr id="5" name="Picture 4">
+            <a:extLst>
+              <a:ext uri="{FF2B5EF4-FFF2-40B4-BE49-F238E27FC236}">
+                <a16:creationId xmlns:a16="http://schemas.microsoft.com/office/drawing/2014/main" id="{1210F65D-598E-58F1-5041-0A0E8A1A29B1}"/>
+              </a:ext>
+            </a:extLst>
+          </p:cNvPr>
+          <p:cNvPicPr>
+            <a:picLocks noChangeAspect="1"/>
+          </p:cNvPicPr>
+          <p:nvPr/>
+        </p:nvPicPr>
+        <p:blipFill>
+          <a:blip r:embed="rId2"/>
+          <a:stretch>
+            <a:fillRect/>
+          </a:stretch>
+        </p:blipFill>
+        <p:spPr>
+          <a:xfrm>
+            <a:off x="616720" y="2480780"/>
+            <a:ext cx="4429743" cy="1457528"/>
+          </a:xfrm>
+          <a:prstGeom prst="rect">
+            <a:avLst/>
+          </a:prstGeom>
+        </p:spPr>
+      </p:pic>
+      <p:pic>
+        <p:nvPicPr>
+          <p:cNvPr id="7" name="Picture 6">
+            <a:extLst>
+              <a:ext uri="{FF2B5EF4-FFF2-40B4-BE49-F238E27FC236}">
+                <a16:creationId xmlns:a16="http://schemas.microsoft.com/office/drawing/2014/main" id="{A26D3A36-3935-10CB-8F30-EB2DD2C9831A}"/>
+              </a:ext>
+            </a:extLst>
+          </p:cNvPr>
+          <p:cNvPicPr>
+            <a:picLocks noChangeAspect="1"/>
+          </p:cNvPicPr>
+          <p:nvPr/>
+        </p:nvPicPr>
+        <p:blipFill>
+          <a:blip r:embed="rId3"/>
+          <a:stretch>
+            <a:fillRect/>
+          </a:stretch>
+        </p:blipFill>
+        <p:spPr>
+          <a:xfrm>
+            <a:off x="8364459" y="499389"/>
+            <a:ext cx="3324051" cy="1664390"/>
+          </a:xfrm>
+          <a:prstGeom prst="rect">
+            <a:avLst/>
+          </a:prstGeom>
+        </p:spPr>
+      </p:pic>
+      <p:pic>
+        <p:nvPicPr>
+          <p:cNvPr id="9" name="Picture 8">
+            <a:extLst>
+              <a:ext uri="{FF2B5EF4-FFF2-40B4-BE49-F238E27FC236}">
+                <a16:creationId xmlns:a16="http://schemas.microsoft.com/office/drawing/2014/main" id="{563057E3-96C8-38D1-2C2D-E1D8234EFC35}"/>
+              </a:ext>
+            </a:extLst>
+          </p:cNvPr>
+          <p:cNvPicPr>
+            <a:picLocks noChangeAspect="1"/>
+          </p:cNvPicPr>
+          <p:nvPr/>
+        </p:nvPicPr>
+        <p:blipFill>
+          <a:blip r:embed="rId4"/>
+          <a:stretch>
+            <a:fillRect/>
+          </a:stretch>
+        </p:blipFill>
+        <p:spPr>
+          <a:xfrm>
+            <a:off x="256033" y="4315842"/>
+            <a:ext cx="5477256" cy="1975883"/>
+          </a:xfrm>
+          <a:prstGeom prst="rect">
+            <a:avLst/>
+          </a:prstGeom>
+        </p:spPr>
+      </p:pic>
+      <p:pic>
+        <p:nvPicPr>
+          <p:cNvPr id="11" name="Picture 10">
+            <a:extLst>
+              <a:ext uri="{FF2B5EF4-FFF2-40B4-BE49-F238E27FC236}">
+                <a16:creationId xmlns:a16="http://schemas.microsoft.com/office/drawing/2014/main" id="{02985491-05B1-8FE4-1E1E-9CF7D65A64AB}"/>
+              </a:ext>
+            </a:extLst>
+          </p:cNvPr>
+          <p:cNvPicPr>
+            <a:picLocks noChangeAspect="1"/>
+          </p:cNvPicPr>
+          <p:nvPr/>
+        </p:nvPicPr>
+        <p:blipFill>
+          <a:blip r:embed="rId5"/>
+          <a:stretch>
+            <a:fillRect/>
+          </a:stretch>
+        </p:blipFill>
+        <p:spPr>
+          <a:xfrm>
+            <a:off x="7278403" y="2411796"/>
+            <a:ext cx="3712685" cy="1975883"/>
+          </a:xfrm>
+          <a:prstGeom prst="rect">
+            <a:avLst/>
+          </a:prstGeom>
+        </p:spPr>
+      </p:pic>
+      <p:pic>
+        <p:nvPicPr>
+          <p:cNvPr id="13" name="Picture 12">
+            <a:extLst>
+              <a:ext uri="{FF2B5EF4-FFF2-40B4-BE49-F238E27FC236}">
+                <a16:creationId xmlns:a16="http://schemas.microsoft.com/office/drawing/2014/main" id="{FC01D95D-5E3C-B4C1-EFD9-449FE99202EA}"/>
+              </a:ext>
+            </a:extLst>
+          </p:cNvPr>
+          <p:cNvPicPr>
+            <a:picLocks noChangeAspect="1"/>
+          </p:cNvPicPr>
+          <p:nvPr/>
+        </p:nvPicPr>
+        <p:blipFill>
+          <a:blip r:embed="rId6"/>
+          <a:stretch>
+            <a:fillRect/>
+          </a:stretch>
+        </p:blipFill>
+        <p:spPr>
+          <a:xfrm>
+            <a:off x="7345680" y="4610461"/>
+            <a:ext cx="3712685" cy="1386644"/>
+          </a:xfrm>
+          <a:prstGeom prst="rect">
+            <a:avLst/>
+          </a:prstGeom>
+        </p:spPr>
+      </p:pic>
+    </p:spTree>
+    <p:extLst>
+      <p:ext uri="{BB962C8B-B14F-4D97-AF65-F5344CB8AC3E}">
+        <p14:creationId xmlns:p14="http://schemas.microsoft.com/office/powerpoint/2010/main" val="2410297165"/>
+      </p:ext>
+    </p:extLst>
+  </p:cSld>
+  <p:clrMapOvr>
+    <a:masterClrMapping/>
+  </p:clrMapOvr>
+</p:sld>
+</file>
+
+<file path=ppt/slides/slide11.xml><?xml version="1.0" encoding="utf-8"?>
+<p:sld xmlns:a="http://schemas.openxmlformats.org/drawingml/2006/main" xmlns:r="http://schemas.openxmlformats.org/officeDocument/2006/relationships" xmlns:p="http://schemas.openxmlformats.org/presentationml/2006/main">
+  <p:cSld>
+    <p:spTree>
+      <p:nvGrpSpPr>
+        <p:cNvPr id="1" name=""/>
+        <p:cNvGrpSpPr/>
+        <p:nvPr/>
+      </p:nvGrpSpPr>
+      <p:grpSpPr>
+        <a:xfrm>
+          <a:off x="0" y="0"/>
+          <a:ext cx="0" cy="0"/>
+          <a:chOff x="0" y="0"/>
+          <a:chExt cx="0" cy="0"/>
+        </a:xfrm>
+      </p:grpSpPr>
       <p:pic>
         <p:nvPicPr>
           <p:cNvPr id="3" name="Picture 2">
@@ -4667,61 +5194,6 @@
 </p:sld>
 </file>
 
-<file path=ppt/slides/slide11.xml><?xml version="1.0" encoding="utf-8"?>
-<p:sld xmlns:a="http://schemas.openxmlformats.org/drawingml/2006/main" xmlns:r="http://schemas.openxmlformats.org/officeDocument/2006/relationships" xmlns:p="http://schemas.openxmlformats.org/presentationml/2006/main">
-  <p:cSld>
-    <p:spTree>
-      <p:nvGrpSpPr>
-        <p:cNvPr id="1" name=""/>
-        <p:cNvGrpSpPr/>
-        <p:nvPr/>
-      </p:nvGrpSpPr>
-      <p:grpSpPr>
-        <a:xfrm>
-          <a:off x="0" y="0"/>
-          <a:ext cx="0" cy="0"/>
-          <a:chOff x="0" y="0"/>
-          <a:chExt cx="0" cy="0"/>
-        </a:xfrm>
-      </p:grpSpPr>
-      <p:sp>
-        <p:nvSpPr>
-          <p:cNvPr id="2" name="Title 1">
-            <a:extLst>
-              <a:ext uri="{FF2B5EF4-FFF2-40B4-BE49-F238E27FC236}">
-                <a16:creationId xmlns:a16="http://schemas.microsoft.com/office/drawing/2014/main" id="{00C106E7-4AB3-A835-7493-9A87EB6AFD0D}"/>
-              </a:ext>
-            </a:extLst>
-          </p:cNvPr>
-          <p:cNvSpPr>
-            <a:spLocks noGrp="1"/>
-          </p:cNvSpPr>
-          <p:nvPr>
-            <p:ph type="title"/>
-          </p:nvPr>
-        </p:nvSpPr>
-        <p:spPr/>
-        <p:txBody>
-          <a:bodyPr/>
-          <a:lstStyle/>
-          <a:p>
-            <a:endParaRPr lang="en-US" dirty="0"/>
-          </a:p>
-        </p:txBody>
-      </p:sp>
-    </p:spTree>
-    <p:extLst>
-      <p:ext uri="{BB962C8B-B14F-4D97-AF65-F5344CB8AC3E}">
-        <p14:creationId xmlns:p14="http://schemas.microsoft.com/office/powerpoint/2010/main" val="4279994729"/>
-      </p:ext>
-    </p:extLst>
-  </p:cSld>
-  <p:clrMapOvr>
-    <a:masterClrMapping/>
-  </p:clrMapOvr>
-</p:sld>
-</file>
-
 <file path=ppt/slides/slide12.xml><?xml version="1.0" encoding="utf-8"?>
 <p:sld xmlns:a="http://schemas.openxmlformats.org/drawingml/2006/main" xmlns:r="http://schemas.openxmlformats.org/officeDocument/2006/relationships" xmlns:p="http://schemas.openxmlformats.org/presentationml/2006/main">
   <p:cSld>
@@ -4741,36 +5213,25 @@
       </p:grpSpPr>
       <p:sp>
         <p:nvSpPr>
-          <p:cNvPr id="2" name="TextBox 1">
-            <a:extLst>
-              <a:ext uri="{FF2B5EF4-FFF2-40B4-BE49-F238E27FC236}">
-                <a16:creationId xmlns:a16="http://schemas.microsoft.com/office/drawing/2014/main" id="{DD7CFE07-4E68-CBF7-C10C-D045039F26AE}"/>
-              </a:ext>
-            </a:extLst>
-          </p:cNvPr>
-          <p:cNvSpPr txBox="1"/>
-          <p:nvPr/>
-        </p:nvSpPr>
-        <p:spPr>
-          <a:xfrm>
-            <a:off x="402336" y="594360"/>
-            <a:ext cx="1290738" cy="369332"/>
-          </a:xfrm>
-          <a:prstGeom prst="rect">
-            <a:avLst/>
-          </a:prstGeom>
-          <a:noFill/>
-        </p:spPr>
-        <p:txBody>
-          <a:bodyPr wrap="none" rtlCol="0">
-            <a:spAutoFit/>
-          </a:bodyPr>
+          <p:cNvPr id="2" name="Title 1">
+            <a:extLst>
+              <a:ext uri="{FF2B5EF4-FFF2-40B4-BE49-F238E27FC236}">
+                <a16:creationId xmlns:a16="http://schemas.microsoft.com/office/drawing/2014/main" id="{00C106E7-4AB3-A835-7493-9A87EB6AFD0D}"/>
+              </a:ext>
+            </a:extLst>
+          </p:cNvPr>
+          <p:cNvSpPr>
+            <a:spLocks noGrp="1"/>
+          </p:cNvSpPr>
+          <p:nvPr>
+            <p:ph type="title"/>
+          </p:nvPr>
+        </p:nvSpPr>
+        <p:spPr/>
+        <p:txBody>
+          <a:bodyPr/>
           <a:lstStyle/>
           <a:p>
-            <a:r>
-              <a:rPr lang="th-TH" dirty="0"/>
-              <a:t>การใช้งานรูปภาพ</a:t>
-            </a:r>
             <a:endParaRPr lang="en-US" dirty="0"/>
           </a:p>
         </p:txBody>
@@ -4778,7 +5239,7 @@
     </p:spTree>
     <p:extLst>
       <p:ext uri="{BB962C8B-B14F-4D97-AF65-F5344CB8AC3E}">
-        <p14:creationId xmlns:p14="http://schemas.microsoft.com/office/powerpoint/2010/main" val="1788844401"/>
+        <p14:creationId xmlns:p14="http://schemas.microsoft.com/office/powerpoint/2010/main" val="4279994729"/>
       </p:ext>
     </p:extLst>
   </p:cSld>
@@ -4844,7 +5305,7 @@
     </p:spTree>
     <p:extLst>
       <p:ext uri="{BB962C8B-B14F-4D97-AF65-F5344CB8AC3E}">
-        <p14:creationId xmlns:p14="http://schemas.microsoft.com/office/powerpoint/2010/main" val="2869427877"/>
+        <p14:creationId xmlns:p14="http://schemas.microsoft.com/office/powerpoint/2010/main" val="1788844401"/>
       </p:ext>
     </p:extLst>
   </p:cSld>
@@ -4910,7 +5371,7 @@
     </p:spTree>
     <p:extLst>
       <p:ext uri="{BB962C8B-B14F-4D97-AF65-F5344CB8AC3E}">
-        <p14:creationId xmlns:p14="http://schemas.microsoft.com/office/powerpoint/2010/main" val="1805123889"/>
+        <p14:creationId xmlns:p14="http://schemas.microsoft.com/office/powerpoint/2010/main" val="2869427877"/>
       </p:ext>
     </p:extLst>
   </p:cSld>
@@ -4976,6 +5437,72 @@
     </p:spTree>
     <p:extLst>
       <p:ext uri="{BB962C8B-B14F-4D97-AF65-F5344CB8AC3E}">
+        <p14:creationId xmlns:p14="http://schemas.microsoft.com/office/powerpoint/2010/main" val="1805123889"/>
+      </p:ext>
+    </p:extLst>
+  </p:cSld>
+  <p:clrMapOvr>
+    <a:masterClrMapping/>
+  </p:clrMapOvr>
+</p:sld>
+</file>
+
+<file path=ppt/slides/slide16.xml><?xml version="1.0" encoding="utf-8"?>
+<p:sld xmlns:a="http://schemas.openxmlformats.org/drawingml/2006/main" xmlns:r="http://schemas.openxmlformats.org/officeDocument/2006/relationships" xmlns:p="http://schemas.openxmlformats.org/presentationml/2006/main">
+  <p:cSld>
+    <p:spTree>
+      <p:nvGrpSpPr>
+        <p:cNvPr id="1" name=""/>
+        <p:cNvGrpSpPr/>
+        <p:nvPr/>
+      </p:nvGrpSpPr>
+      <p:grpSpPr>
+        <a:xfrm>
+          <a:off x="0" y="0"/>
+          <a:ext cx="0" cy="0"/>
+          <a:chOff x="0" y="0"/>
+          <a:chExt cx="0" cy="0"/>
+        </a:xfrm>
+      </p:grpSpPr>
+      <p:sp>
+        <p:nvSpPr>
+          <p:cNvPr id="2" name="TextBox 1">
+            <a:extLst>
+              <a:ext uri="{FF2B5EF4-FFF2-40B4-BE49-F238E27FC236}">
+                <a16:creationId xmlns:a16="http://schemas.microsoft.com/office/drawing/2014/main" id="{DD7CFE07-4E68-CBF7-C10C-D045039F26AE}"/>
+              </a:ext>
+            </a:extLst>
+          </p:cNvPr>
+          <p:cNvSpPr txBox="1"/>
+          <p:nvPr/>
+        </p:nvSpPr>
+        <p:spPr>
+          <a:xfrm>
+            <a:off x="402336" y="594360"/>
+            <a:ext cx="1290738" cy="369332"/>
+          </a:xfrm>
+          <a:prstGeom prst="rect">
+            <a:avLst/>
+          </a:prstGeom>
+          <a:noFill/>
+        </p:spPr>
+        <p:txBody>
+          <a:bodyPr wrap="none" rtlCol="0">
+            <a:spAutoFit/>
+          </a:bodyPr>
+          <a:lstStyle/>
+          <a:p>
+            <a:r>
+              <a:rPr lang="th-TH" dirty="0"/>
+              <a:t>การใช้งานรูปภาพ</a:t>
+            </a:r>
+            <a:endParaRPr lang="en-US" dirty="0"/>
+          </a:p>
+        </p:txBody>
+      </p:sp>
+    </p:spTree>
+    <p:extLst>
+      <p:ext uri="{BB962C8B-B14F-4D97-AF65-F5344CB8AC3E}">
         <p14:creationId xmlns:p14="http://schemas.microsoft.com/office/powerpoint/2010/main" val="513142751"/>
       </p:ext>
     </p:extLst>
@@ -4986,7 +5513,7 @@
 </p:sld>
 </file>
 
-<file path=ppt/slides/slide16.xml><?xml version="1.0" encoding="utf-8"?>
+<file path=ppt/slides/slide17.xml><?xml version="1.0" encoding="utf-8"?>
 <p:sld xmlns:a="http://schemas.openxmlformats.org/drawingml/2006/main" xmlns:r="http://schemas.openxmlformats.org/officeDocument/2006/relationships" xmlns:p="http://schemas.openxmlformats.org/presentationml/2006/main">
   <p:cSld>
     <p:spTree>
@@ -5307,6 +5834,66 @@
           <p:cNvPr id="5" name="Picture 4">
             <a:extLst>
               <a:ext uri="{FF2B5EF4-FFF2-40B4-BE49-F238E27FC236}">
+                <a16:creationId xmlns:a16="http://schemas.microsoft.com/office/drawing/2014/main" id="{7E3679AB-A7EA-1EB3-B9FC-C89A4EB3384D}"/>
+              </a:ext>
+            </a:extLst>
+          </p:cNvPr>
+          <p:cNvPicPr>
+            <a:picLocks noChangeAspect="1"/>
+          </p:cNvPicPr>
+          <p:nvPr/>
+        </p:nvPicPr>
+        <p:blipFill>
+          <a:blip r:embed="rId2"/>
+          <a:stretch>
+            <a:fillRect/>
+          </a:stretch>
+        </p:blipFill>
+        <p:spPr>
+          <a:xfrm>
+            <a:off x="508155" y="393494"/>
+            <a:ext cx="6878010" cy="3858163"/>
+          </a:xfrm>
+          <a:prstGeom prst="rect">
+            <a:avLst/>
+          </a:prstGeom>
+        </p:spPr>
+      </p:pic>
+    </p:spTree>
+    <p:extLst>
+      <p:ext uri="{BB962C8B-B14F-4D97-AF65-F5344CB8AC3E}">
+        <p14:creationId xmlns:p14="http://schemas.microsoft.com/office/powerpoint/2010/main" val="110880525"/>
+      </p:ext>
+    </p:extLst>
+  </p:cSld>
+  <p:clrMapOvr>
+    <a:masterClrMapping/>
+  </p:clrMapOvr>
+</p:sld>
+</file>
+
+<file path=ppt/slides/slide5.xml><?xml version="1.0" encoding="utf-8"?>
+<p:sld xmlns:a="http://schemas.openxmlformats.org/drawingml/2006/main" xmlns:r="http://schemas.openxmlformats.org/officeDocument/2006/relationships" xmlns:p="http://schemas.openxmlformats.org/presentationml/2006/main">
+  <p:cSld>
+    <p:spTree>
+      <p:nvGrpSpPr>
+        <p:cNvPr id="1" name=""/>
+        <p:cNvGrpSpPr/>
+        <p:nvPr/>
+      </p:nvGrpSpPr>
+      <p:grpSpPr>
+        <a:xfrm>
+          <a:off x="0" y="0"/>
+          <a:ext cx="0" cy="0"/>
+          <a:chOff x="0" y="0"/>
+          <a:chExt cx="0" cy="0"/>
+        </a:xfrm>
+      </p:grpSpPr>
+      <p:pic>
+        <p:nvPicPr>
+          <p:cNvPr id="5" name="Picture 4">
+            <a:extLst>
+              <a:ext uri="{FF2B5EF4-FFF2-40B4-BE49-F238E27FC236}">
                 <a16:creationId xmlns:a16="http://schemas.microsoft.com/office/drawing/2014/main" id="{05735720-0D45-EA25-4646-E811EB103866}"/>
               </a:ext>
             </a:extLst>
@@ -5376,7 +5963,7 @@
         </p:nvSpPr>
         <p:spPr>
           <a:xfrm>
-            <a:off x="9509760" y="3941064"/>
+            <a:off x="9498384" y="4131942"/>
             <a:ext cx="1179576" cy="393192"/>
           </a:xfrm>
           <a:prstGeom prst="ellipse">
@@ -5418,13 +6005,15 @@
               </a:ext>
             </a:extLst>
           </p:cNvPr>
-          <p:cNvCxnSpPr/>
+          <p:cNvCxnSpPr>
+            <a:cxnSpLocks/>
+          </p:cNvCxnSpPr>
           <p:nvPr/>
         </p:nvCxnSpPr>
         <p:spPr>
           <a:xfrm flipH="1">
-            <a:off x="8046720" y="4334256"/>
-            <a:ext cx="1563624" cy="768096"/>
+            <a:off x="8114250" y="4334256"/>
+            <a:ext cx="1496094" cy="908960"/>
           </a:xfrm>
           <a:prstGeom prst="straightConnector1">
             <a:avLst/>
@@ -5448,51 +6037,6 @@
           </a:fontRef>
         </p:style>
       </p:cxnSp>
-      <p:sp>
-        <p:nvSpPr>
-          <p:cNvPr id="11" name="TextBox 10">
-            <a:extLst>
-              <a:ext uri="{FF2B5EF4-FFF2-40B4-BE49-F238E27FC236}">
-                <a16:creationId xmlns:a16="http://schemas.microsoft.com/office/drawing/2014/main" id="{41F2E458-D816-7247-B05B-09F38EA01439}"/>
-              </a:ext>
-            </a:extLst>
-          </p:cNvPr>
-          <p:cNvSpPr txBox="1"/>
-          <p:nvPr/>
-        </p:nvSpPr>
-        <p:spPr>
-          <a:xfrm>
-            <a:off x="1086292" y="6206989"/>
-            <a:ext cx="2991460" cy="369332"/>
-          </a:xfrm>
-          <a:prstGeom prst="rect">
-            <a:avLst/>
-          </a:prstGeom>
-          <a:noFill/>
-        </p:spPr>
-        <p:txBody>
-          <a:bodyPr wrap="none" rtlCol="0">
-            <a:spAutoFit/>
-          </a:bodyPr>
-          <a:lstStyle/>
-          <a:p>
-            <a:r>
-              <a:rPr lang="en-US" dirty="0"/>
-              <a:t>The page for sent request </a:t>
-            </a:r>
-            <a:r>
-              <a:rPr lang="en-US" dirty="0">
-                <a:sym typeface="Wingdings" panose="05000000000000000000" pitchFamily="2" charset="2"/>
-              </a:rPr>
-              <a:t> </a:t>
-            </a:r>
-            <a:r>
-              <a:rPr lang="en-US" dirty="0"/>
-              <a:t> </a:t>
-            </a:r>
-          </a:p>
-        </p:txBody>
-      </p:sp>
       <p:pic>
         <p:nvPicPr>
           <p:cNvPr id="13" name="Picture 12">
@@ -5515,8 +6059,8 @@
         </p:blipFill>
         <p:spPr>
           <a:xfrm>
-            <a:off x="8354557" y="5689635"/>
-            <a:ext cx="2810267" cy="1034708"/>
+            <a:off x="1809690" y="5615377"/>
+            <a:ext cx="6096276" cy="1698859"/>
           </a:xfrm>
           <a:prstGeom prst="rect">
             <a:avLst/>
@@ -5606,7 +6150,7 @@
 </p:sld>
 </file>
 
-<file path=ppt/slides/slide5.xml><?xml version="1.0" encoding="utf-8"?>
+<file path=ppt/slides/slide6.xml><?xml version="1.0" encoding="utf-8"?>
 <p:sld xmlns:a="http://schemas.openxmlformats.org/drawingml/2006/main" xmlns:r="http://schemas.openxmlformats.org/officeDocument/2006/relationships" xmlns:p="http://schemas.openxmlformats.org/presentationml/2006/main">
   <p:cSld>
     <p:spTree>
@@ -5883,7 +6427,7 @@
 </p:sld>
 </file>
 
-<file path=ppt/slides/slide6.xml><?xml version="1.0" encoding="utf-8"?>
+<file path=ppt/slides/slide7.xml><?xml version="1.0" encoding="utf-8"?>
 <p:sld xmlns:a="http://schemas.openxmlformats.org/drawingml/2006/main" xmlns:r="http://schemas.openxmlformats.org/officeDocument/2006/relationships" xmlns:p="http://schemas.openxmlformats.org/presentationml/2006/main">
   <p:cSld>
     <p:spTree>
@@ -6060,7 +6604,7 @@
 </p:sld>
 </file>
 
-<file path=ppt/slides/slide7.xml><?xml version="1.0" encoding="utf-8"?>
+<file path=ppt/slides/slide8.xml><?xml version="1.0" encoding="utf-8"?>
 <p:sld xmlns:a="http://schemas.openxmlformats.org/drawingml/2006/main" xmlns:r="http://schemas.openxmlformats.org/officeDocument/2006/relationships" xmlns:p="http://schemas.openxmlformats.org/presentationml/2006/main">
   <p:cSld>
     <p:spTree>
@@ -6150,104 +6694,6 @@
 </p:sld>
 </file>
 
-<file path=ppt/slides/slide8.xml><?xml version="1.0" encoding="utf-8"?>
-<p:sld xmlns:a="http://schemas.openxmlformats.org/drawingml/2006/main" xmlns:r="http://schemas.openxmlformats.org/officeDocument/2006/relationships" xmlns:p="http://schemas.openxmlformats.org/presentationml/2006/main">
-  <p:cSld>
-    <p:spTree>
-      <p:nvGrpSpPr>
-        <p:cNvPr id="1" name=""/>
-        <p:cNvGrpSpPr/>
-        <p:nvPr/>
-      </p:nvGrpSpPr>
-      <p:grpSpPr>
-        <a:xfrm>
-          <a:off x="0" y="0"/>
-          <a:ext cx="0" cy="0"/>
-          <a:chOff x="0" y="0"/>
-          <a:chExt cx="0" cy="0"/>
-        </a:xfrm>
-      </p:grpSpPr>
-      <p:sp>
-        <p:nvSpPr>
-          <p:cNvPr id="2" name="TextBox 1">
-            <a:extLst>
-              <a:ext uri="{FF2B5EF4-FFF2-40B4-BE49-F238E27FC236}">
-                <a16:creationId xmlns:a16="http://schemas.microsoft.com/office/drawing/2014/main" id="{735589B2-FBEE-FEAB-473F-ABC55DE543F3}"/>
-              </a:ext>
-            </a:extLst>
-          </p:cNvPr>
-          <p:cNvSpPr txBox="1"/>
-          <p:nvPr/>
-        </p:nvSpPr>
-        <p:spPr>
-          <a:xfrm>
-            <a:off x="320040" y="393192"/>
-            <a:ext cx="6011069" cy="923330"/>
-          </a:xfrm>
-          <a:prstGeom prst="rect">
-            <a:avLst/>
-          </a:prstGeom>
-          <a:noFill/>
-        </p:spPr>
-        <p:txBody>
-          <a:bodyPr wrap="none" rtlCol="0">
-            <a:spAutoFit/>
-          </a:bodyPr>
-          <a:lstStyle/>
-          <a:p>
-            <a:r>
-              <a:rPr lang="th-TH" dirty="0"/>
-              <a:t>การใช่งาน </a:t>
-            </a:r>
-            <a:r>
-              <a:rPr lang="en-US" dirty="0" err="1"/>
-              <a:t>Ngrok</a:t>
-            </a:r>
-            <a:r>
-              <a:rPr lang="en-US" dirty="0"/>
-              <a:t>  forwards with </a:t>
-            </a:r>
-            <a:r>
-              <a:rPr lang="en-US" dirty="0" err="1"/>
-              <a:t>Ngrok</a:t>
-            </a:r>
-            <a:r>
-              <a:rPr lang="en-US" dirty="0"/>
-              <a:t> use our computer is server</a:t>
-            </a:r>
-          </a:p>
-          <a:p>
-            <a:r>
-              <a:rPr lang="en-US" dirty="0"/>
-              <a:t>  </a:t>
-            </a:r>
-            <a:r>
-              <a:rPr lang="en-US" dirty="0" err="1"/>
-              <a:t>ngrok</a:t>
-            </a:r>
-            <a:r>
-              <a:rPr lang="en-US" dirty="0"/>
-              <a:t> http 8000 </a:t>
-            </a:r>
-          </a:p>
-          <a:p>
-            <a:endParaRPr lang="en-US" dirty="0"/>
-          </a:p>
-        </p:txBody>
-      </p:sp>
-    </p:spTree>
-    <p:extLst>
-      <p:ext uri="{BB962C8B-B14F-4D97-AF65-F5344CB8AC3E}">
-        <p14:creationId xmlns:p14="http://schemas.microsoft.com/office/powerpoint/2010/main" val="2401643237"/>
-      </p:ext>
-    </p:extLst>
-  </p:cSld>
-  <p:clrMapOvr>
-    <a:masterClrMapping/>
-  </p:clrMapOvr>
-</p:sld>
-</file>
-
 <file path=ppt/slides/slide9.xml><?xml version="1.0" encoding="utf-8"?>
 <p:sld xmlns:a="http://schemas.openxmlformats.org/drawingml/2006/main" xmlns:r="http://schemas.openxmlformats.org/officeDocument/2006/relationships" xmlns:p="http://schemas.openxmlformats.org/presentationml/2006/main">
   <p:cSld>
@@ -6270,7 +6716,7 @@
           <p:cNvPr id="2" name="TextBox 1">
             <a:extLst>
               <a:ext uri="{FF2B5EF4-FFF2-40B4-BE49-F238E27FC236}">
-                <a16:creationId xmlns:a16="http://schemas.microsoft.com/office/drawing/2014/main" id="{DD7CFE07-4E68-CBF7-C10C-D045039F26AE}"/>
+                <a16:creationId xmlns:a16="http://schemas.microsoft.com/office/drawing/2014/main" id="{735589B2-FBEE-FEAB-473F-ABC55DE543F3}"/>
               </a:ext>
             </a:extLst>
           </p:cNvPr>
@@ -6279,8 +6725,8 @@
         </p:nvSpPr>
         <p:spPr>
           <a:xfrm>
-            <a:off x="402336" y="594360"/>
-            <a:ext cx="1290738" cy="369332"/>
+            <a:off x="320040" y="393192"/>
+            <a:ext cx="6011069" cy="923330"/>
           </a:xfrm>
           <a:prstGeom prst="rect">
             <a:avLst/>
@@ -6295,413 +6741,48 @@
           <a:p>
             <a:r>
               <a:rPr lang="th-TH" dirty="0"/>
-              <a:t>การใช้งานรูปภาพ</a:t>
-            </a:r>
+              <a:t>การใช่งาน </a:t>
+            </a:r>
+            <a:r>
+              <a:rPr lang="en-US" dirty="0" err="1"/>
+              <a:t>Ngrok</a:t>
+            </a:r>
+            <a:r>
+              <a:rPr lang="en-US" dirty="0"/>
+              <a:t>  forwards with </a:t>
+            </a:r>
+            <a:r>
+              <a:rPr lang="en-US" dirty="0" err="1"/>
+              <a:t>Ngrok</a:t>
+            </a:r>
+            <a:r>
+              <a:rPr lang="en-US" dirty="0"/>
+              <a:t> use our computer is server</a:t>
+            </a:r>
+          </a:p>
+          <a:p>
+            <a:r>
+              <a:rPr lang="en-US" dirty="0"/>
+              <a:t>  </a:t>
+            </a:r>
+            <a:r>
+              <a:rPr lang="en-US" dirty="0" err="1"/>
+              <a:t>ngrok</a:t>
+            </a:r>
+            <a:r>
+              <a:rPr lang="en-US" dirty="0"/>
+              <a:t> http 8000 </a:t>
+            </a:r>
+          </a:p>
+          <a:p>
             <a:endParaRPr lang="en-US" dirty="0"/>
           </a:p>
         </p:txBody>
       </p:sp>
-      <p:sp>
-        <p:nvSpPr>
-          <p:cNvPr id="3" name="TextBox 2">
-            <a:extLst>
-              <a:ext uri="{FF2B5EF4-FFF2-40B4-BE49-F238E27FC236}">
-                <a16:creationId xmlns:a16="http://schemas.microsoft.com/office/drawing/2014/main" id="{BAC4F7C0-05DE-A3DC-26E5-D90FB73449AF}"/>
-              </a:ext>
-            </a:extLst>
-          </p:cNvPr>
-          <p:cNvSpPr txBox="1"/>
-          <p:nvPr/>
-        </p:nvSpPr>
-        <p:spPr>
-          <a:xfrm>
-            <a:off x="402336" y="1088136"/>
-            <a:ext cx="8460971" cy="1908215"/>
-          </a:xfrm>
-          <a:prstGeom prst="rect">
-            <a:avLst/>
-          </a:prstGeom>
-          <a:noFill/>
-        </p:spPr>
-        <p:txBody>
-          <a:bodyPr wrap="none" rtlCol="0">
-            <a:spAutoFit/>
-          </a:bodyPr>
-          <a:lstStyle/>
-          <a:p>
-            <a:r>
-              <a:rPr lang="en-US" sz="2000" b="1" dirty="0">
-                <a:solidFill>
-                  <a:srgbClr val="FF0000"/>
-                </a:solidFill>
-                <a:cs typeface="+mj-cs"/>
-              </a:rPr>
-              <a:t>-</a:t>
-            </a:r>
-            <a:r>
-              <a:rPr lang="th-TH" sz="2000" b="1" dirty="0">
-                <a:solidFill>
-                  <a:srgbClr val="FF0000"/>
-                </a:solidFill>
-                <a:cs typeface="+mj-cs"/>
-              </a:rPr>
-              <a:t>      มี </a:t>
-            </a:r>
-            <a:r>
-              <a:rPr lang="en-US" sz="2000" b="1" dirty="0">
-                <a:solidFill>
-                  <a:srgbClr val="FF0000"/>
-                </a:solidFill>
-                <a:cs typeface="+mj-cs"/>
-              </a:rPr>
-              <a:t>static URL </a:t>
-            </a:r>
-            <a:r>
-              <a:rPr lang="th-TH" sz="2000" b="1" dirty="0">
-                <a:solidFill>
-                  <a:srgbClr val="FF0000"/>
-                </a:solidFill>
-                <a:cs typeface="+mj-cs"/>
-              </a:rPr>
-              <a:t>ไหม</a:t>
-            </a:r>
-          </a:p>
-          <a:p>
-            <a:r>
-              <a:rPr lang="en-US" sz="2000" b="1" dirty="0">
-                <a:solidFill>
-                  <a:srgbClr val="FF0000"/>
-                </a:solidFill>
-                <a:cs typeface="+mj-cs"/>
-              </a:rPr>
-              <a:t>-</a:t>
-            </a:r>
-            <a:r>
-              <a:rPr lang="en-US" sz="2000" b="1" dirty="0">
-                <a:solidFill>
-                  <a:srgbClr val="FF0000"/>
-                </a:solidFill>
-                <a:effectLst/>
-                <a:latin typeface="Fira Code Retina" panose="020F0502020204030204" pitchFamily="49" charset="0"/>
-                <a:cs typeface="+mj-cs"/>
-              </a:rPr>
-              <a:t> '</a:t>
-            </a:r>
-            <a:r>
-              <a:rPr lang="en-US" sz="2000" b="1" dirty="0" err="1">
-                <a:solidFill>
-                  <a:srgbClr val="FF0000"/>
-                </a:solidFill>
-                <a:effectLst/>
-                <a:latin typeface="Fira Code Retina" panose="020F0502020204030204" pitchFamily="49" charset="0"/>
-                <a:cs typeface="+mj-cs"/>
-              </a:rPr>
-              <a:t>django.contrib.staticfiles</a:t>
-            </a:r>
-            <a:r>
-              <a:rPr lang="en-US" sz="2000" b="1" dirty="0">
-                <a:solidFill>
-                  <a:srgbClr val="FF0000"/>
-                </a:solidFill>
-                <a:effectLst/>
-                <a:latin typeface="Fira Code Retina" panose="020F0502020204030204" pitchFamily="49" charset="0"/>
-                <a:cs typeface="+mj-cs"/>
-              </a:rPr>
-              <a:t>’</a:t>
-            </a:r>
-            <a:r>
-              <a:rPr lang="en-US" sz="2000" b="1" dirty="0">
-                <a:solidFill>
-                  <a:srgbClr val="FF0000"/>
-                </a:solidFill>
-                <a:latin typeface="Fira Code Retina" panose="020F0502020204030204" pitchFamily="49" charset="0"/>
-                <a:cs typeface="+mj-cs"/>
-              </a:rPr>
-              <a:t> </a:t>
-            </a:r>
-            <a:r>
-              <a:rPr lang="th-TH" sz="2000" b="1" dirty="0">
-                <a:solidFill>
-                  <a:srgbClr val="FF0000"/>
-                </a:solidFill>
-                <a:latin typeface="Fira Code Retina" panose="020F0502020204030204" pitchFamily="49" charset="0"/>
-                <a:cs typeface="+mj-cs"/>
-              </a:rPr>
-              <a:t>ไหม</a:t>
-            </a:r>
-          </a:p>
-          <a:p>
-            <a:r>
-              <a:rPr lang="en-US" sz="2000" b="1" dirty="0">
-                <a:solidFill>
-                  <a:srgbClr val="FF0000"/>
-                </a:solidFill>
-                <a:latin typeface="Fira Code Retina" panose="020F0502020204030204" pitchFamily="49" charset="0"/>
-                <a:cs typeface="+mj-cs"/>
-              </a:rPr>
-              <a:t>- use { % load static % }</a:t>
-            </a:r>
-          </a:p>
-          <a:p>
-            <a:r>
-              <a:rPr lang="en-US" sz="2000" b="1" dirty="0">
-                <a:solidFill>
-                  <a:srgbClr val="FF0000"/>
-                </a:solidFill>
-                <a:effectLst/>
-                <a:latin typeface="Fira Code Retina" panose="020F0502020204030204" pitchFamily="49" charset="0"/>
-                <a:cs typeface="+mj-cs"/>
-              </a:rPr>
-              <a:t>- </a:t>
-            </a:r>
-            <a:r>
-              <a:rPr lang="th-TH" sz="2000" b="1" dirty="0">
-                <a:solidFill>
-                  <a:srgbClr val="FF0000"/>
-                </a:solidFill>
-                <a:effectLst/>
-                <a:latin typeface="Fira Code Retina" panose="020F0502020204030204" pitchFamily="49" charset="0"/>
-                <a:cs typeface="+mj-cs"/>
-              </a:rPr>
-              <a:t>สร้า</a:t>
-            </a:r>
-            <a:r>
-              <a:rPr lang="th-TH" sz="2000" b="1" dirty="0">
-                <a:solidFill>
-                  <a:srgbClr val="FF0000"/>
-                </a:solidFill>
-                <a:latin typeface="Fira Code Retina" panose="020F0502020204030204" pitchFamily="49" charset="0"/>
-                <a:cs typeface="+mj-cs"/>
-              </a:rPr>
-              <a:t>ง </a:t>
-            </a:r>
-            <a:r>
-              <a:rPr lang="en-US" sz="2000" b="1" dirty="0">
-                <a:solidFill>
-                  <a:srgbClr val="FF0000"/>
-                </a:solidFill>
-                <a:latin typeface="Fira Code Retina" panose="020F0502020204030204" pitchFamily="49" charset="0"/>
-                <a:cs typeface="+mj-cs"/>
-              </a:rPr>
-              <a:t>Folder static  </a:t>
-            </a:r>
-            <a:r>
-              <a:rPr lang="th-TH" sz="2000" b="1" dirty="0">
-                <a:solidFill>
-                  <a:srgbClr val="FF0000"/>
-                </a:solidFill>
-                <a:latin typeface="Fira Code Retina" panose="020F0502020204030204" pitchFamily="49" charset="0"/>
-                <a:cs typeface="+mj-cs"/>
-              </a:rPr>
-              <a:t>ใน </a:t>
-            </a:r>
-            <a:r>
-              <a:rPr lang="en-US" sz="2000" b="1" dirty="0">
-                <a:solidFill>
-                  <a:srgbClr val="FF0000"/>
-                </a:solidFill>
-                <a:latin typeface="Fira Code Retina" panose="020F0502020204030204" pitchFamily="49" charset="0"/>
-                <a:cs typeface="+mj-cs"/>
-              </a:rPr>
-              <a:t>app </a:t>
-            </a:r>
-            <a:r>
-              <a:rPr lang="th-TH" sz="2000" b="1" dirty="0">
-                <a:solidFill>
-                  <a:srgbClr val="FF0000"/>
-                </a:solidFill>
-                <a:latin typeface="Fira Code Retina" panose="020F0502020204030204" pitchFamily="49" charset="0"/>
-                <a:cs typeface="+mj-cs"/>
-              </a:rPr>
-              <a:t>หรือข้างนอก</a:t>
-            </a:r>
-            <a:r>
-              <a:rPr lang="en-US" sz="2000" b="1" dirty="0">
-                <a:solidFill>
-                  <a:srgbClr val="FF0000"/>
-                </a:solidFill>
-                <a:latin typeface="Fira Code Retina" panose="020F0502020204030204" pitchFamily="49" charset="0"/>
-                <a:cs typeface="+mj-cs"/>
-              </a:rPr>
-              <a:t>   static/image/logo.png</a:t>
-            </a:r>
-            <a:endParaRPr lang="th-TH" sz="2000" b="1" dirty="0">
-              <a:solidFill>
-                <a:srgbClr val="FF0000"/>
-              </a:solidFill>
-              <a:latin typeface="Fira Code Retina" panose="020F0502020204030204" pitchFamily="49" charset="0"/>
-              <a:cs typeface="+mj-cs"/>
-            </a:endParaRPr>
-          </a:p>
-          <a:p>
-            <a:endParaRPr lang="en-US" sz="2000" b="1" dirty="0">
-              <a:solidFill>
-                <a:srgbClr val="FF0000"/>
-              </a:solidFill>
-              <a:effectLst/>
-              <a:latin typeface="Fira Code Retina" panose="020F0502020204030204" pitchFamily="49" charset="0"/>
-              <a:cs typeface="+mj-cs"/>
-            </a:endParaRPr>
-          </a:p>
-          <a:p>
-            <a:endParaRPr lang="en-US" dirty="0"/>
-          </a:p>
-        </p:txBody>
-      </p:sp>
-      <p:pic>
-        <p:nvPicPr>
-          <p:cNvPr id="5" name="Picture 4">
-            <a:extLst>
-              <a:ext uri="{FF2B5EF4-FFF2-40B4-BE49-F238E27FC236}">
-                <a16:creationId xmlns:a16="http://schemas.microsoft.com/office/drawing/2014/main" id="{1210F65D-598E-58F1-5041-0A0E8A1A29B1}"/>
-              </a:ext>
-            </a:extLst>
-          </p:cNvPr>
-          <p:cNvPicPr>
-            <a:picLocks noChangeAspect="1"/>
-          </p:cNvPicPr>
-          <p:nvPr/>
-        </p:nvPicPr>
-        <p:blipFill>
-          <a:blip r:embed="rId2"/>
-          <a:stretch>
-            <a:fillRect/>
-          </a:stretch>
-        </p:blipFill>
-        <p:spPr>
-          <a:xfrm>
-            <a:off x="616720" y="2480780"/>
-            <a:ext cx="4429743" cy="1457528"/>
-          </a:xfrm>
-          <a:prstGeom prst="rect">
-            <a:avLst/>
-          </a:prstGeom>
-        </p:spPr>
-      </p:pic>
-      <p:pic>
-        <p:nvPicPr>
-          <p:cNvPr id="7" name="Picture 6">
-            <a:extLst>
-              <a:ext uri="{FF2B5EF4-FFF2-40B4-BE49-F238E27FC236}">
-                <a16:creationId xmlns:a16="http://schemas.microsoft.com/office/drawing/2014/main" id="{A26D3A36-3935-10CB-8F30-EB2DD2C9831A}"/>
-              </a:ext>
-            </a:extLst>
-          </p:cNvPr>
-          <p:cNvPicPr>
-            <a:picLocks noChangeAspect="1"/>
-          </p:cNvPicPr>
-          <p:nvPr/>
-        </p:nvPicPr>
-        <p:blipFill>
-          <a:blip r:embed="rId3"/>
-          <a:stretch>
-            <a:fillRect/>
-          </a:stretch>
-        </p:blipFill>
-        <p:spPr>
-          <a:xfrm>
-            <a:off x="8364459" y="499389"/>
-            <a:ext cx="3324051" cy="1664390"/>
-          </a:xfrm>
-          <a:prstGeom prst="rect">
-            <a:avLst/>
-          </a:prstGeom>
-        </p:spPr>
-      </p:pic>
-      <p:pic>
-        <p:nvPicPr>
-          <p:cNvPr id="9" name="Picture 8">
-            <a:extLst>
-              <a:ext uri="{FF2B5EF4-FFF2-40B4-BE49-F238E27FC236}">
-                <a16:creationId xmlns:a16="http://schemas.microsoft.com/office/drawing/2014/main" id="{563057E3-96C8-38D1-2C2D-E1D8234EFC35}"/>
-              </a:ext>
-            </a:extLst>
-          </p:cNvPr>
-          <p:cNvPicPr>
-            <a:picLocks noChangeAspect="1"/>
-          </p:cNvPicPr>
-          <p:nvPr/>
-        </p:nvPicPr>
-        <p:blipFill>
-          <a:blip r:embed="rId4"/>
-          <a:stretch>
-            <a:fillRect/>
-          </a:stretch>
-        </p:blipFill>
-        <p:spPr>
-          <a:xfrm>
-            <a:off x="256033" y="4315842"/>
-            <a:ext cx="5477256" cy="1975883"/>
-          </a:xfrm>
-          <a:prstGeom prst="rect">
-            <a:avLst/>
-          </a:prstGeom>
-        </p:spPr>
-      </p:pic>
-      <p:pic>
-        <p:nvPicPr>
-          <p:cNvPr id="11" name="Picture 10">
-            <a:extLst>
-              <a:ext uri="{FF2B5EF4-FFF2-40B4-BE49-F238E27FC236}">
-                <a16:creationId xmlns:a16="http://schemas.microsoft.com/office/drawing/2014/main" id="{02985491-05B1-8FE4-1E1E-9CF7D65A64AB}"/>
-              </a:ext>
-            </a:extLst>
-          </p:cNvPr>
-          <p:cNvPicPr>
-            <a:picLocks noChangeAspect="1"/>
-          </p:cNvPicPr>
-          <p:nvPr/>
-        </p:nvPicPr>
-        <p:blipFill>
-          <a:blip r:embed="rId5"/>
-          <a:stretch>
-            <a:fillRect/>
-          </a:stretch>
-        </p:blipFill>
-        <p:spPr>
-          <a:xfrm>
-            <a:off x="7278403" y="2411796"/>
-            <a:ext cx="3712685" cy="1975883"/>
-          </a:xfrm>
-          <a:prstGeom prst="rect">
-            <a:avLst/>
-          </a:prstGeom>
-        </p:spPr>
-      </p:pic>
-      <p:pic>
-        <p:nvPicPr>
-          <p:cNvPr id="13" name="Picture 12">
-            <a:extLst>
-              <a:ext uri="{FF2B5EF4-FFF2-40B4-BE49-F238E27FC236}">
-                <a16:creationId xmlns:a16="http://schemas.microsoft.com/office/drawing/2014/main" id="{FC01D95D-5E3C-B4C1-EFD9-449FE99202EA}"/>
-              </a:ext>
-            </a:extLst>
-          </p:cNvPr>
-          <p:cNvPicPr>
-            <a:picLocks noChangeAspect="1"/>
-          </p:cNvPicPr>
-          <p:nvPr/>
-        </p:nvPicPr>
-        <p:blipFill>
-          <a:blip r:embed="rId6"/>
-          <a:stretch>
-            <a:fillRect/>
-          </a:stretch>
-        </p:blipFill>
-        <p:spPr>
-          <a:xfrm>
-            <a:off x="7345680" y="4610461"/>
-            <a:ext cx="3712685" cy="1386644"/>
-          </a:xfrm>
-          <a:prstGeom prst="rect">
-            <a:avLst/>
-          </a:prstGeom>
-        </p:spPr>
-      </p:pic>
     </p:spTree>
     <p:extLst>
       <p:ext uri="{BB962C8B-B14F-4D97-AF65-F5344CB8AC3E}">
-        <p14:creationId xmlns:p14="http://schemas.microsoft.com/office/powerpoint/2010/main" val="2410297165"/>
+        <p14:creationId xmlns:p14="http://schemas.microsoft.com/office/powerpoint/2010/main" val="2401643237"/>
       </p:ext>
     </p:extLst>
   </p:cSld>

--- a/MEMO.pptx
+++ b/MEMO.pptx
@@ -11,17 +11,27 @@
     <p:sldId id="273" r:id="rId5"/>
     <p:sldId id="257" r:id="rId6"/>
     <p:sldId id="258" r:id="rId7"/>
-    <p:sldId id="259" r:id="rId8"/>
-    <p:sldId id="260" r:id="rId9"/>
-    <p:sldId id="261" r:id="rId10"/>
-    <p:sldId id="262" r:id="rId11"/>
-    <p:sldId id="263" r:id="rId12"/>
-    <p:sldId id="264" r:id="rId13"/>
-    <p:sldId id="265" r:id="rId14"/>
-    <p:sldId id="268" r:id="rId15"/>
-    <p:sldId id="269" r:id="rId16"/>
-    <p:sldId id="270" r:id="rId17"/>
-    <p:sldId id="271" r:id="rId18"/>
+    <p:sldId id="264" r:id="rId8"/>
+    <p:sldId id="269" r:id="rId9"/>
+    <p:sldId id="259" r:id="rId10"/>
+    <p:sldId id="260" r:id="rId11"/>
+    <p:sldId id="261" r:id="rId12"/>
+    <p:sldId id="268" r:id="rId13"/>
+    <p:sldId id="262" r:id="rId14"/>
+    <p:sldId id="263" r:id="rId15"/>
+    <p:sldId id="276" r:id="rId16"/>
+    <p:sldId id="265" r:id="rId17"/>
+    <p:sldId id="270" r:id="rId18"/>
+    <p:sldId id="271" r:id="rId19"/>
+    <p:sldId id="274" r:id="rId20"/>
+    <p:sldId id="275" r:id="rId21"/>
+    <p:sldId id="277" r:id="rId22"/>
+    <p:sldId id="278" r:id="rId23"/>
+    <p:sldId id="279" r:id="rId24"/>
+    <p:sldId id="280" r:id="rId25"/>
+    <p:sldId id="281" r:id="rId26"/>
+    <p:sldId id="282" r:id="rId27"/>
+    <p:sldId id="283" r:id="rId28"/>
   </p:sldIdLst>
   <p:sldSz cx="12192000" cy="6858000"/>
   <p:notesSz cx="6858000" cy="9144000"/>
@@ -131,7 +141,7 @@
 <file path=ppt/revisionInfo.xml><?xml version="1.0" encoding="utf-8"?>
 <p1510:revInfo xmlns:a="http://schemas.openxmlformats.org/drawingml/2006/main" xmlns:r="http://schemas.openxmlformats.org/officeDocument/2006/relationships" xmlns:p1510="http://schemas.microsoft.com/office/powerpoint/2015/10/main">
   <p1510:revLst>
-    <p1510:client id="{4673E838-11EA-4A55-8BBF-B3A4662F01CE}" v="12" dt="2024-06-05T15:45:19.449"/>
+    <p1510:client id="{4673E838-11EA-4A55-8BBF-B3A4662F01CE}" v="31" dt="2024-06-07T18:03:40.749"/>
   </p1510:revLst>
 </p1510:revInfo>
 </file>
@@ -180,8 +190,8 @@
   </pc:docChgLst>
   <pc:docChgLst>
     <pc:chgData name="witaya chaison" userId="aafc0013979b2c41" providerId="LiveId" clId="{4673E838-11EA-4A55-8BBF-B3A4662F01CE}"/>
-    <pc:docChg chg="custSel addSld delSld modSld">
-      <pc:chgData name="witaya chaison" userId="aafc0013979b2c41" providerId="LiveId" clId="{4673E838-11EA-4A55-8BBF-B3A4662F01CE}" dt="2024-06-05T16:37:07.479" v="581" actId="1076"/>
+    <pc:docChg chg="custSel addSld delSld modSld sldOrd">
+      <pc:chgData name="witaya chaison" userId="aafc0013979b2c41" providerId="LiveId" clId="{4673E838-11EA-4A55-8BBF-B3A4662F01CE}" dt="2024-06-07T18:04:04.179" v="1416" actId="13926"/>
       <pc:docMkLst>
         <pc:docMk/>
       </pc:docMkLst>
@@ -286,33 +296,113 @@
           </ac:spMkLst>
         </pc:spChg>
       </pc:sldChg>
-      <pc:sldChg chg="modSp mod">
-        <pc:chgData name="witaya chaison" userId="aafc0013979b2c41" providerId="LiveId" clId="{4673E838-11EA-4A55-8BBF-B3A4662F01CE}" dt="2024-01-13T08:07:00.168" v="34" actId="20577"/>
+      <pc:sldChg chg="addSp modSp mod">
+        <pc:chgData name="witaya chaison" userId="aafc0013979b2c41" providerId="LiveId" clId="{4673E838-11EA-4A55-8BBF-B3A4662F01CE}" dt="2024-06-07T16:56:37.916" v="1111" actId="1076"/>
         <pc:sldMkLst>
           <pc:docMk/>
           <pc:sldMk cId="2401643237" sldId="261"/>
         </pc:sldMkLst>
         <pc:spChg chg="mod">
-          <ac:chgData name="witaya chaison" userId="aafc0013979b2c41" providerId="LiveId" clId="{4673E838-11EA-4A55-8BBF-B3A4662F01CE}" dt="2024-01-13T08:07:00.168" v="34" actId="20577"/>
+          <ac:chgData name="witaya chaison" userId="aafc0013979b2c41" providerId="LiveId" clId="{4673E838-11EA-4A55-8BBF-B3A4662F01CE}" dt="2024-06-07T16:34:12.523" v="1103" actId="1076"/>
           <ac:spMkLst>
             <pc:docMk/>
             <pc:sldMk cId="2401643237" sldId="261"/>
             <ac:spMk id="2" creationId="{735589B2-FBEE-FEAB-473F-ABC55DE543F3}"/>
           </ac:spMkLst>
         </pc:spChg>
+        <pc:spChg chg="add mod">
+          <ac:chgData name="witaya chaison" userId="aafc0013979b2c41" providerId="LiveId" clId="{4673E838-11EA-4A55-8BBF-B3A4662F01CE}" dt="2024-06-07T16:12:06.543" v="1004" actId="1076"/>
+          <ac:spMkLst>
+            <pc:docMk/>
+            <pc:sldMk cId="2401643237" sldId="261"/>
+            <ac:spMk id="4" creationId="{66EF3B80-4300-456E-2AB3-038BB6D2B8BF}"/>
+          </ac:spMkLst>
+        </pc:spChg>
+        <pc:spChg chg="add mod">
+          <ac:chgData name="witaya chaison" userId="aafc0013979b2c41" providerId="LiveId" clId="{4673E838-11EA-4A55-8BBF-B3A4662F01CE}" dt="2024-06-07T16:54:46.230" v="1105" actId="1076"/>
+          <ac:spMkLst>
+            <pc:docMk/>
+            <pc:sldMk cId="2401643237" sldId="261"/>
+            <ac:spMk id="6" creationId="{F67C1E07-DFF9-E43E-4AAB-98367DFA54EB}"/>
+          </ac:spMkLst>
+        </pc:spChg>
+        <pc:spChg chg="add mod">
+          <ac:chgData name="witaya chaison" userId="aafc0013979b2c41" providerId="LiveId" clId="{4673E838-11EA-4A55-8BBF-B3A4662F01CE}" dt="2024-06-07T16:56:37.916" v="1111" actId="1076"/>
+          <ac:spMkLst>
+            <pc:docMk/>
+            <pc:sldMk cId="2401643237" sldId="261"/>
+            <ac:spMk id="10" creationId="{DF7B8BA7-DF84-79A3-CBBC-96E2C232620D}"/>
+          </ac:spMkLst>
+        </pc:spChg>
+        <pc:picChg chg="add mod">
+          <ac:chgData name="witaya chaison" userId="aafc0013979b2c41" providerId="LiveId" clId="{4673E838-11EA-4A55-8BBF-B3A4662F01CE}" dt="2024-06-07T16:56:21.092" v="1109" actId="1076"/>
+          <ac:picMkLst>
+            <pc:docMk/>
+            <pc:sldMk cId="2401643237" sldId="261"/>
+            <ac:picMk id="8" creationId="{EBAC8E6A-3BE6-77BC-DD59-E770378AD9D2}"/>
+          </ac:picMkLst>
+        </pc:picChg>
       </pc:sldChg>
       <pc:sldChg chg="addSp modSp mod">
-        <pc:chgData name="witaya chaison" userId="aafc0013979b2c41" providerId="LiveId" clId="{4673E838-11EA-4A55-8BBF-B3A4662F01CE}" dt="2024-01-13T09:30:45.779" v="233" actId="14100"/>
+        <pc:chgData name="witaya chaison" userId="aafc0013979b2c41" providerId="LiveId" clId="{4673E838-11EA-4A55-8BBF-B3A4662F01CE}" dt="2024-06-07T17:30:43.256" v="1337" actId="5793"/>
         <pc:sldMkLst>
           <pc:docMk/>
           <pc:sldMk cId="2410297165" sldId="262"/>
         </pc:sldMkLst>
+        <pc:spChg chg="mod">
+          <ac:chgData name="witaya chaison" userId="aafc0013979b2c41" providerId="LiveId" clId="{4673E838-11EA-4A55-8BBF-B3A4662F01CE}" dt="2024-06-07T15:25:17.096" v="885" actId="1076"/>
+          <ac:spMkLst>
+            <pc:docMk/>
+            <pc:sldMk cId="2410297165" sldId="262"/>
+            <ac:spMk id="2" creationId="{DD7CFE07-4E68-CBF7-C10C-D045039F26AE}"/>
+          </ac:spMkLst>
+        </pc:spChg>
         <pc:spChg chg="add mod">
-          <ac:chgData name="witaya chaison" userId="aafc0013979b2c41" providerId="LiveId" clId="{4673E838-11EA-4A55-8BBF-B3A4662F01CE}" dt="2024-01-13T08:42:05.595" v="209" actId="20577"/>
+          <ac:chgData name="witaya chaison" userId="aafc0013979b2c41" providerId="LiveId" clId="{4673E838-11EA-4A55-8BBF-B3A4662F01CE}" dt="2024-06-07T17:30:43.256" v="1337" actId="5793"/>
           <ac:spMkLst>
             <pc:docMk/>
             <pc:sldMk cId="2410297165" sldId="262"/>
             <ac:spMk id="3" creationId="{BAC4F7C0-05DE-A3DC-26E5-D90FB73449AF}"/>
+          </ac:spMkLst>
+        </pc:spChg>
+        <pc:spChg chg="add mod">
+          <ac:chgData name="witaya chaison" userId="aafc0013979b2c41" providerId="LiveId" clId="{4673E838-11EA-4A55-8BBF-B3A4662F01CE}" dt="2024-06-07T17:15:52.922" v="1121" actId="20577"/>
+          <ac:spMkLst>
+            <pc:docMk/>
+            <pc:sldMk cId="2410297165" sldId="262"/>
+            <ac:spMk id="6" creationId="{61C5CB69-BA87-3DB1-30E2-0DDAFC05A724}"/>
+          </ac:spMkLst>
+        </pc:spChg>
+        <pc:spChg chg="add mod">
+          <ac:chgData name="witaya chaison" userId="aafc0013979b2c41" providerId="LiveId" clId="{4673E838-11EA-4A55-8BBF-B3A4662F01CE}" dt="2024-06-07T17:26:22.115" v="1133" actId="208"/>
+          <ac:spMkLst>
+            <pc:docMk/>
+            <pc:sldMk cId="2410297165" sldId="262"/>
+            <ac:spMk id="8" creationId="{4C4C887E-6436-E6CC-824E-75E7C1A269F8}"/>
+          </ac:spMkLst>
+        </pc:spChg>
+        <pc:spChg chg="add mod">
+          <ac:chgData name="witaya chaison" userId="aafc0013979b2c41" providerId="LiveId" clId="{4673E838-11EA-4A55-8BBF-B3A4662F01CE}" dt="2024-06-07T17:26:36.761" v="1136" actId="14100"/>
+          <ac:spMkLst>
+            <pc:docMk/>
+            <pc:sldMk cId="2410297165" sldId="262"/>
+            <ac:spMk id="10" creationId="{85930FFB-1A3B-D6F0-4260-1DF4F197B850}"/>
+          </ac:spMkLst>
+        </pc:spChg>
+        <pc:spChg chg="add mod">
+          <ac:chgData name="witaya chaison" userId="aafc0013979b2c41" providerId="LiveId" clId="{4673E838-11EA-4A55-8BBF-B3A4662F01CE}" dt="2024-06-07T17:27:17.083" v="1145" actId="20577"/>
+          <ac:spMkLst>
+            <pc:docMk/>
+            <pc:sldMk cId="2410297165" sldId="262"/>
+            <ac:spMk id="16" creationId="{8F956A8B-1618-7BA4-58A9-C5809F1395F4}"/>
+          </ac:spMkLst>
+        </pc:spChg>
+        <pc:spChg chg="add mod">
+          <ac:chgData name="witaya chaison" userId="aafc0013979b2c41" providerId="LiveId" clId="{4673E838-11EA-4A55-8BBF-B3A4662F01CE}" dt="2024-06-07T17:29:26.739" v="1271" actId="313"/>
+          <ac:spMkLst>
+            <pc:docMk/>
+            <pc:sldMk cId="2410297165" sldId="262"/>
+            <ac:spMk id="17" creationId="{EBAD7D8A-2182-C86D-8ABF-662B643183B3}"/>
           </ac:spMkLst>
         </pc:spChg>
         <pc:picChg chg="add mod">
@@ -340,7 +430,7 @@
           </ac:picMkLst>
         </pc:picChg>
         <pc:picChg chg="add mod">
-          <ac:chgData name="witaya chaison" userId="aafc0013979b2c41" providerId="LiveId" clId="{4673E838-11EA-4A55-8BBF-B3A4662F01CE}" dt="2024-01-13T09:30:31.438" v="226" actId="14100"/>
+          <ac:chgData name="witaya chaison" userId="aafc0013979b2c41" providerId="LiveId" clId="{4673E838-11EA-4A55-8BBF-B3A4662F01CE}" dt="2024-06-07T17:26:08.337" v="1130" actId="1076"/>
           <ac:picMkLst>
             <pc:docMk/>
             <pc:sldMk cId="2410297165" sldId="262"/>
@@ -348,16 +438,24 @@
           </ac:picMkLst>
         </pc:picChg>
         <pc:picChg chg="add mod">
-          <ac:chgData name="witaya chaison" userId="aafc0013979b2c41" providerId="LiveId" clId="{4673E838-11EA-4A55-8BBF-B3A4662F01CE}" dt="2024-01-13T09:30:45.779" v="233" actId="14100"/>
+          <ac:chgData name="witaya chaison" userId="aafc0013979b2c41" providerId="LiveId" clId="{4673E838-11EA-4A55-8BBF-B3A4662F01CE}" dt="2024-06-07T15:25:59.944" v="893" actId="14100"/>
           <ac:picMkLst>
             <pc:docMk/>
             <pc:sldMk cId="2410297165" sldId="262"/>
             <ac:picMk id="13" creationId="{FC01D95D-5E3C-B4C1-EFD9-449FE99202EA}"/>
           </ac:picMkLst>
         </pc:picChg>
+        <pc:cxnChg chg="add mod">
+          <ac:chgData name="witaya chaison" userId="aafc0013979b2c41" providerId="LiveId" clId="{4673E838-11EA-4A55-8BBF-B3A4662F01CE}" dt="2024-06-07T17:27:04.495" v="1138" actId="14100"/>
+          <ac:cxnSpMkLst>
+            <pc:docMk/>
+            <pc:sldMk cId="2410297165" sldId="262"/>
+            <ac:cxnSpMk id="14" creationId="{58F4CE3F-37B0-56C3-54FF-0390C30EE4A0}"/>
+          </ac:cxnSpMkLst>
+        </pc:cxnChg>
       </pc:sldChg>
       <pc:sldChg chg="addSp delSp modSp mod">
-        <pc:chgData name="witaya chaison" userId="aafc0013979b2c41" providerId="LiveId" clId="{4673E838-11EA-4A55-8BBF-B3A4662F01CE}" dt="2024-01-13T14:33:58.452" v="280" actId="20577"/>
+        <pc:chgData name="witaya chaison" userId="aafc0013979b2c41" providerId="LiveId" clId="{4673E838-11EA-4A55-8BBF-B3A4662F01CE}" dt="2024-06-07T17:39:14.519" v="1366" actId="20577"/>
         <pc:sldMkLst>
           <pc:docMk/>
           <pc:sldMk cId="2653447416" sldId="263"/>
@@ -371,7 +469,7 @@
           </ac:spMkLst>
         </pc:spChg>
         <pc:spChg chg="add mod">
-          <ac:chgData name="witaya chaison" userId="aafc0013979b2c41" providerId="LiveId" clId="{4673E838-11EA-4A55-8BBF-B3A4662F01CE}" dt="2024-01-13T14:33:58.452" v="280" actId="20577"/>
+          <ac:chgData name="witaya chaison" userId="aafc0013979b2c41" providerId="LiveId" clId="{4673E838-11EA-4A55-8BBF-B3A4662F01CE}" dt="2024-06-07T17:39:14.519" v="1366" actId="20577"/>
           <ac:spMkLst>
             <pc:docMk/>
             <pc:sldMk cId="2653447416" sldId="263"/>
@@ -419,13 +517,21 @@
           </ac:cxnSpMkLst>
         </pc:cxnChg>
       </pc:sldChg>
-      <pc:sldChg chg="delSp mod">
-        <pc:chgData name="witaya chaison" userId="aafc0013979b2c41" providerId="LiveId" clId="{4673E838-11EA-4A55-8BBF-B3A4662F01CE}" dt="2024-01-13T14:34:04.593" v="281" actId="478"/>
+      <pc:sldChg chg="addSp delSp modSp mod ord">
+        <pc:chgData name="witaya chaison" userId="aafc0013979b2c41" providerId="LiveId" clId="{4673E838-11EA-4A55-8BBF-B3A4662F01CE}" dt="2024-06-07T14:55:19.997" v="588" actId="1076"/>
         <pc:sldMkLst>
           <pc:docMk/>
           <pc:sldMk cId="4279994729" sldId="264"/>
         </pc:sldMkLst>
         <pc:spChg chg="del">
+          <ac:chgData name="witaya chaison" userId="aafc0013979b2c41" providerId="LiveId" clId="{4673E838-11EA-4A55-8BBF-B3A4662F01CE}" dt="2024-06-07T14:55:14.650" v="584" actId="478"/>
+          <ac:spMkLst>
+            <pc:docMk/>
+            <pc:sldMk cId="4279994729" sldId="264"/>
+            <ac:spMk id="2" creationId="{00C106E7-4AB3-A835-7493-9A87EB6AFD0D}"/>
+          </ac:spMkLst>
+        </pc:spChg>
+        <pc:spChg chg="del">
           <ac:chgData name="witaya chaison" userId="aafc0013979b2c41" providerId="LiveId" clId="{4673E838-11EA-4A55-8BBF-B3A4662F01CE}" dt="2024-01-13T14:34:04.593" v="281" actId="478"/>
           <ac:spMkLst>
             <pc:docMk/>
@@ -433,13 +539,37 @@
             <ac:spMk id="3" creationId="{86CEC114-EB76-1E4D-2819-4663F0F253B9}"/>
           </ac:spMkLst>
         </pc:spChg>
+        <pc:picChg chg="add mod">
+          <ac:chgData name="witaya chaison" userId="aafc0013979b2c41" providerId="LiveId" clId="{4673E838-11EA-4A55-8BBF-B3A4662F01CE}" dt="2024-06-07T14:55:19.997" v="588" actId="1076"/>
+          <ac:picMkLst>
+            <pc:docMk/>
+            <pc:sldMk cId="4279994729" sldId="264"/>
+            <ac:picMk id="4" creationId="{50FF832F-0A96-4D53-6F03-4317B76FC74D}"/>
+          </ac:picMkLst>
+        </pc:picChg>
       </pc:sldChg>
-      <pc:sldChg chg="add">
-        <pc:chgData name="witaya chaison" userId="aafc0013979b2c41" providerId="LiveId" clId="{4673E838-11EA-4A55-8BBF-B3A4662F01CE}" dt="2024-01-13T08:07:22.766" v="35"/>
+      <pc:sldChg chg="addSp delSp modSp add mod">
+        <pc:chgData name="witaya chaison" userId="aafc0013979b2c41" providerId="LiveId" clId="{4673E838-11EA-4A55-8BBF-B3A4662F01CE}" dt="2024-06-07T17:16:42.857" v="1125" actId="14100"/>
         <pc:sldMkLst>
           <pc:docMk/>
           <pc:sldMk cId="1788844401" sldId="265"/>
         </pc:sldMkLst>
+        <pc:spChg chg="del">
+          <ac:chgData name="witaya chaison" userId="aafc0013979b2c41" providerId="LiveId" clId="{4673E838-11EA-4A55-8BBF-B3A4662F01CE}" dt="2024-06-07T17:16:36.789" v="1122" actId="478"/>
+          <ac:spMkLst>
+            <pc:docMk/>
+            <pc:sldMk cId="1788844401" sldId="265"/>
+            <ac:spMk id="2" creationId="{DD7CFE07-4E68-CBF7-C10C-D045039F26AE}"/>
+          </ac:spMkLst>
+        </pc:spChg>
+        <pc:picChg chg="add mod">
+          <ac:chgData name="witaya chaison" userId="aafc0013979b2c41" providerId="LiveId" clId="{4673E838-11EA-4A55-8BBF-B3A4662F01CE}" dt="2024-06-07T17:16:42.857" v="1125" actId="14100"/>
+          <ac:picMkLst>
+            <pc:docMk/>
+            <pc:sldMk cId="1788844401" sldId="265"/>
+            <ac:picMk id="4" creationId="{6DA5A225-C4CC-15FE-FC6D-B175737C4B3A}"/>
+          </ac:picMkLst>
+        </pc:picChg>
       </pc:sldChg>
       <pc:sldChg chg="addSp modSp add mod">
         <pc:chgData name="witaya chaison" userId="aafc0013979b2c41" providerId="LiveId" clId="{4673E838-11EA-4A55-8BBF-B3A4662F01CE}" dt="2024-06-05T14:27:54.895" v="347" actId="20577"/>
@@ -495,33 +625,193 @@
           </ac:picMkLst>
         </pc:picChg>
       </pc:sldChg>
-      <pc:sldChg chg="add">
-        <pc:chgData name="witaya chaison" userId="aafc0013979b2c41" providerId="LiveId" clId="{4673E838-11EA-4A55-8BBF-B3A4662F01CE}" dt="2024-06-05T14:39:12.008" v="356"/>
+      <pc:sldChg chg="addSp delSp modSp add mod ord">
+        <pc:chgData name="witaya chaison" userId="aafc0013979b2c41" providerId="LiveId" clId="{4673E838-11EA-4A55-8BBF-B3A4662F01CE}" dt="2024-06-07T17:25:17.847" v="1129" actId="1076"/>
         <pc:sldMkLst>
           <pc:docMk/>
           <pc:sldMk cId="2869427877" sldId="268"/>
         </pc:sldMkLst>
+        <pc:spChg chg="del">
+          <ac:chgData name="witaya chaison" userId="aafc0013979b2c41" providerId="LiveId" clId="{4673E838-11EA-4A55-8BBF-B3A4662F01CE}" dt="2024-06-07T17:07:12.135" v="1114" actId="478"/>
+          <ac:spMkLst>
+            <pc:docMk/>
+            <pc:sldMk cId="2869427877" sldId="268"/>
+            <ac:spMk id="2" creationId="{DD7CFE07-4E68-CBF7-C10C-D045039F26AE}"/>
+          </ac:spMkLst>
+        </pc:spChg>
+        <pc:picChg chg="add mod">
+          <ac:chgData name="witaya chaison" userId="aafc0013979b2c41" providerId="LiveId" clId="{4673E838-11EA-4A55-8BBF-B3A4662F01CE}" dt="2024-06-07T17:07:19.766" v="1118" actId="14100"/>
+          <ac:picMkLst>
+            <pc:docMk/>
+            <pc:sldMk cId="2869427877" sldId="268"/>
+            <ac:picMk id="4" creationId="{4A034B4A-A254-080B-7B7E-DA2FCC0B6FED}"/>
+          </ac:picMkLst>
+        </pc:picChg>
+        <pc:picChg chg="add mod">
+          <ac:chgData name="witaya chaison" userId="aafc0013979b2c41" providerId="LiveId" clId="{4673E838-11EA-4A55-8BBF-B3A4662F01CE}" dt="2024-06-07T17:25:17.847" v="1129" actId="1076"/>
+          <ac:picMkLst>
+            <pc:docMk/>
+            <pc:sldMk cId="2869427877" sldId="268"/>
+            <ac:picMk id="6" creationId="{F628F3C7-156A-D5B6-2599-1C81E6846346}"/>
+          </ac:picMkLst>
+        </pc:picChg>
       </pc:sldChg>
-      <pc:sldChg chg="add">
-        <pc:chgData name="witaya chaison" userId="aafc0013979b2c41" providerId="LiveId" clId="{4673E838-11EA-4A55-8BBF-B3A4662F01CE}" dt="2024-06-05T14:39:13.605" v="357"/>
+      <pc:sldChg chg="addSp delSp modSp add mod ord">
+        <pc:chgData name="witaya chaison" userId="aafc0013979b2c41" providerId="LiveId" clId="{4673E838-11EA-4A55-8BBF-B3A4662F01CE}" dt="2024-06-07T15:55:51.439" v="988" actId="20577"/>
         <pc:sldMkLst>
           <pc:docMk/>
           <pc:sldMk cId="1805123889" sldId="269"/>
         </pc:sldMkLst>
+        <pc:spChg chg="del">
+          <ac:chgData name="witaya chaison" userId="aafc0013979b2c41" providerId="LiveId" clId="{4673E838-11EA-4A55-8BBF-B3A4662F01CE}" dt="2024-06-07T14:55:33.511" v="591" actId="478"/>
+          <ac:spMkLst>
+            <pc:docMk/>
+            <pc:sldMk cId="1805123889" sldId="269"/>
+            <ac:spMk id="2" creationId="{DD7CFE07-4E68-CBF7-C10C-D045039F26AE}"/>
+          </ac:spMkLst>
+        </pc:spChg>
+        <pc:spChg chg="add mod">
+          <ac:chgData name="witaya chaison" userId="aafc0013979b2c41" providerId="LiveId" clId="{4673E838-11EA-4A55-8BBF-B3A4662F01CE}" dt="2024-06-07T15:50:04.686" v="921" actId="313"/>
+          <ac:spMkLst>
+            <pc:docMk/>
+            <pc:sldMk cId="1805123889" sldId="269"/>
+            <ac:spMk id="3" creationId="{50AD979C-78AF-00BC-81AF-9F291CB4A233}"/>
+          </ac:spMkLst>
+        </pc:spChg>
+        <pc:spChg chg="add mod">
+          <ac:chgData name="witaya chaison" userId="aafc0013979b2c41" providerId="LiveId" clId="{4673E838-11EA-4A55-8BBF-B3A4662F01CE}" dt="2024-06-07T15:14:36.101" v="872" actId="1076"/>
+          <ac:spMkLst>
+            <pc:docMk/>
+            <pc:sldMk cId="1805123889" sldId="269"/>
+            <ac:spMk id="12" creationId="{9984E401-FA5D-0F59-8EAD-4B42B698C1B9}"/>
+          </ac:spMkLst>
+        </pc:spChg>
+        <pc:spChg chg="add mod">
+          <ac:chgData name="witaya chaison" userId="aafc0013979b2c41" providerId="LiveId" clId="{4673E838-11EA-4A55-8BBF-B3A4662F01CE}" dt="2024-06-07T15:15:05.387" v="882" actId="20577"/>
+          <ac:spMkLst>
+            <pc:docMk/>
+            <pc:sldMk cId="1805123889" sldId="269"/>
+            <ac:spMk id="16" creationId="{9C1096F9-9F59-7B57-C093-2A2F6829F7DA}"/>
+          </ac:spMkLst>
+        </pc:spChg>
+        <pc:spChg chg="add mod">
+          <ac:chgData name="witaya chaison" userId="aafc0013979b2c41" providerId="LiveId" clId="{4673E838-11EA-4A55-8BBF-B3A4662F01CE}" dt="2024-06-07T15:55:51.439" v="988" actId="20577"/>
+          <ac:spMkLst>
+            <pc:docMk/>
+            <pc:sldMk cId="1805123889" sldId="269"/>
+            <ac:spMk id="17" creationId="{6FC7DBA7-3DB1-FFEA-19E8-B5B11993EDFD}"/>
+          </ac:spMkLst>
+        </pc:spChg>
+        <pc:picChg chg="add mod">
+          <ac:chgData name="witaya chaison" userId="aafc0013979b2c41" providerId="LiveId" clId="{4673E838-11EA-4A55-8BBF-B3A4662F01CE}" dt="2024-06-07T15:04:04.370" v="864" actId="14100"/>
+          <ac:picMkLst>
+            <pc:docMk/>
+            <pc:sldMk cId="1805123889" sldId="269"/>
+            <ac:picMk id="5" creationId="{B6557C38-58F2-B3DB-6BD8-30C7456AFCC5}"/>
+          </ac:picMkLst>
+        </pc:picChg>
+        <pc:picChg chg="add mod">
+          <ac:chgData name="witaya chaison" userId="aafc0013979b2c41" providerId="LiveId" clId="{4673E838-11EA-4A55-8BBF-B3A4662F01CE}" dt="2024-06-07T15:04:06.650" v="866" actId="14100"/>
+          <ac:picMkLst>
+            <pc:docMk/>
+            <pc:sldMk cId="1805123889" sldId="269"/>
+            <ac:picMk id="7" creationId="{6B583E4B-04AA-F689-90F8-0BC359144FB3}"/>
+          </ac:picMkLst>
+        </pc:picChg>
+        <pc:picChg chg="add mod">
+          <ac:chgData name="witaya chaison" userId="aafc0013979b2c41" providerId="LiveId" clId="{4673E838-11EA-4A55-8BBF-B3A4662F01CE}" dt="2024-06-07T15:04:01.691" v="862" actId="1076"/>
+          <ac:picMkLst>
+            <pc:docMk/>
+            <pc:sldMk cId="1805123889" sldId="269"/>
+            <ac:picMk id="9" creationId="{9B9D3891-78D8-49A3-7F02-35F698222253}"/>
+          </ac:picMkLst>
+        </pc:picChg>
+        <pc:cxnChg chg="add">
+          <ac:chgData name="witaya chaison" userId="aafc0013979b2c41" providerId="LiveId" clId="{4673E838-11EA-4A55-8BBF-B3A4662F01CE}" dt="2024-06-07T15:14:27.667" v="867" actId="11529"/>
+          <ac:cxnSpMkLst>
+            <pc:docMk/>
+            <pc:sldMk cId="1805123889" sldId="269"/>
+            <ac:cxnSpMk id="11" creationId="{9A8E13AB-2B14-E47F-6340-1F63BC55F8AC}"/>
+          </ac:cxnSpMkLst>
+        </pc:cxnChg>
+        <pc:cxnChg chg="add mod">
+          <ac:chgData name="witaya chaison" userId="aafc0013979b2c41" providerId="LiveId" clId="{4673E838-11EA-4A55-8BBF-B3A4662F01CE}" dt="2024-06-07T15:14:59.433" v="875" actId="14100"/>
+          <ac:cxnSpMkLst>
+            <pc:docMk/>
+            <pc:sldMk cId="1805123889" sldId="269"/>
+            <ac:cxnSpMk id="14" creationId="{9667CD23-3533-B188-0300-8A03274CEA3D}"/>
+          </ac:cxnSpMkLst>
+        </pc:cxnChg>
       </pc:sldChg>
-      <pc:sldChg chg="add">
-        <pc:chgData name="witaya chaison" userId="aafc0013979b2c41" providerId="LiveId" clId="{4673E838-11EA-4A55-8BBF-B3A4662F01CE}" dt="2024-06-05T14:39:15.019" v="358"/>
+      <pc:sldChg chg="addSp delSp modSp add mod">
+        <pc:chgData name="witaya chaison" userId="aafc0013979b2c41" providerId="LiveId" clId="{4673E838-11EA-4A55-8BBF-B3A4662F01CE}" dt="2024-06-07T18:04:04.179" v="1416" actId="13926"/>
         <pc:sldMkLst>
           <pc:docMk/>
           <pc:sldMk cId="513142751" sldId="270"/>
         </pc:sldMkLst>
+        <pc:spChg chg="del">
+          <ac:chgData name="witaya chaison" userId="aafc0013979b2c41" providerId="LiveId" clId="{4673E838-11EA-4A55-8BBF-B3A4662F01CE}" dt="2024-06-07T17:47:25.975" v="1373" actId="478"/>
+          <ac:spMkLst>
+            <pc:docMk/>
+            <pc:sldMk cId="513142751" sldId="270"/>
+            <ac:spMk id="2" creationId="{DD7CFE07-4E68-CBF7-C10C-D045039F26AE}"/>
+          </ac:spMkLst>
+        </pc:spChg>
+        <pc:spChg chg="add mod">
+          <ac:chgData name="witaya chaison" userId="aafc0013979b2c41" providerId="LiveId" clId="{4673E838-11EA-4A55-8BBF-B3A4662F01CE}" dt="2024-06-07T18:03:26.836" v="1391" actId="208"/>
+          <ac:spMkLst>
+            <pc:docMk/>
+            <pc:sldMk cId="513142751" sldId="270"/>
+            <ac:spMk id="7" creationId="{EFC1587C-8F74-E3DC-F17F-F5366CFFD7C1}"/>
+          </ac:spMkLst>
+        </pc:spChg>
+        <pc:spChg chg="add mod">
+          <ac:chgData name="witaya chaison" userId="aafc0013979b2c41" providerId="LiveId" clId="{4673E838-11EA-4A55-8BBF-B3A4662F01CE}" dt="2024-06-07T18:04:04.179" v="1416" actId="13926"/>
+          <ac:spMkLst>
+            <pc:docMk/>
+            <pc:sldMk cId="513142751" sldId="270"/>
+            <ac:spMk id="10" creationId="{83948E76-0450-E7C2-8D09-BD4D715BE304}"/>
+          </ac:spMkLst>
+        </pc:spChg>
+        <pc:picChg chg="add mod">
+          <ac:chgData name="witaya chaison" userId="aafc0013979b2c41" providerId="LiveId" clId="{4673E838-11EA-4A55-8BBF-B3A4662F01CE}" dt="2024-06-07T18:03:01.719" v="1388" actId="14100"/>
+          <ac:picMkLst>
+            <pc:docMk/>
+            <pc:sldMk cId="513142751" sldId="270"/>
+            <ac:picMk id="4" creationId="{35D28376-28D2-0DDB-3710-2F520D45E89F}"/>
+          </ac:picMkLst>
+        </pc:picChg>
+        <pc:picChg chg="add mod">
+          <ac:chgData name="witaya chaison" userId="aafc0013979b2c41" providerId="LiveId" clId="{4673E838-11EA-4A55-8BBF-B3A4662F01CE}" dt="2024-06-07T18:02:59.416" v="1386" actId="14100"/>
+          <ac:picMkLst>
+            <pc:docMk/>
+            <pc:sldMk cId="513142751" sldId="270"/>
+            <ac:picMk id="6" creationId="{2F33C1F3-6A8B-5120-EF1E-2AD3DC47E442}"/>
+          </ac:picMkLst>
+        </pc:picChg>
+        <pc:cxnChg chg="add">
+          <ac:chgData name="witaya chaison" userId="aafc0013979b2c41" providerId="LiveId" clId="{4673E838-11EA-4A55-8BBF-B3A4662F01CE}" dt="2024-06-07T18:03:36.376" v="1392" actId="11529"/>
+          <ac:cxnSpMkLst>
+            <pc:docMk/>
+            <pc:sldMk cId="513142751" sldId="270"/>
+            <ac:cxnSpMk id="9" creationId="{C814BD6B-8930-88DC-88E9-8B004ED1F642}"/>
+          </ac:cxnSpMkLst>
+        </pc:cxnChg>
       </pc:sldChg>
-      <pc:sldChg chg="add">
-        <pc:chgData name="witaya chaison" userId="aafc0013979b2c41" providerId="LiveId" clId="{4673E838-11EA-4A55-8BBF-B3A4662F01CE}" dt="2024-06-05T14:39:16.602" v="359"/>
+      <pc:sldChg chg="delSp add mod">
+        <pc:chgData name="witaya chaison" userId="aafc0013979b2c41" providerId="LiveId" clId="{4673E838-11EA-4A55-8BBF-B3A4662F01CE}" dt="2024-06-07T17:59:52.864" v="1378" actId="478"/>
         <pc:sldMkLst>
           <pc:docMk/>
           <pc:sldMk cId="2082009683" sldId="271"/>
         </pc:sldMkLst>
+        <pc:spChg chg="del">
+          <ac:chgData name="witaya chaison" userId="aafc0013979b2c41" providerId="LiveId" clId="{4673E838-11EA-4A55-8BBF-B3A4662F01CE}" dt="2024-06-07T17:59:52.864" v="1378" actId="478"/>
+          <ac:spMkLst>
+            <pc:docMk/>
+            <pc:sldMk cId="2082009683" sldId="271"/>
+            <ac:spMk id="2" creationId="{DD7CFE07-4E68-CBF7-C10C-D045039F26AE}"/>
+          </ac:spMkLst>
+        </pc:spChg>
       </pc:sldChg>
       <pc:sldChg chg="delSp modSp new mod">
         <pc:chgData name="witaya chaison" userId="aafc0013979b2c41" providerId="LiveId" clId="{4673E838-11EA-4A55-8BBF-B3A4662F01CE}" dt="2024-06-05T16:11:58.379" v="564" actId="20577"/>
@@ -576,6 +866,92 @@
             <ac:picMk id="5" creationId="{7E3679AB-A7EA-1EB3-B9FC-C89A4EB3384D}"/>
           </ac:picMkLst>
         </pc:picChg>
+      </pc:sldChg>
+      <pc:sldChg chg="add">
+        <pc:chgData name="witaya chaison" userId="aafc0013979b2c41" providerId="LiveId" clId="{4673E838-11EA-4A55-8BBF-B3A4662F01CE}" dt="2024-06-07T16:04:51.269" v="989"/>
+        <pc:sldMkLst>
+          <pc:docMk/>
+          <pc:sldMk cId="3820898648" sldId="274"/>
+        </pc:sldMkLst>
+      </pc:sldChg>
+      <pc:sldChg chg="add">
+        <pc:chgData name="witaya chaison" userId="aafc0013979b2c41" providerId="LiveId" clId="{4673E838-11EA-4A55-8BBF-B3A4662F01CE}" dt="2024-06-07T16:04:51.542" v="990"/>
+        <pc:sldMkLst>
+          <pc:docMk/>
+          <pc:sldMk cId="2667043164" sldId="275"/>
+        </pc:sldMkLst>
+      </pc:sldChg>
+      <pc:sldChg chg="addSp delSp modSp add mod ord">
+        <pc:chgData name="witaya chaison" userId="aafc0013979b2c41" providerId="LiveId" clId="{4673E838-11EA-4A55-8BBF-B3A4662F01CE}" dt="2024-06-07T17:46:27.965" v="1372" actId="1076"/>
+        <pc:sldMkLst>
+          <pc:docMk/>
+          <pc:sldMk cId="802651114" sldId="276"/>
+        </pc:sldMkLst>
+        <pc:spChg chg="del">
+          <ac:chgData name="witaya chaison" userId="aafc0013979b2c41" providerId="LiveId" clId="{4673E838-11EA-4A55-8BBF-B3A4662F01CE}" dt="2024-06-07T17:41:19.477" v="1369" actId="478"/>
+          <ac:spMkLst>
+            <pc:docMk/>
+            <pc:sldMk cId="802651114" sldId="276"/>
+            <ac:spMk id="2" creationId="{DD7CFE07-4E68-CBF7-C10C-D045039F26AE}"/>
+          </ac:spMkLst>
+        </pc:spChg>
+        <pc:picChg chg="add mod">
+          <ac:chgData name="witaya chaison" userId="aafc0013979b2c41" providerId="LiveId" clId="{4673E838-11EA-4A55-8BBF-B3A4662F01CE}" dt="2024-06-07T17:46:27.965" v="1372" actId="1076"/>
+          <ac:picMkLst>
+            <pc:docMk/>
+            <pc:sldMk cId="802651114" sldId="276"/>
+            <ac:picMk id="4" creationId="{D48F224C-FEC8-422E-CB37-3F9664543A0D}"/>
+          </ac:picMkLst>
+        </pc:picChg>
+      </pc:sldChg>
+      <pc:sldChg chg="add">
+        <pc:chgData name="witaya chaison" userId="aafc0013979b2c41" providerId="LiveId" clId="{4673E838-11EA-4A55-8BBF-B3A4662F01CE}" dt="2024-06-07T16:04:51.953" v="992"/>
+        <pc:sldMkLst>
+          <pc:docMk/>
+          <pc:sldMk cId="2106921742" sldId="277"/>
+        </pc:sldMkLst>
+      </pc:sldChg>
+      <pc:sldChg chg="add">
+        <pc:chgData name="witaya chaison" userId="aafc0013979b2c41" providerId="LiveId" clId="{4673E838-11EA-4A55-8BBF-B3A4662F01CE}" dt="2024-06-07T16:04:52.162" v="993"/>
+        <pc:sldMkLst>
+          <pc:docMk/>
+          <pc:sldMk cId="2062299482" sldId="278"/>
+        </pc:sldMkLst>
+      </pc:sldChg>
+      <pc:sldChg chg="add">
+        <pc:chgData name="witaya chaison" userId="aafc0013979b2c41" providerId="LiveId" clId="{4673E838-11EA-4A55-8BBF-B3A4662F01CE}" dt="2024-06-07T16:04:52.357" v="994"/>
+        <pc:sldMkLst>
+          <pc:docMk/>
+          <pc:sldMk cId="1221007331" sldId="279"/>
+        </pc:sldMkLst>
+      </pc:sldChg>
+      <pc:sldChg chg="add">
+        <pc:chgData name="witaya chaison" userId="aafc0013979b2c41" providerId="LiveId" clId="{4673E838-11EA-4A55-8BBF-B3A4662F01CE}" dt="2024-06-07T16:04:52.532" v="995"/>
+        <pc:sldMkLst>
+          <pc:docMk/>
+          <pc:sldMk cId="2532671508" sldId="280"/>
+        </pc:sldMkLst>
+      </pc:sldChg>
+      <pc:sldChg chg="add">
+        <pc:chgData name="witaya chaison" userId="aafc0013979b2c41" providerId="LiveId" clId="{4673E838-11EA-4A55-8BBF-B3A4662F01CE}" dt="2024-06-07T16:04:52.741" v="996"/>
+        <pc:sldMkLst>
+          <pc:docMk/>
+          <pc:sldMk cId="2104286461" sldId="281"/>
+        </pc:sldMkLst>
+      </pc:sldChg>
+      <pc:sldChg chg="add">
+        <pc:chgData name="witaya chaison" userId="aafc0013979b2c41" providerId="LiveId" clId="{4673E838-11EA-4A55-8BBF-B3A4662F01CE}" dt="2024-06-07T16:04:52.961" v="997"/>
+        <pc:sldMkLst>
+          <pc:docMk/>
+          <pc:sldMk cId="2013185265" sldId="282"/>
+        </pc:sldMkLst>
+      </pc:sldChg>
+      <pc:sldChg chg="add">
+        <pc:chgData name="witaya chaison" userId="aafc0013979b2c41" providerId="LiveId" clId="{4673E838-11EA-4A55-8BBF-B3A4662F01CE}" dt="2024-06-07T16:04:53.148" v="998"/>
+        <pc:sldMkLst>
+          <pc:docMk/>
+          <pc:sldMk cId="47034725" sldId="283"/>
+        </pc:sldMkLst>
       </pc:sldChg>
     </pc:docChg>
   </pc:docChgLst>
@@ -1081,7 +1457,7 @@
           <a:p>
             <a:fld id="{FF19641E-D5CE-4B13-8E10-D4C1496D4EDE}" type="datetimeFigureOut">
               <a:rPr lang="en-US" smtClean="0"/>
-              <a:t>6/5/2024</a:t>
+              <a:t>6/7/2024</a:t>
             </a:fld>
             <a:endParaRPr lang="en-US"/>
           </a:p>
@@ -1279,7 +1655,7 @@
           <a:p>
             <a:fld id="{FF19641E-D5CE-4B13-8E10-D4C1496D4EDE}" type="datetimeFigureOut">
               <a:rPr lang="en-US" smtClean="0"/>
-              <a:t>6/5/2024</a:t>
+              <a:t>6/7/2024</a:t>
             </a:fld>
             <a:endParaRPr lang="en-US"/>
           </a:p>
@@ -1487,7 +1863,7 @@
           <a:p>
             <a:fld id="{FF19641E-D5CE-4B13-8E10-D4C1496D4EDE}" type="datetimeFigureOut">
               <a:rPr lang="en-US" smtClean="0"/>
-              <a:t>6/5/2024</a:t>
+              <a:t>6/7/2024</a:t>
             </a:fld>
             <a:endParaRPr lang="en-US"/>
           </a:p>
@@ -1685,7 +2061,7 @@
           <a:p>
             <a:fld id="{FF19641E-D5CE-4B13-8E10-D4C1496D4EDE}" type="datetimeFigureOut">
               <a:rPr lang="en-US" smtClean="0"/>
-              <a:t>6/5/2024</a:t>
+              <a:t>6/7/2024</a:t>
             </a:fld>
             <a:endParaRPr lang="en-US"/>
           </a:p>
@@ -1960,7 +2336,7 @@
           <a:p>
             <a:fld id="{FF19641E-D5CE-4B13-8E10-D4C1496D4EDE}" type="datetimeFigureOut">
               <a:rPr lang="en-US" smtClean="0"/>
-              <a:t>6/5/2024</a:t>
+              <a:t>6/7/2024</a:t>
             </a:fld>
             <a:endParaRPr lang="en-US"/>
           </a:p>
@@ -2225,7 +2601,7 @@
           <a:p>
             <a:fld id="{FF19641E-D5CE-4B13-8E10-D4C1496D4EDE}" type="datetimeFigureOut">
               <a:rPr lang="en-US" smtClean="0"/>
-              <a:t>6/5/2024</a:t>
+              <a:t>6/7/2024</a:t>
             </a:fld>
             <a:endParaRPr lang="en-US"/>
           </a:p>
@@ -2637,7 +3013,7 @@
           <a:p>
             <a:fld id="{FF19641E-D5CE-4B13-8E10-D4C1496D4EDE}" type="datetimeFigureOut">
               <a:rPr lang="en-US" smtClean="0"/>
-              <a:t>6/5/2024</a:t>
+              <a:t>6/7/2024</a:t>
             </a:fld>
             <a:endParaRPr lang="en-US"/>
           </a:p>
@@ -2778,7 +3154,7 @@
           <a:p>
             <a:fld id="{FF19641E-D5CE-4B13-8E10-D4C1496D4EDE}" type="datetimeFigureOut">
               <a:rPr lang="en-US" smtClean="0"/>
-              <a:t>6/5/2024</a:t>
+              <a:t>6/7/2024</a:t>
             </a:fld>
             <a:endParaRPr lang="en-US"/>
           </a:p>
@@ -2891,7 +3267,7 @@
           <a:p>
             <a:fld id="{FF19641E-D5CE-4B13-8E10-D4C1496D4EDE}" type="datetimeFigureOut">
               <a:rPr lang="en-US" smtClean="0"/>
-              <a:t>6/5/2024</a:t>
+              <a:t>6/7/2024</a:t>
             </a:fld>
             <a:endParaRPr lang="en-US"/>
           </a:p>
@@ -3202,7 +3578,7 @@
           <a:p>
             <a:fld id="{FF19641E-D5CE-4B13-8E10-D4C1496D4EDE}" type="datetimeFigureOut">
               <a:rPr lang="en-US" smtClean="0"/>
-              <a:t>6/5/2024</a:t>
+              <a:t>6/7/2024</a:t>
             </a:fld>
             <a:endParaRPr lang="en-US"/>
           </a:p>
@@ -3490,7 +3866,7 @@
           <a:p>
             <a:fld id="{FF19641E-D5CE-4B13-8E10-D4C1496D4EDE}" type="datetimeFigureOut">
               <a:rPr lang="en-US" smtClean="0"/>
-              <a:t>6/5/2024</a:t>
+              <a:t>6/7/2024</a:t>
             </a:fld>
             <a:endParaRPr lang="en-US"/>
           </a:p>
@@ -3731,7 +4107,7 @@
           <a:p>
             <a:fld id="{FF19641E-D5CE-4B13-8E10-D4C1496D4EDE}" type="datetimeFigureOut">
               <a:rPr lang="en-US" smtClean="0"/>
-              <a:t>6/5/2024</a:t>
+              <a:t>6/7/2024</a:t>
             </a:fld>
             <a:endParaRPr lang="en-US"/>
           </a:p>
@@ -4505,295 +4881,12 @@
           <a:chExt cx="0" cy="0"/>
         </a:xfrm>
       </p:grpSpPr>
-      <p:sp>
-        <p:nvSpPr>
-          <p:cNvPr id="2" name="TextBox 1">
-            <a:extLst>
-              <a:ext uri="{FF2B5EF4-FFF2-40B4-BE49-F238E27FC236}">
-                <a16:creationId xmlns:a16="http://schemas.microsoft.com/office/drawing/2014/main" id="{DD7CFE07-4E68-CBF7-C10C-D045039F26AE}"/>
-              </a:ext>
-            </a:extLst>
-          </p:cNvPr>
-          <p:cNvSpPr txBox="1"/>
-          <p:nvPr/>
-        </p:nvSpPr>
-        <p:spPr>
-          <a:xfrm>
-            <a:off x="402336" y="594360"/>
-            <a:ext cx="1290738" cy="369332"/>
-          </a:xfrm>
-          <a:prstGeom prst="rect">
-            <a:avLst/>
-          </a:prstGeom>
-          <a:noFill/>
-        </p:spPr>
-        <p:txBody>
-          <a:bodyPr wrap="none" rtlCol="0">
-            <a:spAutoFit/>
-          </a:bodyPr>
-          <a:lstStyle/>
-          <a:p>
-            <a:r>
-              <a:rPr lang="th-TH" dirty="0"/>
-              <a:t>การใช้งานรูปภาพ</a:t>
-            </a:r>
-            <a:endParaRPr lang="en-US" dirty="0"/>
-          </a:p>
-        </p:txBody>
-      </p:sp>
-      <p:sp>
-        <p:nvSpPr>
-          <p:cNvPr id="3" name="TextBox 2">
-            <a:extLst>
-              <a:ext uri="{FF2B5EF4-FFF2-40B4-BE49-F238E27FC236}">
-                <a16:creationId xmlns:a16="http://schemas.microsoft.com/office/drawing/2014/main" id="{BAC4F7C0-05DE-A3DC-26E5-D90FB73449AF}"/>
-              </a:ext>
-            </a:extLst>
-          </p:cNvPr>
-          <p:cNvSpPr txBox="1"/>
-          <p:nvPr/>
-        </p:nvSpPr>
-        <p:spPr>
-          <a:xfrm>
-            <a:off x="402336" y="1088136"/>
-            <a:ext cx="8460971" cy="1908215"/>
-          </a:xfrm>
-          <a:prstGeom prst="rect">
-            <a:avLst/>
-          </a:prstGeom>
-          <a:noFill/>
-        </p:spPr>
-        <p:txBody>
-          <a:bodyPr wrap="none" rtlCol="0">
-            <a:spAutoFit/>
-          </a:bodyPr>
-          <a:lstStyle/>
-          <a:p>
-            <a:r>
-              <a:rPr lang="en-US" sz="2000" b="1" dirty="0">
-                <a:solidFill>
-                  <a:srgbClr val="FF0000"/>
-                </a:solidFill>
-                <a:cs typeface="+mj-cs"/>
-              </a:rPr>
-              <a:t>-</a:t>
-            </a:r>
-            <a:r>
-              <a:rPr lang="th-TH" sz="2000" b="1" dirty="0">
-                <a:solidFill>
-                  <a:srgbClr val="FF0000"/>
-                </a:solidFill>
-                <a:cs typeface="+mj-cs"/>
-              </a:rPr>
-              <a:t>      มี </a:t>
-            </a:r>
-            <a:r>
-              <a:rPr lang="en-US" sz="2000" b="1" dirty="0">
-                <a:solidFill>
-                  <a:srgbClr val="FF0000"/>
-                </a:solidFill>
-                <a:cs typeface="+mj-cs"/>
-              </a:rPr>
-              <a:t>static URL </a:t>
-            </a:r>
-            <a:r>
-              <a:rPr lang="th-TH" sz="2000" b="1" dirty="0">
-                <a:solidFill>
-                  <a:srgbClr val="FF0000"/>
-                </a:solidFill>
-                <a:cs typeface="+mj-cs"/>
-              </a:rPr>
-              <a:t>ไหม</a:t>
-            </a:r>
-          </a:p>
-          <a:p>
-            <a:r>
-              <a:rPr lang="en-US" sz="2000" b="1" dirty="0">
-                <a:solidFill>
-                  <a:srgbClr val="FF0000"/>
-                </a:solidFill>
-                <a:cs typeface="+mj-cs"/>
-              </a:rPr>
-              <a:t>-</a:t>
-            </a:r>
-            <a:r>
-              <a:rPr lang="en-US" sz="2000" b="1" dirty="0">
-                <a:solidFill>
-                  <a:srgbClr val="FF0000"/>
-                </a:solidFill>
-                <a:effectLst/>
-                <a:latin typeface="Fira Code Retina" panose="020F0502020204030204" pitchFamily="49" charset="0"/>
-                <a:cs typeface="+mj-cs"/>
-              </a:rPr>
-              <a:t> '</a:t>
-            </a:r>
-            <a:r>
-              <a:rPr lang="en-US" sz="2000" b="1" dirty="0" err="1">
-                <a:solidFill>
-                  <a:srgbClr val="FF0000"/>
-                </a:solidFill>
-                <a:effectLst/>
-                <a:latin typeface="Fira Code Retina" panose="020F0502020204030204" pitchFamily="49" charset="0"/>
-                <a:cs typeface="+mj-cs"/>
-              </a:rPr>
-              <a:t>django.contrib.staticfiles</a:t>
-            </a:r>
-            <a:r>
-              <a:rPr lang="en-US" sz="2000" b="1" dirty="0">
-                <a:solidFill>
-                  <a:srgbClr val="FF0000"/>
-                </a:solidFill>
-                <a:effectLst/>
-                <a:latin typeface="Fira Code Retina" panose="020F0502020204030204" pitchFamily="49" charset="0"/>
-                <a:cs typeface="+mj-cs"/>
-              </a:rPr>
-              <a:t>’</a:t>
-            </a:r>
-            <a:r>
-              <a:rPr lang="en-US" sz="2000" b="1" dirty="0">
-                <a:solidFill>
-                  <a:srgbClr val="FF0000"/>
-                </a:solidFill>
-                <a:latin typeface="Fira Code Retina" panose="020F0502020204030204" pitchFamily="49" charset="0"/>
-                <a:cs typeface="+mj-cs"/>
-              </a:rPr>
-              <a:t> </a:t>
-            </a:r>
-            <a:r>
-              <a:rPr lang="th-TH" sz="2000" b="1" dirty="0">
-                <a:solidFill>
-                  <a:srgbClr val="FF0000"/>
-                </a:solidFill>
-                <a:latin typeface="Fira Code Retina" panose="020F0502020204030204" pitchFamily="49" charset="0"/>
-                <a:cs typeface="+mj-cs"/>
-              </a:rPr>
-              <a:t>ไหม</a:t>
-            </a:r>
-          </a:p>
-          <a:p>
-            <a:r>
-              <a:rPr lang="en-US" sz="2000" b="1" dirty="0">
-                <a:solidFill>
-                  <a:srgbClr val="FF0000"/>
-                </a:solidFill>
-                <a:latin typeface="Fira Code Retina" panose="020F0502020204030204" pitchFamily="49" charset="0"/>
-                <a:cs typeface="+mj-cs"/>
-              </a:rPr>
-              <a:t>- use { % load static % }</a:t>
-            </a:r>
-          </a:p>
-          <a:p>
-            <a:r>
-              <a:rPr lang="en-US" sz="2000" b="1" dirty="0">
-                <a:solidFill>
-                  <a:srgbClr val="FF0000"/>
-                </a:solidFill>
-                <a:effectLst/>
-                <a:latin typeface="Fira Code Retina" panose="020F0502020204030204" pitchFamily="49" charset="0"/>
-                <a:cs typeface="+mj-cs"/>
-              </a:rPr>
-              <a:t>- </a:t>
-            </a:r>
-            <a:r>
-              <a:rPr lang="th-TH" sz="2000" b="1" dirty="0">
-                <a:solidFill>
-                  <a:srgbClr val="FF0000"/>
-                </a:solidFill>
-                <a:effectLst/>
-                <a:latin typeface="Fira Code Retina" panose="020F0502020204030204" pitchFamily="49" charset="0"/>
-                <a:cs typeface="+mj-cs"/>
-              </a:rPr>
-              <a:t>สร้า</a:t>
-            </a:r>
-            <a:r>
-              <a:rPr lang="th-TH" sz="2000" b="1" dirty="0">
-                <a:solidFill>
-                  <a:srgbClr val="FF0000"/>
-                </a:solidFill>
-                <a:latin typeface="Fira Code Retina" panose="020F0502020204030204" pitchFamily="49" charset="0"/>
-                <a:cs typeface="+mj-cs"/>
-              </a:rPr>
-              <a:t>ง </a:t>
-            </a:r>
-            <a:r>
-              <a:rPr lang="en-US" sz="2000" b="1" dirty="0">
-                <a:solidFill>
-                  <a:srgbClr val="FF0000"/>
-                </a:solidFill>
-                <a:latin typeface="Fira Code Retina" panose="020F0502020204030204" pitchFamily="49" charset="0"/>
-                <a:cs typeface="+mj-cs"/>
-              </a:rPr>
-              <a:t>Folder static  </a:t>
-            </a:r>
-            <a:r>
-              <a:rPr lang="th-TH" sz="2000" b="1" dirty="0">
-                <a:solidFill>
-                  <a:srgbClr val="FF0000"/>
-                </a:solidFill>
-                <a:latin typeface="Fira Code Retina" panose="020F0502020204030204" pitchFamily="49" charset="0"/>
-                <a:cs typeface="+mj-cs"/>
-              </a:rPr>
-              <a:t>ใน </a:t>
-            </a:r>
-            <a:r>
-              <a:rPr lang="en-US" sz="2000" b="1" dirty="0">
-                <a:solidFill>
-                  <a:srgbClr val="FF0000"/>
-                </a:solidFill>
-                <a:latin typeface="Fira Code Retina" panose="020F0502020204030204" pitchFamily="49" charset="0"/>
-                <a:cs typeface="+mj-cs"/>
-              </a:rPr>
-              <a:t>app </a:t>
-            </a:r>
-            <a:r>
-              <a:rPr lang="th-TH" sz="2000" b="1" dirty="0">
-                <a:solidFill>
-                  <a:srgbClr val="FF0000"/>
-                </a:solidFill>
-                <a:latin typeface="Fira Code Retina" panose="020F0502020204030204" pitchFamily="49" charset="0"/>
-                <a:cs typeface="+mj-cs"/>
-              </a:rPr>
-              <a:t>หรือข้างนอก</a:t>
-            </a:r>
-            <a:r>
-              <a:rPr lang="en-US" sz="2000" b="1" dirty="0">
-                <a:solidFill>
-                  <a:srgbClr val="FF0000"/>
-                </a:solidFill>
-                <a:latin typeface="Fira Code Retina" panose="020F0502020204030204" pitchFamily="49" charset="0"/>
-                <a:cs typeface="+mj-cs"/>
-              </a:rPr>
-              <a:t>   static/image/logo.png</a:t>
-            </a:r>
-            <a:endParaRPr lang="th-TH" sz="2000" b="1" dirty="0">
-              <a:solidFill>
-                <a:srgbClr val="FF0000"/>
-              </a:solidFill>
-              <a:latin typeface="Fira Code Retina" panose="020F0502020204030204" pitchFamily="49" charset="0"/>
-              <a:cs typeface="+mj-cs"/>
-            </a:endParaRPr>
-          </a:p>
-          <a:p>
-            <a:endParaRPr lang="en-US" sz="2000" b="1" dirty="0">
-              <a:solidFill>
-                <a:srgbClr val="FF0000"/>
-              </a:solidFill>
-              <a:effectLst/>
-              <a:latin typeface="Fira Code Retina" panose="020F0502020204030204" pitchFamily="49" charset="0"/>
-              <a:cs typeface="+mj-cs"/>
-            </a:endParaRPr>
-          </a:p>
-          <a:p>
-            <a:endParaRPr lang="en-US" dirty="0"/>
-          </a:p>
-        </p:txBody>
-      </p:sp>
       <p:pic>
         <p:nvPicPr>
-          <p:cNvPr id="5" name="Picture 4">
-            <a:extLst>
-              <a:ext uri="{FF2B5EF4-FFF2-40B4-BE49-F238E27FC236}">
-                <a16:creationId xmlns:a16="http://schemas.microsoft.com/office/drawing/2014/main" id="{1210F65D-598E-58F1-5041-0A0E8A1A29B1}"/>
+          <p:cNvPr id="3" name="Picture 2">
+            <a:extLst>
+              <a:ext uri="{FF2B5EF4-FFF2-40B4-BE49-F238E27FC236}">
+                <a16:creationId xmlns:a16="http://schemas.microsoft.com/office/drawing/2014/main" id="{947A38C8-AB33-3762-9C68-87F93FA09BFA}"/>
               </a:ext>
             </a:extLst>
           </p:cNvPr>
@@ -4810,8 +4903,8 @@
         </p:blipFill>
         <p:spPr>
           <a:xfrm>
-            <a:off x="616720" y="2480780"/>
-            <a:ext cx="4429743" cy="1457528"/>
+            <a:off x="838231" y="352346"/>
+            <a:ext cx="5010849" cy="1124107"/>
           </a:xfrm>
           <a:prstGeom prst="rect">
             <a:avLst/>
@@ -4820,10 +4913,10 @@
       </p:pic>
       <p:pic>
         <p:nvPicPr>
-          <p:cNvPr id="7" name="Picture 6">
-            <a:extLst>
-              <a:ext uri="{FF2B5EF4-FFF2-40B4-BE49-F238E27FC236}">
-                <a16:creationId xmlns:a16="http://schemas.microsoft.com/office/drawing/2014/main" id="{A26D3A36-3935-10CB-8F30-EB2DD2C9831A}"/>
+          <p:cNvPr id="5" name="Picture 4">
+            <a:extLst>
+              <a:ext uri="{FF2B5EF4-FFF2-40B4-BE49-F238E27FC236}">
+                <a16:creationId xmlns:a16="http://schemas.microsoft.com/office/drawing/2014/main" id="{71E8C18B-FB7A-E7C3-CE23-BEC70E242D52}"/>
               </a:ext>
             </a:extLst>
           </p:cNvPr>
@@ -4840,98 +4933,8 @@
         </p:blipFill>
         <p:spPr>
           <a:xfrm>
-            <a:off x="8364459" y="499389"/>
-            <a:ext cx="3324051" cy="1664390"/>
-          </a:xfrm>
-          <a:prstGeom prst="rect">
-            <a:avLst/>
-          </a:prstGeom>
-        </p:spPr>
-      </p:pic>
-      <p:pic>
-        <p:nvPicPr>
-          <p:cNvPr id="9" name="Picture 8">
-            <a:extLst>
-              <a:ext uri="{FF2B5EF4-FFF2-40B4-BE49-F238E27FC236}">
-                <a16:creationId xmlns:a16="http://schemas.microsoft.com/office/drawing/2014/main" id="{563057E3-96C8-38D1-2C2D-E1D8234EFC35}"/>
-              </a:ext>
-            </a:extLst>
-          </p:cNvPr>
-          <p:cNvPicPr>
-            <a:picLocks noChangeAspect="1"/>
-          </p:cNvPicPr>
-          <p:nvPr/>
-        </p:nvPicPr>
-        <p:blipFill>
-          <a:blip r:embed="rId4"/>
-          <a:stretch>
-            <a:fillRect/>
-          </a:stretch>
-        </p:blipFill>
-        <p:spPr>
-          <a:xfrm>
-            <a:off x="256033" y="4315842"/>
-            <a:ext cx="5477256" cy="1975883"/>
-          </a:xfrm>
-          <a:prstGeom prst="rect">
-            <a:avLst/>
-          </a:prstGeom>
-        </p:spPr>
-      </p:pic>
-      <p:pic>
-        <p:nvPicPr>
-          <p:cNvPr id="11" name="Picture 10">
-            <a:extLst>
-              <a:ext uri="{FF2B5EF4-FFF2-40B4-BE49-F238E27FC236}">
-                <a16:creationId xmlns:a16="http://schemas.microsoft.com/office/drawing/2014/main" id="{02985491-05B1-8FE4-1E1E-9CF7D65A64AB}"/>
-              </a:ext>
-            </a:extLst>
-          </p:cNvPr>
-          <p:cNvPicPr>
-            <a:picLocks noChangeAspect="1"/>
-          </p:cNvPicPr>
-          <p:nvPr/>
-        </p:nvPicPr>
-        <p:blipFill>
-          <a:blip r:embed="rId5"/>
-          <a:stretch>
-            <a:fillRect/>
-          </a:stretch>
-        </p:blipFill>
-        <p:spPr>
-          <a:xfrm>
-            <a:off x="7278403" y="2411796"/>
-            <a:ext cx="3712685" cy="1975883"/>
-          </a:xfrm>
-          <a:prstGeom prst="rect">
-            <a:avLst/>
-          </a:prstGeom>
-        </p:spPr>
-      </p:pic>
-      <p:pic>
-        <p:nvPicPr>
-          <p:cNvPr id="13" name="Picture 12">
-            <a:extLst>
-              <a:ext uri="{FF2B5EF4-FFF2-40B4-BE49-F238E27FC236}">
-                <a16:creationId xmlns:a16="http://schemas.microsoft.com/office/drawing/2014/main" id="{FC01D95D-5E3C-B4C1-EFD9-449FE99202EA}"/>
-              </a:ext>
-            </a:extLst>
-          </p:cNvPr>
-          <p:cNvPicPr>
-            <a:picLocks noChangeAspect="1"/>
-          </p:cNvPicPr>
-          <p:nvPr/>
-        </p:nvPicPr>
-        <p:blipFill>
-          <a:blip r:embed="rId6"/>
-          <a:stretch>
-            <a:fillRect/>
-          </a:stretch>
-        </p:blipFill>
-        <p:spPr>
-          <a:xfrm>
-            <a:off x="7345680" y="4610461"/>
-            <a:ext cx="3712685" cy="1386644"/>
+            <a:off x="838231" y="1476453"/>
+            <a:ext cx="10698068" cy="3000794"/>
           </a:xfrm>
           <a:prstGeom prst="rect">
             <a:avLst/>
@@ -4941,7 +4944,7 @@
     </p:spTree>
     <p:extLst>
       <p:ext uri="{BB962C8B-B14F-4D97-AF65-F5344CB8AC3E}">
-        <p14:creationId xmlns:p14="http://schemas.microsoft.com/office/powerpoint/2010/main" val="2410297165"/>
+        <p14:creationId xmlns:p14="http://schemas.microsoft.com/office/powerpoint/2010/main" val="1486535379"/>
       </p:ext>
     </p:extLst>
   </p:cSld>
@@ -4968,12 +4971,192 @@
           <a:chExt cx="0" cy="0"/>
         </a:xfrm>
       </p:grpSpPr>
+      <p:sp>
+        <p:nvSpPr>
+          <p:cNvPr id="2" name="TextBox 1">
+            <a:extLst>
+              <a:ext uri="{FF2B5EF4-FFF2-40B4-BE49-F238E27FC236}">
+                <a16:creationId xmlns:a16="http://schemas.microsoft.com/office/drawing/2014/main" id="{735589B2-FBEE-FEAB-473F-ABC55DE543F3}"/>
+              </a:ext>
+            </a:extLst>
+          </p:cNvPr>
+          <p:cNvSpPr txBox="1"/>
+          <p:nvPr/>
+        </p:nvSpPr>
+        <p:spPr>
+          <a:xfrm>
+            <a:off x="402336" y="1005840"/>
+            <a:ext cx="9674352" cy="1200329"/>
+          </a:xfrm>
+          <a:prstGeom prst="rect">
+            <a:avLst/>
+          </a:prstGeom>
+          <a:noFill/>
+        </p:spPr>
+        <p:txBody>
+          <a:bodyPr wrap="square" rtlCol="0">
+            <a:spAutoFit/>
+          </a:bodyPr>
+          <a:lstStyle/>
+          <a:p>
+            <a:r>
+              <a:rPr lang="en-US" dirty="0"/>
+              <a:t> 1.install </a:t>
+            </a:r>
+            <a:r>
+              <a:rPr lang="en-US" dirty="0" err="1"/>
+              <a:t>sw</a:t>
+            </a:r>
+            <a:r>
+              <a:rPr lang="en-US" dirty="0"/>
+              <a:t> </a:t>
+            </a:r>
+            <a:r>
+              <a:rPr lang="en-US" dirty="0" err="1"/>
+              <a:t>ngrok</a:t>
+            </a:r>
+            <a:endParaRPr lang="en-US" dirty="0"/>
+          </a:p>
+          <a:p>
+            <a:r>
+              <a:rPr lang="en-US" dirty="0"/>
+              <a:t>2.</a:t>
+            </a:r>
+            <a:r>
+              <a:rPr lang="th-TH" dirty="0"/>
+              <a:t>การใช่งาน </a:t>
+            </a:r>
+            <a:r>
+              <a:rPr lang="en-US" dirty="0" err="1"/>
+              <a:t>Ngrok</a:t>
+            </a:r>
+            <a:r>
+              <a:rPr lang="en-US" dirty="0"/>
+              <a:t>  forwards with </a:t>
+            </a:r>
+            <a:r>
+              <a:rPr lang="en-US" dirty="0" err="1"/>
+              <a:t>Ngrok</a:t>
+            </a:r>
+            <a:r>
+              <a:rPr lang="en-US" dirty="0"/>
+              <a:t> use our computer is server</a:t>
+            </a:r>
+          </a:p>
+          <a:p>
+            <a:r>
+              <a:rPr lang="en-US" dirty="0"/>
+              <a:t>  </a:t>
+            </a:r>
+            <a:r>
+              <a:rPr lang="en-US" dirty="0" err="1"/>
+              <a:t>ngrok</a:t>
+            </a:r>
+            <a:r>
+              <a:rPr lang="en-US" dirty="0"/>
+              <a:t> http 8000 </a:t>
+            </a:r>
+            <a:r>
+              <a:rPr lang="th-TH" dirty="0"/>
+              <a:t> </a:t>
+            </a:r>
+            <a:r>
+              <a:rPr lang="en-US" dirty="0"/>
+              <a:t>or . \</a:t>
+            </a:r>
+            <a:r>
+              <a:rPr lang="en-US" dirty="0" err="1"/>
+              <a:t>ngrok</a:t>
+            </a:r>
+            <a:r>
+              <a:rPr lang="en-US" dirty="0"/>
+              <a:t> http 8000</a:t>
+            </a:r>
+          </a:p>
+          <a:p>
+            <a:r>
+              <a:rPr lang="en-US" dirty="0"/>
+              <a:t>3.Click link</a:t>
+            </a:r>
+          </a:p>
+        </p:txBody>
+      </p:sp>
+      <p:sp>
+        <p:nvSpPr>
+          <p:cNvPr id="4" name="TextBox 3">
+            <a:extLst>
+              <a:ext uri="{FF2B5EF4-FFF2-40B4-BE49-F238E27FC236}">
+                <a16:creationId xmlns:a16="http://schemas.microsoft.com/office/drawing/2014/main" id="{66EF3B80-4300-456E-2AB3-038BB6D2B8BF}"/>
+              </a:ext>
+            </a:extLst>
+          </p:cNvPr>
+          <p:cNvSpPr txBox="1"/>
+          <p:nvPr/>
+        </p:nvSpPr>
+        <p:spPr>
+          <a:xfrm>
+            <a:off x="402336" y="280339"/>
+            <a:ext cx="8931402" cy="369332"/>
+          </a:xfrm>
+          <a:prstGeom prst="rect">
+            <a:avLst/>
+          </a:prstGeom>
+          <a:noFill/>
+        </p:spPr>
+        <p:txBody>
+          <a:bodyPr wrap="square">
+            <a:spAutoFit/>
+          </a:bodyPr>
+          <a:lstStyle/>
+          <a:p>
+            <a:r>
+              <a:rPr lang="en-US" dirty="0"/>
+              <a:t>https://github.com/UncleEngineer/WhoIsUncle/blob/main/home.html</a:t>
+            </a:r>
+          </a:p>
+        </p:txBody>
+      </p:sp>
+      <p:sp>
+        <p:nvSpPr>
+          <p:cNvPr id="6" name="TextBox 5">
+            <a:extLst>
+              <a:ext uri="{FF2B5EF4-FFF2-40B4-BE49-F238E27FC236}">
+                <a16:creationId xmlns:a16="http://schemas.microsoft.com/office/drawing/2014/main" id="{F67C1E07-DFF9-E43E-4AAB-98367DFA54EB}"/>
+              </a:ext>
+            </a:extLst>
+          </p:cNvPr>
+          <p:cNvSpPr txBox="1"/>
+          <p:nvPr/>
+        </p:nvSpPr>
+        <p:spPr>
+          <a:xfrm>
+            <a:off x="806958" y="2896862"/>
+            <a:ext cx="6094476" cy="369332"/>
+          </a:xfrm>
+          <a:prstGeom prst="rect">
+            <a:avLst/>
+          </a:prstGeom>
+          <a:noFill/>
+        </p:spPr>
+        <p:txBody>
+          <a:bodyPr wrap="square">
+            <a:spAutoFit/>
+          </a:bodyPr>
+          <a:lstStyle/>
+          <a:p>
+            <a:r>
+              <a:rPr lang="en-US" dirty="0"/>
+              <a:t>https://dashboard.ngrok.com/get-started/your-authtoken</a:t>
+            </a:r>
+          </a:p>
+        </p:txBody>
+      </p:sp>
       <p:pic>
         <p:nvPicPr>
-          <p:cNvPr id="3" name="Picture 2">
-            <a:extLst>
-              <a:ext uri="{FF2B5EF4-FFF2-40B4-BE49-F238E27FC236}">
-                <a16:creationId xmlns:a16="http://schemas.microsoft.com/office/drawing/2014/main" id="{298549E9-FCEA-F1B7-419D-649BEC07D471}"/>
+          <p:cNvPr id="8" name="Picture 7">
+            <a:extLst>
+              <a:ext uri="{FF2B5EF4-FFF2-40B4-BE49-F238E27FC236}">
+                <a16:creationId xmlns:a16="http://schemas.microsoft.com/office/drawing/2014/main" id="{EBAC8E6A-3BE6-77BC-DD59-E770378AD9D2}"/>
               </a:ext>
             </a:extLst>
           </p:cNvPr>
@@ -4990,160 +5173,20 @@
         </p:blipFill>
         <p:spPr>
           <a:xfrm>
-            <a:off x="409180" y="3073913"/>
-            <a:ext cx="9836529" cy="2695951"/>
+            <a:off x="536448" y="3516092"/>
+            <a:ext cx="11119104" cy="1135740"/>
           </a:xfrm>
           <a:prstGeom prst="rect">
             <a:avLst/>
           </a:prstGeom>
         </p:spPr>
       </p:pic>
-      <p:pic>
-        <p:nvPicPr>
-          <p:cNvPr id="5" name="Picture 4">
-            <a:extLst>
-              <a:ext uri="{FF2B5EF4-FFF2-40B4-BE49-F238E27FC236}">
-                <a16:creationId xmlns:a16="http://schemas.microsoft.com/office/drawing/2014/main" id="{65D8E01E-054F-DFD1-E4DD-3D17A9C46AD0}"/>
-              </a:ext>
-            </a:extLst>
-          </p:cNvPr>
-          <p:cNvPicPr>
-            <a:picLocks noChangeAspect="1"/>
-          </p:cNvPicPr>
-          <p:nvPr/>
-        </p:nvPicPr>
-        <p:blipFill>
-          <a:blip r:embed="rId3"/>
-          <a:stretch>
-            <a:fillRect/>
-          </a:stretch>
-        </p:blipFill>
-        <p:spPr>
-          <a:xfrm>
-            <a:off x="409180" y="196054"/>
-            <a:ext cx="8392696" cy="3232946"/>
-          </a:xfrm>
-          <a:prstGeom prst="rect">
-            <a:avLst/>
-          </a:prstGeom>
-        </p:spPr>
-      </p:pic>
-      <p:cxnSp>
-        <p:nvCxnSpPr>
-          <p:cNvPr id="7" name="Straight Arrow Connector 6">
-            <a:extLst>
-              <a:ext uri="{FF2B5EF4-FFF2-40B4-BE49-F238E27FC236}">
-                <a16:creationId xmlns:a16="http://schemas.microsoft.com/office/drawing/2014/main" id="{0E8BFB93-C1DB-0A02-FF48-169704E87744}"/>
-              </a:ext>
-            </a:extLst>
-          </p:cNvPr>
-          <p:cNvCxnSpPr>
-            <a:cxnSpLocks/>
-          </p:cNvCxnSpPr>
-          <p:nvPr/>
-        </p:nvCxnSpPr>
-        <p:spPr>
-          <a:xfrm>
-            <a:off x="3489500" y="329184"/>
-            <a:ext cx="2719276" cy="4498848"/>
-          </a:xfrm>
-          <a:prstGeom prst="straightConnector1">
-            <a:avLst/>
-          </a:prstGeom>
-          <a:ln>
-            <a:tailEnd type="triangle"/>
-          </a:ln>
-        </p:spPr>
-        <p:style>
-          <a:lnRef idx="1">
-            <a:schemeClr val="accent1"/>
-          </a:lnRef>
-          <a:fillRef idx="0">
-            <a:schemeClr val="accent1"/>
-          </a:fillRef>
-          <a:effectRef idx="0">
-            <a:schemeClr val="accent1"/>
-          </a:effectRef>
-          <a:fontRef idx="minor">
-            <a:schemeClr val="tx1"/>
-          </a:fontRef>
-        </p:style>
-      </p:cxnSp>
-      <p:pic>
-        <p:nvPicPr>
-          <p:cNvPr id="11" name="Picture 10">
-            <a:extLst>
-              <a:ext uri="{FF2B5EF4-FFF2-40B4-BE49-F238E27FC236}">
-                <a16:creationId xmlns:a16="http://schemas.microsoft.com/office/drawing/2014/main" id="{03AF2305-5545-BA9A-BD17-42DEB7BBB68A}"/>
-              </a:ext>
-            </a:extLst>
-          </p:cNvPr>
-          <p:cNvPicPr>
-            <a:picLocks noChangeAspect="1"/>
-          </p:cNvPicPr>
-          <p:nvPr/>
-        </p:nvPicPr>
-        <p:blipFill>
-          <a:blip r:embed="rId4"/>
-          <a:stretch>
-            <a:fillRect/>
-          </a:stretch>
-        </p:blipFill>
-        <p:spPr>
-          <a:xfrm>
-            <a:off x="7534656" y="1309464"/>
-            <a:ext cx="4766345" cy="2119536"/>
-          </a:xfrm>
-          <a:prstGeom prst="rect">
-            <a:avLst/>
-          </a:prstGeom>
-        </p:spPr>
-      </p:pic>
-      <p:cxnSp>
-        <p:nvCxnSpPr>
-          <p:cNvPr id="13" name="Straight Arrow Connector 12">
-            <a:extLst>
-              <a:ext uri="{FF2B5EF4-FFF2-40B4-BE49-F238E27FC236}">
-                <a16:creationId xmlns:a16="http://schemas.microsoft.com/office/drawing/2014/main" id="{4DD9A47B-4BDA-1C35-D678-8B3C5D4384A5}"/>
-              </a:ext>
-            </a:extLst>
-          </p:cNvPr>
-          <p:cNvCxnSpPr/>
-          <p:nvPr/>
-        </p:nvCxnSpPr>
-        <p:spPr>
-          <a:xfrm>
-            <a:off x="1042416" y="1088136"/>
-            <a:ext cx="6903720" cy="795528"/>
-          </a:xfrm>
-          <a:prstGeom prst="straightConnector1">
-            <a:avLst/>
-          </a:prstGeom>
-          <a:ln>
-            <a:tailEnd type="triangle"/>
-          </a:ln>
-        </p:spPr>
-        <p:style>
-          <a:lnRef idx="1">
-            <a:schemeClr val="accent1"/>
-          </a:lnRef>
-          <a:fillRef idx="0">
-            <a:schemeClr val="accent1"/>
-          </a:fillRef>
-          <a:effectRef idx="0">
-            <a:schemeClr val="accent1"/>
-          </a:effectRef>
-          <a:fontRef idx="minor">
-            <a:schemeClr val="tx1"/>
-          </a:fontRef>
-        </p:style>
-      </p:cxnSp>
-      <p:sp>
-        <p:nvSpPr>
-          <p:cNvPr id="16" name="TextBox 15">
-            <a:extLst>
-              <a:ext uri="{FF2B5EF4-FFF2-40B4-BE49-F238E27FC236}">
-                <a16:creationId xmlns:a16="http://schemas.microsoft.com/office/drawing/2014/main" id="{88385E47-C6D7-97CA-DF5E-EE72367F0623}"/>
+      <p:sp>
+        <p:nvSpPr>
+          <p:cNvPr id="10" name="TextBox 9">
+            <a:extLst>
+              <a:ext uri="{FF2B5EF4-FFF2-40B4-BE49-F238E27FC236}">
+                <a16:creationId xmlns:a16="http://schemas.microsoft.com/office/drawing/2014/main" id="{DF7B8BA7-DF84-79A3-CBBC-96E2C232620D}"/>
               </a:ext>
             </a:extLst>
           </p:cNvPr>
@@ -5152,8 +5195,8 @@
         </p:nvSpPr>
         <p:spPr>
           <a:xfrm>
-            <a:off x="969264" y="6272784"/>
-            <a:ext cx="1666354" cy="369332"/>
+            <a:off x="806958" y="4921804"/>
+            <a:ext cx="6094476" cy="369332"/>
           </a:xfrm>
           <a:prstGeom prst="rect">
             <a:avLst/>
@@ -5161,22 +5204,14 @@
           <a:noFill/>
         </p:spPr>
         <p:txBody>
-          <a:bodyPr wrap="none" rtlCol="0">
+          <a:bodyPr wrap="square">
             <a:spAutoFit/>
           </a:bodyPr>
           <a:lstStyle/>
           <a:p>
             <a:r>
               <a:rPr lang="en-US" dirty="0"/>
-              <a:t>Favicon , </a:t>
-            </a:r>
-            <a:r>
-              <a:rPr lang="en-US" dirty="0" err="1"/>
-              <a:t>ico</a:t>
-            </a:r>
-            <a:r>
-              <a:rPr lang="en-US" dirty="0"/>
-              <a:t> file</a:t>
+              <a:t>https://www.youtube.com/watch?v=aFwrNSfthxU</a:t>
             </a:r>
           </a:p>
         </p:txBody>
@@ -5184,7 +5219,7 @@
     </p:spTree>
     <p:extLst>
       <p:ext uri="{BB962C8B-B14F-4D97-AF65-F5344CB8AC3E}">
-        <p14:creationId xmlns:p14="http://schemas.microsoft.com/office/powerpoint/2010/main" val="2653447416"/>
+        <p14:creationId xmlns:p14="http://schemas.microsoft.com/office/powerpoint/2010/main" val="2401643237"/>
       </p:ext>
     </p:extLst>
   </p:cSld>
@@ -5211,35 +5246,70 @@
           <a:chExt cx="0" cy="0"/>
         </a:xfrm>
       </p:grpSpPr>
-      <p:sp>
-        <p:nvSpPr>
-          <p:cNvPr id="2" name="Title 1">
-            <a:extLst>
-              <a:ext uri="{FF2B5EF4-FFF2-40B4-BE49-F238E27FC236}">
-                <a16:creationId xmlns:a16="http://schemas.microsoft.com/office/drawing/2014/main" id="{00C106E7-4AB3-A835-7493-9A87EB6AFD0D}"/>
-              </a:ext>
-            </a:extLst>
-          </p:cNvPr>
-          <p:cNvSpPr>
-            <a:spLocks noGrp="1"/>
-          </p:cNvSpPr>
-          <p:nvPr>
-            <p:ph type="title"/>
-          </p:nvPr>
-        </p:nvSpPr>
-        <p:spPr/>
-        <p:txBody>
-          <a:bodyPr/>
-          <a:lstStyle/>
-          <a:p>
-            <a:endParaRPr lang="en-US" dirty="0"/>
-          </a:p>
-        </p:txBody>
-      </p:sp>
+      <p:pic>
+        <p:nvPicPr>
+          <p:cNvPr id="4" name="Picture 3">
+            <a:extLst>
+              <a:ext uri="{FF2B5EF4-FFF2-40B4-BE49-F238E27FC236}">
+                <a16:creationId xmlns:a16="http://schemas.microsoft.com/office/drawing/2014/main" id="{4A034B4A-A254-080B-7B7E-DA2FCC0B6FED}"/>
+              </a:ext>
+            </a:extLst>
+          </p:cNvPr>
+          <p:cNvPicPr>
+            <a:picLocks noChangeAspect="1"/>
+          </p:cNvPicPr>
+          <p:nvPr/>
+        </p:nvPicPr>
+        <p:blipFill>
+          <a:blip r:embed="rId2"/>
+          <a:stretch>
+            <a:fillRect/>
+          </a:stretch>
+        </p:blipFill>
+        <p:spPr>
+          <a:xfrm>
+            <a:off x="667512" y="676656"/>
+            <a:ext cx="9906000" cy="5541264"/>
+          </a:xfrm>
+          <a:prstGeom prst="rect">
+            <a:avLst/>
+          </a:prstGeom>
+        </p:spPr>
+      </p:pic>
+      <p:pic>
+        <p:nvPicPr>
+          <p:cNvPr id="6" name="Picture 5">
+            <a:extLst>
+              <a:ext uri="{FF2B5EF4-FFF2-40B4-BE49-F238E27FC236}">
+                <a16:creationId xmlns:a16="http://schemas.microsoft.com/office/drawing/2014/main" id="{F628F3C7-156A-D5B6-2599-1C81E6846346}"/>
+              </a:ext>
+            </a:extLst>
+          </p:cNvPr>
+          <p:cNvPicPr>
+            <a:picLocks noChangeAspect="1"/>
+          </p:cNvPicPr>
+          <p:nvPr/>
+        </p:nvPicPr>
+        <p:blipFill>
+          <a:blip r:embed="rId3"/>
+          <a:stretch>
+            <a:fillRect/>
+          </a:stretch>
+        </p:blipFill>
+        <p:spPr>
+          <a:xfrm>
+            <a:off x="9012514" y="2212848"/>
+            <a:ext cx="2864103" cy="2242972"/>
+          </a:xfrm>
+          <a:prstGeom prst="rect">
+            <a:avLst/>
+          </a:prstGeom>
+        </p:spPr>
+      </p:pic>
     </p:spTree>
     <p:extLst>
       <p:ext uri="{BB962C8B-B14F-4D97-AF65-F5344CB8AC3E}">
-        <p14:creationId xmlns:p14="http://schemas.microsoft.com/office/powerpoint/2010/main" val="4279994729"/>
+        <p14:creationId xmlns:p14="http://schemas.microsoft.com/office/powerpoint/2010/main" val="2869427877"/>
       </p:ext>
     </p:extLst>
   </p:cSld>
@@ -5280,8 +5350,8 @@
         </p:nvSpPr>
         <p:spPr>
           <a:xfrm>
-            <a:off x="402336" y="594360"/>
-            <a:ext cx="1290738" cy="369332"/>
+            <a:off x="503490" y="376149"/>
+            <a:ext cx="2077813" cy="523220"/>
           </a:xfrm>
           <a:prstGeom prst="rect">
             <a:avLst/>
@@ -5295,17 +5365,752 @@
           <a:lstStyle/>
           <a:p>
             <a:r>
-              <a:rPr lang="th-TH" dirty="0"/>
+              <a:rPr lang="th-TH" sz="2800" b="1" dirty="0"/>
               <a:t>การใช้งานรูปภาพ</a:t>
             </a:r>
+            <a:endParaRPr lang="en-US" sz="2800" b="1" dirty="0"/>
+          </a:p>
+        </p:txBody>
+      </p:sp>
+      <p:sp>
+        <p:nvSpPr>
+          <p:cNvPr id="3" name="TextBox 2">
+            <a:extLst>
+              <a:ext uri="{FF2B5EF4-FFF2-40B4-BE49-F238E27FC236}">
+                <a16:creationId xmlns:a16="http://schemas.microsoft.com/office/drawing/2014/main" id="{BAC4F7C0-05DE-A3DC-26E5-D90FB73449AF}"/>
+              </a:ext>
+            </a:extLst>
+          </p:cNvPr>
+          <p:cNvSpPr txBox="1"/>
+          <p:nvPr/>
+        </p:nvSpPr>
+        <p:spPr>
+          <a:xfrm>
+            <a:off x="256033" y="960816"/>
+            <a:ext cx="6397905" cy="1877437"/>
+          </a:xfrm>
+          <a:prstGeom prst="rect">
+            <a:avLst/>
+          </a:prstGeom>
+          <a:noFill/>
+        </p:spPr>
+        <p:txBody>
+          <a:bodyPr wrap="none" rtlCol="0">
+            <a:spAutoFit/>
+          </a:bodyPr>
+          <a:lstStyle/>
+          <a:p>
+            <a:r>
+              <a:rPr lang="en-US" sz="1400" b="1" dirty="0">
+                <a:solidFill>
+                  <a:srgbClr val="FF0000"/>
+                </a:solidFill>
+                <a:cs typeface="+mj-cs"/>
+              </a:rPr>
+              <a:t>-</a:t>
+            </a:r>
+            <a:r>
+              <a:rPr lang="th-TH" sz="1400" b="1" dirty="0">
+                <a:solidFill>
+                  <a:srgbClr val="FF0000"/>
+                </a:solidFill>
+                <a:cs typeface="+mj-cs"/>
+              </a:rPr>
+              <a:t>      มี </a:t>
+            </a:r>
+            <a:r>
+              <a:rPr lang="en-US" sz="1400" b="1" dirty="0">
+                <a:solidFill>
+                  <a:srgbClr val="FF0000"/>
+                </a:solidFill>
+                <a:cs typeface="+mj-cs"/>
+              </a:rPr>
+              <a:t>static URL </a:t>
+            </a:r>
+            <a:r>
+              <a:rPr lang="th-TH" sz="1400" b="1" dirty="0">
+                <a:solidFill>
+                  <a:srgbClr val="FF0000"/>
+                </a:solidFill>
+                <a:cs typeface="+mj-cs"/>
+              </a:rPr>
+              <a:t>ไหม</a:t>
+            </a:r>
+          </a:p>
+          <a:p>
+            <a:r>
+              <a:rPr lang="en-US" sz="1400" b="1" dirty="0">
+                <a:solidFill>
+                  <a:srgbClr val="FF0000"/>
+                </a:solidFill>
+                <a:cs typeface="+mj-cs"/>
+              </a:rPr>
+              <a:t>-</a:t>
+            </a:r>
+            <a:r>
+              <a:rPr lang="en-US" sz="1400" b="1" dirty="0">
+                <a:solidFill>
+                  <a:srgbClr val="FF0000"/>
+                </a:solidFill>
+                <a:effectLst/>
+                <a:latin typeface="Fira Code Retina" panose="020F0502020204030204" pitchFamily="49" charset="0"/>
+                <a:cs typeface="+mj-cs"/>
+              </a:rPr>
+              <a:t> '</a:t>
+            </a:r>
+            <a:r>
+              <a:rPr lang="en-US" sz="1400" b="1" dirty="0" err="1">
+                <a:solidFill>
+                  <a:srgbClr val="FF0000"/>
+                </a:solidFill>
+                <a:effectLst/>
+                <a:latin typeface="Fira Code Retina" panose="020F0502020204030204" pitchFamily="49" charset="0"/>
+                <a:cs typeface="+mj-cs"/>
+              </a:rPr>
+              <a:t>django.contrib.staticfiles</a:t>
+            </a:r>
+            <a:r>
+              <a:rPr lang="en-US" sz="1400" b="1" dirty="0">
+                <a:solidFill>
+                  <a:srgbClr val="FF0000"/>
+                </a:solidFill>
+                <a:effectLst/>
+                <a:latin typeface="Fira Code Retina" panose="020F0502020204030204" pitchFamily="49" charset="0"/>
+                <a:cs typeface="+mj-cs"/>
+              </a:rPr>
+              <a:t>’</a:t>
+            </a:r>
+            <a:r>
+              <a:rPr lang="en-US" sz="1400" b="1" dirty="0">
+                <a:solidFill>
+                  <a:srgbClr val="FF0000"/>
+                </a:solidFill>
+                <a:latin typeface="Fira Code Retina" panose="020F0502020204030204" pitchFamily="49" charset="0"/>
+                <a:cs typeface="+mj-cs"/>
+              </a:rPr>
+              <a:t> </a:t>
+            </a:r>
+            <a:r>
+              <a:rPr lang="th-TH" sz="1400" b="1" dirty="0">
+                <a:solidFill>
+                  <a:srgbClr val="FF0000"/>
+                </a:solidFill>
+                <a:latin typeface="Fira Code Retina" panose="020F0502020204030204" pitchFamily="49" charset="0"/>
+                <a:cs typeface="+mj-cs"/>
+              </a:rPr>
+              <a:t>ไหม</a:t>
+            </a:r>
+            <a:r>
+              <a:rPr lang="en-US" sz="1400" b="1" dirty="0">
+                <a:solidFill>
+                  <a:srgbClr val="FF0000"/>
+                </a:solidFill>
+                <a:latin typeface="Fira Code Retina" panose="020F0502020204030204" pitchFamily="49" charset="0"/>
+                <a:cs typeface="+mj-cs"/>
+              </a:rPr>
+              <a:t>?</a:t>
+            </a:r>
+            <a:endParaRPr lang="th-TH" sz="1400" b="1" dirty="0">
+              <a:solidFill>
+                <a:srgbClr val="FF0000"/>
+              </a:solidFill>
+              <a:latin typeface="Fira Code Retina" panose="020F0502020204030204" pitchFamily="49" charset="0"/>
+              <a:cs typeface="+mj-cs"/>
+            </a:endParaRPr>
+          </a:p>
+          <a:p>
+            <a:r>
+              <a:rPr lang="en-US" sz="1400" b="1" dirty="0">
+                <a:solidFill>
+                  <a:srgbClr val="FF0000"/>
+                </a:solidFill>
+                <a:latin typeface="Fira Code Retina" panose="020F0502020204030204" pitchFamily="49" charset="0"/>
+                <a:cs typeface="+mj-cs"/>
+              </a:rPr>
+              <a:t>- Add  { % load static % }</a:t>
+            </a:r>
+          </a:p>
+          <a:p>
+            <a:pPr marL="285750" indent="-285750">
+              <a:buFontTx/>
+              <a:buChar char="-"/>
+            </a:pPr>
+            <a:r>
+              <a:rPr lang="th-TH" sz="1400" b="1" dirty="0">
+                <a:solidFill>
+                  <a:srgbClr val="FF0000"/>
+                </a:solidFill>
+                <a:effectLst/>
+                <a:latin typeface="Fira Code Retina" panose="020F0502020204030204" pitchFamily="49" charset="0"/>
+                <a:cs typeface="+mj-cs"/>
+              </a:rPr>
+              <a:t>สร้า</a:t>
+            </a:r>
+            <a:r>
+              <a:rPr lang="th-TH" sz="1400" b="1" dirty="0">
+                <a:solidFill>
+                  <a:srgbClr val="FF0000"/>
+                </a:solidFill>
+                <a:latin typeface="Fira Code Retina" panose="020F0502020204030204" pitchFamily="49" charset="0"/>
+                <a:cs typeface="+mj-cs"/>
+              </a:rPr>
+              <a:t>ง </a:t>
+            </a:r>
+            <a:r>
+              <a:rPr lang="en-US" sz="1400" b="1" dirty="0">
+                <a:solidFill>
+                  <a:srgbClr val="FF0000"/>
+                </a:solidFill>
+                <a:latin typeface="Fira Code Retina" panose="020F0502020204030204" pitchFamily="49" charset="0"/>
+                <a:cs typeface="+mj-cs"/>
+              </a:rPr>
+              <a:t>Folder static  </a:t>
+            </a:r>
+            <a:r>
+              <a:rPr lang="th-TH" sz="1400" b="1" dirty="0">
+                <a:solidFill>
+                  <a:srgbClr val="FF0000"/>
+                </a:solidFill>
+                <a:latin typeface="Fira Code Retina" panose="020F0502020204030204" pitchFamily="49" charset="0"/>
+                <a:cs typeface="+mj-cs"/>
+              </a:rPr>
+              <a:t>ใน </a:t>
+            </a:r>
+            <a:r>
+              <a:rPr lang="en-US" sz="1400" b="1" dirty="0">
+                <a:solidFill>
+                  <a:srgbClr val="FF0000"/>
+                </a:solidFill>
+                <a:latin typeface="Fira Code Retina" panose="020F0502020204030204" pitchFamily="49" charset="0"/>
+                <a:cs typeface="+mj-cs"/>
+              </a:rPr>
+              <a:t>app </a:t>
+            </a:r>
+            <a:r>
+              <a:rPr lang="th-TH" sz="1400" b="1" dirty="0">
+                <a:solidFill>
+                  <a:srgbClr val="FF0000"/>
+                </a:solidFill>
+                <a:latin typeface="Fira Code Retina" panose="020F0502020204030204" pitchFamily="49" charset="0"/>
+                <a:cs typeface="+mj-cs"/>
+              </a:rPr>
+              <a:t>หรือข้างนอก</a:t>
+            </a:r>
+            <a:r>
+              <a:rPr lang="en-US" sz="1400" b="1" dirty="0">
+                <a:solidFill>
+                  <a:srgbClr val="FF0000"/>
+                </a:solidFill>
+                <a:latin typeface="Fira Code Retina" panose="020F0502020204030204" pitchFamily="49" charset="0"/>
+                <a:cs typeface="+mj-cs"/>
+              </a:rPr>
+              <a:t>   static/image/logo.png</a:t>
+            </a:r>
+          </a:p>
+          <a:p>
+            <a:pPr marL="285750" indent="-285750">
+              <a:buFontTx/>
+              <a:buChar char="-"/>
+            </a:pPr>
+            <a:r>
+              <a:rPr lang="en-US" sz="1400" b="1" dirty="0">
+                <a:solidFill>
+                  <a:srgbClr val="FF0000"/>
+                </a:solidFill>
+                <a:latin typeface="Fira Code Retina" panose="020F0502020204030204" pitchFamily="49" charset="0"/>
+                <a:cs typeface="+mj-cs"/>
+              </a:rPr>
+              <a:t>Add static </a:t>
+            </a:r>
+            <a:r>
+              <a:rPr lang="en-US" sz="1400" b="1" dirty="0" err="1">
+                <a:solidFill>
+                  <a:srgbClr val="FF0000"/>
+                </a:solidFill>
+                <a:latin typeface="Fira Code Retina" panose="020F0502020204030204" pitchFamily="49" charset="0"/>
+                <a:cs typeface="+mj-cs"/>
+              </a:rPr>
+              <a:t>url</a:t>
+            </a:r>
+            <a:r>
+              <a:rPr lang="en-US" sz="1400" b="1" dirty="0">
+                <a:solidFill>
+                  <a:srgbClr val="FF0000"/>
+                </a:solidFill>
+                <a:latin typeface="Fira Code Retina" panose="020F0502020204030204" pitchFamily="49" charset="0"/>
+                <a:cs typeface="+mj-cs"/>
+              </a:rPr>
+              <a:t> and static </a:t>
+            </a:r>
+            <a:r>
+              <a:rPr lang="en-US" sz="1400" b="1" dirty="0" err="1">
+                <a:solidFill>
+                  <a:srgbClr val="FF0000"/>
+                </a:solidFill>
+                <a:latin typeface="Fira Code Retina" panose="020F0502020204030204" pitchFamily="49" charset="0"/>
+                <a:cs typeface="+mj-cs"/>
+              </a:rPr>
+              <a:t>flil</a:t>
+            </a:r>
+            <a:r>
+              <a:rPr lang="en-US" sz="1400" b="1" dirty="0">
+                <a:solidFill>
+                  <a:srgbClr val="FF0000"/>
+                </a:solidFill>
+                <a:latin typeface="Fira Code Retina" panose="020F0502020204030204" pitchFamily="49" charset="0"/>
+                <a:cs typeface="+mj-cs"/>
+              </a:rPr>
+              <a:t> _DIRs</a:t>
+            </a:r>
+          </a:p>
+          <a:p>
+            <a:pPr marL="285750" indent="-285750">
+              <a:buFontTx/>
+              <a:buChar char="-"/>
+            </a:pPr>
+            <a:r>
+              <a:rPr lang="en-US" sz="1400" b="1" dirty="0">
+                <a:solidFill>
+                  <a:srgbClr val="FF0000"/>
+                </a:solidFill>
+                <a:latin typeface="Fira Code Retina" panose="020F0502020204030204" pitchFamily="49" charset="0"/>
+                <a:cs typeface="+mj-cs"/>
+              </a:rPr>
+              <a:t>This program is static folder &gt; Image Folder &gt; Image.png</a:t>
+            </a:r>
+            <a:endParaRPr lang="th-TH" sz="1400" b="1" dirty="0">
+              <a:solidFill>
+                <a:srgbClr val="FF0000"/>
+              </a:solidFill>
+              <a:latin typeface="Fira Code Retina" panose="020F0502020204030204" pitchFamily="49" charset="0"/>
+              <a:cs typeface="+mj-cs"/>
+            </a:endParaRPr>
+          </a:p>
+          <a:p>
+            <a:endParaRPr lang="en-US" sz="1400" b="1" dirty="0">
+              <a:solidFill>
+                <a:srgbClr val="FF0000"/>
+              </a:solidFill>
+              <a:effectLst/>
+              <a:latin typeface="Fira Code Retina" panose="020F0502020204030204" pitchFamily="49" charset="0"/>
+              <a:cs typeface="+mj-cs"/>
+            </a:endParaRPr>
+          </a:p>
+          <a:p>
             <a:endParaRPr lang="en-US" dirty="0"/>
+          </a:p>
+        </p:txBody>
+      </p:sp>
+      <p:pic>
+        <p:nvPicPr>
+          <p:cNvPr id="5" name="Picture 4">
+            <a:extLst>
+              <a:ext uri="{FF2B5EF4-FFF2-40B4-BE49-F238E27FC236}">
+                <a16:creationId xmlns:a16="http://schemas.microsoft.com/office/drawing/2014/main" id="{1210F65D-598E-58F1-5041-0A0E8A1A29B1}"/>
+              </a:ext>
+            </a:extLst>
+          </p:cNvPr>
+          <p:cNvPicPr>
+            <a:picLocks noChangeAspect="1"/>
+          </p:cNvPicPr>
+          <p:nvPr/>
+        </p:nvPicPr>
+        <p:blipFill>
+          <a:blip r:embed="rId2"/>
+          <a:stretch>
+            <a:fillRect/>
+          </a:stretch>
+        </p:blipFill>
+        <p:spPr>
+          <a:xfrm>
+            <a:off x="616720" y="2480780"/>
+            <a:ext cx="4429743" cy="1457528"/>
+          </a:xfrm>
+          <a:prstGeom prst="rect">
+            <a:avLst/>
+          </a:prstGeom>
+        </p:spPr>
+      </p:pic>
+      <p:pic>
+        <p:nvPicPr>
+          <p:cNvPr id="7" name="Picture 6">
+            <a:extLst>
+              <a:ext uri="{FF2B5EF4-FFF2-40B4-BE49-F238E27FC236}">
+                <a16:creationId xmlns:a16="http://schemas.microsoft.com/office/drawing/2014/main" id="{A26D3A36-3935-10CB-8F30-EB2DD2C9831A}"/>
+              </a:ext>
+            </a:extLst>
+          </p:cNvPr>
+          <p:cNvPicPr>
+            <a:picLocks noChangeAspect="1"/>
+          </p:cNvPicPr>
+          <p:nvPr/>
+        </p:nvPicPr>
+        <p:blipFill>
+          <a:blip r:embed="rId3"/>
+          <a:stretch>
+            <a:fillRect/>
+          </a:stretch>
+        </p:blipFill>
+        <p:spPr>
+          <a:xfrm>
+            <a:off x="8364459" y="499389"/>
+            <a:ext cx="3324051" cy="1664390"/>
+          </a:xfrm>
+          <a:prstGeom prst="rect">
+            <a:avLst/>
+          </a:prstGeom>
+        </p:spPr>
+      </p:pic>
+      <p:pic>
+        <p:nvPicPr>
+          <p:cNvPr id="9" name="Picture 8">
+            <a:extLst>
+              <a:ext uri="{FF2B5EF4-FFF2-40B4-BE49-F238E27FC236}">
+                <a16:creationId xmlns:a16="http://schemas.microsoft.com/office/drawing/2014/main" id="{563057E3-96C8-38D1-2C2D-E1D8234EFC35}"/>
+              </a:ext>
+            </a:extLst>
+          </p:cNvPr>
+          <p:cNvPicPr>
+            <a:picLocks noChangeAspect="1"/>
+          </p:cNvPicPr>
+          <p:nvPr/>
+        </p:nvPicPr>
+        <p:blipFill>
+          <a:blip r:embed="rId4"/>
+          <a:stretch>
+            <a:fillRect/>
+          </a:stretch>
+        </p:blipFill>
+        <p:spPr>
+          <a:xfrm>
+            <a:off x="256033" y="4315842"/>
+            <a:ext cx="5477256" cy="1975883"/>
+          </a:xfrm>
+          <a:prstGeom prst="rect">
+            <a:avLst/>
+          </a:prstGeom>
+        </p:spPr>
+      </p:pic>
+      <p:pic>
+        <p:nvPicPr>
+          <p:cNvPr id="11" name="Picture 10">
+            <a:extLst>
+              <a:ext uri="{FF2B5EF4-FFF2-40B4-BE49-F238E27FC236}">
+                <a16:creationId xmlns:a16="http://schemas.microsoft.com/office/drawing/2014/main" id="{02985491-05B1-8FE4-1E1E-9CF7D65A64AB}"/>
+              </a:ext>
+            </a:extLst>
+          </p:cNvPr>
+          <p:cNvPicPr>
+            <a:picLocks noChangeAspect="1"/>
+          </p:cNvPicPr>
+          <p:nvPr/>
+        </p:nvPicPr>
+        <p:blipFill>
+          <a:blip r:embed="rId5"/>
+          <a:stretch>
+            <a:fillRect/>
+          </a:stretch>
+        </p:blipFill>
+        <p:spPr>
+          <a:xfrm>
+            <a:off x="7145539" y="2339959"/>
+            <a:ext cx="4764024" cy="1975883"/>
+          </a:xfrm>
+          <a:prstGeom prst="rect">
+            <a:avLst/>
+          </a:prstGeom>
+        </p:spPr>
+      </p:pic>
+      <p:pic>
+        <p:nvPicPr>
+          <p:cNvPr id="13" name="Picture 12">
+            <a:extLst>
+              <a:ext uri="{FF2B5EF4-FFF2-40B4-BE49-F238E27FC236}">
+                <a16:creationId xmlns:a16="http://schemas.microsoft.com/office/drawing/2014/main" id="{FC01D95D-5E3C-B4C1-EFD9-449FE99202EA}"/>
+              </a:ext>
+            </a:extLst>
+          </p:cNvPr>
+          <p:cNvPicPr>
+            <a:picLocks noChangeAspect="1"/>
+          </p:cNvPicPr>
+          <p:nvPr/>
+        </p:nvPicPr>
+        <p:blipFill>
+          <a:blip r:embed="rId6"/>
+          <a:stretch>
+            <a:fillRect/>
+          </a:stretch>
+        </p:blipFill>
+        <p:spPr>
+          <a:xfrm>
+            <a:off x="7095744" y="4583028"/>
+            <a:ext cx="4764024" cy="1881779"/>
+          </a:xfrm>
+          <a:prstGeom prst="rect">
+            <a:avLst/>
+          </a:prstGeom>
+        </p:spPr>
+      </p:pic>
+      <p:sp>
+        <p:nvSpPr>
+          <p:cNvPr id="6" name="TextBox 5">
+            <a:extLst>
+              <a:ext uri="{FF2B5EF4-FFF2-40B4-BE49-F238E27FC236}">
+                <a16:creationId xmlns:a16="http://schemas.microsoft.com/office/drawing/2014/main" id="{61C5CB69-BA87-3DB1-30E2-0DDAFC05A724}"/>
+              </a:ext>
+            </a:extLst>
+          </p:cNvPr>
+          <p:cNvSpPr txBox="1"/>
+          <p:nvPr/>
+        </p:nvSpPr>
+        <p:spPr>
+          <a:xfrm>
+            <a:off x="4162806" y="268427"/>
+            <a:ext cx="6094476" cy="646331"/>
+          </a:xfrm>
+          <a:prstGeom prst="rect">
+            <a:avLst/>
+          </a:prstGeom>
+          <a:noFill/>
+        </p:spPr>
+        <p:txBody>
+          <a:bodyPr wrap="square">
+            <a:spAutoFit/>
+          </a:bodyPr>
+          <a:lstStyle/>
+          <a:p>
+            <a:r>
+              <a:rPr lang="en-US" dirty="0">
+                <a:hlinkClick r:id="rId7"/>
+              </a:rPr>
+              <a:t>https://docs.djangoproject.com/en/3.2/howto/static-files/</a:t>
+            </a:r>
+            <a:endParaRPr lang="en-US" dirty="0"/>
+          </a:p>
+          <a:p>
+            <a:endParaRPr lang="en-US" dirty="0"/>
+          </a:p>
+        </p:txBody>
+      </p:sp>
+      <p:sp>
+        <p:nvSpPr>
+          <p:cNvPr id="8" name="Rectangle 7">
+            <a:extLst>
+              <a:ext uri="{FF2B5EF4-FFF2-40B4-BE49-F238E27FC236}">
+                <a16:creationId xmlns:a16="http://schemas.microsoft.com/office/drawing/2014/main" id="{4C4C887E-6436-E6CC-824E-75E7C1A269F8}"/>
+              </a:ext>
+            </a:extLst>
+          </p:cNvPr>
+          <p:cNvSpPr/>
+          <p:nvPr/>
+        </p:nvSpPr>
+        <p:spPr>
+          <a:xfrm>
+            <a:off x="8138160" y="2633472"/>
+            <a:ext cx="1956816" cy="420624"/>
+          </a:xfrm>
+          <a:prstGeom prst="rect">
+            <a:avLst/>
+          </a:prstGeom>
+          <a:noFill/>
+          <a:ln>
+            <a:solidFill>
+              <a:srgbClr val="FF0000"/>
+            </a:solidFill>
+          </a:ln>
+        </p:spPr>
+        <p:style>
+          <a:lnRef idx="2">
+            <a:schemeClr val="accent1">
+              <a:shade val="15000"/>
+            </a:schemeClr>
+          </a:lnRef>
+          <a:fillRef idx="1">
+            <a:schemeClr val="accent1"/>
+          </a:fillRef>
+          <a:effectRef idx="0">
+            <a:schemeClr val="accent1"/>
+          </a:effectRef>
+          <a:fontRef idx="minor">
+            <a:schemeClr val="lt1"/>
+          </a:fontRef>
+        </p:style>
+        <p:txBody>
+          <a:bodyPr rtlCol="0" anchor="ctr"/>
+          <a:lstStyle/>
+          <a:p>
+            <a:pPr algn="ctr"/>
+            <a:endParaRPr lang="en-US"/>
+          </a:p>
+        </p:txBody>
+      </p:sp>
+      <p:sp>
+        <p:nvSpPr>
+          <p:cNvPr id="10" name="Rectangle 9">
+            <a:extLst>
+              <a:ext uri="{FF2B5EF4-FFF2-40B4-BE49-F238E27FC236}">
+                <a16:creationId xmlns:a16="http://schemas.microsoft.com/office/drawing/2014/main" id="{85930FFB-1A3B-D6F0-4260-1DF4F197B850}"/>
+              </a:ext>
+            </a:extLst>
+          </p:cNvPr>
+          <p:cNvSpPr/>
+          <p:nvPr/>
+        </p:nvSpPr>
+        <p:spPr>
+          <a:xfrm>
+            <a:off x="8499348" y="4761754"/>
+            <a:ext cx="1956816" cy="724645"/>
+          </a:xfrm>
+          <a:prstGeom prst="rect">
+            <a:avLst/>
+          </a:prstGeom>
+          <a:noFill/>
+          <a:ln>
+            <a:solidFill>
+              <a:srgbClr val="FF0000"/>
+            </a:solidFill>
+          </a:ln>
+        </p:spPr>
+        <p:style>
+          <a:lnRef idx="2">
+            <a:schemeClr val="accent1">
+              <a:shade val="15000"/>
+            </a:schemeClr>
+          </a:lnRef>
+          <a:fillRef idx="1">
+            <a:schemeClr val="accent1"/>
+          </a:fillRef>
+          <a:effectRef idx="0">
+            <a:schemeClr val="accent1"/>
+          </a:effectRef>
+          <a:fontRef idx="minor">
+            <a:schemeClr val="lt1"/>
+          </a:fontRef>
+        </p:style>
+        <p:txBody>
+          <a:bodyPr rtlCol="0" anchor="ctr"/>
+          <a:lstStyle/>
+          <a:p>
+            <a:pPr algn="ctr"/>
+            <a:endParaRPr lang="en-US"/>
+          </a:p>
+        </p:txBody>
+      </p:sp>
+      <p:cxnSp>
+        <p:nvCxnSpPr>
+          <p:cNvPr id="14" name="Straight Arrow Connector 13">
+            <a:extLst>
+              <a:ext uri="{FF2B5EF4-FFF2-40B4-BE49-F238E27FC236}">
+                <a16:creationId xmlns:a16="http://schemas.microsoft.com/office/drawing/2014/main" id="{58F4CE3F-37B0-56C3-54FF-0390C30EE4A0}"/>
+              </a:ext>
+            </a:extLst>
+          </p:cNvPr>
+          <p:cNvCxnSpPr>
+            <a:cxnSpLocks/>
+          </p:cNvCxnSpPr>
+          <p:nvPr/>
+        </p:nvCxnSpPr>
+        <p:spPr>
+          <a:xfrm flipH="1">
+            <a:off x="3739896" y="3218688"/>
+            <a:ext cx="1499616" cy="2715768"/>
+          </a:xfrm>
+          <a:prstGeom prst="straightConnector1">
+            <a:avLst/>
+          </a:prstGeom>
+          <a:ln>
+            <a:tailEnd type="triangle"/>
+          </a:ln>
+        </p:spPr>
+        <p:style>
+          <a:lnRef idx="1">
+            <a:schemeClr val="accent1"/>
+          </a:lnRef>
+          <a:fillRef idx="0">
+            <a:schemeClr val="accent1"/>
+          </a:fillRef>
+          <a:effectRef idx="0">
+            <a:schemeClr val="accent1"/>
+          </a:effectRef>
+          <a:fontRef idx="minor">
+            <a:schemeClr val="tx1"/>
+          </a:fontRef>
+        </p:style>
+      </p:cxnSp>
+      <p:sp>
+        <p:nvSpPr>
+          <p:cNvPr id="16" name="TextBox 15">
+            <a:extLst>
+              <a:ext uri="{FF2B5EF4-FFF2-40B4-BE49-F238E27FC236}">
+                <a16:creationId xmlns:a16="http://schemas.microsoft.com/office/drawing/2014/main" id="{8F956A8B-1618-7BA4-58A9-C5809F1395F4}"/>
+              </a:ext>
+            </a:extLst>
+          </p:cNvPr>
+          <p:cNvSpPr txBox="1"/>
+          <p:nvPr/>
+        </p:nvSpPr>
+        <p:spPr>
+          <a:xfrm>
+            <a:off x="5175504" y="2935224"/>
+            <a:ext cx="779444" cy="369332"/>
+          </a:xfrm>
+          <a:prstGeom prst="rect">
+            <a:avLst/>
+          </a:prstGeom>
+          <a:noFill/>
+        </p:spPr>
+        <p:txBody>
+          <a:bodyPr wrap="none" rtlCol="0">
+            <a:spAutoFit/>
+          </a:bodyPr>
+          <a:lstStyle/>
+          <a:p>
+            <a:r>
+              <a:rPr lang="en-US" dirty="0"/>
+              <a:t>Folder</a:t>
+            </a:r>
+          </a:p>
+        </p:txBody>
+      </p:sp>
+      <p:sp>
+        <p:nvSpPr>
+          <p:cNvPr id="17" name="TextBox 16">
+            <a:extLst>
+              <a:ext uri="{FF2B5EF4-FFF2-40B4-BE49-F238E27FC236}">
+                <a16:creationId xmlns:a16="http://schemas.microsoft.com/office/drawing/2014/main" id="{EBAD7D8A-2182-C86D-8ABF-662B643183B3}"/>
+              </a:ext>
+            </a:extLst>
+          </p:cNvPr>
+          <p:cNvSpPr txBox="1"/>
+          <p:nvPr/>
+        </p:nvSpPr>
+        <p:spPr>
+          <a:xfrm>
+            <a:off x="2359152" y="6345669"/>
+            <a:ext cx="2466766" cy="369332"/>
+          </a:xfrm>
+          <a:prstGeom prst="rect">
+            <a:avLst/>
+          </a:prstGeom>
+          <a:noFill/>
+        </p:spPr>
+        <p:txBody>
+          <a:bodyPr wrap="none" rtlCol="0">
+            <a:spAutoFit/>
+          </a:bodyPr>
+          <a:lstStyle/>
+          <a:p>
+            <a:r>
+              <a:rPr lang="en-US" dirty="0"/>
+              <a:t>Image /java scripts /CSS </a:t>
+            </a:r>
           </a:p>
         </p:txBody>
       </p:sp>
     </p:spTree>
     <p:extLst>
       <p:ext uri="{BB962C8B-B14F-4D97-AF65-F5344CB8AC3E}">
-        <p14:creationId xmlns:p14="http://schemas.microsoft.com/office/powerpoint/2010/main" val="1788844401"/>
+        <p14:creationId xmlns:p14="http://schemas.microsoft.com/office/powerpoint/2010/main" val="2410297165"/>
       </p:ext>
     </p:extLst>
   </p:cSld>
@@ -5332,12 +6137,182 @@
           <a:chExt cx="0" cy="0"/>
         </a:xfrm>
       </p:grpSpPr>
-      <p:sp>
-        <p:nvSpPr>
-          <p:cNvPr id="2" name="TextBox 1">
-            <a:extLst>
-              <a:ext uri="{FF2B5EF4-FFF2-40B4-BE49-F238E27FC236}">
-                <a16:creationId xmlns:a16="http://schemas.microsoft.com/office/drawing/2014/main" id="{DD7CFE07-4E68-CBF7-C10C-D045039F26AE}"/>
+      <p:pic>
+        <p:nvPicPr>
+          <p:cNvPr id="3" name="Picture 2">
+            <a:extLst>
+              <a:ext uri="{FF2B5EF4-FFF2-40B4-BE49-F238E27FC236}">
+                <a16:creationId xmlns:a16="http://schemas.microsoft.com/office/drawing/2014/main" id="{298549E9-FCEA-F1B7-419D-649BEC07D471}"/>
+              </a:ext>
+            </a:extLst>
+          </p:cNvPr>
+          <p:cNvPicPr>
+            <a:picLocks noChangeAspect="1"/>
+          </p:cNvPicPr>
+          <p:nvPr/>
+        </p:nvPicPr>
+        <p:blipFill>
+          <a:blip r:embed="rId2"/>
+          <a:stretch>
+            <a:fillRect/>
+          </a:stretch>
+        </p:blipFill>
+        <p:spPr>
+          <a:xfrm>
+            <a:off x="409180" y="3073913"/>
+            <a:ext cx="9836529" cy="2695951"/>
+          </a:xfrm>
+          <a:prstGeom prst="rect">
+            <a:avLst/>
+          </a:prstGeom>
+        </p:spPr>
+      </p:pic>
+      <p:pic>
+        <p:nvPicPr>
+          <p:cNvPr id="5" name="Picture 4">
+            <a:extLst>
+              <a:ext uri="{FF2B5EF4-FFF2-40B4-BE49-F238E27FC236}">
+                <a16:creationId xmlns:a16="http://schemas.microsoft.com/office/drawing/2014/main" id="{65D8E01E-054F-DFD1-E4DD-3D17A9C46AD0}"/>
+              </a:ext>
+            </a:extLst>
+          </p:cNvPr>
+          <p:cNvPicPr>
+            <a:picLocks noChangeAspect="1"/>
+          </p:cNvPicPr>
+          <p:nvPr/>
+        </p:nvPicPr>
+        <p:blipFill>
+          <a:blip r:embed="rId3"/>
+          <a:stretch>
+            <a:fillRect/>
+          </a:stretch>
+        </p:blipFill>
+        <p:spPr>
+          <a:xfrm>
+            <a:off x="409180" y="196054"/>
+            <a:ext cx="8392696" cy="3232946"/>
+          </a:xfrm>
+          <a:prstGeom prst="rect">
+            <a:avLst/>
+          </a:prstGeom>
+        </p:spPr>
+      </p:pic>
+      <p:cxnSp>
+        <p:nvCxnSpPr>
+          <p:cNvPr id="7" name="Straight Arrow Connector 6">
+            <a:extLst>
+              <a:ext uri="{FF2B5EF4-FFF2-40B4-BE49-F238E27FC236}">
+                <a16:creationId xmlns:a16="http://schemas.microsoft.com/office/drawing/2014/main" id="{0E8BFB93-C1DB-0A02-FF48-169704E87744}"/>
+              </a:ext>
+            </a:extLst>
+          </p:cNvPr>
+          <p:cNvCxnSpPr>
+            <a:cxnSpLocks/>
+          </p:cNvCxnSpPr>
+          <p:nvPr/>
+        </p:nvCxnSpPr>
+        <p:spPr>
+          <a:xfrm>
+            <a:off x="3489500" y="329184"/>
+            <a:ext cx="2719276" cy="4498848"/>
+          </a:xfrm>
+          <a:prstGeom prst="straightConnector1">
+            <a:avLst/>
+          </a:prstGeom>
+          <a:ln>
+            <a:tailEnd type="triangle"/>
+          </a:ln>
+        </p:spPr>
+        <p:style>
+          <a:lnRef idx="1">
+            <a:schemeClr val="accent1"/>
+          </a:lnRef>
+          <a:fillRef idx="0">
+            <a:schemeClr val="accent1"/>
+          </a:fillRef>
+          <a:effectRef idx="0">
+            <a:schemeClr val="accent1"/>
+          </a:effectRef>
+          <a:fontRef idx="minor">
+            <a:schemeClr val="tx1"/>
+          </a:fontRef>
+        </p:style>
+      </p:cxnSp>
+      <p:pic>
+        <p:nvPicPr>
+          <p:cNvPr id="11" name="Picture 10">
+            <a:extLst>
+              <a:ext uri="{FF2B5EF4-FFF2-40B4-BE49-F238E27FC236}">
+                <a16:creationId xmlns:a16="http://schemas.microsoft.com/office/drawing/2014/main" id="{03AF2305-5545-BA9A-BD17-42DEB7BBB68A}"/>
+              </a:ext>
+            </a:extLst>
+          </p:cNvPr>
+          <p:cNvPicPr>
+            <a:picLocks noChangeAspect="1"/>
+          </p:cNvPicPr>
+          <p:nvPr/>
+        </p:nvPicPr>
+        <p:blipFill>
+          <a:blip r:embed="rId4"/>
+          <a:stretch>
+            <a:fillRect/>
+          </a:stretch>
+        </p:blipFill>
+        <p:spPr>
+          <a:xfrm>
+            <a:off x="7534656" y="1309464"/>
+            <a:ext cx="4766345" cy="2119536"/>
+          </a:xfrm>
+          <a:prstGeom prst="rect">
+            <a:avLst/>
+          </a:prstGeom>
+        </p:spPr>
+      </p:pic>
+      <p:cxnSp>
+        <p:nvCxnSpPr>
+          <p:cNvPr id="13" name="Straight Arrow Connector 12">
+            <a:extLst>
+              <a:ext uri="{FF2B5EF4-FFF2-40B4-BE49-F238E27FC236}">
+                <a16:creationId xmlns:a16="http://schemas.microsoft.com/office/drawing/2014/main" id="{4DD9A47B-4BDA-1C35-D678-8B3C5D4384A5}"/>
+              </a:ext>
+            </a:extLst>
+          </p:cNvPr>
+          <p:cNvCxnSpPr/>
+          <p:nvPr/>
+        </p:nvCxnSpPr>
+        <p:spPr>
+          <a:xfrm>
+            <a:off x="1042416" y="1088136"/>
+            <a:ext cx="6903720" cy="795528"/>
+          </a:xfrm>
+          <a:prstGeom prst="straightConnector1">
+            <a:avLst/>
+          </a:prstGeom>
+          <a:ln>
+            <a:tailEnd type="triangle"/>
+          </a:ln>
+        </p:spPr>
+        <p:style>
+          <a:lnRef idx="1">
+            <a:schemeClr val="accent1"/>
+          </a:lnRef>
+          <a:fillRef idx="0">
+            <a:schemeClr val="accent1"/>
+          </a:fillRef>
+          <a:effectRef idx="0">
+            <a:schemeClr val="accent1"/>
+          </a:effectRef>
+          <a:fontRef idx="minor">
+            <a:schemeClr val="tx1"/>
+          </a:fontRef>
+        </p:style>
+      </p:cxnSp>
+      <p:sp>
+        <p:nvSpPr>
+          <p:cNvPr id="16" name="TextBox 15">
+            <a:extLst>
+              <a:ext uri="{FF2B5EF4-FFF2-40B4-BE49-F238E27FC236}">
+                <a16:creationId xmlns:a16="http://schemas.microsoft.com/office/drawing/2014/main" id="{88385E47-C6D7-97CA-DF5E-EE72367F0623}"/>
               </a:ext>
             </a:extLst>
           </p:cNvPr>
@@ -5346,8 +6321,8 @@
         </p:nvSpPr>
         <p:spPr>
           <a:xfrm>
-            <a:off x="402336" y="594360"/>
-            <a:ext cx="1290738" cy="369332"/>
+            <a:off x="969264" y="6272784"/>
+            <a:ext cx="2904257" cy="369332"/>
           </a:xfrm>
           <a:prstGeom prst="rect">
             <a:avLst/>
@@ -5361,17 +6336,40 @@
           <a:lstStyle/>
           <a:p>
             <a:r>
+              <a:rPr lang="en-US" dirty="0"/>
+              <a:t>Favicon  </a:t>
+            </a:r>
+            <a:r>
               <a:rPr lang="th-TH" dirty="0"/>
-              <a:t>การใช้งานรูปภาพ</a:t>
-            </a:r>
-            <a:endParaRPr lang="en-US" dirty="0"/>
+              <a:t>รูปใน </a:t>
+            </a:r>
+            <a:r>
+              <a:rPr lang="en-US" dirty="0"/>
+              <a:t>tag </a:t>
+            </a:r>
+            <a:r>
+              <a:rPr lang="th-TH" dirty="0"/>
+              <a:t>ด้านบน </a:t>
+            </a:r>
+            <a:r>
+              <a:rPr lang="en-US" dirty="0"/>
+              <a:t> </a:t>
+            </a:r>
+            <a:r>
+              <a:rPr lang="en-US" dirty="0" err="1"/>
+              <a:t>ico</a:t>
+            </a:r>
+            <a:r>
+              <a:rPr lang="en-US" dirty="0"/>
+              <a:t> file</a:t>
+            </a:r>
           </a:p>
         </p:txBody>
       </p:sp>
     </p:spTree>
     <p:extLst>
       <p:ext uri="{BB962C8B-B14F-4D97-AF65-F5344CB8AC3E}">
-        <p14:creationId xmlns:p14="http://schemas.microsoft.com/office/powerpoint/2010/main" val="2869427877"/>
+        <p14:creationId xmlns:p14="http://schemas.microsoft.com/office/powerpoint/2010/main" val="2653447416"/>
       </p:ext>
     </p:extLst>
   </p:cSld>
@@ -5398,46 +6396,40 @@
           <a:chExt cx="0" cy="0"/>
         </a:xfrm>
       </p:grpSpPr>
-      <p:sp>
-        <p:nvSpPr>
-          <p:cNvPr id="2" name="TextBox 1">
-            <a:extLst>
-              <a:ext uri="{FF2B5EF4-FFF2-40B4-BE49-F238E27FC236}">
-                <a16:creationId xmlns:a16="http://schemas.microsoft.com/office/drawing/2014/main" id="{DD7CFE07-4E68-CBF7-C10C-D045039F26AE}"/>
-              </a:ext>
-            </a:extLst>
-          </p:cNvPr>
-          <p:cNvSpPr txBox="1"/>
+      <p:pic>
+        <p:nvPicPr>
+          <p:cNvPr id="4" name="Picture 3">
+            <a:extLst>
+              <a:ext uri="{FF2B5EF4-FFF2-40B4-BE49-F238E27FC236}">
+                <a16:creationId xmlns:a16="http://schemas.microsoft.com/office/drawing/2014/main" id="{D48F224C-FEC8-422E-CB37-3F9664543A0D}"/>
+              </a:ext>
+            </a:extLst>
+          </p:cNvPr>
+          <p:cNvPicPr>
+            <a:picLocks noChangeAspect="1"/>
+          </p:cNvPicPr>
           <p:nvPr/>
-        </p:nvSpPr>
-        <p:spPr>
-          <a:xfrm>
-            <a:off x="402336" y="594360"/>
-            <a:ext cx="1290738" cy="369332"/>
+        </p:nvPicPr>
+        <p:blipFill>
+          <a:blip r:embed="rId2"/>
+          <a:stretch>
+            <a:fillRect/>
+          </a:stretch>
+        </p:blipFill>
+        <p:spPr>
+          <a:xfrm>
+            <a:off x="2072262" y="598932"/>
+            <a:ext cx="7846308" cy="5660136"/>
           </a:xfrm>
           <a:prstGeom prst="rect">
             <a:avLst/>
           </a:prstGeom>
-          <a:noFill/>
-        </p:spPr>
-        <p:txBody>
-          <a:bodyPr wrap="none" rtlCol="0">
-            <a:spAutoFit/>
-          </a:bodyPr>
-          <a:lstStyle/>
-          <a:p>
-            <a:r>
-              <a:rPr lang="th-TH" dirty="0"/>
-              <a:t>การใช้งานรูปภาพ</a:t>
-            </a:r>
-            <a:endParaRPr lang="en-US" dirty="0"/>
-          </a:p>
-        </p:txBody>
-      </p:sp>
+        </p:spPr>
+      </p:pic>
     </p:spTree>
     <p:extLst>
       <p:ext uri="{BB962C8B-B14F-4D97-AF65-F5344CB8AC3E}">
-        <p14:creationId xmlns:p14="http://schemas.microsoft.com/office/powerpoint/2010/main" val="1805123889"/>
+        <p14:creationId xmlns:p14="http://schemas.microsoft.com/office/powerpoint/2010/main" val="802651114"/>
       </p:ext>
     </p:extLst>
   </p:cSld>
@@ -5464,46 +6456,40 @@
           <a:chExt cx="0" cy="0"/>
         </a:xfrm>
       </p:grpSpPr>
-      <p:sp>
-        <p:nvSpPr>
-          <p:cNvPr id="2" name="TextBox 1">
-            <a:extLst>
-              <a:ext uri="{FF2B5EF4-FFF2-40B4-BE49-F238E27FC236}">
-                <a16:creationId xmlns:a16="http://schemas.microsoft.com/office/drawing/2014/main" id="{DD7CFE07-4E68-CBF7-C10C-D045039F26AE}"/>
-              </a:ext>
-            </a:extLst>
-          </p:cNvPr>
-          <p:cNvSpPr txBox="1"/>
+      <p:pic>
+        <p:nvPicPr>
+          <p:cNvPr id="4" name="Picture 3">
+            <a:extLst>
+              <a:ext uri="{FF2B5EF4-FFF2-40B4-BE49-F238E27FC236}">
+                <a16:creationId xmlns:a16="http://schemas.microsoft.com/office/drawing/2014/main" id="{6DA5A225-C4CC-15FE-FC6D-B175737C4B3A}"/>
+              </a:ext>
+            </a:extLst>
+          </p:cNvPr>
+          <p:cNvPicPr>
+            <a:picLocks noChangeAspect="1"/>
+          </p:cNvPicPr>
           <p:nvPr/>
-        </p:nvSpPr>
-        <p:spPr>
-          <a:xfrm>
-            <a:off x="402336" y="594360"/>
-            <a:ext cx="1290738" cy="369332"/>
+        </p:nvPicPr>
+        <p:blipFill>
+          <a:blip r:embed="rId2"/>
+          <a:stretch>
+            <a:fillRect/>
+          </a:stretch>
+        </p:blipFill>
+        <p:spPr>
+          <a:xfrm>
+            <a:off x="323984" y="700360"/>
+            <a:ext cx="11517496" cy="4286848"/>
           </a:xfrm>
           <a:prstGeom prst="rect">
             <a:avLst/>
           </a:prstGeom>
-          <a:noFill/>
-        </p:spPr>
-        <p:txBody>
-          <a:bodyPr wrap="none" rtlCol="0">
-            <a:spAutoFit/>
-          </a:bodyPr>
-          <a:lstStyle/>
-          <a:p>
-            <a:r>
-              <a:rPr lang="th-TH" dirty="0"/>
-              <a:t>การใช้งานรูปภาพ</a:t>
-            </a:r>
-            <a:endParaRPr lang="en-US" dirty="0"/>
-          </a:p>
-        </p:txBody>
-      </p:sp>
+        </p:spPr>
+      </p:pic>
     </p:spTree>
     <p:extLst>
       <p:ext uri="{BB962C8B-B14F-4D97-AF65-F5344CB8AC3E}">
-        <p14:creationId xmlns:p14="http://schemas.microsoft.com/office/powerpoint/2010/main" val="513142751"/>
+        <p14:creationId xmlns:p14="http://schemas.microsoft.com/office/powerpoint/2010/main" val="1788844401"/>
       </p:ext>
     </p:extLst>
   </p:cSld>
@@ -5530,27 +6516,178 @@
           <a:chExt cx="0" cy="0"/>
         </a:xfrm>
       </p:grpSpPr>
-      <p:sp>
-        <p:nvSpPr>
-          <p:cNvPr id="2" name="TextBox 1">
-            <a:extLst>
-              <a:ext uri="{FF2B5EF4-FFF2-40B4-BE49-F238E27FC236}">
-                <a16:creationId xmlns:a16="http://schemas.microsoft.com/office/drawing/2014/main" id="{DD7CFE07-4E68-CBF7-C10C-D045039F26AE}"/>
-              </a:ext>
-            </a:extLst>
-          </p:cNvPr>
-          <p:cNvSpPr txBox="1"/>
+      <p:pic>
+        <p:nvPicPr>
+          <p:cNvPr id="4" name="Picture 3">
+            <a:extLst>
+              <a:ext uri="{FF2B5EF4-FFF2-40B4-BE49-F238E27FC236}">
+                <a16:creationId xmlns:a16="http://schemas.microsoft.com/office/drawing/2014/main" id="{35D28376-28D2-0DDB-3710-2F520D45E89F}"/>
+              </a:ext>
+            </a:extLst>
+          </p:cNvPr>
+          <p:cNvPicPr>
+            <a:picLocks noChangeAspect="1"/>
+          </p:cNvPicPr>
           <p:nvPr/>
-        </p:nvSpPr>
-        <p:spPr>
-          <a:xfrm>
-            <a:off x="402336" y="594360"/>
-            <a:ext cx="1290738" cy="369332"/>
+        </p:nvPicPr>
+        <p:blipFill>
+          <a:blip r:embed="rId2"/>
+          <a:stretch>
+            <a:fillRect/>
+          </a:stretch>
+        </p:blipFill>
+        <p:spPr>
+          <a:xfrm>
+            <a:off x="530352" y="548764"/>
+            <a:ext cx="5257800" cy="5422268"/>
+          </a:xfrm>
+          <a:prstGeom prst="rect">
+            <a:avLst/>
+          </a:prstGeom>
+        </p:spPr>
+      </p:pic>
+      <p:pic>
+        <p:nvPicPr>
+          <p:cNvPr id="6" name="Picture 5">
+            <a:extLst>
+              <a:ext uri="{FF2B5EF4-FFF2-40B4-BE49-F238E27FC236}">
+                <a16:creationId xmlns:a16="http://schemas.microsoft.com/office/drawing/2014/main" id="{2F33C1F3-6A8B-5120-EF1E-2AD3DC47E442}"/>
+              </a:ext>
+            </a:extLst>
+          </p:cNvPr>
+          <p:cNvPicPr>
+            <a:picLocks noChangeAspect="1"/>
+          </p:cNvPicPr>
+          <p:nvPr/>
+        </p:nvPicPr>
+        <p:blipFill>
+          <a:blip r:embed="rId3"/>
+          <a:stretch>
+            <a:fillRect/>
+          </a:stretch>
+        </p:blipFill>
+        <p:spPr>
+          <a:xfrm>
+            <a:off x="5934455" y="548764"/>
+            <a:ext cx="6154857" cy="5422268"/>
+          </a:xfrm>
+          <a:prstGeom prst="rect">
+            <a:avLst/>
+          </a:prstGeom>
+        </p:spPr>
+      </p:pic>
+      <p:sp>
+        <p:nvSpPr>
+          <p:cNvPr id="7" name="Rectangle 6">
+            <a:extLst>
+              <a:ext uri="{FF2B5EF4-FFF2-40B4-BE49-F238E27FC236}">
+                <a16:creationId xmlns:a16="http://schemas.microsoft.com/office/drawing/2014/main" id="{EFC1587C-8F74-E3DC-F17F-F5366CFFD7C1}"/>
+              </a:ext>
+            </a:extLst>
+          </p:cNvPr>
+          <p:cNvSpPr/>
+          <p:nvPr/>
+        </p:nvSpPr>
+        <p:spPr>
+          <a:xfrm>
+            <a:off x="7093974" y="1106129"/>
+            <a:ext cx="1858297" cy="494071"/>
           </a:xfrm>
           <a:prstGeom prst="rect">
             <a:avLst/>
           </a:prstGeom>
           <a:noFill/>
+          <a:ln>
+            <a:solidFill>
+              <a:srgbClr val="FF0000"/>
+            </a:solidFill>
+          </a:ln>
+        </p:spPr>
+        <p:style>
+          <a:lnRef idx="2">
+            <a:schemeClr val="accent1">
+              <a:shade val="15000"/>
+            </a:schemeClr>
+          </a:lnRef>
+          <a:fillRef idx="1">
+            <a:schemeClr val="accent1"/>
+          </a:fillRef>
+          <a:effectRef idx="0">
+            <a:schemeClr val="accent1"/>
+          </a:effectRef>
+          <a:fontRef idx="minor">
+            <a:schemeClr val="lt1"/>
+          </a:fontRef>
+        </p:style>
+        <p:txBody>
+          <a:bodyPr rtlCol="0" anchor="ctr"/>
+          <a:lstStyle/>
+          <a:p>
+            <a:pPr algn="ctr"/>
+            <a:endParaRPr lang="en-US"/>
+          </a:p>
+        </p:txBody>
+      </p:sp>
+      <p:cxnSp>
+        <p:nvCxnSpPr>
+          <p:cNvPr id="9" name="Straight Arrow Connector 8">
+            <a:extLst>
+              <a:ext uri="{FF2B5EF4-FFF2-40B4-BE49-F238E27FC236}">
+                <a16:creationId xmlns:a16="http://schemas.microsoft.com/office/drawing/2014/main" id="{C814BD6B-8930-88DC-88E9-8B004ED1F642}"/>
+              </a:ext>
+            </a:extLst>
+          </p:cNvPr>
+          <p:cNvCxnSpPr/>
+          <p:nvPr/>
+        </p:nvCxnSpPr>
+        <p:spPr>
+          <a:xfrm>
+            <a:off x="7986252" y="3244645"/>
+            <a:ext cx="1120877" cy="250723"/>
+          </a:xfrm>
+          <a:prstGeom prst="straightConnector1">
+            <a:avLst/>
+          </a:prstGeom>
+          <a:ln>
+            <a:tailEnd type="triangle"/>
+          </a:ln>
+        </p:spPr>
+        <p:style>
+          <a:lnRef idx="1">
+            <a:schemeClr val="accent1"/>
+          </a:lnRef>
+          <a:fillRef idx="0">
+            <a:schemeClr val="accent1"/>
+          </a:fillRef>
+          <a:effectRef idx="0">
+            <a:schemeClr val="accent1"/>
+          </a:effectRef>
+          <a:fontRef idx="minor">
+            <a:schemeClr val="tx1"/>
+          </a:fontRef>
+        </p:style>
+      </p:cxnSp>
+      <p:sp>
+        <p:nvSpPr>
+          <p:cNvPr id="10" name="TextBox 9">
+            <a:extLst>
+              <a:ext uri="{FF2B5EF4-FFF2-40B4-BE49-F238E27FC236}">
+                <a16:creationId xmlns:a16="http://schemas.microsoft.com/office/drawing/2014/main" id="{83948E76-0450-E7C2-8D09-BD4D715BE304}"/>
+              </a:ext>
+            </a:extLst>
+          </p:cNvPr>
+          <p:cNvSpPr txBox="1"/>
+          <p:nvPr/>
+        </p:nvSpPr>
+        <p:spPr>
+          <a:xfrm>
+            <a:off x="9180871" y="3495368"/>
+            <a:ext cx="1792927" cy="369332"/>
+          </a:xfrm>
+          <a:prstGeom prst="rect">
+            <a:avLst/>
+          </a:prstGeom>
+          <a:noFill/>
         </p:spPr>
         <p:txBody>
           <a:bodyPr wrap="none" rtlCol="0">
@@ -5559,17 +6696,116 @@
           <a:lstStyle/>
           <a:p>
             <a:r>
-              <a:rPr lang="th-TH" dirty="0"/>
-              <a:t>การใช้งานรูปภาพ</a:t>
-            </a:r>
-            <a:endParaRPr lang="en-US" dirty="0"/>
-          </a:p>
-        </p:txBody>
-      </p:sp>
+              <a:rPr lang="en-US" dirty="0">
+                <a:highlight>
+                  <a:srgbClr val="FFFF00"/>
+                </a:highlight>
+              </a:rPr>
+              <a:t>Link to base.html</a:t>
+            </a:r>
+          </a:p>
+        </p:txBody>
+      </p:sp>
+    </p:spTree>
+    <p:extLst>
+      <p:ext uri="{BB962C8B-B14F-4D97-AF65-F5344CB8AC3E}">
+        <p14:creationId xmlns:p14="http://schemas.microsoft.com/office/powerpoint/2010/main" val="513142751"/>
+      </p:ext>
+    </p:extLst>
+  </p:cSld>
+  <p:clrMapOvr>
+    <a:masterClrMapping/>
+  </p:clrMapOvr>
+</p:sld>
+</file>
+
+<file path=ppt/slides/slide18.xml><?xml version="1.0" encoding="utf-8"?>
+<p:sld xmlns:a="http://schemas.openxmlformats.org/drawingml/2006/main" xmlns:r="http://schemas.openxmlformats.org/officeDocument/2006/relationships" xmlns:p="http://schemas.openxmlformats.org/presentationml/2006/main">
+  <p:cSld>
+    <p:spTree>
+      <p:nvGrpSpPr>
+        <p:cNvPr id="1" name=""/>
+        <p:cNvGrpSpPr/>
+        <p:nvPr/>
+      </p:nvGrpSpPr>
+      <p:grpSpPr>
+        <a:xfrm>
+          <a:off x="0" y="0"/>
+          <a:ext cx="0" cy="0"/>
+          <a:chOff x="0" y="0"/>
+          <a:chExt cx="0" cy="0"/>
+        </a:xfrm>
+      </p:grpSpPr>
     </p:spTree>
     <p:extLst>
       <p:ext uri="{BB962C8B-B14F-4D97-AF65-F5344CB8AC3E}">
         <p14:creationId xmlns:p14="http://schemas.microsoft.com/office/powerpoint/2010/main" val="2082009683"/>
+      </p:ext>
+    </p:extLst>
+  </p:cSld>
+  <p:clrMapOvr>
+    <a:masterClrMapping/>
+  </p:clrMapOvr>
+</p:sld>
+</file>
+
+<file path=ppt/slides/slide19.xml><?xml version="1.0" encoding="utf-8"?>
+<p:sld xmlns:a="http://schemas.openxmlformats.org/drawingml/2006/main" xmlns:r="http://schemas.openxmlformats.org/officeDocument/2006/relationships" xmlns:p="http://schemas.openxmlformats.org/presentationml/2006/main">
+  <p:cSld>
+    <p:spTree>
+      <p:nvGrpSpPr>
+        <p:cNvPr id="1" name=""/>
+        <p:cNvGrpSpPr/>
+        <p:nvPr/>
+      </p:nvGrpSpPr>
+      <p:grpSpPr>
+        <a:xfrm>
+          <a:off x="0" y="0"/>
+          <a:ext cx="0" cy="0"/>
+          <a:chOff x="0" y="0"/>
+          <a:chExt cx="0" cy="0"/>
+        </a:xfrm>
+      </p:grpSpPr>
+      <p:sp>
+        <p:nvSpPr>
+          <p:cNvPr id="2" name="TextBox 1">
+            <a:extLst>
+              <a:ext uri="{FF2B5EF4-FFF2-40B4-BE49-F238E27FC236}">
+                <a16:creationId xmlns:a16="http://schemas.microsoft.com/office/drawing/2014/main" id="{DD7CFE07-4E68-CBF7-C10C-D045039F26AE}"/>
+              </a:ext>
+            </a:extLst>
+          </p:cNvPr>
+          <p:cNvSpPr txBox="1"/>
+          <p:nvPr/>
+        </p:nvSpPr>
+        <p:spPr>
+          <a:xfrm>
+            <a:off x="402336" y="594360"/>
+            <a:ext cx="1290738" cy="369332"/>
+          </a:xfrm>
+          <a:prstGeom prst="rect">
+            <a:avLst/>
+          </a:prstGeom>
+          <a:noFill/>
+        </p:spPr>
+        <p:txBody>
+          <a:bodyPr wrap="none" rtlCol="0">
+            <a:spAutoFit/>
+          </a:bodyPr>
+          <a:lstStyle/>
+          <a:p>
+            <a:r>
+              <a:rPr lang="th-TH" dirty="0"/>
+              <a:t>การใช้งานรูปภาพ</a:t>
+            </a:r>
+            <a:endParaRPr lang="en-US" dirty="0"/>
+          </a:p>
+        </p:txBody>
+      </p:sp>
+    </p:spTree>
+    <p:extLst>
+      <p:ext uri="{BB962C8B-B14F-4D97-AF65-F5344CB8AC3E}">
+        <p14:creationId xmlns:p14="http://schemas.microsoft.com/office/powerpoint/2010/main" val="3820898648"/>
       </p:ext>
     </p:extLst>
   </p:cSld>
@@ -5630,6 +6866,534 @@
     <p:extLst>
       <p:ext uri="{BB962C8B-B14F-4D97-AF65-F5344CB8AC3E}">
         <p14:creationId xmlns:p14="http://schemas.microsoft.com/office/powerpoint/2010/main" val="944538427"/>
+      </p:ext>
+    </p:extLst>
+  </p:cSld>
+  <p:clrMapOvr>
+    <a:masterClrMapping/>
+  </p:clrMapOvr>
+</p:sld>
+</file>
+
+<file path=ppt/slides/slide20.xml><?xml version="1.0" encoding="utf-8"?>
+<p:sld xmlns:a="http://schemas.openxmlformats.org/drawingml/2006/main" xmlns:r="http://schemas.openxmlformats.org/officeDocument/2006/relationships" xmlns:p="http://schemas.openxmlformats.org/presentationml/2006/main">
+  <p:cSld>
+    <p:spTree>
+      <p:nvGrpSpPr>
+        <p:cNvPr id="1" name=""/>
+        <p:cNvGrpSpPr/>
+        <p:nvPr/>
+      </p:nvGrpSpPr>
+      <p:grpSpPr>
+        <a:xfrm>
+          <a:off x="0" y="0"/>
+          <a:ext cx="0" cy="0"/>
+          <a:chOff x="0" y="0"/>
+          <a:chExt cx="0" cy="0"/>
+        </a:xfrm>
+      </p:grpSpPr>
+      <p:sp>
+        <p:nvSpPr>
+          <p:cNvPr id="2" name="TextBox 1">
+            <a:extLst>
+              <a:ext uri="{FF2B5EF4-FFF2-40B4-BE49-F238E27FC236}">
+                <a16:creationId xmlns:a16="http://schemas.microsoft.com/office/drawing/2014/main" id="{DD7CFE07-4E68-CBF7-C10C-D045039F26AE}"/>
+              </a:ext>
+            </a:extLst>
+          </p:cNvPr>
+          <p:cNvSpPr txBox="1"/>
+          <p:nvPr/>
+        </p:nvSpPr>
+        <p:spPr>
+          <a:xfrm>
+            <a:off x="402336" y="594360"/>
+            <a:ext cx="1290738" cy="369332"/>
+          </a:xfrm>
+          <a:prstGeom prst="rect">
+            <a:avLst/>
+          </a:prstGeom>
+          <a:noFill/>
+        </p:spPr>
+        <p:txBody>
+          <a:bodyPr wrap="none" rtlCol="0">
+            <a:spAutoFit/>
+          </a:bodyPr>
+          <a:lstStyle/>
+          <a:p>
+            <a:r>
+              <a:rPr lang="th-TH" dirty="0"/>
+              <a:t>การใช้งานรูปภาพ</a:t>
+            </a:r>
+            <a:endParaRPr lang="en-US" dirty="0"/>
+          </a:p>
+        </p:txBody>
+      </p:sp>
+    </p:spTree>
+    <p:extLst>
+      <p:ext uri="{BB962C8B-B14F-4D97-AF65-F5344CB8AC3E}">
+        <p14:creationId xmlns:p14="http://schemas.microsoft.com/office/powerpoint/2010/main" val="2667043164"/>
+      </p:ext>
+    </p:extLst>
+  </p:cSld>
+  <p:clrMapOvr>
+    <a:masterClrMapping/>
+  </p:clrMapOvr>
+</p:sld>
+</file>
+
+<file path=ppt/slides/slide21.xml><?xml version="1.0" encoding="utf-8"?>
+<p:sld xmlns:a="http://schemas.openxmlformats.org/drawingml/2006/main" xmlns:r="http://schemas.openxmlformats.org/officeDocument/2006/relationships" xmlns:p="http://schemas.openxmlformats.org/presentationml/2006/main">
+  <p:cSld>
+    <p:spTree>
+      <p:nvGrpSpPr>
+        <p:cNvPr id="1" name=""/>
+        <p:cNvGrpSpPr/>
+        <p:nvPr/>
+      </p:nvGrpSpPr>
+      <p:grpSpPr>
+        <a:xfrm>
+          <a:off x="0" y="0"/>
+          <a:ext cx="0" cy="0"/>
+          <a:chOff x="0" y="0"/>
+          <a:chExt cx="0" cy="0"/>
+        </a:xfrm>
+      </p:grpSpPr>
+      <p:sp>
+        <p:nvSpPr>
+          <p:cNvPr id="2" name="TextBox 1">
+            <a:extLst>
+              <a:ext uri="{FF2B5EF4-FFF2-40B4-BE49-F238E27FC236}">
+                <a16:creationId xmlns:a16="http://schemas.microsoft.com/office/drawing/2014/main" id="{DD7CFE07-4E68-CBF7-C10C-D045039F26AE}"/>
+              </a:ext>
+            </a:extLst>
+          </p:cNvPr>
+          <p:cNvSpPr txBox="1"/>
+          <p:nvPr/>
+        </p:nvSpPr>
+        <p:spPr>
+          <a:xfrm>
+            <a:off x="402336" y="594360"/>
+            <a:ext cx="1290738" cy="369332"/>
+          </a:xfrm>
+          <a:prstGeom prst="rect">
+            <a:avLst/>
+          </a:prstGeom>
+          <a:noFill/>
+        </p:spPr>
+        <p:txBody>
+          <a:bodyPr wrap="none" rtlCol="0">
+            <a:spAutoFit/>
+          </a:bodyPr>
+          <a:lstStyle/>
+          <a:p>
+            <a:r>
+              <a:rPr lang="th-TH" dirty="0"/>
+              <a:t>การใช้งานรูปภาพ</a:t>
+            </a:r>
+            <a:endParaRPr lang="en-US" dirty="0"/>
+          </a:p>
+        </p:txBody>
+      </p:sp>
+    </p:spTree>
+    <p:extLst>
+      <p:ext uri="{BB962C8B-B14F-4D97-AF65-F5344CB8AC3E}">
+        <p14:creationId xmlns:p14="http://schemas.microsoft.com/office/powerpoint/2010/main" val="2106921742"/>
+      </p:ext>
+    </p:extLst>
+  </p:cSld>
+  <p:clrMapOvr>
+    <a:masterClrMapping/>
+  </p:clrMapOvr>
+</p:sld>
+</file>
+
+<file path=ppt/slides/slide22.xml><?xml version="1.0" encoding="utf-8"?>
+<p:sld xmlns:a="http://schemas.openxmlformats.org/drawingml/2006/main" xmlns:r="http://schemas.openxmlformats.org/officeDocument/2006/relationships" xmlns:p="http://schemas.openxmlformats.org/presentationml/2006/main">
+  <p:cSld>
+    <p:spTree>
+      <p:nvGrpSpPr>
+        <p:cNvPr id="1" name=""/>
+        <p:cNvGrpSpPr/>
+        <p:nvPr/>
+      </p:nvGrpSpPr>
+      <p:grpSpPr>
+        <a:xfrm>
+          <a:off x="0" y="0"/>
+          <a:ext cx="0" cy="0"/>
+          <a:chOff x="0" y="0"/>
+          <a:chExt cx="0" cy="0"/>
+        </a:xfrm>
+      </p:grpSpPr>
+      <p:sp>
+        <p:nvSpPr>
+          <p:cNvPr id="2" name="TextBox 1">
+            <a:extLst>
+              <a:ext uri="{FF2B5EF4-FFF2-40B4-BE49-F238E27FC236}">
+                <a16:creationId xmlns:a16="http://schemas.microsoft.com/office/drawing/2014/main" id="{DD7CFE07-4E68-CBF7-C10C-D045039F26AE}"/>
+              </a:ext>
+            </a:extLst>
+          </p:cNvPr>
+          <p:cNvSpPr txBox="1"/>
+          <p:nvPr/>
+        </p:nvSpPr>
+        <p:spPr>
+          <a:xfrm>
+            <a:off x="402336" y="594360"/>
+            <a:ext cx="1290738" cy="369332"/>
+          </a:xfrm>
+          <a:prstGeom prst="rect">
+            <a:avLst/>
+          </a:prstGeom>
+          <a:noFill/>
+        </p:spPr>
+        <p:txBody>
+          <a:bodyPr wrap="none" rtlCol="0">
+            <a:spAutoFit/>
+          </a:bodyPr>
+          <a:lstStyle/>
+          <a:p>
+            <a:r>
+              <a:rPr lang="th-TH" dirty="0"/>
+              <a:t>การใช้งานรูปภาพ</a:t>
+            </a:r>
+            <a:endParaRPr lang="en-US" dirty="0"/>
+          </a:p>
+        </p:txBody>
+      </p:sp>
+    </p:spTree>
+    <p:extLst>
+      <p:ext uri="{BB962C8B-B14F-4D97-AF65-F5344CB8AC3E}">
+        <p14:creationId xmlns:p14="http://schemas.microsoft.com/office/powerpoint/2010/main" val="2062299482"/>
+      </p:ext>
+    </p:extLst>
+  </p:cSld>
+  <p:clrMapOvr>
+    <a:masterClrMapping/>
+  </p:clrMapOvr>
+</p:sld>
+</file>
+
+<file path=ppt/slides/slide23.xml><?xml version="1.0" encoding="utf-8"?>
+<p:sld xmlns:a="http://schemas.openxmlformats.org/drawingml/2006/main" xmlns:r="http://schemas.openxmlformats.org/officeDocument/2006/relationships" xmlns:p="http://schemas.openxmlformats.org/presentationml/2006/main">
+  <p:cSld>
+    <p:spTree>
+      <p:nvGrpSpPr>
+        <p:cNvPr id="1" name=""/>
+        <p:cNvGrpSpPr/>
+        <p:nvPr/>
+      </p:nvGrpSpPr>
+      <p:grpSpPr>
+        <a:xfrm>
+          <a:off x="0" y="0"/>
+          <a:ext cx="0" cy="0"/>
+          <a:chOff x="0" y="0"/>
+          <a:chExt cx="0" cy="0"/>
+        </a:xfrm>
+      </p:grpSpPr>
+      <p:sp>
+        <p:nvSpPr>
+          <p:cNvPr id="2" name="TextBox 1">
+            <a:extLst>
+              <a:ext uri="{FF2B5EF4-FFF2-40B4-BE49-F238E27FC236}">
+                <a16:creationId xmlns:a16="http://schemas.microsoft.com/office/drawing/2014/main" id="{DD7CFE07-4E68-CBF7-C10C-D045039F26AE}"/>
+              </a:ext>
+            </a:extLst>
+          </p:cNvPr>
+          <p:cNvSpPr txBox="1"/>
+          <p:nvPr/>
+        </p:nvSpPr>
+        <p:spPr>
+          <a:xfrm>
+            <a:off x="402336" y="594360"/>
+            <a:ext cx="1290738" cy="369332"/>
+          </a:xfrm>
+          <a:prstGeom prst="rect">
+            <a:avLst/>
+          </a:prstGeom>
+          <a:noFill/>
+        </p:spPr>
+        <p:txBody>
+          <a:bodyPr wrap="none" rtlCol="0">
+            <a:spAutoFit/>
+          </a:bodyPr>
+          <a:lstStyle/>
+          <a:p>
+            <a:r>
+              <a:rPr lang="th-TH" dirty="0"/>
+              <a:t>การใช้งานรูปภาพ</a:t>
+            </a:r>
+            <a:endParaRPr lang="en-US" dirty="0"/>
+          </a:p>
+        </p:txBody>
+      </p:sp>
+    </p:spTree>
+    <p:extLst>
+      <p:ext uri="{BB962C8B-B14F-4D97-AF65-F5344CB8AC3E}">
+        <p14:creationId xmlns:p14="http://schemas.microsoft.com/office/powerpoint/2010/main" val="1221007331"/>
+      </p:ext>
+    </p:extLst>
+  </p:cSld>
+  <p:clrMapOvr>
+    <a:masterClrMapping/>
+  </p:clrMapOvr>
+</p:sld>
+</file>
+
+<file path=ppt/slides/slide24.xml><?xml version="1.0" encoding="utf-8"?>
+<p:sld xmlns:a="http://schemas.openxmlformats.org/drawingml/2006/main" xmlns:r="http://schemas.openxmlformats.org/officeDocument/2006/relationships" xmlns:p="http://schemas.openxmlformats.org/presentationml/2006/main">
+  <p:cSld>
+    <p:spTree>
+      <p:nvGrpSpPr>
+        <p:cNvPr id="1" name=""/>
+        <p:cNvGrpSpPr/>
+        <p:nvPr/>
+      </p:nvGrpSpPr>
+      <p:grpSpPr>
+        <a:xfrm>
+          <a:off x="0" y="0"/>
+          <a:ext cx="0" cy="0"/>
+          <a:chOff x="0" y="0"/>
+          <a:chExt cx="0" cy="0"/>
+        </a:xfrm>
+      </p:grpSpPr>
+      <p:sp>
+        <p:nvSpPr>
+          <p:cNvPr id="2" name="TextBox 1">
+            <a:extLst>
+              <a:ext uri="{FF2B5EF4-FFF2-40B4-BE49-F238E27FC236}">
+                <a16:creationId xmlns:a16="http://schemas.microsoft.com/office/drawing/2014/main" id="{DD7CFE07-4E68-CBF7-C10C-D045039F26AE}"/>
+              </a:ext>
+            </a:extLst>
+          </p:cNvPr>
+          <p:cNvSpPr txBox="1"/>
+          <p:nvPr/>
+        </p:nvSpPr>
+        <p:spPr>
+          <a:xfrm>
+            <a:off x="402336" y="594360"/>
+            <a:ext cx="1290738" cy="369332"/>
+          </a:xfrm>
+          <a:prstGeom prst="rect">
+            <a:avLst/>
+          </a:prstGeom>
+          <a:noFill/>
+        </p:spPr>
+        <p:txBody>
+          <a:bodyPr wrap="none" rtlCol="0">
+            <a:spAutoFit/>
+          </a:bodyPr>
+          <a:lstStyle/>
+          <a:p>
+            <a:r>
+              <a:rPr lang="th-TH" dirty="0"/>
+              <a:t>การใช้งานรูปภาพ</a:t>
+            </a:r>
+            <a:endParaRPr lang="en-US" dirty="0"/>
+          </a:p>
+        </p:txBody>
+      </p:sp>
+    </p:spTree>
+    <p:extLst>
+      <p:ext uri="{BB962C8B-B14F-4D97-AF65-F5344CB8AC3E}">
+        <p14:creationId xmlns:p14="http://schemas.microsoft.com/office/powerpoint/2010/main" val="2532671508"/>
+      </p:ext>
+    </p:extLst>
+  </p:cSld>
+  <p:clrMapOvr>
+    <a:masterClrMapping/>
+  </p:clrMapOvr>
+</p:sld>
+</file>
+
+<file path=ppt/slides/slide25.xml><?xml version="1.0" encoding="utf-8"?>
+<p:sld xmlns:a="http://schemas.openxmlformats.org/drawingml/2006/main" xmlns:r="http://schemas.openxmlformats.org/officeDocument/2006/relationships" xmlns:p="http://schemas.openxmlformats.org/presentationml/2006/main">
+  <p:cSld>
+    <p:spTree>
+      <p:nvGrpSpPr>
+        <p:cNvPr id="1" name=""/>
+        <p:cNvGrpSpPr/>
+        <p:nvPr/>
+      </p:nvGrpSpPr>
+      <p:grpSpPr>
+        <a:xfrm>
+          <a:off x="0" y="0"/>
+          <a:ext cx="0" cy="0"/>
+          <a:chOff x="0" y="0"/>
+          <a:chExt cx="0" cy="0"/>
+        </a:xfrm>
+      </p:grpSpPr>
+      <p:sp>
+        <p:nvSpPr>
+          <p:cNvPr id="2" name="TextBox 1">
+            <a:extLst>
+              <a:ext uri="{FF2B5EF4-FFF2-40B4-BE49-F238E27FC236}">
+                <a16:creationId xmlns:a16="http://schemas.microsoft.com/office/drawing/2014/main" id="{DD7CFE07-4E68-CBF7-C10C-D045039F26AE}"/>
+              </a:ext>
+            </a:extLst>
+          </p:cNvPr>
+          <p:cNvSpPr txBox="1"/>
+          <p:nvPr/>
+        </p:nvSpPr>
+        <p:spPr>
+          <a:xfrm>
+            <a:off x="402336" y="594360"/>
+            <a:ext cx="1290738" cy="369332"/>
+          </a:xfrm>
+          <a:prstGeom prst="rect">
+            <a:avLst/>
+          </a:prstGeom>
+          <a:noFill/>
+        </p:spPr>
+        <p:txBody>
+          <a:bodyPr wrap="none" rtlCol="0">
+            <a:spAutoFit/>
+          </a:bodyPr>
+          <a:lstStyle/>
+          <a:p>
+            <a:r>
+              <a:rPr lang="th-TH" dirty="0"/>
+              <a:t>การใช้งานรูปภาพ</a:t>
+            </a:r>
+            <a:endParaRPr lang="en-US" dirty="0"/>
+          </a:p>
+        </p:txBody>
+      </p:sp>
+    </p:spTree>
+    <p:extLst>
+      <p:ext uri="{BB962C8B-B14F-4D97-AF65-F5344CB8AC3E}">
+        <p14:creationId xmlns:p14="http://schemas.microsoft.com/office/powerpoint/2010/main" val="2104286461"/>
+      </p:ext>
+    </p:extLst>
+  </p:cSld>
+  <p:clrMapOvr>
+    <a:masterClrMapping/>
+  </p:clrMapOvr>
+</p:sld>
+</file>
+
+<file path=ppt/slides/slide26.xml><?xml version="1.0" encoding="utf-8"?>
+<p:sld xmlns:a="http://schemas.openxmlformats.org/drawingml/2006/main" xmlns:r="http://schemas.openxmlformats.org/officeDocument/2006/relationships" xmlns:p="http://schemas.openxmlformats.org/presentationml/2006/main">
+  <p:cSld>
+    <p:spTree>
+      <p:nvGrpSpPr>
+        <p:cNvPr id="1" name=""/>
+        <p:cNvGrpSpPr/>
+        <p:nvPr/>
+      </p:nvGrpSpPr>
+      <p:grpSpPr>
+        <a:xfrm>
+          <a:off x="0" y="0"/>
+          <a:ext cx="0" cy="0"/>
+          <a:chOff x="0" y="0"/>
+          <a:chExt cx="0" cy="0"/>
+        </a:xfrm>
+      </p:grpSpPr>
+      <p:sp>
+        <p:nvSpPr>
+          <p:cNvPr id="2" name="TextBox 1">
+            <a:extLst>
+              <a:ext uri="{FF2B5EF4-FFF2-40B4-BE49-F238E27FC236}">
+                <a16:creationId xmlns:a16="http://schemas.microsoft.com/office/drawing/2014/main" id="{DD7CFE07-4E68-CBF7-C10C-D045039F26AE}"/>
+              </a:ext>
+            </a:extLst>
+          </p:cNvPr>
+          <p:cNvSpPr txBox="1"/>
+          <p:nvPr/>
+        </p:nvSpPr>
+        <p:spPr>
+          <a:xfrm>
+            <a:off x="402336" y="594360"/>
+            <a:ext cx="1290738" cy="369332"/>
+          </a:xfrm>
+          <a:prstGeom prst="rect">
+            <a:avLst/>
+          </a:prstGeom>
+          <a:noFill/>
+        </p:spPr>
+        <p:txBody>
+          <a:bodyPr wrap="none" rtlCol="0">
+            <a:spAutoFit/>
+          </a:bodyPr>
+          <a:lstStyle/>
+          <a:p>
+            <a:r>
+              <a:rPr lang="th-TH" dirty="0"/>
+              <a:t>การใช้งานรูปภาพ</a:t>
+            </a:r>
+            <a:endParaRPr lang="en-US" dirty="0"/>
+          </a:p>
+        </p:txBody>
+      </p:sp>
+    </p:spTree>
+    <p:extLst>
+      <p:ext uri="{BB962C8B-B14F-4D97-AF65-F5344CB8AC3E}">
+        <p14:creationId xmlns:p14="http://schemas.microsoft.com/office/powerpoint/2010/main" val="2013185265"/>
+      </p:ext>
+    </p:extLst>
+  </p:cSld>
+  <p:clrMapOvr>
+    <a:masterClrMapping/>
+  </p:clrMapOvr>
+</p:sld>
+</file>
+
+<file path=ppt/slides/slide27.xml><?xml version="1.0" encoding="utf-8"?>
+<p:sld xmlns:a="http://schemas.openxmlformats.org/drawingml/2006/main" xmlns:r="http://schemas.openxmlformats.org/officeDocument/2006/relationships" xmlns:p="http://schemas.openxmlformats.org/presentationml/2006/main">
+  <p:cSld>
+    <p:spTree>
+      <p:nvGrpSpPr>
+        <p:cNvPr id="1" name=""/>
+        <p:cNvGrpSpPr/>
+        <p:nvPr/>
+      </p:nvGrpSpPr>
+      <p:grpSpPr>
+        <a:xfrm>
+          <a:off x="0" y="0"/>
+          <a:ext cx="0" cy="0"/>
+          <a:chOff x="0" y="0"/>
+          <a:chExt cx="0" cy="0"/>
+        </a:xfrm>
+      </p:grpSpPr>
+      <p:sp>
+        <p:nvSpPr>
+          <p:cNvPr id="2" name="TextBox 1">
+            <a:extLst>
+              <a:ext uri="{FF2B5EF4-FFF2-40B4-BE49-F238E27FC236}">
+                <a16:creationId xmlns:a16="http://schemas.microsoft.com/office/drawing/2014/main" id="{DD7CFE07-4E68-CBF7-C10C-D045039F26AE}"/>
+              </a:ext>
+            </a:extLst>
+          </p:cNvPr>
+          <p:cNvSpPr txBox="1"/>
+          <p:nvPr/>
+        </p:nvSpPr>
+        <p:spPr>
+          <a:xfrm>
+            <a:off x="402336" y="594360"/>
+            <a:ext cx="1290738" cy="369332"/>
+          </a:xfrm>
+          <a:prstGeom prst="rect">
+            <a:avLst/>
+          </a:prstGeom>
+          <a:noFill/>
+        </p:spPr>
+        <p:txBody>
+          <a:bodyPr wrap="none" rtlCol="0">
+            <a:spAutoFit/>
+          </a:bodyPr>
+          <a:lstStyle/>
+          <a:p>
+            <a:r>
+              <a:rPr lang="th-TH" dirty="0"/>
+              <a:t>การใช้งานรูปภาพ</a:t>
+            </a:r>
+            <a:endParaRPr lang="en-US" dirty="0"/>
+          </a:p>
+        </p:txBody>
+      </p:sp>
+    </p:spTree>
+    <p:extLst>
+      <p:ext uri="{BB962C8B-B14F-4D97-AF65-F5344CB8AC3E}">
+        <p14:creationId xmlns:p14="http://schemas.microsoft.com/office/powerpoint/2010/main" val="47034725"/>
       </p:ext>
     </p:extLst>
   </p:cSld>
@@ -6446,10 +8210,10 @@
       </p:grpSpPr>
       <p:pic>
         <p:nvPicPr>
-          <p:cNvPr id="5" name="Picture 4">
-            <a:extLst>
-              <a:ext uri="{FF2B5EF4-FFF2-40B4-BE49-F238E27FC236}">
-                <a16:creationId xmlns:a16="http://schemas.microsoft.com/office/drawing/2014/main" id="{BEABA06A-1817-CA62-C939-B2E3FE0AE87D}"/>
+          <p:cNvPr id="4" name="Picture 3">
+            <a:extLst>
+              <a:ext uri="{FF2B5EF4-FFF2-40B4-BE49-F238E27FC236}">
+                <a16:creationId xmlns:a16="http://schemas.microsoft.com/office/drawing/2014/main" id="{50FF832F-0A96-4D53-6F03-4317B76FC74D}"/>
               </a:ext>
             </a:extLst>
           </p:cNvPr>
@@ -6466,135 +8230,18 @@
         </p:blipFill>
         <p:spPr>
           <a:xfrm>
-            <a:off x="365754" y="132890"/>
-            <a:ext cx="7452366" cy="3296110"/>
+            <a:off x="1371599" y="482029"/>
+            <a:ext cx="8760295" cy="5893941"/>
           </a:xfrm>
           <a:prstGeom prst="rect">
             <a:avLst/>
           </a:prstGeom>
         </p:spPr>
       </p:pic>
-      <p:pic>
-        <p:nvPicPr>
-          <p:cNvPr id="7" name="Picture 6">
-            <a:extLst>
-              <a:ext uri="{FF2B5EF4-FFF2-40B4-BE49-F238E27FC236}">
-                <a16:creationId xmlns:a16="http://schemas.microsoft.com/office/drawing/2014/main" id="{9E4A6ED4-FE75-D0A5-36AF-4C714A7F17F1}"/>
-              </a:ext>
-            </a:extLst>
-          </p:cNvPr>
-          <p:cNvPicPr>
-            <a:picLocks noChangeAspect="1"/>
-          </p:cNvPicPr>
-          <p:nvPr/>
-        </p:nvPicPr>
-        <p:blipFill>
-          <a:blip r:embed="rId3"/>
-          <a:stretch>
-            <a:fillRect/>
-          </a:stretch>
-        </p:blipFill>
-        <p:spPr>
-          <a:xfrm>
-            <a:off x="4672583" y="3032577"/>
-            <a:ext cx="6754863" cy="2155528"/>
-          </a:xfrm>
-          <a:prstGeom prst="rect">
-            <a:avLst/>
-          </a:prstGeom>
-        </p:spPr>
-      </p:pic>
-      <p:cxnSp>
-        <p:nvCxnSpPr>
-          <p:cNvPr id="9" name="Straight Arrow Connector 8">
-            <a:extLst>
-              <a:ext uri="{FF2B5EF4-FFF2-40B4-BE49-F238E27FC236}">
-                <a16:creationId xmlns:a16="http://schemas.microsoft.com/office/drawing/2014/main" id="{693FD6D4-7BE8-E30E-545A-C2424E45671F}"/>
-              </a:ext>
-            </a:extLst>
-          </p:cNvPr>
-          <p:cNvCxnSpPr/>
-          <p:nvPr/>
-        </p:nvCxnSpPr>
-        <p:spPr>
-          <a:xfrm>
-            <a:off x="1499616" y="2029968"/>
-            <a:ext cx="2788920" cy="1005840"/>
-          </a:xfrm>
-          <a:prstGeom prst="straightConnector1">
-            <a:avLst/>
-          </a:prstGeom>
-          <a:ln>
-            <a:tailEnd type="triangle"/>
-          </a:ln>
-        </p:spPr>
-        <p:style>
-          <a:lnRef idx="1">
-            <a:schemeClr val="accent1"/>
-          </a:lnRef>
-          <a:fillRef idx="0">
-            <a:schemeClr val="accent1"/>
-          </a:fillRef>
-          <a:effectRef idx="0">
-            <a:schemeClr val="accent1"/>
-          </a:effectRef>
-          <a:fontRef idx="minor">
-            <a:schemeClr val="tx1"/>
-          </a:fontRef>
-        </p:style>
-      </p:cxnSp>
-      <p:sp>
-        <p:nvSpPr>
-          <p:cNvPr id="10" name="TextBox 9">
-            <a:extLst>
-              <a:ext uri="{FF2B5EF4-FFF2-40B4-BE49-F238E27FC236}">
-                <a16:creationId xmlns:a16="http://schemas.microsoft.com/office/drawing/2014/main" id="{3476742A-CE8C-D14D-734C-4398FF82B72E}"/>
-              </a:ext>
-            </a:extLst>
-          </p:cNvPr>
-          <p:cNvSpPr txBox="1"/>
-          <p:nvPr/>
-        </p:nvSpPr>
-        <p:spPr>
-          <a:xfrm>
-            <a:off x="3493008" y="5907024"/>
-            <a:ext cx="3390800" cy="369332"/>
-          </a:xfrm>
-          <a:prstGeom prst="rect">
-            <a:avLst/>
-          </a:prstGeom>
-          <a:noFill/>
-        </p:spPr>
-        <p:txBody>
-          <a:bodyPr wrap="none" rtlCol="0">
-            <a:spAutoFit/>
-          </a:bodyPr>
-          <a:lstStyle/>
-          <a:p>
-            <a:r>
-              <a:rPr lang="en-US" dirty="0"/>
-              <a:t>Change from 6 to 4 </a:t>
-            </a:r>
-            <a:r>
-              <a:rPr lang="th-TH" dirty="0"/>
-              <a:t>เป็น </a:t>
-            </a:r>
-            <a:r>
-              <a:rPr lang="en-US" dirty="0"/>
-              <a:t>3 </a:t>
-            </a:r>
-            <a:r>
-              <a:rPr lang="th-TH" dirty="0"/>
-              <a:t>ช่องอยู่ด้วยกัน</a:t>
-            </a:r>
-            <a:endParaRPr lang="en-US" dirty="0"/>
-          </a:p>
-        </p:txBody>
-      </p:sp>
     </p:spTree>
     <p:extLst>
       <p:ext uri="{BB962C8B-B14F-4D97-AF65-F5344CB8AC3E}">
-        <p14:creationId xmlns:p14="http://schemas.microsoft.com/office/powerpoint/2010/main" val="176034305"/>
+        <p14:creationId xmlns:p14="http://schemas.microsoft.com/office/powerpoint/2010/main" val="4279994729"/>
       </p:ext>
     </p:extLst>
   </p:cSld>
@@ -6621,12 +8268,87 @@
           <a:chExt cx="0" cy="0"/>
         </a:xfrm>
       </p:grpSpPr>
+      <p:sp>
+        <p:nvSpPr>
+          <p:cNvPr id="3" name="TextBox 2">
+            <a:extLst>
+              <a:ext uri="{FF2B5EF4-FFF2-40B4-BE49-F238E27FC236}">
+                <a16:creationId xmlns:a16="http://schemas.microsoft.com/office/drawing/2014/main" id="{50AD979C-78AF-00BC-81AF-9F291CB4A233}"/>
+              </a:ext>
+            </a:extLst>
+          </p:cNvPr>
+          <p:cNvSpPr txBox="1"/>
+          <p:nvPr/>
+        </p:nvSpPr>
+        <p:spPr>
+          <a:xfrm>
+            <a:off x="676656" y="667512"/>
+            <a:ext cx="6891887" cy="1754326"/>
+          </a:xfrm>
+          <a:prstGeom prst="rect">
+            <a:avLst/>
+          </a:prstGeom>
+          <a:noFill/>
+        </p:spPr>
+        <p:txBody>
+          <a:bodyPr wrap="none" rtlCol="0">
+            <a:spAutoFit/>
+          </a:bodyPr>
+          <a:lstStyle/>
+          <a:p>
+            <a:r>
+              <a:rPr lang="en-US" dirty="0"/>
+              <a:t>How to create template </a:t>
+            </a:r>
+          </a:p>
+          <a:p>
+            <a:endParaRPr lang="en-US" dirty="0"/>
+          </a:p>
+          <a:p>
+            <a:pPr marL="342900" indent="-342900">
+              <a:buFont typeface="+mj-lt"/>
+              <a:buAutoNum type="arabicPeriod"/>
+            </a:pPr>
+            <a:r>
+              <a:rPr lang="en-US" dirty="0"/>
+              <a:t>Add folder template on  app /// add folder home  // add home.html</a:t>
+            </a:r>
+          </a:p>
+          <a:p>
+            <a:pPr marL="342900" indent="-342900">
+              <a:buFont typeface="+mj-lt"/>
+              <a:buAutoNum type="arabicPeriod"/>
+            </a:pPr>
+            <a:r>
+              <a:rPr lang="en-US" dirty="0"/>
+              <a:t>Setting.py add ( BASE_DIR, ’home/template ‘),</a:t>
+            </a:r>
+          </a:p>
+          <a:p>
+            <a:pPr marL="342900" indent="-342900">
+              <a:buFont typeface="+mj-lt"/>
+              <a:buAutoNum type="arabicPeriod"/>
+            </a:pPr>
+            <a:r>
+              <a:rPr lang="en-US" dirty="0"/>
+              <a:t>Use render instead of HTTP respond</a:t>
+            </a:r>
+          </a:p>
+          <a:p>
+            <a:pPr marL="342900" indent="-342900">
+              <a:buFont typeface="+mj-lt"/>
+              <a:buAutoNum type="arabicPeriod"/>
+            </a:pPr>
+            <a:endParaRPr lang="en-US" dirty="0"/>
+          </a:p>
+        </p:txBody>
+      </p:sp>
       <p:pic>
         <p:nvPicPr>
-          <p:cNvPr id="3" name="Picture 2">
-            <a:extLst>
-              <a:ext uri="{FF2B5EF4-FFF2-40B4-BE49-F238E27FC236}">
-                <a16:creationId xmlns:a16="http://schemas.microsoft.com/office/drawing/2014/main" id="{947A38C8-AB33-3762-9C68-87F93FA09BFA}"/>
+          <p:cNvPr id="5" name="Picture 4">
+            <a:extLst>
+              <a:ext uri="{FF2B5EF4-FFF2-40B4-BE49-F238E27FC236}">
+                <a16:creationId xmlns:a16="http://schemas.microsoft.com/office/drawing/2014/main" id="{B6557C38-58F2-B3DB-6BD8-30C7456AFCC5}"/>
               </a:ext>
             </a:extLst>
           </p:cNvPr>
@@ -6643,8 +8365,8 @@
         </p:blipFill>
         <p:spPr>
           <a:xfrm>
-            <a:off x="838231" y="352346"/>
-            <a:ext cx="5010849" cy="1124107"/>
+            <a:off x="8811433" y="0"/>
+            <a:ext cx="2067213" cy="1754327"/>
           </a:xfrm>
           <a:prstGeom prst="rect">
             <a:avLst/>
@@ -6653,10 +8375,10 @@
       </p:pic>
       <p:pic>
         <p:nvPicPr>
-          <p:cNvPr id="5" name="Picture 4">
-            <a:extLst>
-              <a:ext uri="{FF2B5EF4-FFF2-40B4-BE49-F238E27FC236}">
-                <a16:creationId xmlns:a16="http://schemas.microsoft.com/office/drawing/2014/main" id="{71E8C18B-FB7A-E7C3-CE23-BEC70E242D52}"/>
+          <p:cNvPr id="7" name="Picture 6">
+            <a:extLst>
+              <a:ext uri="{FF2B5EF4-FFF2-40B4-BE49-F238E27FC236}">
+                <a16:creationId xmlns:a16="http://schemas.microsoft.com/office/drawing/2014/main" id="{6B583E4B-04AA-F689-90F8-0BC359144FB3}"/>
               </a:ext>
             </a:extLst>
           </p:cNvPr>
@@ -6673,18 +8395,245 @@
         </p:blipFill>
         <p:spPr>
           <a:xfrm>
-            <a:off x="838231" y="1476453"/>
-            <a:ext cx="10698068" cy="3000794"/>
+            <a:off x="5051063" y="2201250"/>
+            <a:ext cx="6277851" cy="1754327"/>
           </a:xfrm>
           <a:prstGeom prst="rect">
             <a:avLst/>
           </a:prstGeom>
         </p:spPr>
       </p:pic>
+      <p:pic>
+        <p:nvPicPr>
+          <p:cNvPr id="9" name="Picture 8">
+            <a:extLst>
+              <a:ext uri="{FF2B5EF4-FFF2-40B4-BE49-F238E27FC236}">
+                <a16:creationId xmlns:a16="http://schemas.microsoft.com/office/drawing/2014/main" id="{9B9D3891-78D8-49A3-7F02-35F698222253}"/>
+              </a:ext>
+            </a:extLst>
+          </p:cNvPr>
+          <p:cNvPicPr>
+            <a:picLocks noChangeAspect="1"/>
+          </p:cNvPicPr>
+          <p:nvPr/>
+        </p:nvPicPr>
+        <p:blipFill>
+          <a:blip r:embed="rId4"/>
+          <a:stretch>
+            <a:fillRect/>
+          </a:stretch>
+        </p:blipFill>
+        <p:spPr>
+          <a:xfrm>
+            <a:off x="1024127" y="4266365"/>
+            <a:ext cx="4064535" cy="2230861"/>
+          </a:xfrm>
+          <a:prstGeom prst="rect">
+            <a:avLst/>
+          </a:prstGeom>
+        </p:spPr>
+      </p:pic>
+      <p:cxnSp>
+        <p:nvCxnSpPr>
+          <p:cNvPr id="11" name="Straight Arrow Connector 10">
+            <a:extLst>
+              <a:ext uri="{FF2B5EF4-FFF2-40B4-BE49-F238E27FC236}">
+                <a16:creationId xmlns:a16="http://schemas.microsoft.com/office/drawing/2014/main" id="{9A8E13AB-2B14-E47F-6340-1F63BC55F8AC}"/>
+              </a:ext>
+            </a:extLst>
+          </p:cNvPr>
+          <p:cNvCxnSpPr/>
+          <p:nvPr/>
+        </p:nvCxnSpPr>
+        <p:spPr>
+          <a:xfrm>
+            <a:off x="6501384" y="1754327"/>
+            <a:ext cx="1067159" cy="1281481"/>
+          </a:xfrm>
+          <a:prstGeom prst="straightConnector1">
+            <a:avLst/>
+          </a:prstGeom>
+          <a:ln>
+            <a:tailEnd type="triangle"/>
+          </a:ln>
+        </p:spPr>
+        <p:style>
+          <a:lnRef idx="1">
+            <a:schemeClr val="accent1"/>
+          </a:lnRef>
+          <a:fillRef idx="0">
+            <a:schemeClr val="accent1"/>
+          </a:fillRef>
+          <a:effectRef idx="0">
+            <a:schemeClr val="accent1"/>
+          </a:effectRef>
+          <a:fontRef idx="minor">
+            <a:schemeClr val="tx1"/>
+          </a:fontRef>
+        </p:style>
+      </p:cxnSp>
+      <p:sp>
+        <p:nvSpPr>
+          <p:cNvPr id="12" name="TextBox 11">
+            <a:extLst>
+              <a:ext uri="{FF2B5EF4-FFF2-40B4-BE49-F238E27FC236}">
+                <a16:creationId xmlns:a16="http://schemas.microsoft.com/office/drawing/2014/main" id="{9984E401-FA5D-0F59-8EAD-4B42B698C1B9}"/>
+              </a:ext>
+            </a:extLst>
+          </p:cNvPr>
+          <p:cNvSpPr txBox="1"/>
+          <p:nvPr/>
+        </p:nvSpPr>
+        <p:spPr>
+          <a:xfrm>
+            <a:off x="6501384" y="1569661"/>
+            <a:ext cx="561372" cy="369332"/>
+          </a:xfrm>
+          <a:prstGeom prst="rect">
+            <a:avLst/>
+          </a:prstGeom>
+          <a:noFill/>
+        </p:spPr>
+        <p:txBody>
+          <a:bodyPr wrap="none" rtlCol="0">
+            <a:spAutoFit/>
+          </a:bodyPr>
+          <a:lstStyle/>
+          <a:p>
+            <a:r>
+              <a:rPr lang="en-US" dirty="0"/>
+              <a:t>App</a:t>
+            </a:r>
+          </a:p>
+        </p:txBody>
+      </p:sp>
+      <p:cxnSp>
+        <p:nvCxnSpPr>
+          <p:cNvPr id="14" name="Straight Arrow Connector 13">
+            <a:extLst>
+              <a:ext uri="{FF2B5EF4-FFF2-40B4-BE49-F238E27FC236}">
+                <a16:creationId xmlns:a16="http://schemas.microsoft.com/office/drawing/2014/main" id="{9667CD23-3533-B188-0300-8A03274CEA3D}"/>
+              </a:ext>
+            </a:extLst>
+          </p:cNvPr>
+          <p:cNvCxnSpPr>
+            <a:cxnSpLocks/>
+          </p:cNvCxnSpPr>
+          <p:nvPr/>
+        </p:nvCxnSpPr>
+        <p:spPr>
+          <a:xfrm>
+            <a:off x="3291840" y="3078413"/>
+            <a:ext cx="164592" cy="2691451"/>
+          </a:xfrm>
+          <a:prstGeom prst="straightConnector1">
+            <a:avLst/>
+          </a:prstGeom>
+          <a:ln>
+            <a:tailEnd type="triangle"/>
+          </a:ln>
+        </p:spPr>
+        <p:style>
+          <a:lnRef idx="1">
+            <a:schemeClr val="accent1"/>
+          </a:lnRef>
+          <a:fillRef idx="0">
+            <a:schemeClr val="accent1"/>
+          </a:fillRef>
+          <a:effectRef idx="0">
+            <a:schemeClr val="accent1"/>
+          </a:effectRef>
+          <a:fontRef idx="minor">
+            <a:schemeClr val="tx1"/>
+          </a:fontRef>
+        </p:style>
+      </p:cxnSp>
+      <p:sp>
+        <p:nvSpPr>
+          <p:cNvPr id="16" name="TextBox 15">
+            <a:extLst>
+              <a:ext uri="{FF2B5EF4-FFF2-40B4-BE49-F238E27FC236}">
+                <a16:creationId xmlns:a16="http://schemas.microsoft.com/office/drawing/2014/main" id="{9C1096F9-9F59-7B57-C093-2A2F6829F7DA}"/>
+              </a:ext>
+            </a:extLst>
+          </p:cNvPr>
+          <p:cNvSpPr txBox="1"/>
+          <p:nvPr/>
+        </p:nvSpPr>
+        <p:spPr>
+          <a:xfrm>
+            <a:off x="2898648" y="3246120"/>
+            <a:ext cx="779444" cy="369332"/>
+          </a:xfrm>
+          <a:prstGeom prst="rect">
+            <a:avLst/>
+          </a:prstGeom>
+          <a:noFill/>
+        </p:spPr>
+        <p:txBody>
+          <a:bodyPr wrap="none" rtlCol="0">
+            <a:spAutoFit/>
+          </a:bodyPr>
+          <a:lstStyle/>
+          <a:p>
+            <a:r>
+              <a:rPr lang="en-US" dirty="0"/>
+              <a:t>Folder</a:t>
+            </a:r>
+          </a:p>
+        </p:txBody>
+      </p:sp>
+      <p:sp>
+        <p:nvSpPr>
+          <p:cNvPr id="17" name="TextBox 16">
+            <a:extLst>
+              <a:ext uri="{FF2B5EF4-FFF2-40B4-BE49-F238E27FC236}">
+                <a16:creationId xmlns:a16="http://schemas.microsoft.com/office/drawing/2014/main" id="{6FC7DBA7-3DB1-FFEA-19E8-B5B11993EDFD}"/>
+              </a:ext>
+            </a:extLst>
+          </p:cNvPr>
+          <p:cNvSpPr txBox="1"/>
+          <p:nvPr/>
+        </p:nvSpPr>
+        <p:spPr>
+          <a:xfrm>
+            <a:off x="5961888" y="4446867"/>
+            <a:ext cx="5096716" cy="923330"/>
+          </a:xfrm>
+          <a:prstGeom prst="rect">
+            <a:avLst/>
+          </a:prstGeom>
+          <a:noFill/>
+        </p:spPr>
+        <p:txBody>
+          <a:bodyPr wrap="none" rtlCol="0">
+            <a:spAutoFit/>
+          </a:bodyPr>
+          <a:lstStyle/>
+          <a:p>
+            <a:r>
+              <a:rPr lang="en-US" dirty="0"/>
+              <a:t>Header </a:t>
+            </a:r>
+          </a:p>
+          <a:p>
+            <a:r>
+              <a:rPr lang="en-US" dirty="0"/>
+              <a:t>Body [How to add link /side bar /carousel /picture ]  </a:t>
+            </a:r>
+          </a:p>
+          <a:p>
+            <a:r>
+              <a:rPr lang="en-US" dirty="0"/>
+              <a:t>FOOTER</a:t>
+            </a:r>
+          </a:p>
+        </p:txBody>
+      </p:sp>
     </p:spTree>
     <p:extLst>
       <p:ext uri="{BB962C8B-B14F-4D97-AF65-F5344CB8AC3E}">
-        <p14:creationId xmlns:p14="http://schemas.microsoft.com/office/powerpoint/2010/main" val="1486535379"/>
+        <p14:creationId xmlns:p14="http://schemas.microsoft.com/office/powerpoint/2010/main" val="1805123889"/>
       </p:ext>
     </p:extLst>
   </p:cSld>
@@ -6711,12 +8660,111 @@
           <a:chExt cx="0" cy="0"/>
         </a:xfrm>
       </p:grpSpPr>
-      <p:sp>
-        <p:nvSpPr>
-          <p:cNvPr id="2" name="TextBox 1">
-            <a:extLst>
-              <a:ext uri="{FF2B5EF4-FFF2-40B4-BE49-F238E27FC236}">
-                <a16:creationId xmlns:a16="http://schemas.microsoft.com/office/drawing/2014/main" id="{735589B2-FBEE-FEAB-473F-ABC55DE543F3}"/>
+      <p:pic>
+        <p:nvPicPr>
+          <p:cNvPr id="5" name="Picture 4">
+            <a:extLst>
+              <a:ext uri="{FF2B5EF4-FFF2-40B4-BE49-F238E27FC236}">
+                <a16:creationId xmlns:a16="http://schemas.microsoft.com/office/drawing/2014/main" id="{BEABA06A-1817-CA62-C939-B2E3FE0AE87D}"/>
+              </a:ext>
+            </a:extLst>
+          </p:cNvPr>
+          <p:cNvPicPr>
+            <a:picLocks noChangeAspect="1"/>
+          </p:cNvPicPr>
+          <p:nvPr/>
+        </p:nvPicPr>
+        <p:blipFill>
+          <a:blip r:embed="rId2"/>
+          <a:stretch>
+            <a:fillRect/>
+          </a:stretch>
+        </p:blipFill>
+        <p:spPr>
+          <a:xfrm>
+            <a:off x="365754" y="132890"/>
+            <a:ext cx="7452366" cy="3296110"/>
+          </a:xfrm>
+          <a:prstGeom prst="rect">
+            <a:avLst/>
+          </a:prstGeom>
+        </p:spPr>
+      </p:pic>
+      <p:pic>
+        <p:nvPicPr>
+          <p:cNvPr id="7" name="Picture 6">
+            <a:extLst>
+              <a:ext uri="{FF2B5EF4-FFF2-40B4-BE49-F238E27FC236}">
+                <a16:creationId xmlns:a16="http://schemas.microsoft.com/office/drawing/2014/main" id="{9E4A6ED4-FE75-D0A5-36AF-4C714A7F17F1}"/>
+              </a:ext>
+            </a:extLst>
+          </p:cNvPr>
+          <p:cNvPicPr>
+            <a:picLocks noChangeAspect="1"/>
+          </p:cNvPicPr>
+          <p:nvPr/>
+        </p:nvPicPr>
+        <p:blipFill>
+          <a:blip r:embed="rId3"/>
+          <a:stretch>
+            <a:fillRect/>
+          </a:stretch>
+        </p:blipFill>
+        <p:spPr>
+          <a:xfrm>
+            <a:off x="4672583" y="3032577"/>
+            <a:ext cx="6754863" cy="2155528"/>
+          </a:xfrm>
+          <a:prstGeom prst="rect">
+            <a:avLst/>
+          </a:prstGeom>
+        </p:spPr>
+      </p:pic>
+      <p:cxnSp>
+        <p:nvCxnSpPr>
+          <p:cNvPr id="9" name="Straight Arrow Connector 8">
+            <a:extLst>
+              <a:ext uri="{FF2B5EF4-FFF2-40B4-BE49-F238E27FC236}">
+                <a16:creationId xmlns:a16="http://schemas.microsoft.com/office/drawing/2014/main" id="{693FD6D4-7BE8-E30E-545A-C2424E45671F}"/>
+              </a:ext>
+            </a:extLst>
+          </p:cNvPr>
+          <p:cNvCxnSpPr/>
+          <p:nvPr/>
+        </p:nvCxnSpPr>
+        <p:spPr>
+          <a:xfrm>
+            <a:off x="1499616" y="2029968"/>
+            <a:ext cx="2788920" cy="1005840"/>
+          </a:xfrm>
+          <a:prstGeom prst="straightConnector1">
+            <a:avLst/>
+          </a:prstGeom>
+          <a:ln>
+            <a:tailEnd type="triangle"/>
+          </a:ln>
+        </p:spPr>
+        <p:style>
+          <a:lnRef idx="1">
+            <a:schemeClr val="accent1"/>
+          </a:lnRef>
+          <a:fillRef idx="0">
+            <a:schemeClr val="accent1"/>
+          </a:fillRef>
+          <a:effectRef idx="0">
+            <a:schemeClr val="accent1"/>
+          </a:effectRef>
+          <a:fontRef idx="minor">
+            <a:schemeClr val="tx1"/>
+          </a:fontRef>
+        </p:style>
+      </p:cxnSp>
+      <p:sp>
+        <p:nvSpPr>
+          <p:cNvPr id="10" name="TextBox 9">
+            <a:extLst>
+              <a:ext uri="{FF2B5EF4-FFF2-40B4-BE49-F238E27FC236}">
+                <a16:creationId xmlns:a16="http://schemas.microsoft.com/office/drawing/2014/main" id="{3476742A-CE8C-D14D-734C-4398FF82B72E}"/>
               </a:ext>
             </a:extLst>
           </p:cNvPr>
@@ -6725,8 +8773,8 @@
         </p:nvSpPr>
         <p:spPr>
           <a:xfrm>
-            <a:off x="320040" y="393192"/>
-            <a:ext cx="6011069" cy="923330"/>
+            <a:off x="3493008" y="5907024"/>
+            <a:ext cx="3390800" cy="369332"/>
           </a:xfrm>
           <a:prstGeom prst="rect">
             <a:avLst/>
@@ -6740,41 +8788,21 @@
           <a:lstStyle/>
           <a:p>
             <a:r>
+              <a:rPr lang="en-US" dirty="0"/>
+              <a:t>Change from 6 to 4 </a:t>
+            </a:r>
+            <a:r>
               <a:rPr lang="th-TH" dirty="0"/>
-              <a:t>การใช่งาน </a:t>
-            </a:r>
-            <a:r>
-              <a:rPr lang="en-US" dirty="0" err="1"/>
-              <a:t>Ngrok</a:t>
+              <a:t>เป็น </a:t>
             </a:r>
             <a:r>
               <a:rPr lang="en-US" dirty="0"/>
-              <a:t>  forwards with </a:t>
-            </a:r>
-            <a:r>
-              <a:rPr lang="en-US" dirty="0" err="1"/>
-              <a:t>Ngrok</a:t>
-            </a:r>
-            <a:r>
-              <a:rPr lang="en-US" dirty="0"/>
-              <a:t> use our computer is server</a:t>
-            </a:r>
-          </a:p>
-          <a:p>
-            <a:r>
-              <a:rPr lang="en-US" dirty="0"/>
-              <a:t>  </a:t>
-            </a:r>
-            <a:r>
-              <a:rPr lang="en-US" dirty="0" err="1"/>
-              <a:t>ngrok</a:t>
-            </a:r>
-            <a:r>
-              <a:rPr lang="en-US" dirty="0"/>
-              <a:t> http 8000 </a:t>
-            </a:r>
-          </a:p>
-          <a:p>
+              <a:t>3 </a:t>
+            </a:r>
+            <a:r>
+              <a:rPr lang="th-TH" dirty="0"/>
+              <a:t>ช่องอยู่ด้วยกัน</a:t>
+            </a:r>
             <a:endParaRPr lang="en-US" dirty="0"/>
           </a:p>
         </p:txBody>
@@ -6782,7 +8810,7 @@
     </p:spTree>
     <p:extLst>
       <p:ext uri="{BB962C8B-B14F-4D97-AF65-F5344CB8AC3E}">
-        <p14:creationId xmlns:p14="http://schemas.microsoft.com/office/powerpoint/2010/main" val="2401643237"/>
+        <p14:creationId xmlns:p14="http://schemas.microsoft.com/office/powerpoint/2010/main" val="176034305"/>
       </p:ext>
     </p:extLst>
   </p:cSld>
